--- a/4 算法/《深度学习推荐系统》.pptx
+++ b/4 算法/《深度学习推荐系统》.pptx
@@ -5,10 +5,12 @@
     <p:sldMasterId id="2147483648" r:id="rId1"/>
   </p:sldMasterIdLst>
   <p:notesMasterIdLst>
-    <p:notesMasterId r:id="rId3"/>
+    <p:notesMasterId r:id="rId5"/>
   </p:notesMasterIdLst>
   <p:sldIdLst>
     <p:sldId id="689" r:id="rId2"/>
+    <p:sldId id="690" r:id="rId3"/>
+    <p:sldId id="691" r:id="rId4"/>
   </p:sldIdLst>
   <p:sldSz cx="12192000" cy="6858000"/>
   <p:notesSz cx="6858000" cy="9144000"/>
@@ -1179,7 +1181,7 @@
           <a:prstGeom prst="rect">
             <a:avLst/>
           </a:prstGeom>
-          <a:ln>
+          <a:ln w="12700">
             <a:solidFill>
               <a:schemeClr val="tx1"/>
             </a:solidFill>
@@ -1194,12 +1196,6 @@
             <a:pPr algn="ctr"/>
             <a:r>
               <a:rPr lang="zh-CN" altLang="en-US" sz="2000" dirty="0">
-                <a:solidFill>
-                  <a:schemeClr val="tx1">
-                    <a:lumMod val="75000"/>
-                    <a:lumOff val="25000"/>
-                  </a:schemeClr>
-                </a:solidFill>
                 <a:latin typeface="Microsoft YaHei Light" panose="020B0503020204020204" pitchFamily="34" charset="-122"/>
                 <a:ea typeface="Microsoft YaHei Light" panose="020B0503020204020204" pitchFamily="34" charset="-122"/>
               </a:rPr>
@@ -1228,7 +1224,7 @@
           <a:prstGeom prst="rect">
             <a:avLst/>
           </a:prstGeom>
-          <a:ln>
+          <a:ln w="12700">
             <a:solidFill>
               <a:schemeClr val="tx1"/>
             </a:solidFill>
@@ -1243,12 +1239,6 @@
             <a:pPr algn="ctr"/>
             <a:r>
               <a:rPr lang="zh-CN" altLang="en-US" sz="2000" dirty="0">
-                <a:solidFill>
-                  <a:schemeClr val="tx1">
-                    <a:lumMod val="75000"/>
-                    <a:lumOff val="25000"/>
-                  </a:schemeClr>
-                </a:solidFill>
                 <a:latin typeface="Microsoft YaHei Light" panose="020B0503020204020204" pitchFamily="34" charset="-122"/>
                 <a:ea typeface="Microsoft YaHei Light" panose="020B0503020204020204" pitchFamily="34" charset="-122"/>
               </a:rPr>
@@ -1277,7 +1267,7 @@
           <a:prstGeom prst="rect">
             <a:avLst/>
           </a:prstGeom>
-          <a:ln>
+          <a:ln w="12700">
             <a:solidFill>
               <a:schemeClr val="tx1"/>
             </a:solidFill>
@@ -1292,12 +1282,6 @@
             <a:pPr algn="ctr"/>
             <a:r>
               <a:rPr lang="zh-CN" altLang="en-US" sz="2000" dirty="0">
-                <a:solidFill>
-                  <a:schemeClr val="tx1">
-                    <a:lumMod val="75000"/>
-                    <a:lumOff val="25000"/>
-                  </a:schemeClr>
-                </a:solidFill>
                 <a:latin typeface="Microsoft YaHei Light" panose="020B0503020204020204" pitchFamily="34" charset="-122"/>
                 <a:ea typeface="Microsoft YaHei Light" panose="020B0503020204020204" pitchFamily="34" charset="-122"/>
               </a:rPr>
@@ -1320,45 +1304,33 @@
         </p:nvSpPr>
         <p:spPr>
           <a:xfrm>
-            <a:off x="8935627" y="3671921"/>
-            <a:ext cx="1287873" cy="906366"/>
+            <a:off x="8935626" y="3163549"/>
+            <a:ext cx="1332000" cy="1800000"/>
           </a:xfrm>
           <a:prstGeom prst="rect">
             <a:avLst/>
           </a:prstGeom>
-          <a:ln>
+          <a:ln w="12700">
             <a:solidFill>
               <a:schemeClr val="tx1"/>
             </a:solidFill>
           </a:ln>
         </p:spPr>
         <p:txBody>
-          <a:bodyPr wrap="square" tIns="144000" bIns="144000">
-            <a:spAutoFit/>
+          <a:bodyPr wrap="square" tIns="144000" bIns="144000" anchor="ctr">
+            <a:noAutofit/>
           </a:bodyPr>
           <a:lstStyle/>
           <a:p>
             <a:pPr algn="ctr"/>
             <a:r>
-              <a:rPr lang="zh-CN" altLang="en-US" sz="2000" dirty="0">
-                <a:solidFill>
-                  <a:schemeClr val="tx1">
-                    <a:lumMod val="75000"/>
-                    <a:lumOff val="25000"/>
-                  </a:schemeClr>
-                </a:solidFill>
+              <a:rPr lang="zh-CN" altLang="en-US" sz="2000">
                 <a:latin typeface="Microsoft YaHei Light" panose="020B0503020204020204" pitchFamily="34" charset="-122"/>
                 <a:ea typeface="Microsoft YaHei Light" panose="020B0503020204020204" pitchFamily="34" charset="-122"/>
               </a:rPr>
               <a:t>推荐物品</a:t>
             </a:r>
             <a:endParaRPr lang="en-US" altLang="zh-CN" sz="2000" dirty="0">
-              <a:solidFill>
-                <a:schemeClr val="tx1">
-                  <a:lumMod val="75000"/>
-                  <a:lumOff val="25000"/>
-                </a:schemeClr>
-              </a:solidFill>
               <a:latin typeface="Microsoft YaHei Light" panose="020B0503020204020204" pitchFamily="34" charset="-122"/>
               <a:ea typeface="Microsoft YaHei Light" panose="020B0503020204020204" pitchFamily="34" charset="-122"/>
             </a:endParaRPr>
@@ -1367,12 +1339,6 @@
             <a:pPr algn="ctr"/>
             <a:r>
               <a:rPr lang="zh-CN" altLang="en-US" sz="2000" dirty="0">
-                <a:solidFill>
-                  <a:schemeClr val="tx1">
-                    <a:lumMod val="75000"/>
-                    <a:lumOff val="25000"/>
-                  </a:schemeClr>
-                </a:solidFill>
                 <a:latin typeface="Microsoft YaHei Light" panose="020B0503020204020204" pitchFamily="34" charset="-122"/>
                 <a:ea typeface="Microsoft YaHei Light" panose="020B0503020204020204" pitchFamily="34" charset="-122"/>
               </a:rPr>
@@ -1401,7 +1367,7 @@
           <a:prstGeom prst="rect">
             <a:avLst/>
           </a:prstGeom>
-          <a:ln>
+          <a:ln w="12700">
             <a:solidFill>
               <a:schemeClr val="tx1"/>
             </a:solidFill>
@@ -1415,38 +1381,20 @@
           <a:p>
             <a:pPr algn="ctr"/>
             <a:r>
-              <a:rPr lang="zh-CN" altLang="en-US" sz="2400" dirty="0">
-                <a:solidFill>
-                  <a:schemeClr val="tx1">
-                    <a:lumMod val="75000"/>
-                    <a:lumOff val="25000"/>
-                  </a:schemeClr>
-                </a:solidFill>
+              <a:rPr lang="zh-CN" altLang="en-US" sz="2000">
                 <a:latin typeface="Microsoft YaHei Light" panose="020B0503020204020204" pitchFamily="34" charset="-122"/>
                 <a:ea typeface="Microsoft YaHei Light" panose="020B0503020204020204" pitchFamily="34" charset="-122"/>
               </a:rPr>
               <a:t>推荐模型</a:t>
             </a:r>
-            <a:endParaRPr lang="en-US" altLang="zh-CN" sz="2400" dirty="0">
-              <a:solidFill>
-                <a:schemeClr val="tx1">
-                  <a:lumMod val="75000"/>
-                  <a:lumOff val="25000"/>
-                </a:schemeClr>
-              </a:solidFill>
+            <a:endParaRPr lang="en-US" altLang="zh-CN" sz="2000">
               <a:latin typeface="Microsoft YaHei Light" panose="020B0503020204020204" pitchFamily="34" charset="-122"/>
               <a:ea typeface="Microsoft YaHei Light" panose="020B0503020204020204" pitchFamily="34" charset="-122"/>
             </a:endParaRPr>
           </a:p>
           <a:p>
             <a:pPr algn="ctr"/>
-            <a:endParaRPr lang="en-US" altLang="zh-CN" sz="2400" dirty="0">
-              <a:solidFill>
-                <a:schemeClr val="tx1">
-                  <a:lumMod val="75000"/>
-                  <a:lumOff val="25000"/>
-                </a:schemeClr>
-              </a:solidFill>
+            <a:endParaRPr lang="en-US" altLang="zh-CN" sz="2000" dirty="0">
               <a:latin typeface="Microsoft YaHei Light" panose="020B0503020204020204" pitchFamily="34" charset="-122"/>
               <a:ea typeface="Microsoft YaHei Light" panose="020B0503020204020204" pitchFamily="34" charset="-122"/>
             </a:endParaRPr>
@@ -1467,8 +1415,8 @@
         </p:nvSpPr>
         <p:spPr>
           <a:xfrm>
-            <a:off x="1753613" y="3217213"/>
-            <a:ext cx="1331071" cy="1815782"/>
+            <a:off x="1725026" y="3163549"/>
+            <a:ext cx="1331071" cy="1800000"/>
           </a:xfrm>
           <a:prstGeom prst="can">
             <a:avLst/>
@@ -1504,10 +1452,7 @@
             <a:r>
               <a:rPr kumimoji="1" lang="zh-CN" altLang="en-US" sz="2000" dirty="0">
                 <a:solidFill>
-                  <a:schemeClr val="tx1">
-                    <a:lumMod val="75000"/>
-                    <a:lumOff val="25000"/>
-                  </a:schemeClr>
+                  <a:schemeClr val="tx1"/>
                 </a:solidFill>
                 <a:latin typeface="Microsoft YaHei Light" panose="020B0503020204020204" pitchFamily="34" charset="-122"/>
                 <a:ea typeface="Microsoft YaHei Light" panose="020B0503020204020204" pitchFamily="34" charset="-122"/>
@@ -1516,10 +1461,7 @@
             </a:r>
             <a:endParaRPr kumimoji="1" lang="en-US" altLang="zh-CN" sz="2000" dirty="0">
               <a:solidFill>
-                <a:schemeClr val="tx1">
-                  <a:lumMod val="75000"/>
-                  <a:lumOff val="25000"/>
-                </a:schemeClr>
+                <a:schemeClr val="tx1"/>
               </a:solidFill>
               <a:latin typeface="Microsoft YaHei Light" panose="020B0503020204020204" pitchFamily="34" charset="-122"/>
               <a:ea typeface="Microsoft YaHei Light" panose="020B0503020204020204" pitchFamily="34" charset="-122"/>
@@ -1530,10 +1472,7 @@
             <a:r>
               <a:rPr kumimoji="1" lang="zh-CN" altLang="en-US" sz="2000" dirty="0">
                 <a:solidFill>
-                  <a:schemeClr val="tx1">
-                    <a:lumMod val="75000"/>
-                    <a:lumOff val="25000"/>
-                  </a:schemeClr>
+                  <a:schemeClr val="tx1"/>
                 </a:solidFill>
                 <a:latin typeface="Microsoft YaHei Light" panose="020B0503020204020204" pitchFamily="34" charset="-122"/>
                 <a:ea typeface="Microsoft YaHei Light" panose="020B0503020204020204" pitchFamily="34" charset="-122"/>
@@ -1567,8 +1506,9 @@
           <a:prstGeom prst="straightConnector1">
             <a:avLst/>
           </a:prstGeom>
-          <a:ln>
-            <a:tailEnd type="triangle"/>
+          <a:ln w="12700">
+            <a:headEnd w="lg" len="lg"/>
+            <a:tailEnd type="triangle" w="lg" len="lg"/>
           </a:ln>
         </p:spPr>
         <p:style>
@@ -1602,8 +1542,8 @@
             </p:nvSpPr>
             <p:spPr>
               <a:xfrm>
-                <a:off x="5511049" y="4072031"/>
-                <a:ext cx="969624" cy="276999"/>
+                <a:off x="5460715" y="4113976"/>
+                <a:ext cx="1072858" cy="307777"/>
               </a:xfrm>
               <a:prstGeom prst="rect">
                 <a:avLst/>
@@ -1616,6 +1556,7 @@
               </a:bodyPr>
               <a:lstStyle/>
               <a:p>
+                <a:pPr/>
                 <a14:m>
                   <m:oMathPara xmlns:m="http://schemas.openxmlformats.org/officeDocument/2006/math">
                     <m:oMathParaPr>
@@ -1623,61 +1564,49 @@
                     </m:oMathParaPr>
                     <m:oMath xmlns:m="http://schemas.openxmlformats.org/officeDocument/2006/math">
                       <m:r>
-                        <a:rPr kumimoji="1" lang="en-US" altLang="zh-CN" b="0" i="1" smtClean="0">
+                        <a:rPr kumimoji="1" lang="en-US" altLang="zh-CN" sz="2000" b="0" i="1" smtClean="0">
                           <a:latin typeface="Cambria Math" panose="02040503050406030204" pitchFamily="18" charset="0"/>
                         </a:rPr>
                         <m:t>𝑓</m:t>
                       </m:r>
                       <m:r>
-                        <a:rPr kumimoji="1" lang="en-US" altLang="zh-CN" b="0" i="1" smtClean="0">
+                        <a:rPr kumimoji="1" lang="en-US" altLang="zh-CN" sz="2000" b="0" i="1" smtClean="0">
                           <a:latin typeface="Cambria Math" panose="02040503050406030204" pitchFamily="18" charset="0"/>
                         </a:rPr>
                         <m:t>(</m:t>
                       </m:r>
                       <m:r>
-                        <a:rPr kumimoji="1" lang="en-US" altLang="zh-CN" b="0" i="1" smtClean="0">
+                        <a:rPr kumimoji="1" lang="en-US" altLang="zh-CN" sz="2000" b="0" i="1" smtClean="0">
                           <a:latin typeface="Cambria Math" panose="02040503050406030204" pitchFamily="18" charset="0"/>
                         </a:rPr>
                         <m:t>𝑈</m:t>
                       </m:r>
                       <m:r>
-                        <a:rPr kumimoji="1" lang="en-US" altLang="zh-CN" b="0" i="1" smtClean="0">
+                        <a:rPr kumimoji="1" lang="en-US" altLang="zh-CN" sz="2000" b="0" i="1" smtClean="0">
                           <a:latin typeface="Cambria Math" panose="02040503050406030204" pitchFamily="18" charset="0"/>
                         </a:rPr>
-                        <m:t>,</m:t>
+                        <m:t>, </m:t>
                       </m:r>
                       <m:r>
-                        <a:rPr kumimoji="1" lang="zh-CN" altLang="en-US" b="0" i="1" smtClean="0">
-                          <a:latin typeface="Cambria Math" panose="02040503050406030204" pitchFamily="18" charset="0"/>
-                        </a:rPr>
-                        <m:t> </m:t>
-                      </m:r>
-                      <m:r>
-                        <a:rPr kumimoji="1" lang="en-US" altLang="zh-CN" b="0" i="1" smtClean="0">
+                        <a:rPr kumimoji="1" lang="en-US" altLang="zh-CN" sz="2000" b="0" i="1" smtClean="0">
                           <a:latin typeface="Cambria Math" panose="02040503050406030204" pitchFamily="18" charset="0"/>
                         </a:rPr>
                         <m:t>𝐼</m:t>
                       </m:r>
                       <m:r>
-                        <a:rPr kumimoji="1" lang="en-US" altLang="zh-CN" b="0" i="1" smtClean="0">
+                        <a:rPr kumimoji="1" lang="en-US" altLang="zh-CN" sz="2000" b="0" i="1" smtClean="0">
                           <a:latin typeface="Cambria Math" panose="02040503050406030204" pitchFamily="18" charset="0"/>
                         </a:rPr>
-                        <m:t>,</m:t>
+                        <m:t>, </m:t>
                       </m:r>
                       <m:r>
-                        <a:rPr kumimoji="1" lang="zh-CN" altLang="en-US" b="0" i="1" smtClean="0">
-                          <a:latin typeface="Cambria Math" panose="02040503050406030204" pitchFamily="18" charset="0"/>
-                        </a:rPr>
-                        <m:t> </m:t>
-                      </m:r>
-                      <m:r>
-                        <a:rPr kumimoji="1" lang="en-US" altLang="zh-CN" b="0" i="1" smtClean="0">
+                        <a:rPr kumimoji="1" lang="en-US" altLang="zh-CN" sz="2000" b="0" i="1" smtClean="0">
                           <a:latin typeface="Cambria Math" panose="02040503050406030204" pitchFamily="18" charset="0"/>
                         </a:rPr>
                         <m:t>𝐶</m:t>
                       </m:r>
                       <m:r>
-                        <a:rPr kumimoji="1" lang="en-US" altLang="zh-CN" b="0" i="1" smtClean="0">
+                        <a:rPr kumimoji="1" lang="en-US" altLang="zh-CN" sz="2000" b="0" i="1" smtClean="0">
                           <a:latin typeface="Cambria Math" panose="02040503050406030204" pitchFamily="18" charset="0"/>
                         </a:rPr>
                         <m:t>)</m:t>
@@ -1685,7 +1614,7 @@
                     </m:oMath>
                   </m:oMathPara>
                 </a14:m>
-                <a:endParaRPr kumimoji="1" lang="zh-CN" altLang="en-US" dirty="0"/>
+                <a:endParaRPr kumimoji="1" lang="zh-CN" altLang="en-US" sz="2000" dirty="0"/>
               </a:p>
             </p:txBody>
           </p:sp>
@@ -1707,8 +1636,8 @@
             </p:nvSpPr>
             <p:spPr>
               <a:xfrm>
-                <a:off x="5511049" y="4072031"/>
-                <a:ext cx="969624" cy="276999"/>
+                <a:off x="5460715" y="4113976"/>
+                <a:ext cx="1072858" cy="307777"/>
               </a:xfrm>
               <a:prstGeom prst="rect">
                 <a:avLst/>
@@ -1716,7 +1645,7 @@
               <a:blipFill>
                 <a:blip r:embed="rId2"/>
                 <a:stretch>
-                  <a:fillRect l="-6410" r="-6410" b="-39130"/>
+                  <a:fillRect l="-7955" r="-7386" b="-40000"/>
                 </a:stretch>
               </a:blipFill>
             </p:spPr>
@@ -1753,14 +1682,15 @@
         </p:nvCxnSpPr>
         <p:spPr>
           <a:xfrm>
-            <a:off x="3084684" y="4125104"/>
-            <a:ext cx="1376553" cy="0"/>
+            <a:off x="3056097" y="4063549"/>
+            <a:ext cx="1405140" cy="0"/>
           </a:xfrm>
           <a:prstGeom prst="straightConnector1">
             <a:avLst/>
           </a:prstGeom>
-          <a:ln>
-            <a:tailEnd type="triangle"/>
+          <a:ln w="12700">
+            <a:headEnd w="lg" len="lg"/>
+            <a:tailEnd type="triangle" w="lg" len="lg"/>
           </a:ln>
         </p:spPr>
         <p:style>
@@ -1796,14 +1726,15 @@
         </p:nvCxnSpPr>
         <p:spPr>
           <a:xfrm>
-            <a:off x="7530486" y="4125104"/>
-            <a:ext cx="1405141" cy="0"/>
+            <a:off x="7530486" y="4063549"/>
+            <a:ext cx="1405140" cy="0"/>
           </a:xfrm>
           <a:prstGeom prst="straightConnector1">
             <a:avLst/>
           </a:prstGeom>
-          <a:ln>
-            <a:tailEnd type="triangle"/>
+          <a:ln w="12700">
+            <a:headEnd w="lg" len="lg"/>
+            <a:tailEnd type="triangle" w="lg" len="lg"/>
           </a:ln>
         </p:spPr>
         <p:style>
@@ -1825,6 +1756,3439 @@
     <p:extLst>
       <p:ext uri="{BB962C8B-B14F-4D97-AF65-F5344CB8AC3E}">
         <p14:creationId xmlns:p14="http://schemas.microsoft.com/office/powerpoint/2010/main" val="2970002942"/>
+      </p:ext>
+    </p:extLst>
+  </p:cSld>
+  <p:clrMapOvr>
+    <a:masterClrMapping/>
+  </p:clrMapOvr>
+</p:sld>
+</file>
+
+<file path=ppt/slides/slide2.xml><?xml version="1.0" encoding="utf-8"?>
+<p:sld xmlns:a="http://schemas.openxmlformats.org/drawingml/2006/main" xmlns:r="http://schemas.openxmlformats.org/officeDocument/2006/relationships" xmlns:p="http://schemas.openxmlformats.org/presentationml/2006/main">
+  <p:cSld>
+    <p:spTree>
+      <p:nvGrpSpPr>
+        <p:cNvPr id="1" name=""/>
+        <p:cNvGrpSpPr/>
+        <p:nvPr/>
+      </p:nvGrpSpPr>
+      <p:grpSpPr>
+        <a:xfrm>
+          <a:off x="0" y="0"/>
+          <a:ext cx="0" cy="0"/>
+          <a:chOff x="0" y="0"/>
+          <a:chExt cx="0" cy="0"/>
+        </a:xfrm>
+      </p:grpSpPr>
+      <p:sp>
+        <p:nvSpPr>
+          <p:cNvPr id="4" name="矩形 3">
+            <a:extLst>
+              <a:ext uri="{FF2B5EF4-FFF2-40B4-BE49-F238E27FC236}">
+                <a16:creationId xmlns:a16="http://schemas.microsoft.com/office/drawing/2014/main" id="{F901EBA9-98D1-C040-BF87-732EC0DD37E5}"/>
+              </a:ext>
+            </a:extLst>
+          </p:cNvPr>
+          <p:cNvSpPr/>
+          <p:nvPr/>
+        </p:nvSpPr>
+        <p:spPr>
+          <a:xfrm>
+            <a:off x="1560909" y="1143908"/>
+            <a:ext cx="970066" cy="1232499"/>
+          </a:xfrm>
+          <a:prstGeom prst="rect">
+            <a:avLst/>
+          </a:prstGeom>
+          <a:ln w="9525">
+            <a:solidFill>
+              <a:schemeClr val="tx1"/>
+            </a:solidFill>
+          </a:ln>
+        </p:spPr>
+        <p:txBody>
+          <a:bodyPr wrap="square" tIns="72000" bIns="72000">
+            <a:spAutoFit/>
+          </a:bodyPr>
+          <a:lstStyle/>
+          <a:p>
+            <a:pPr>
+              <a:lnSpc>
+                <a:spcPct val="150000"/>
+              </a:lnSpc>
+            </a:pPr>
+            <a:r>
+              <a:rPr lang="zh-CN" altLang="en-US" sz="800" b="1">
+                <a:latin typeface="+mn-ea"/>
+              </a:rPr>
+              <a:t>主流大数据架构</a:t>
+            </a:r>
+            <a:endParaRPr lang="en-US" altLang="zh-CN" sz="800" b="1">
+              <a:latin typeface="+mn-ea"/>
+            </a:endParaRPr>
+          </a:p>
+          <a:p>
+            <a:pPr>
+              <a:lnSpc>
+                <a:spcPct val="150000"/>
+              </a:lnSpc>
+            </a:pPr>
+            <a:r>
+              <a:rPr lang="zh-CN" altLang="en-US" sz="800">
+                <a:solidFill>
+                  <a:schemeClr val="bg2">
+                    <a:lumMod val="50000"/>
+                  </a:schemeClr>
+                </a:solidFill>
+                <a:latin typeface="Microsoft YaHei Light" panose="020B0503020204020204" pitchFamily="34" charset="-122"/>
+                <a:ea typeface="Microsoft YaHei Light" panose="020B0503020204020204" pitchFamily="34" charset="-122"/>
+              </a:rPr>
+              <a:t>批处理</a:t>
+            </a:r>
+            <a:endParaRPr lang="en-US" altLang="zh-CN" sz="800">
+              <a:solidFill>
+                <a:schemeClr val="bg2">
+                  <a:lumMod val="50000"/>
+                </a:schemeClr>
+              </a:solidFill>
+              <a:latin typeface="Microsoft YaHei Light" panose="020B0503020204020204" pitchFamily="34" charset="-122"/>
+              <a:ea typeface="Microsoft YaHei Light" panose="020B0503020204020204" pitchFamily="34" charset="-122"/>
+            </a:endParaRPr>
+          </a:p>
+          <a:p>
+            <a:pPr>
+              <a:lnSpc>
+                <a:spcPct val="150000"/>
+              </a:lnSpc>
+            </a:pPr>
+            <a:r>
+              <a:rPr lang="zh-CN" altLang="en-US" sz="800">
+                <a:solidFill>
+                  <a:schemeClr val="bg2">
+                    <a:lumMod val="50000"/>
+                  </a:schemeClr>
+                </a:solidFill>
+                <a:latin typeface="Microsoft YaHei Light" panose="020B0503020204020204" pitchFamily="34" charset="-122"/>
+                <a:ea typeface="Microsoft YaHei Light" panose="020B0503020204020204" pitchFamily="34" charset="-122"/>
+              </a:rPr>
+              <a:t>流处理</a:t>
+            </a:r>
+            <a:endParaRPr lang="en-US" altLang="zh-CN" sz="800">
+              <a:solidFill>
+                <a:schemeClr val="bg2">
+                  <a:lumMod val="50000"/>
+                </a:schemeClr>
+              </a:solidFill>
+              <a:latin typeface="Microsoft YaHei Light" panose="020B0503020204020204" pitchFamily="34" charset="-122"/>
+              <a:ea typeface="Microsoft YaHei Light" panose="020B0503020204020204" pitchFamily="34" charset="-122"/>
+            </a:endParaRPr>
+          </a:p>
+          <a:p>
+            <a:pPr>
+              <a:lnSpc>
+                <a:spcPct val="150000"/>
+              </a:lnSpc>
+            </a:pPr>
+            <a:r>
+              <a:rPr lang="en-US" altLang="zh-CN" sz="800">
+                <a:solidFill>
+                  <a:schemeClr val="bg2">
+                    <a:lumMod val="50000"/>
+                  </a:schemeClr>
+                </a:solidFill>
+                <a:latin typeface="Microsoft YaHei Light" panose="020B0503020204020204" pitchFamily="34" charset="-122"/>
+                <a:ea typeface="Microsoft YaHei Light" panose="020B0503020204020204" pitchFamily="34" charset="-122"/>
+              </a:rPr>
+              <a:t>Lambda</a:t>
+            </a:r>
+          </a:p>
+          <a:p>
+            <a:pPr>
+              <a:lnSpc>
+                <a:spcPct val="150000"/>
+              </a:lnSpc>
+            </a:pPr>
+            <a:r>
+              <a:rPr lang="en-US" altLang="zh-CN" sz="800">
+                <a:solidFill>
+                  <a:schemeClr val="bg2">
+                    <a:lumMod val="50000"/>
+                  </a:schemeClr>
+                </a:solidFill>
+                <a:latin typeface="Microsoft YaHei Light" panose="020B0503020204020204" pitchFamily="34" charset="-122"/>
+                <a:ea typeface="Microsoft YaHei Light" panose="020B0503020204020204" pitchFamily="34" charset="-122"/>
+              </a:rPr>
+              <a:t>Kappa</a:t>
+            </a:r>
+          </a:p>
+          <a:p>
+            <a:pPr>
+              <a:lnSpc>
+                <a:spcPct val="150000"/>
+              </a:lnSpc>
+            </a:pPr>
+            <a:r>
+              <a:rPr lang="en-US" altLang="zh-CN" sz="800">
+                <a:solidFill>
+                  <a:schemeClr val="bg2">
+                    <a:lumMod val="50000"/>
+                  </a:schemeClr>
+                </a:solidFill>
+                <a:latin typeface="Microsoft YaHei Light" panose="020B0503020204020204" pitchFamily="34" charset="-122"/>
+                <a:ea typeface="Microsoft YaHei Light" panose="020B0503020204020204" pitchFamily="34" charset="-122"/>
+              </a:rPr>
+              <a:t>Unified</a:t>
+            </a:r>
+            <a:endParaRPr lang="zh-CN" altLang="en-US" sz="800" dirty="0">
+              <a:solidFill>
+                <a:schemeClr val="bg2">
+                  <a:lumMod val="50000"/>
+                </a:schemeClr>
+              </a:solidFill>
+              <a:latin typeface="Microsoft YaHei Light" panose="020B0503020204020204" pitchFamily="34" charset="-122"/>
+              <a:ea typeface="Microsoft YaHei Light" panose="020B0503020204020204" pitchFamily="34" charset="-122"/>
+            </a:endParaRPr>
+          </a:p>
+        </p:txBody>
+      </p:sp>
+      <p:sp>
+        <p:nvSpPr>
+          <p:cNvPr id="5" name="矩形 4">
+            <a:extLst>
+              <a:ext uri="{FF2B5EF4-FFF2-40B4-BE49-F238E27FC236}">
+                <a16:creationId xmlns:a16="http://schemas.microsoft.com/office/drawing/2014/main" id="{3348D6BB-8135-324B-86CA-629A3E166DB8}"/>
+              </a:ext>
+            </a:extLst>
+          </p:cNvPr>
+          <p:cNvSpPr/>
+          <p:nvPr/>
+        </p:nvSpPr>
+        <p:spPr>
+          <a:xfrm>
+            <a:off x="4557237" y="225447"/>
+            <a:ext cx="1217220" cy="493835"/>
+          </a:xfrm>
+          <a:prstGeom prst="rect">
+            <a:avLst/>
+          </a:prstGeom>
+          <a:ln w="9525">
+            <a:solidFill>
+              <a:schemeClr val="tx1"/>
+            </a:solidFill>
+          </a:ln>
+        </p:spPr>
+        <p:txBody>
+          <a:bodyPr wrap="square" tIns="72000" bIns="72000">
+            <a:spAutoFit/>
+          </a:bodyPr>
+          <a:lstStyle/>
+          <a:p>
+            <a:pPr algn="ctr">
+              <a:lnSpc>
+                <a:spcPct val="150000"/>
+              </a:lnSpc>
+            </a:pPr>
+            <a:r>
+              <a:rPr lang="zh-CN" altLang="en-US" sz="800" b="1">
+                <a:latin typeface="+mn-ea"/>
+              </a:rPr>
+              <a:t>客户端及服务器端</a:t>
+            </a:r>
+            <a:endParaRPr lang="en-US" altLang="zh-CN" sz="800" b="1">
+              <a:latin typeface="+mn-ea"/>
+            </a:endParaRPr>
+          </a:p>
+          <a:p>
+            <a:pPr algn="ctr">
+              <a:lnSpc>
+                <a:spcPct val="150000"/>
+              </a:lnSpc>
+            </a:pPr>
+            <a:r>
+              <a:rPr lang="zh-CN" altLang="en-US" sz="800">
+                <a:solidFill>
+                  <a:schemeClr val="bg2">
+                    <a:lumMod val="50000"/>
+                  </a:schemeClr>
+                </a:solidFill>
+                <a:latin typeface="Microsoft YaHei Light" panose="020B0503020204020204" pitchFamily="34" charset="-122"/>
+                <a:ea typeface="Microsoft YaHei Light" panose="020B0503020204020204" pitchFamily="34" charset="-122"/>
+              </a:rPr>
+              <a:t>实时数据处理</a:t>
+            </a:r>
+            <a:endParaRPr lang="zh-CN" altLang="en-US" sz="800" dirty="0">
+              <a:solidFill>
+                <a:schemeClr val="bg2">
+                  <a:lumMod val="50000"/>
+                </a:schemeClr>
+              </a:solidFill>
+              <a:latin typeface="Microsoft YaHei Light" panose="020B0503020204020204" pitchFamily="34" charset="-122"/>
+              <a:ea typeface="Microsoft YaHei Light" panose="020B0503020204020204" pitchFamily="34" charset="-122"/>
+            </a:endParaRPr>
+          </a:p>
+        </p:txBody>
+      </p:sp>
+      <p:sp>
+        <p:nvSpPr>
+          <p:cNvPr id="15" name="矩形 14">
+            <a:extLst>
+              <a:ext uri="{FF2B5EF4-FFF2-40B4-BE49-F238E27FC236}">
+                <a16:creationId xmlns:a16="http://schemas.microsoft.com/office/drawing/2014/main" id="{489BC553-1E21-41F1-92AC-AAA0A6CA3108}"/>
+              </a:ext>
+            </a:extLst>
+          </p:cNvPr>
+          <p:cNvSpPr/>
+          <p:nvPr/>
+        </p:nvSpPr>
+        <p:spPr>
+          <a:xfrm>
+            <a:off x="6170067" y="221459"/>
+            <a:ext cx="1217220" cy="493835"/>
+          </a:xfrm>
+          <a:prstGeom prst="rect">
+            <a:avLst/>
+          </a:prstGeom>
+          <a:ln w="9525">
+            <a:solidFill>
+              <a:schemeClr val="tx1"/>
+            </a:solidFill>
+          </a:ln>
+        </p:spPr>
+        <p:txBody>
+          <a:bodyPr wrap="square" tIns="72000" bIns="72000">
+            <a:spAutoFit/>
+          </a:bodyPr>
+          <a:lstStyle/>
+          <a:p>
+            <a:pPr algn="ctr">
+              <a:lnSpc>
+                <a:spcPct val="150000"/>
+              </a:lnSpc>
+            </a:pPr>
+            <a:r>
+              <a:rPr lang="zh-CN" altLang="en-US" sz="800" b="1">
+                <a:latin typeface="+mn-ea"/>
+              </a:rPr>
+              <a:t>流处理平台 </a:t>
+            </a:r>
+            <a:r>
+              <a:rPr lang="en-US" altLang="zh-CN" sz="800" b="1">
+                <a:latin typeface="+mn-ea"/>
+              </a:rPr>
+              <a:t>Flink</a:t>
+            </a:r>
+          </a:p>
+          <a:p>
+            <a:pPr algn="ctr">
+              <a:lnSpc>
+                <a:spcPct val="150000"/>
+              </a:lnSpc>
+            </a:pPr>
+            <a:r>
+              <a:rPr lang="zh-CN" altLang="en-US" sz="800">
+                <a:solidFill>
+                  <a:schemeClr val="bg2">
+                    <a:lumMod val="50000"/>
+                  </a:schemeClr>
+                </a:solidFill>
+                <a:latin typeface="Microsoft YaHei Light" panose="020B0503020204020204" pitchFamily="34" charset="-122"/>
+                <a:ea typeface="Microsoft YaHei Light" panose="020B0503020204020204" pitchFamily="34" charset="-122"/>
+              </a:rPr>
+              <a:t>准实时数据处理</a:t>
+            </a:r>
+            <a:endParaRPr lang="zh-CN" altLang="en-US" sz="800" dirty="0">
+              <a:solidFill>
+                <a:schemeClr val="bg2">
+                  <a:lumMod val="50000"/>
+                </a:schemeClr>
+              </a:solidFill>
+              <a:latin typeface="Microsoft YaHei Light" panose="020B0503020204020204" pitchFamily="34" charset="-122"/>
+              <a:ea typeface="Microsoft YaHei Light" panose="020B0503020204020204" pitchFamily="34" charset="-122"/>
+            </a:endParaRPr>
+          </a:p>
+        </p:txBody>
+      </p:sp>
+      <p:sp>
+        <p:nvSpPr>
+          <p:cNvPr id="17" name="矩形 16">
+            <a:extLst>
+              <a:ext uri="{FF2B5EF4-FFF2-40B4-BE49-F238E27FC236}">
+                <a16:creationId xmlns:a16="http://schemas.microsoft.com/office/drawing/2014/main" id="{C6ADDADD-8984-4386-AA6B-41168AD1762D}"/>
+              </a:ext>
+            </a:extLst>
+          </p:cNvPr>
+          <p:cNvSpPr/>
+          <p:nvPr/>
+        </p:nvSpPr>
+        <p:spPr>
+          <a:xfrm>
+            <a:off x="7862628" y="221458"/>
+            <a:ext cx="1217220" cy="493835"/>
+          </a:xfrm>
+          <a:prstGeom prst="rect">
+            <a:avLst/>
+          </a:prstGeom>
+          <a:ln w="9525">
+            <a:solidFill>
+              <a:schemeClr val="tx1"/>
+            </a:solidFill>
+          </a:ln>
+        </p:spPr>
+        <p:txBody>
+          <a:bodyPr wrap="square" tIns="72000" bIns="72000">
+            <a:spAutoFit/>
+          </a:bodyPr>
+          <a:lstStyle/>
+          <a:p>
+            <a:pPr algn="ctr">
+              <a:lnSpc>
+                <a:spcPct val="150000"/>
+              </a:lnSpc>
+            </a:pPr>
+            <a:r>
+              <a:rPr lang="zh-CN" altLang="en-US" sz="800" b="1">
+                <a:latin typeface="+mn-ea"/>
+              </a:rPr>
+              <a:t>大数据平台 </a:t>
+            </a:r>
+            <a:r>
+              <a:rPr lang="en-US" altLang="zh-CN" sz="800" b="1">
+                <a:latin typeface="+mn-ea"/>
+              </a:rPr>
+              <a:t>Spark</a:t>
+            </a:r>
+          </a:p>
+          <a:p>
+            <a:pPr algn="ctr">
+              <a:lnSpc>
+                <a:spcPct val="150000"/>
+              </a:lnSpc>
+            </a:pPr>
+            <a:r>
+              <a:rPr lang="zh-CN" altLang="en-US" sz="800">
+                <a:solidFill>
+                  <a:schemeClr val="bg2">
+                    <a:lumMod val="50000"/>
+                  </a:schemeClr>
+                </a:solidFill>
+                <a:latin typeface="Microsoft YaHei Light" panose="020B0503020204020204" pitchFamily="34" charset="-122"/>
+                <a:ea typeface="Microsoft YaHei Light" panose="020B0503020204020204" pitchFamily="34" charset="-122"/>
+              </a:rPr>
+              <a:t>离线数据处理</a:t>
+            </a:r>
+            <a:endParaRPr lang="zh-CN" altLang="en-US" sz="800" dirty="0">
+              <a:solidFill>
+                <a:schemeClr val="bg2">
+                  <a:lumMod val="50000"/>
+                </a:schemeClr>
+              </a:solidFill>
+              <a:latin typeface="Microsoft YaHei Light" panose="020B0503020204020204" pitchFamily="34" charset="-122"/>
+              <a:ea typeface="Microsoft YaHei Light" panose="020B0503020204020204" pitchFamily="34" charset="-122"/>
+            </a:endParaRPr>
+          </a:p>
+        </p:txBody>
+      </p:sp>
+      <p:sp>
+        <p:nvSpPr>
+          <p:cNvPr id="18" name="矩形 17">
+            <a:extLst>
+              <a:ext uri="{FF2B5EF4-FFF2-40B4-BE49-F238E27FC236}">
+                <a16:creationId xmlns:a16="http://schemas.microsoft.com/office/drawing/2014/main" id="{A0E1812D-EC8E-4E95-8891-5B035F8CAB3E}"/>
+              </a:ext>
+            </a:extLst>
+          </p:cNvPr>
+          <p:cNvSpPr/>
+          <p:nvPr/>
+        </p:nvSpPr>
+        <p:spPr>
+          <a:xfrm>
+            <a:off x="7862628" y="1016558"/>
+            <a:ext cx="1217220" cy="268517"/>
+          </a:xfrm>
+          <a:prstGeom prst="rect">
+            <a:avLst/>
+          </a:prstGeom>
+          <a:ln w="9525">
+            <a:solidFill>
+              <a:schemeClr val="tx1"/>
+            </a:solidFill>
+          </a:ln>
+        </p:spPr>
+        <p:txBody>
+          <a:bodyPr wrap="square" tIns="72000" bIns="72000">
+            <a:spAutoFit/>
+          </a:bodyPr>
+          <a:lstStyle/>
+          <a:p>
+            <a:pPr algn="ctr"/>
+            <a:r>
+              <a:rPr lang="zh-CN" altLang="en-US" sz="800">
+                <a:latin typeface="+mn-ea"/>
+              </a:rPr>
+              <a:t>场景信息</a:t>
+            </a:r>
+            <a:endParaRPr lang="en-US" altLang="zh-CN" sz="800">
+              <a:latin typeface="+mn-ea"/>
+            </a:endParaRPr>
+          </a:p>
+        </p:txBody>
+      </p:sp>
+      <p:cxnSp>
+        <p:nvCxnSpPr>
+          <p:cNvPr id="20" name="直线箭头连接符 10">
+            <a:extLst>
+              <a:ext uri="{FF2B5EF4-FFF2-40B4-BE49-F238E27FC236}">
+                <a16:creationId xmlns:a16="http://schemas.microsoft.com/office/drawing/2014/main" id="{7B3E5BCA-0973-43D4-9BB0-CB9DB23ADBFC}"/>
+              </a:ext>
+            </a:extLst>
+          </p:cNvPr>
+          <p:cNvCxnSpPr>
+            <a:cxnSpLocks/>
+            <a:stCxn id="17" idx="3"/>
+            <a:endCxn id="18" idx="3"/>
+          </p:cNvCxnSpPr>
+          <p:nvPr/>
+        </p:nvCxnSpPr>
+        <p:spPr>
+          <a:xfrm>
+            <a:off x="9079848" y="468376"/>
+            <a:ext cx="12700" cy="682441"/>
+          </a:xfrm>
+          <a:prstGeom prst="bentConnector3">
+            <a:avLst>
+              <a:gd name="adj1" fmla="val 1800000"/>
+            </a:avLst>
+          </a:prstGeom>
+          <a:ln w="9525">
+            <a:headEnd w="lg" len="lg"/>
+            <a:tailEnd type="triangle" w="med" len="lg"/>
+          </a:ln>
+        </p:spPr>
+        <p:style>
+          <a:lnRef idx="1">
+            <a:schemeClr val="dk1"/>
+          </a:lnRef>
+          <a:fillRef idx="0">
+            <a:schemeClr val="dk1"/>
+          </a:fillRef>
+          <a:effectRef idx="0">
+            <a:schemeClr val="dk1"/>
+          </a:effectRef>
+          <a:fontRef idx="minor">
+            <a:schemeClr val="tx1"/>
+          </a:fontRef>
+        </p:style>
+      </p:cxnSp>
+      <p:sp>
+        <p:nvSpPr>
+          <p:cNvPr id="21" name="矩形 20">
+            <a:extLst>
+              <a:ext uri="{FF2B5EF4-FFF2-40B4-BE49-F238E27FC236}">
+                <a16:creationId xmlns:a16="http://schemas.microsoft.com/office/drawing/2014/main" id="{E756F41F-32B0-40B4-9385-2B0BFD510B10}"/>
+              </a:ext>
+            </a:extLst>
+          </p:cNvPr>
+          <p:cNvSpPr/>
+          <p:nvPr/>
+        </p:nvSpPr>
+        <p:spPr>
+          <a:xfrm>
+            <a:off x="6143366" y="1013104"/>
+            <a:ext cx="1217220" cy="268517"/>
+          </a:xfrm>
+          <a:prstGeom prst="rect">
+            <a:avLst/>
+          </a:prstGeom>
+          <a:ln w="9525">
+            <a:solidFill>
+              <a:schemeClr val="tx1"/>
+            </a:solidFill>
+          </a:ln>
+        </p:spPr>
+        <p:txBody>
+          <a:bodyPr wrap="square" tIns="72000" bIns="72000">
+            <a:spAutoFit/>
+          </a:bodyPr>
+          <a:lstStyle/>
+          <a:p>
+            <a:pPr algn="ctr"/>
+            <a:r>
+              <a:rPr lang="zh-CN" altLang="en-US" sz="800">
+                <a:latin typeface="+mn-ea"/>
+              </a:rPr>
+              <a:t>物品信息</a:t>
+            </a:r>
+            <a:endParaRPr lang="en-US" altLang="zh-CN" sz="800">
+              <a:latin typeface="+mn-ea"/>
+            </a:endParaRPr>
+          </a:p>
+        </p:txBody>
+      </p:sp>
+      <p:sp>
+        <p:nvSpPr>
+          <p:cNvPr id="22" name="矩形 21">
+            <a:extLst>
+              <a:ext uri="{FF2B5EF4-FFF2-40B4-BE49-F238E27FC236}">
+                <a16:creationId xmlns:a16="http://schemas.microsoft.com/office/drawing/2014/main" id="{D82C3960-B1A7-4EE0-8201-A2EF7B34C631}"/>
+              </a:ext>
+            </a:extLst>
+          </p:cNvPr>
+          <p:cNvSpPr/>
+          <p:nvPr/>
+        </p:nvSpPr>
+        <p:spPr>
+          <a:xfrm>
+            <a:off x="4424104" y="1009650"/>
+            <a:ext cx="1217220" cy="268517"/>
+          </a:xfrm>
+          <a:prstGeom prst="rect">
+            <a:avLst/>
+          </a:prstGeom>
+          <a:ln w="9525">
+            <a:solidFill>
+              <a:schemeClr val="tx1"/>
+            </a:solidFill>
+          </a:ln>
+        </p:spPr>
+        <p:txBody>
+          <a:bodyPr wrap="square" tIns="72000" bIns="72000">
+            <a:spAutoFit/>
+          </a:bodyPr>
+          <a:lstStyle/>
+          <a:p>
+            <a:pPr algn="ctr"/>
+            <a:r>
+              <a:rPr lang="zh-CN" altLang="en-US" sz="800">
+                <a:latin typeface="+mn-ea"/>
+              </a:rPr>
+              <a:t>用户信息</a:t>
+            </a:r>
+            <a:endParaRPr lang="en-US" altLang="zh-CN" sz="800">
+              <a:latin typeface="+mn-ea"/>
+            </a:endParaRPr>
+          </a:p>
+        </p:txBody>
+      </p:sp>
+      <p:sp>
+        <p:nvSpPr>
+          <p:cNvPr id="24" name="矩形 23">
+            <a:extLst>
+              <a:ext uri="{FF2B5EF4-FFF2-40B4-BE49-F238E27FC236}">
+                <a16:creationId xmlns:a16="http://schemas.microsoft.com/office/drawing/2014/main" id="{40E89FF9-67B1-405E-8BF9-58DAE8941455}"/>
+              </a:ext>
+            </a:extLst>
+          </p:cNvPr>
+          <p:cNvSpPr/>
+          <p:nvPr/>
+        </p:nvSpPr>
+        <p:spPr>
+          <a:xfrm>
+            <a:off x="3624618" y="1522623"/>
+            <a:ext cx="1217220" cy="1786497"/>
+          </a:xfrm>
+          <a:prstGeom prst="rect">
+            <a:avLst/>
+          </a:prstGeom>
+          <a:ln w="9525">
+            <a:solidFill>
+              <a:schemeClr val="tx1"/>
+            </a:solidFill>
+          </a:ln>
+        </p:spPr>
+        <p:txBody>
+          <a:bodyPr wrap="square" tIns="72000" bIns="72000">
+            <a:spAutoFit/>
+          </a:bodyPr>
+          <a:lstStyle/>
+          <a:p>
+            <a:pPr>
+              <a:lnSpc>
+                <a:spcPct val="150000"/>
+              </a:lnSpc>
+            </a:pPr>
+            <a:r>
+              <a:rPr lang="zh-CN" altLang="en-US" sz="800" b="1">
+                <a:latin typeface="+mn-ea"/>
+              </a:rPr>
+              <a:t>特征工程</a:t>
+            </a:r>
+            <a:endParaRPr lang="en-US" altLang="zh-CN" sz="800" b="1">
+              <a:latin typeface="+mn-ea"/>
+            </a:endParaRPr>
+          </a:p>
+          <a:p>
+            <a:pPr marL="171450" indent="-171450">
+              <a:lnSpc>
+                <a:spcPct val="150000"/>
+              </a:lnSpc>
+              <a:buFont typeface="Wingdings" panose="05000000000000000000" pitchFamily="2" charset="2"/>
+              <a:buChar char="n"/>
+            </a:pPr>
+            <a:r>
+              <a:rPr lang="zh-CN" altLang="en-US" sz="800">
+                <a:solidFill>
+                  <a:schemeClr val="bg2">
+                    <a:lumMod val="50000"/>
+                  </a:schemeClr>
+                </a:solidFill>
+                <a:latin typeface="Microsoft YaHei Light" panose="020B0503020204020204" pitchFamily="34" charset="-122"/>
+                <a:ea typeface="Microsoft YaHei Light" panose="020B0503020204020204" pitchFamily="34" charset="-122"/>
+              </a:rPr>
+              <a:t>数值类特征</a:t>
+            </a:r>
+            <a:endParaRPr lang="en-US" altLang="zh-CN" sz="800">
+              <a:solidFill>
+                <a:schemeClr val="bg2">
+                  <a:lumMod val="50000"/>
+                </a:schemeClr>
+              </a:solidFill>
+              <a:latin typeface="Microsoft YaHei Light" panose="020B0503020204020204" pitchFamily="34" charset="-122"/>
+              <a:ea typeface="Microsoft YaHei Light" panose="020B0503020204020204" pitchFamily="34" charset="-122"/>
+            </a:endParaRPr>
+          </a:p>
+          <a:p>
+            <a:pPr marL="266700" lvl="1" indent="-171450">
+              <a:lnSpc>
+                <a:spcPct val="150000"/>
+              </a:lnSpc>
+              <a:buFont typeface="Wingdings" panose="05000000000000000000" pitchFamily="2" charset="2"/>
+              <a:buChar char="l"/>
+            </a:pPr>
+            <a:r>
+              <a:rPr lang="zh-CN" altLang="en-US" sz="800">
+                <a:solidFill>
+                  <a:schemeClr val="bg2">
+                    <a:lumMod val="50000"/>
+                  </a:schemeClr>
+                </a:solidFill>
+                <a:latin typeface="Microsoft YaHei Light" panose="020B0503020204020204" pitchFamily="34" charset="-122"/>
+                <a:ea typeface="Microsoft YaHei Light" panose="020B0503020204020204" pitchFamily="34" charset="-122"/>
+              </a:rPr>
+              <a:t>归一化</a:t>
+            </a:r>
+            <a:endParaRPr lang="en-US" altLang="zh-CN" sz="800">
+              <a:solidFill>
+                <a:schemeClr val="bg2">
+                  <a:lumMod val="50000"/>
+                </a:schemeClr>
+              </a:solidFill>
+              <a:latin typeface="Microsoft YaHei Light" panose="020B0503020204020204" pitchFamily="34" charset="-122"/>
+              <a:ea typeface="Microsoft YaHei Light" panose="020B0503020204020204" pitchFamily="34" charset="-122"/>
+            </a:endParaRPr>
+          </a:p>
+          <a:p>
+            <a:pPr marL="266700" lvl="1" indent="-171450">
+              <a:lnSpc>
+                <a:spcPct val="150000"/>
+              </a:lnSpc>
+              <a:buFont typeface="Wingdings" panose="05000000000000000000" pitchFamily="2" charset="2"/>
+              <a:buChar char="l"/>
+            </a:pPr>
+            <a:r>
+              <a:rPr lang="zh-CN" altLang="en-US" sz="800">
+                <a:solidFill>
+                  <a:schemeClr val="bg2">
+                    <a:lumMod val="50000"/>
+                  </a:schemeClr>
+                </a:solidFill>
+                <a:latin typeface="Microsoft YaHei Light" panose="020B0503020204020204" pitchFamily="34" charset="-122"/>
+                <a:ea typeface="Microsoft YaHei Light" panose="020B0503020204020204" pitchFamily="34" charset="-122"/>
+              </a:rPr>
+              <a:t>离散化</a:t>
+            </a:r>
+            <a:endParaRPr lang="en-US" altLang="zh-CN" sz="800">
+              <a:solidFill>
+                <a:schemeClr val="bg2">
+                  <a:lumMod val="50000"/>
+                </a:schemeClr>
+              </a:solidFill>
+              <a:latin typeface="Microsoft YaHei Light" panose="020B0503020204020204" pitchFamily="34" charset="-122"/>
+              <a:ea typeface="Microsoft YaHei Light" panose="020B0503020204020204" pitchFamily="34" charset="-122"/>
+            </a:endParaRPr>
+          </a:p>
+          <a:p>
+            <a:pPr marL="266700" lvl="1" indent="-171450">
+              <a:lnSpc>
+                <a:spcPct val="150000"/>
+              </a:lnSpc>
+              <a:buFont typeface="Wingdings" panose="05000000000000000000" pitchFamily="2" charset="2"/>
+              <a:buChar char="l"/>
+            </a:pPr>
+            <a:r>
+              <a:rPr lang="zh-CN" altLang="en-US" sz="800">
+                <a:solidFill>
+                  <a:schemeClr val="bg2">
+                    <a:lumMod val="50000"/>
+                  </a:schemeClr>
+                </a:solidFill>
+                <a:latin typeface="Microsoft YaHei Light" panose="020B0503020204020204" pitchFamily="34" charset="-122"/>
+                <a:ea typeface="Microsoft YaHei Light" panose="020B0503020204020204" pitchFamily="34" charset="-122"/>
+              </a:rPr>
+              <a:t>非线性变换</a:t>
+            </a:r>
+            <a:endParaRPr lang="en-US" altLang="zh-CN" sz="800">
+              <a:solidFill>
+                <a:schemeClr val="bg2">
+                  <a:lumMod val="50000"/>
+                </a:schemeClr>
+              </a:solidFill>
+              <a:latin typeface="Microsoft YaHei Light" panose="020B0503020204020204" pitchFamily="34" charset="-122"/>
+              <a:ea typeface="Microsoft YaHei Light" panose="020B0503020204020204" pitchFamily="34" charset="-122"/>
+            </a:endParaRPr>
+          </a:p>
+          <a:p>
+            <a:pPr marL="171450" indent="-171450">
+              <a:lnSpc>
+                <a:spcPct val="150000"/>
+              </a:lnSpc>
+              <a:buFont typeface="Wingdings" panose="05000000000000000000" pitchFamily="2" charset="2"/>
+              <a:buChar char="n"/>
+            </a:pPr>
+            <a:r>
+              <a:rPr lang="en-US" altLang="zh-CN" sz="800">
+                <a:solidFill>
+                  <a:schemeClr val="bg2">
+                    <a:lumMod val="50000"/>
+                  </a:schemeClr>
+                </a:solidFill>
+                <a:latin typeface="Microsoft YaHei Light" panose="020B0503020204020204" pitchFamily="34" charset="-122"/>
+                <a:ea typeface="Microsoft YaHei Light" panose="020B0503020204020204" pitchFamily="34" charset="-122"/>
+              </a:rPr>
+              <a:t>ID</a:t>
+            </a:r>
+            <a:r>
+              <a:rPr lang="zh-CN" altLang="en-US" sz="800">
+                <a:solidFill>
+                  <a:schemeClr val="bg2">
+                    <a:lumMod val="50000"/>
+                  </a:schemeClr>
+                </a:solidFill>
+                <a:latin typeface="Microsoft YaHei Light" panose="020B0503020204020204" pitchFamily="34" charset="-122"/>
+                <a:ea typeface="Microsoft YaHei Light" panose="020B0503020204020204" pitchFamily="34" charset="-122"/>
+              </a:rPr>
+              <a:t>类特征</a:t>
+            </a:r>
+            <a:endParaRPr lang="en-US" altLang="zh-CN" sz="800">
+              <a:solidFill>
+                <a:schemeClr val="bg2">
+                  <a:lumMod val="50000"/>
+                </a:schemeClr>
+              </a:solidFill>
+              <a:latin typeface="Microsoft YaHei Light" panose="020B0503020204020204" pitchFamily="34" charset="-122"/>
+              <a:ea typeface="Microsoft YaHei Light" panose="020B0503020204020204" pitchFamily="34" charset="-122"/>
+            </a:endParaRPr>
+          </a:p>
+          <a:p>
+            <a:pPr marL="266700" lvl="1" indent="-171450">
+              <a:lnSpc>
+                <a:spcPct val="150000"/>
+              </a:lnSpc>
+              <a:buFont typeface="Wingdings" panose="05000000000000000000" pitchFamily="2" charset="2"/>
+              <a:buChar char="l"/>
+            </a:pPr>
+            <a:r>
+              <a:rPr lang="en-US" altLang="zh-CN" sz="800">
+                <a:solidFill>
+                  <a:schemeClr val="bg2">
+                    <a:lumMod val="50000"/>
+                  </a:schemeClr>
+                </a:solidFill>
+                <a:latin typeface="Microsoft YaHei Light" panose="020B0503020204020204" pitchFamily="34" charset="-122"/>
+                <a:ea typeface="Microsoft YaHei Light" panose="020B0503020204020204" pitchFamily="34" charset="-122"/>
+              </a:rPr>
+              <a:t>One-hot</a:t>
+            </a:r>
+            <a:r>
+              <a:rPr lang="zh-CN" altLang="en-US" sz="800">
+                <a:solidFill>
+                  <a:schemeClr val="bg2">
+                    <a:lumMod val="50000"/>
+                  </a:schemeClr>
+                </a:solidFill>
+                <a:latin typeface="Microsoft YaHei Light" panose="020B0503020204020204" pitchFamily="34" charset="-122"/>
+                <a:ea typeface="Microsoft YaHei Light" panose="020B0503020204020204" pitchFamily="34" charset="-122"/>
+              </a:rPr>
+              <a:t>编码</a:t>
+            </a:r>
+            <a:endParaRPr lang="en-US" altLang="zh-CN" sz="800">
+              <a:solidFill>
+                <a:schemeClr val="bg2">
+                  <a:lumMod val="50000"/>
+                </a:schemeClr>
+              </a:solidFill>
+              <a:latin typeface="Microsoft YaHei Light" panose="020B0503020204020204" pitchFamily="34" charset="-122"/>
+              <a:ea typeface="Microsoft YaHei Light" panose="020B0503020204020204" pitchFamily="34" charset="-122"/>
+            </a:endParaRPr>
+          </a:p>
+          <a:p>
+            <a:pPr marL="266700" lvl="1" indent="-171450">
+              <a:lnSpc>
+                <a:spcPct val="150000"/>
+              </a:lnSpc>
+              <a:buFont typeface="Wingdings" panose="05000000000000000000" pitchFamily="2" charset="2"/>
+              <a:buChar char="l"/>
+            </a:pPr>
+            <a:r>
+              <a:rPr lang="en-US" altLang="zh-CN" sz="800">
+                <a:solidFill>
+                  <a:schemeClr val="bg2">
+                    <a:lumMod val="50000"/>
+                  </a:schemeClr>
+                </a:solidFill>
+                <a:latin typeface="Microsoft YaHei Light" panose="020B0503020204020204" pitchFamily="34" charset="-122"/>
+                <a:ea typeface="Microsoft YaHei Light" panose="020B0503020204020204" pitchFamily="34" charset="-122"/>
+              </a:rPr>
+              <a:t>Embedding</a:t>
+            </a:r>
+          </a:p>
+          <a:p>
+            <a:pPr marL="171450" indent="-171450">
+              <a:lnSpc>
+                <a:spcPct val="150000"/>
+              </a:lnSpc>
+              <a:buFont typeface="Wingdings" panose="05000000000000000000" pitchFamily="2" charset="2"/>
+              <a:buChar char="n"/>
+            </a:pPr>
+            <a:r>
+              <a:rPr lang="zh-CN" altLang="en-US" sz="800">
+                <a:solidFill>
+                  <a:schemeClr val="bg2">
+                    <a:lumMod val="50000"/>
+                  </a:schemeClr>
+                </a:solidFill>
+                <a:latin typeface="Microsoft YaHei Light" panose="020B0503020204020204" pitchFamily="34" charset="-122"/>
+                <a:ea typeface="Microsoft YaHei Light" panose="020B0503020204020204" pitchFamily="34" charset="-122"/>
+              </a:rPr>
+              <a:t>特征组合</a:t>
+            </a:r>
+            <a:endParaRPr lang="en-US" altLang="zh-CN" sz="800">
+              <a:solidFill>
+                <a:schemeClr val="bg2">
+                  <a:lumMod val="50000"/>
+                </a:schemeClr>
+              </a:solidFill>
+              <a:latin typeface="Microsoft YaHei Light" panose="020B0503020204020204" pitchFamily="34" charset="-122"/>
+              <a:ea typeface="Microsoft YaHei Light" panose="020B0503020204020204" pitchFamily="34" charset="-122"/>
+            </a:endParaRPr>
+          </a:p>
+        </p:txBody>
+      </p:sp>
+      <p:sp>
+        <p:nvSpPr>
+          <p:cNvPr id="25" name="圆柱体 24">
+            <a:extLst>
+              <a:ext uri="{FF2B5EF4-FFF2-40B4-BE49-F238E27FC236}">
+                <a16:creationId xmlns:a16="http://schemas.microsoft.com/office/drawing/2014/main" id="{A94C09B1-A39D-44FC-8DCC-BF7B9CA44F96}"/>
+              </a:ext>
+            </a:extLst>
+          </p:cNvPr>
+          <p:cNvSpPr/>
+          <p:nvPr/>
+        </p:nvSpPr>
+        <p:spPr>
+          <a:xfrm>
+            <a:off x="8505363" y="2009894"/>
+            <a:ext cx="766122" cy="811958"/>
+          </a:xfrm>
+          <a:prstGeom prst="can">
+            <a:avLst/>
+          </a:prstGeom>
+          <a:noFill/>
+          <a:ln w="9525">
+            <a:solidFill>
+              <a:schemeClr val="tx1"/>
+            </a:solidFill>
+          </a:ln>
+        </p:spPr>
+        <p:style>
+          <a:lnRef idx="2">
+            <a:schemeClr val="accent1">
+              <a:shade val="50000"/>
+            </a:schemeClr>
+          </a:lnRef>
+          <a:fillRef idx="1">
+            <a:schemeClr val="accent1"/>
+          </a:fillRef>
+          <a:effectRef idx="0">
+            <a:schemeClr val="accent1"/>
+          </a:effectRef>
+          <a:fontRef idx="minor">
+            <a:schemeClr val="lt1"/>
+          </a:fontRef>
+        </p:style>
+        <p:txBody>
+          <a:bodyPr rtlCol="0" anchor="ctr"/>
+          <a:lstStyle/>
+          <a:p>
+            <a:pPr algn="ctr"/>
+            <a:r>
+              <a:rPr kumimoji="1" lang="en-US" altLang="zh-CN" sz="800">
+                <a:solidFill>
+                  <a:schemeClr val="tx1"/>
+                </a:solidFill>
+                <a:latin typeface="Microsoft YaHei Light" panose="020B0503020204020204" pitchFamily="34" charset="-122"/>
+                <a:ea typeface="Microsoft YaHei Light" panose="020B0503020204020204" pitchFamily="34" charset="-122"/>
+              </a:rPr>
+              <a:t>redis</a:t>
+            </a:r>
+            <a:endParaRPr kumimoji="1" lang="zh-CN" altLang="en-US" sz="800" dirty="0">
+              <a:solidFill>
+                <a:schemeClr val="tx1"/>
+              </a:solidFill>
+              <a:latin typeface="Microsoft YaHei Light" panose="020B0503020204020204" pitchFamily="34" charset="-122"/>
+              <a:ea typeface="Microsoft YaHei Light" panose="020B0503020204020204" pitchFamily="34" charset="-122"/>
+            </a:endParaRPr>
+          </a:p>
+        </p:txBody>
+      </p:sp>
+      <p:sp>
+        <p:nvSpPr>
+          <p:cNvPr id="26" name="矩形 25">
+            <a:extLst>
+              <a:ext uri="{FF2B5EF4-FFF2-40B4-BE49-F238E27FC236}">
+                <a16:creationId xmlns:a16="http://schemas.microsoft.com/office/drawing/2014/main" id="{93BFA65B-4A17-4918-8119-ADEFA0284A3D}"/>
+              </a:ext>
+            </a:extLst>
+          </p:cNvPr>
+          <p:cNvSpPr/>
+          <p:nvPr/>
+        </p:nvSpPr>
+        <p:spPr>
+          <a:xfrm>
+            <a:off x="5658505" y="1675612"/>
+            <a:ext cx="2131989" cy="493835"/>
+          </a:xfrm>
+          <a:prstGeom prst="rect">
+            <a:avLst/>
+          </a:prstGeom>
+          <a:ln w="9525">
+            <a:solidFill>
+              <a:schemeClr val="tx1"/>
+            </a:solidFill>
+          </a:ln>
+        </p:spPr>
+        <p:txBody>
+          <a:bodyPr wrap="square" tIns="72000" bIns="72000">
+            <a:spAutoFit/>
+          </a:bodyPr>
+          <a:lstStyle/>
+          <a:p>
+            <a:pPr>
+              <a:lnSpc>
+                <a:spcPct val="150000"/>
+              </a:lnSpc>
+            </a:pPr>
+            <a:r>
+              <a:rPr lang="zh-CN" altLang="en-US" sz="800" b="1">
+                <a:latin typeface="+mn-ea"/>
+              </a:rPr>
+              <a:t>用户特征</a:t>
+            </a:r>
+            <a:endParaRPr lang="en-US" altLang="zh-CN" sz="800" b="1">
+              <a:latin typeface="+mn-ea"/>
+            </a:endParaRPr>
+          </a:p>
+          <a:p>
+            <a:pPr>
+              <a:lnSpc>
+                <a:spcPct val="150000"/>
+              </a:lnSpc>
+            </a:pPr>
+            <a:r>
+              <a:rPr lang="zh-CN" altLang="en-US" sz="800">
+                <a:solidFill>
+                  <a:schemeClr val="bg2">
+                    <a:lumMod val="50000"/>
+                  </a:schemeClr>
+                </a:solidFill>
+                <a:latin typeface="Microsoft YaHei Light" panose="020B0503020204020204" pitchFamily="34" charset="-122"/>
+                <a:ea typeface="Microsoft YaHei Light" panose="020B0503020204020204" pitchFamily="34" charset="-122"/>
+              </a:rPr>
+              <a:t>用户行为、社交关系、属性标签等</a:t>
+            </a:r>
+            <a:endParaRPr lang="zh-CN" altLang="en-US" sz="800" dirty="0">
+              <a:solidFill>
+                <a:schemeClr val="bg2">
+                  <a:lumMod val="50000"/>
+                </a:schemeClr>
+              </a:solidFill>
+              <a:latin typeface="Microsoft YaHei Light" panose="020B0503020204020204" pitchFamily="34" charset="-122"/>
+              <a:ea typeface="Microsoft YaHei Light" panose="020B0503020204020204" pitchFamily="34" charset="-122"/>
+            </a:endParaRPr>
+          </a:p>
+        </p:txBody>
+      </p:sp>
+      <p:cxnSp>
+        <p:nvCxnSpPr>
+          <p:cNvPr id="27" name="直线箭头连接符 10">
+            <a:extLst>
+              <a:ext uri="{FF2B5EF4-FFF2-40B4-BE49-F238E27FC236}">
+                <a16:creationId xmlns:a16="http://schemas.microsoft.com/office/drawing/2014/main" id="{0D446FC5-BA09-408A-A42D-1B96B45ECE1D}"/>
+              </a:ext>
+            </a:extLst>
+          </p:cNvPr>
+          <p:cNvCxnSpPr>
+            <a:cxnSpLocks/>
+            <a:stCxn id="22" idx="1"/>
+            <a:endCxn id="24" idx="1"/>
+          </p:cNvCxnSpPr>
+          <p:nvPr/>
+        </p:nvCxnSpPr>
+        <p:spPr>
+          <a:xfrm rot="10800000" flipV="1">
+            <a:off x="3624618" y="1143908"/>
+            <a:ext cx="799486" cy="1271963"/>
+          </a:xfrm>
+          <a:prstGeom prst="bentConnector3">
+            <a:avLst>
+              <a:gd name="adj1" fmla="val 138835"/>
+            </a:avLst>
+          </a:prstGeom>
+          <a:ln w="9525">
+            <a:headEnd w="lg" len="lg"/>
+            <a:tailEnd type="triangle" w="med" len="lg"/>
+          </a:ln>
+        </p:spPr>
+        <p:style>
+          <a:lnRef idx="1">
+            <a:schemeClr val="dk1"/>
+          </a:lnRef>
+          <a:fillRef idx="0">
+            <a:schemeClr val="dk1"/>
+          </a:fillRef>
+          <a:effectRef idx="0">
+            <a:schemeClr val="dk1"/>
+          </a:effectRef>
+          <a:fontRef idx="minor">
+            <a:schemeClr val="tx1"/>
+          </a:fontRef>
+        </p:style>
+      </p:cxnSp>
+      <p:sp>
+        <p:nvSpPr>
+          <p:cNvPr id="31" name="矩形 30">
+            <a:extLst>
+              <a:ext uri="{FF2B5EF4-FFF2-40B4-BE49-F238E27FC236}">
+                <a16:creationId xmlns:a16="http://schemas.microsoft.com/office/drawing/2014/main" id="{F427F366-4A16-4E80-8AD3-BBBDC197B3DF}"/>
+              </a:ext>
+            </a:extLst>
+          </p:cNvPr>
+          <p:cNvSpPr/>
+          <p:nvPr/>
+        </p:nvSpPr>
+        <p:spPr>
+          <a:xfrm>
+            <a:off x="5658505" y="2168955"/>
+            <a:ext cx="2131989" cy="493835"/>
+          </a:xfrm>
+          <a:prstGeom prst="rect">
+            <a:avLst/>
+          </a:prstGeom>
+          <a:ln w="9525">
+            <a:solidFill>
+              <a:schemeClr val="tx1"/>
+            </a:solidFill>
+          </a:ln>
+        </p:spPr>
+        <p:txBody>
+          <a:bodyPr wrap="square" tIns="72000" bIns="72000">
+            <a:spAutoFit/>
+          </a:bodyPr>
+          <a:lstStyle/>
+          <a:p>
+            <a:pPr>
+              <a:lnSpc>
+                <a:spcPct val="150000"/>
+              </a:lnSpc>
+            </a:pPr>
+            <a:r>
+              <a:rPr lang="zh-CN" altLang="en-US" sz="800" b="1">
+                <a:latin typeface="+mn-ea"/>
+              </a:rPr>
+              <a:t>物品特征</a:t>
+            </a:r>
+            <a:endParaRPr lang="en-US" altLang="zh-CN" sz="800" b="1">
+              <a:latin typeface="+mn-ea"/>
+            </a:endParaRPr>
+          </a:p>
+          <a:p>
+            <a:pPr>
+              <a:lnSpc>
+                <a:spcPct val="150000"/>
+              </a:lnSpc>
+            </a:pPr>
+            <a:r>
+              <a:rPr lang="zh-CN" altLang="en-US" sz="800">
+                <a:solidFill>
+                  <a:schemeClr val="bg2">
+                    <a:lumMod val="50000"/>
+                  </a:schemeClr>
+                </a:solidFill>
+                <a:latin typeface="Microsoft YaHei Light" panose="020B0503020204020204" pitchFamily="34" charset="-122"/>
+                <a:ea typeface="Microsoft YaHei Light" panose="020B0503020204020204" pitchFamily="34" charset="-122"/>
+              </a:rPr>
+              <a:t>内容类数据、属性标签、第三方信息等</a:t>
+            </a:r>
+            <a:endParaRPr lang="zh-CN" altLang="en-US" sz="800" dirty="0">
+              <a:solidFill>
+                <a:schemeClr val="bg2">
+                  <a:lumMod val="50000"/>
+                </a:schemeClr>
+              </a:solidFill>
+              <a:latin typeface="Microsoft YaHei Light" panose="020B0503020204020204" pitchFamily="34" charset="-122"/>
+              <a:ea typeface="Microsoft YaHei Light" panose="020B0503020204020204" pitchFamily="34" charset="-122"/>
+            </a:endParaRPr>
+          </a:p>
+        </p:txBody>
+      </p:sp>
+      <p:sp>
+        <p:nvSpPr>
+          <p:cNvPr id="32" name="矩形 31">
+            <a:extLst>
+              <a:ext uri="{FF2B5EF4-FFF2-40B4-BE49-F238E27FC236}">
+                <a16:creationId xmlns:a16="http://schemas.microsoft.com/office/drawing/2014/main" id="{F58BC3C5-38C0-480B-8EBA-499D5053C0C4}"/>
+              </a:ext>
+            </a:extLst>
+          </p:cNvPr>
+          <p:cNvSpPr/>
+          <p:nvPr/>
+        </p:nvSpPr>
+        <p:spPr>
+          <a:xfrm>
+            <a:off x="5658504" y="2662298"/>
+            <a:ext cx="2131989" cy="493835"/>
+          </a:xfrm>
+          <a:prstGeom prst="rect">
+            <a:avLst/>
+          </a:prstGeom>
+          <a:ln w="9525">
+            <a:solidFill>
+              <a:schemeClr val="tx1"/>
+            </a:solidFill>
+          </a:ln>
+        </p:spPr>
+        <p:txBody>
+          <a:bodyPr wrap="square" tIns="72000" bIns="72000">
+            <a:spAutoFit/>
+          </a:bodyPr>
+          <a:lstStyle/>
+          <a:p>
+            <a:pPr>
+              <a:lnSpc>
+                <a:spcPct val="150000"/>
+              </a:lnSpc>
+            </a:pPr>
+            <a:r>
+              <a:rPr lang="zh-CN" altLang="en-US" sz="800" b="1">
+                <a:latin typeface="+mn-ea"/>
+              </a:rPr>
+              <a:t>场景特征</a:t>
+            </a:r>
+            <a:endParaRPr lang="en-US" altLang="zh-CN" sz="800" b="1">
+              <a:latin typeface="+mn-ea"/>
+            </a:endParaRPr>
+          </a:p>
+          <a:p>
+            <a:pPr>
+              <a:lnSpc>
+                <a:spcPct val="150000"/>
+              </a:lnSpc>
+            </a:pPr>
+            <a:r>
+              <a:rPr lang="zh-CN" altLang="en-US" sz="800">
+                <a:solidFill>
+                  <a:schemeClr val="bg2">
+                    <a:lumMod val="50000"/>
+                  </a:schemeClr>
+                </a:solidFill>
+                <a:latin typeface="Microsoft YaHei Light" panose="020B0503020204020204" pitchFamily="34" charset="-122"/>
+                <a:ea typeface="Microsoft YaHei Light" panose="020B0503020204020204" pitchFamily="34" charset="-122"/>
+              </a:rPr>
+              <a:t>时间、地点、所处页面场景等</a:t>
+            </a:r>
+            <a:endParaRPr lang="zh-CN" altLang="en-US" sz="800" dirty="0">
+              <a:solidFill>
+                <a:schemeClr val="bg2">
+                  <a:lumMod val="50000"/>
+                </a:schemeClr>
+              </a:solidFill>
+              <a:latin typeface="Microsoft YaHei Light" panose="020B0503020204020204" pitchFamily="34" charset="-122"/>
+              <a:ea typeface="Microsoft YaHei Light" panose="020B0503020204020204" pitchFamily="34" charset="-122"/>
+            </a:endParaRPr>
+          </a:p>
+        </p:txBody>
+      </p:sp>
+      <p:cxnSp>
+        <p:nvCxnSpPr>
+          <p:cNvPr id="33" name="直线箭头连接符 10">
+            <a:extLst>
+              <a:ext uri="{FF2B5EF4-FFF2-40B4-BE49-F238E27FC236}">
+                <a16:creationId xmlns:a16="http://schemas.microsoft.com/office/drawing/2014/main" id="{10B1E61A-6623-431C-9FC8-2BC487B24379}"/>
+              </a:ext>
+            </a:extLst>
+          </p:cNvPr>
+          <p:cNvCxnSpPr>
+            <a:cxnSpLocks/>
+            <a:stCxn id="24" idx="3"/>
+            <a:endCxn id="31" idx="1"/>
+          </p:cNvCxnSpPr>
+          <p:nvPr/>
+        </p:nvCxnSpPr>
+        <p:spPr>
+          <a:xfrm>
+            <a:off x="4841838" y="2415872"/>
+            <a:ext cx="816667" cy="1"/>
+          </a:xfrm>
+          <a:prstGeom prst="straightConnector1">
+            <a:avLst/>
+          </a:prstGeom>
+          <a:ln w="9525">
+            <a:headEnd w="lg" len="lg"/>
+            <a:tailEnd type="triangle" w="med" len="lg"/>
+          </a:ln>
+        </p:spPr>
+        <p:style>
+          <a:lnRef idx="1">
+            <a:schemeClr val="dk1"/>
+          </a:lnRef>
+          <a:fillRef idx="0">
+            <a:schemeClr val="dk1"/>
+          </a:fillRef>
+          <a:effectRef idx="0">
+            <a:schemeClr val="dk1"/>
+          </a:effectRef>
+          <a:fontRef idx="minor">
+            <a:schemeClr val="tx1"/>
+          </a:fontRef>
+        </p:style>
+      </p:cxnSp>
+      <p:cxnSp>
+        <p:nvCxnSpPr>
+          <p:cNvPr id="36" name="直线箭头连接符 10">
+            <a:extLst>
+              <a:ext uri="{FF2B5EF4-FFF2-40B4-BE49-F238E27FC236}">
+                <a16:creationId xmlns:a16="http://schemas.microsoft.com/office/drawing/2014/main" id="{6B860CC6-D180-4CB5-B238-4834E45C94B8}"/>
+              </a:ext>
+            </a:extLst>
+          </p:cNvPr>
+          <p:cNvCxnSpPr>
+            <a:cxnSpLocks/>
+            <a:stCxn id="31" idx="3"/>
+            <a:endCxn id="25" idx="2"/>
+          </p:cNvCxnSpPr>
+          <p:nvPr/>
+        </p:nvCxnSpPr>
+        <p:spPr>
+          <a:xfrm>
+            <a:off x="7790494" y="2415873"/>
+            <a:ext cx="714869" cy="0"/>
+          </a:xfrm>
+          <a:prstGeom prst="straightConnector1">
+            <a:avLst/>
+          </a:prstGeom>
+          <a:ln w="9525">
+            <a:headEnd w="lg" len="lg"/>
+            <a:tailEnd type="triangle" w="med" len="lg"/>
+          </a:ln>
+        </p:spPr>
+        <p:style>
+          <a:lnRef idx="1">
+            <a:schemeClr val="dk1"/>
+          </a:lnRef>
+          <a:fillRef idx="0">
+            <a:schemeClr val="dk1"/>
+          </a:fillRef>
+          <a:effectRef idx="0">
+            <a:schemeClr val="dk1"/>
+          </a:effectRef>
+          <a:fontRef idx="minor">
+            <a:schemeClr val="tx1"/>
+          </a:fontRef>
+        </p:style>
+      </p:cxnSp>
+      <p:sp>
+        <p:nvSpPr>
+          <p:cNvPr id="45" name="箭头: 下 44">
+            <a:extLst>
+              <a:ext uri="{FF2B5EF4-FFF2-40B4-BE49-F238E27FC236}">
+                <a16:creationId xmlns:a16="http://schemas.microsoft.com/office/drawing/2014/main" id="{91D2E99D-372F-4061-9B78-96A2EECBBDC0}"/>
+              </a:ext>
+            </a:extLst>
+          </p:cNvPr>
+          <p:cNvSpPr/>
+          <p:nvPr/>
+        </p:nvSpPr>
+        <p:spPr>
+          <a:xfrm>
+            <a:off x="5774456" y="3402557"/>
+            <a:ext cx="453471" cy="493835"/>
+          </a:xfrm>
+          <a:prstGeom prst="downArrow">
+            <a:avLst>
+              <a:gd name="adj1" fmla="val 46550"/>
+              <a:gd name="adj2" fmla="val 50000"/>
+            </a:avLst>
+          </a:prstGeom>
+          <a:noFill/>
+          <a:ln w="9525">
+            <a:solidFill>
+              <a:schemeClr val="tx1"/>
+            </a:solidFill>
+          </a:ln>
+        </p:spPr>
+        <p:style>
+          <a:lnRef idx="2">
+            <a:schemeClr val="accent1">
+              <a:shade val="50000"/>
+            </a:schemeClr>
+          </a:lnRef>
+          <a:fillRef idx="1">
+            <a:schemeClr val="accent1"/>
+          </a:fillRef>
+          <a:effectRef idx="0">
+            <a:schemeClr val="accent1"/>
+          </a:effectRef>
+          <a:fontRef idx="minor">
+            <a:schemeClr val="lt1"/>
+          </a:fontRef>
+        </p:style>
+        <p:txBody>
+          <a:bodyPr rtlCol="0" anchor="ctr"/>
+          <a:lstStyle/>
+          <a:p>
+            <a:pPr algn="ctr"/>
+            <a:endParaRPr kumimoji="1" lang="zh-CN" altLang="en-US" sz="800">
+              <a:solidFill>
+                <a:schemeClr val="tx1"/>
+              </a:solidFill>
+              <a:latin typeface="Microsoft YaHei Light" panose="020B0503020204020204" pitchFamily="34" charset="-122"/>
+              <a:ea typeface="Microsoft YaHei Light" panose="020B0503020204020204" pitchFamily="34" charset="-122"/>
+            </a:endParaRPr>
+          </a:p>
+        </p:txBody>
+      </p:sp>
+      <p:sp>
+        <p:nvSpPr>
+          <p:cNvPr id="46" name="圆柱体 45">
+            <a:extLst>
+              <a:ext uri="{FF2B5EF4-FFF2-40B4-BE49-F238E27FC236}">
+                <a16:creationId xmlns:a16="http://schemas.microsoft.com/office/drawing/2014/main" id="{AEADCB75-550F-4034-BDDD-2CAFDD8439A2}"/>
+              </a:ext>
+            </a:extLst>
+          </p:cNvPr>
+          <p:cNvSpPr/>
+          <p:nvPr/>
+        </p:nvSpPr>
+        <p:spPr>
+          <a:xfrm>
+            <a:off x="2995433" y="4977076"/>
+            <a:ext cx="766122" cy="811958"/>
+          </a:xfrm>
+          <a:prstGeom prst="can">
+            <a:avLst/>
+          </a:prstGeom>
+          <a:noFill/>
+          <a:ln w="9525">
+            <a:solidFill>
+              <a:schemeClr val="tx1"/>
+            </a:solidFill>
+          </a:ln>
+        </p:spPr>
+        <p:style>
+          <a:lnRef idx="2">
+            <a:schemeClr val="accent1">
+              <a:shade val="50000"/>
+            </a:schemeClr>
+          </a:lnRef>
+          <a:fillRef idx="1">
+            <a:schemeClr val="accent1"/>
+          </a:fillRef>
+          <a:effectRef idx="0">
+            <a:schemeClr val="accent1"/>
+          </a:effectRef>
+          <a:fontRef idx="minor">
+            <a:schemeClr val="lt1"/>
+          </a:fontRef>
+        </p:style>
+        <p:txBody>
+          <a:bodyPr rtlCol="0" anchor="ctr"/>
+          <a:lstStyle/>
+          <a:p>
+            <a:pPr algn="ctr"/>
+            <a:r>
+              <a:rPr kumimoji="1" lang="zh-CN" altLang="en-US" sz="800">
+                <a:solidFill>
+                  <a:schemeClr val="tx1"/>
+                </a:solidFill>
+                <a:latin typeface="Microsoft YaHei Light" panose="020B0503020204020204" pitchFamily="34" charset="-122"/>
+                <a:ea typeface="Microsoft YaHei Light" panose="020B0503020204020204" pitchFamily="34" charset="-122"/>
+              </a:rPr>
+              <a:t>候选</a:t>
+            </a:r>
+            <a:endParaRPr kumimoji="1" lang="en-US" altLang="zh-CN" sz="800">
+              <a:solidFill>
+                <a:schemeClr val="tx1"/>
+              </a:solidFill>
+              <a:latin typeface="Microsoft YaHei Light" panose="020B0503020204020204" pitchFamily="34" charset="-122"/>
+              <a:ea typeface="Microsoft YaHei Light" panose="020B0503020204020204" pitchFamily="34" charset="-122"/>
+            </a:endParaRPr>
+          </a:p>
+          <a:p>
+            <a:pPr algn="ctr"/>
+            <a:r>
+              <a:rPr kumimoji="1" lang="zh-CN" altLang="en-US" sz="800">
+                <a:solidFill>
+                  <a:schemeClr val="tx1"/>
+                </a:solidFill>
+                <a:latin typeface="Microsoft YaHei Light" panose="020B0503020204020204" pitchFamily="34" charset="-122"/>
+                <a:ea typeface="Microsoft YaHei Light" panose="020B0503020204020204" pitchFamily="34" charset="-122"/>
+              </a:rPr>
+              <a:t>物品库</a:t>
+            </a:r>
+            <a:endParaRPr kumimoji="1" lang="zh-CN" altLang="en-US" sz="800" dirty="0">
+              <a:solidFill>
+                <a:schemeClr val="tx1"/>
+              </a:solidFill>
+              <a:latin typeface="Microsoft YaHei Light" panose="020B0503020204020204" pitchFamily="34" charset="-122"/>
+              <a:ea typeface="Microsoft YaHei Light" panose="020B0503020204020204" pitchFamily="34" charset="-122"/>
+            </a:endParaRPr>
+          </a:p>
+        </p:txBody>
+      </p:sp>
+      <p:sp>
+        <p:nvSpPr>
+          <p:cNvPr id="47" name="矩形 46">
+            <a:extLst>
+              <a:ext uri="{FF2B5EF4-FFF2-40B4-BE49-F238E27FC236}">
+                <a16:creationId xmlns:a16="http://schemas.microsoft.com/office/drawing/2014/main" id="{133DEABD-38F5-41CA-B34A-710778A05BBB}"/>
+              </a:ext>
+            </a:extLst>
+          </p:cNvPr>
+          <p:cNvSpPr/>
+          <p:nvPr/>
+        </p:nvSpPr>
+        <p:spPr>
+          <a:xfrm>
+            <a:off x="9216743" y="5187241"/>
+            <a:ext cx="1217220" cy="391628"/>
+          </a:xfrm>
+          <a:prstGeom prst="rect">
+            <a:avLst/>
+          </a:prstGeom>
+          <a:ln w="9525">
+            <a:solidFill>
+              <a:schemeClr val="tx1"/>
+            </a:solidFill>
+          </a:ln>
+        </p:spPr>
+        <p:txBody>
+          <a:bodyPr wrap="square" tIns="72000" bIns="72000">
+            <a:spAutoFit/>
+          </a:bodyPr>
+          <a:lstStyle/>
+          <a:p>
+            <a:pPr algn="ctr"/>
+            <a:r>
+              <a:rPr lang="zh-CN" altLang="en-US" sz="800">
+                <a:latin typeface="+mn-ea"/>
+              </a:rPr>
+              <a:t>推荐</a:t>
+            </a:r>
+            <a:endParaRPr lang="en-US" altLang="zh-CN" sz="800">
+              <a:latin typeface="+mn-ea"/>
+            </a:endParaRPr>
+          </a:p>
+          <a:p>
+            <a:pPr algn="ctr"/>
+            <a:r>
+              <a:rPr lang="zh-CN" altLang="en-US" sz="800">
+                <a:latin typeface="+mn-ea"/>
+              </a:rPr>
+              <a:t>物品列表</a:t>
+            </a:r>
+            <a:endParaRPr lang="en-US" altLang="zh-CN" sz="800">
+              <a:latin typeface="+mn-ea"/>
+            </a:endParaRPr>
+          </a:p>
+        </p:txBody>
+      </p:sp>
+      <p:sp>
+        <p:nvSpPr>
+          <p:cNvPr id="48" name="矩形 47">
+            <a:extLst>
+              <a:ext uri="{FF2B5EF4-FFF2-40B4-BE49-F238E27FC236}">
+                <a16:creationId xmlns:a16="http://schemas.microsoft.com/office/drawing/2014/main" id="{F871C577-C5EB-4F40-A4E9-B40934504E7A}"/>
+              </a:ext>
+            </a:extLst>
+          </p:cNvPr>
+          <p:cNvSpPr/>
+          <p:nvPr/>
+        </p:nvSpPr>
+        <p:spPr>
+          <a:xfrm>
+            <a:off x="4578542" y="4081527"/>
+            <a:ext cx="3012165" cy="268517"/>
+          </a:xfrm>
+          <a:prstGeom prst="rect">
+            <a:avLst/>
+          </a:prstGeom>
+          <a:ln w="9525">
+            <a:solidFill>
+              <a:schemeClr val="tx1"/>
+            </a:solidFill>
+          </a:ln>
+        </p:spPr>
+        <p:txBody>
+          <a:bodyPr wrap="square" tIns="72000" bIns="72000">
+            <a:spAutoFit/>
+          </a:bodyPr>
+          <a:lstStyle/>
+          <a:p>
+            <a:pPr algn="ctr"/>
+            <a:r>
+              <a:rPr lang="zh-CN" altLang="en-US" sz="800">
+                <a:latin typeface="+mn-ea"/>
+              </a:rPr>
+              <a:t>冷启动策略</a:t>
+            </a:r>
+            <a:endParaRPr lang="en-US" altLang="zh-CN" sz="800">
+              <a:latin typeface="+mn-ea"/>
+            </a:endParaRPr>
+          </a:p>
+        </p:txBody>
+      </p:sp>
+      <p:sp>
+        <p:nvSpPr>
+          <p:cNvPr id="49" name="矩形 48">
+            <a:extLst>
+              <a:ext uri="{FF2B5EF4-FFF2-40B4-BE49-F238E27FC236}">
+                <a16:creationId xmlns:a16="http://schemas.microsoft.com/office/drawing/2014/main" id="{98379760-C87A-4D97-8517-88F950CEB128}"/>
+              </a:ext>
+            </a:extLst>
+          </p:cNvPr>
+          <p:cNvSpPr/>
+          <p:nvPr/>
+        </p:nvSpPr>
+        <p:spPr>
+          <a:xfrm>
+            <a:off x="4578542" y="6417766"/>
+            <a:ext cx="3012165" cy="268517"/>
+          </a:xfrm>
+          <a:prstGeom prst="rect">
+            <a:avLst/>
+          </a:prstGeom>
+          <a:ln w="9525">
+            <a:solidFill>
+              <a:schemeClr val="tx1"/>
+            </a:solidFill>
+          </a:ln>
+        </p:spPr>
+        <p:txBody>
+          <a:bodyPr wrap="square" tIns="72000" bIns="72000">
+            <a:spAutoFit/>
+          </a:bodyPr>
+          <a:lstStyle/>
+          <a:p>
+            <a:pPr algn="ctr"/>
+            <a:r>
+              <a:rPr lang="zh-CN" altLang="en-US" sz="800">
+                <a:latin typeface="+mn-ea"/>
+              </a:rPr>
+              <a:t>探索与利用</a:t>
+            </a:r>
+            <a:endParaRPr lang="en-US" altLang="zh-CN" sz="800">
+              <a:latin typeface="+mn-ea"/>
+            </a:endParaRPr>
+          </a:p>
+        </p:txBody>
+      </p:sp>
+      <p:sp>
+        <p:nvSpPr>
+          <p:cNvPr id="50" name="矩形 49">
+            <a:extLst>
+              <a:ext uri="{FF2B5EF4-FFF2-40B4-BE49-F238E27FC236}">
+                <a16:creationId xmlns:a16="http://schemas.microsoft.com/office/drawing/2014/main" id="{ED40D9CA-42E3-4EED-8642-41AC44B2462B}"/>
+              </a:ext>
+            </a:extLst>
+          </p:cNvPr>
+          <p:cNvSpPr/>
+          <p:nvPr/>
+        </p:nvSpPr>
+        <p:spPr>
+          <a:xfrm>
+            <a:off x="7590705" y="4081527"/>
+            <a:ext cx="956839" cy="2604753"/>
+          </a:xfrm>
+          <a:prstGeom prst="rect">
+            <a:avLst/>
+          </a:prstGeom>
+          <a:ln w="9525">
+            <a:solidFill>
+              <a:schemeClr val="tx1"/>
+            </a:solidFill>
+          </a:ln>
+        </p:spPr>
+        <p:txBody>
+          <a:bodyPr wrap="square" tIns="72000" bIns="72000" anchor="ctr">
+            <a:noAutofit/>
+          </a:bodyPr>
+          <a:lstStyle/>
+          <a:p>
+            <a:pPr>
+              <a:lnSpc>
+                <a:spcPct val="150000"/>
+              </a:lnSpc>
+            </a:pPr>
+            <a:r>
+              <a:rPr lang="zh-CN" altLang="en-US" sz="800" b="1">
+                <a:latin typeface="+mn-ea"/>
+              </a:rPr>
+              <a:t>补充策略与算法</a:t>
+            </a:r>
+            <a:endParaRPr lang="en-US" altLang="zh-CN" sz="800" b="1">
+              <a:latin typeface="+mn-ea"/>
+            </a:endParaRPr>
+          </a:p>
+          <a:p>
+            <a:pPr>
+              <a:lnSpc>
+                <a:spcPct val="150000"/>
+              </a:lnSpc>
+            </a:pPr>
+            <a:r>
+              <a:rPr lang="zh-CN" altLang="en-US" sz="800">
+                <a:solidFill>
+                  <a:schemeClr val="bg2">
+                    <a:lumMod val="50000"/>
+                  </a:schemeClr>
+                </a:solidFill>
+                <a:latin typeface="Microsoft YaHei Light" panose="020B0503020204020204" pitchFamily="34" charset="-122"/>
+                <a:ea typeface="Microsoft YaHei Light" panose="020B0503020204020204" pitchFamily="34" charset="-122"/>
+              </a:rPr>
+              <a:t>多样性</a:t>
+            </a:r>
+            <a:endParaRPr lang="en-US" altLang="zh-CN" sz="800">
+              <a:solidFill>
+                <a:schemeClr val="bg2">
+                  <a:lumMod val="50000"/>
+                </a:schemeClr>
+              </a:solidFill>
+              <a:latin typeface="Microsoft YaHei Light" panose="020B0503020204020204" pitchFamily="34" charset="-122"/>
+              <a:ea typeface="Microsoft YaHei Light" panose="020B0503020204020204" pitchFamily="34" charset="-122"/>
+            </a:endParaRPr>
+          </a:p>
+          <a:p>
+            <a:pPr>
+              <a:lnSpc>
+                <a:spcPct val="150000"/>
+              </a:lnSpc>
+            </a:pPr>
+            <a:r>
+              <a:rPr lang="zh-CN" altLang="en-US" sz="800">
+                <a:solidFill>
+                  <a:schemeClr val="bg2">
+                    <a:lumMod val="50000"/>
+                  </a:schemeClr>
+                </a:solidFill>
+                <a:latin typeface="Microsoft YaHei Light" panose="020B0503020204020204" pitchFamily="34" charset="-122"/>
+                <a:ea typeface="Microsoft YaHei Light" panose="020B0503020204020204" pitchFamily="34" charset="-122"/>
+              </a:rPr>
+              <a:t>实时性</a:t>
+            </a:r>
+            <a:endParaRPr lang="en-US" altLang="zh-CN" sz="800">
+              <a:solidFill>
+                <a:schemeClr val="bg2">
+                  <a:lumMod val="50000"/>
+                </a:schemeClr>
+              </a:solidFill>
+              <a:latin typeface="Microsoft YaHei Light" panose="020B0503020204020204" pitchFamily="34" charset="-122"/>
+              <a:ea typeface="Microsoft YaHei Light" panose="020B0503020204020204" pitchFamily="34" charset="-122"/>
+            </a:endParaRPr>
+          </a:p>
+          <a:p>
+            <a:pPr>
+              <a:lnSpc>
+                <a:spcPct val="150000"/>
+              </a:lnSpc>
+            </a:pPr>
+            <a:r>
+              <a:rPr lang="zh-CN" altLang="en-US" sz="800">
+                <a:solidFill>
+                  <a:schemeClr val="bg2">
+                    <a:lumMod val="50000"/>
+                  </a:schemeClr>
+                </a:solidFill>
+                <a:latin typeface="Microsoft YaHei Light" panose="020B0503020204020204" pitchFamily="34" charset="-122"/>
+                <a:ea typeface="Microsoft YaHei Light" panose="020B0503020204020204" pitchFamily="34" charset="-122"/>
+              </a:rPr>
+              <a:t>流行度</a:t>
+            </a:r>
+            <a:endParaRPr lang="en-US" altLang="zh-CN" sz="800">
+              <a:solidFill>
+                <a:schemeClr val="bg2">
+                  <a:lumMod val="50000"/>
+                </a:schemeClr>
+              </a:solidFill>
+              <a:latin typeface="Microsoft YaHei Light" panose="020B0503020204020204" pitchFamily="34" charset="-122"/>
+              <a:ea typeface="Microsoft YaHei Light" panose="020B0503020204020204" pitchFamily="34" charset="-122"/>
+            </a:endParaRPr>
+          </a:p>
+          <a:p>
+            <a:pPr>
+              <a:lnSpc>
+                <a:spcPct val="150000"/>
+              </a:lnSpc>
+            </a:pPr>
+            <a:r>
+              <a:rPr lang="zh-CN" altLang="en-US" sz="800">
+                <a:solidFill>
+                  <a:schemeClr val="bg2">
+                    <a:lumMod val="50000"/>
+                  </a:schemeClr>
+                </a:solidFill>
+                <a:latin typeface="Microsoft YaHei Light" panose="020B0503020204020204" pitchFamily="34" charset="-122"/>
+                <a:ea typeface="Microsoft YaHei Light" panose="020B0503020204020204" pitchFamily="34" charset="-122"/>
+              </a:rPr>
+              <a:t>新鲜度</a:t>
+            </a:r>
+            <a:endParaRPr lang="en-US" altLang="zh-CN" sz="800">
+              <a:solidFill>
+                <a:schemeClr val="bg2">
+                  <a:lumMod val="50000"/>
+                </a:schemeClr>
+              </a:solidFill>
+              <a:latin typeface="Microsoft YaHei Light" panose="020B0503020204020204" pitchFamily="34" charset="-122"/>
+              <a:ea typeface="Microsoft YaHei Light" panose="020B0503020204020204" pitchFamily="34" charset="-122"/>
+            </a:endParaRPr>
+          </a:p>
+        </p:txBody>
+      </p:sp>
+      <p:sp>
+        <p:nvSpPr>
+          <p:cNvPr id="51" name="梯形 50">
+            <a:extLst>
+              <a:ext uri="{FF2B5EF4-FFF2-40B4-BE49-F238E27FC236}">
+                <a16:creationId xmlns:a16="http://schemas.microsoft.com/office/drawing/2014/main" id="{1FDC1F95-7062-4857-8FFB-7E0CE2017B9C}"/>
+              </a:ext>
+            </a:extLst>
+          </p:cNvPr>
+          <p:cNvSpPr/>
+          <p:nvPr/>
+        </p:nvSpPr>
+        <p:spPr>
+          <a:xfrm rot="5400000">
+            <a:off x="4085360" y="4904636"/>
+            <a:ext cx="1957326" cy="956838"/>
+          </a:xfrm>
+          <a:prstGeom prst="trapezoid">
+            <a:avLst>
+              <a:gd name="adj" fmla="val 20721"/>
+            </a:avLst>
+          </a:prstGeom>
+          <a:ln w="9525">
+            <a:solidFill>
+              <a:schemeClr val="tx1"/>
+            </a:solidFill>
+          </a:ln>
+        </p:spPr>
+        <p:txBody>
+          <a:bodyPr vert="vert270" wrap="square" tIns="72000" bIns="72000" anchor="ctr">
+            <a:noAutofit/>
+          </a:bodyPr>
+          <a:lstStyle/>
+          <a:p>
+            <a:pPr algn="ctr">
+              <a:lnSpc>
+                <a:spcPct val="150000"/>
+              </a:lnSpc>
+            </a:pPr>
+            <a:r>
+              <a:rPr lang="zh-CN" altLang="en-US" sz="800" b="1">
+                <a:latin typeface="+mn-ea"/>
+              </a:rPr>
+              <a:t>召回层</a:t>
+            </a:r>
+            <a:endParaRPr lang="en-US" altLang="zh-CN" sz="800" b="1">
+              <a:latin typeface="+mn-ea"/>
+            </a:endParaRPr>
+          </a:p>
+          <a:p>
+            <a:pPr>
+              <a:lnSpc>
+                <a:spcPct val="150000"/>
+              </a:lnSpc>
+            </a:pPr>
+            <a:r>
+              <a:rPr lang="en-US" altLang="zh-CN" sz="800">
+                <a:solidFill>
+                  <a:schemeClr val="bg2">
+                    <a:lumMod val="50000"/>
+                  </a:schemeClr>
+                </a:solidFill>
+                <a:latin typeface="Microsoft YaHei Light" panose="020B0503020204020204" pitchFamily="34" charset="-122"/>
+                <a:ea typeface="Microsoft YaHei Light" panose="020B0503020204020204" pitchFamily="34" charset="-122"/>
+              </a:rPr>
+              <a:t>Embedding</a:t>
+            </a:r>
+          </a:p>
+          <a:p>
+            <a:pPr>
+              <a:lnSpc>
+                <a:spcPct val="150000"/>
+              </a:lnSpc>
+            </a:pPr>
+            <a:r>
+              <a:rPr lang="zh-CN" altLang="en-US" sz="800">
+                <a:solidFill>
+                  <a:schemeClr val="bg2">
+                    <a:lumMod val="50000"/>
+                  </a:schemeClr>
+                </a:solidFill>
+                <a:latin typeface="Microsoft YaHei Light" panose="020B0503020204020204" pitchFamily="34" charset="-122"/>
+                <a:ea typeface="Microsoft YaHei Light" panose="020B0503020204020204" pitchFamily="34" charset="-122"/>
+              </a:rPr>
+              <a:t>局部敏感哈希</a:t>
+            </a:r>
+            <a:endParaRPr lang="en-US" altLang="zh-CN" sz="800">
+              <a:solidFill>
+                <a:schemeClr val="bg2">
+                  <a:lumMod val="50000"/>
+                </a:schemeClr>
+              </a:solidFill>
+              <a:latin typeface="Microsoft YaHei Light" panose="020B0503020204020204" pitchFamily="34" charset="-122"/>
+              <a:ea typeface="Microsoft YaHei Light" panose="020B0503020204020204" pitchFamily="34" charset="-122"/>
+            </a:endParaRPr>
+          </a:p>
+          <a:p>
+            <a:pPr>
+              <a:lnSpc>
+                <a:spcPct val="150000"/>
+              </a:lnSpc>
+            </a:pPr>
+            <a:r>
+              <a:rPr lang="zh-CN" altLang="en-US" sz="800">
+                <a:solidFill>
+                  <a:schemeClr val="bg2">
+                    <a:lumMod val="50000"/>
+                  </a:schemeClr>
+                </a:solidFill>
+                <a:latin typeface="Microsoft YaHei Light" panose="020B0503020204020204" pitchFamily="34" charset="-122"/>
+                <a:ea typeface="Microsoft YaHei Light" panose="020B0503020204020204" pitchFamily="34" charset="-122"/>
+              </a:rPr>
+              <a:t>热门物品召回</a:t>
+            </a:r>
+            <a:endParaRPr lang="en-US" altLang="zh-CN" sz="800">
+              <a:solidFill>
+                <a:schemeClr val="bg2">
+                  <a:lumMod val="50000"/>
+                </a:schemeClr>
+              </a:solidFill>
+              <a:latin typeface="Microsoft YaHei Light" panose="020B0503020204020204" pitchFamily="34" charset="-122"/>
+              <a:ea typeface="Microsoft YaHei Light" panose="020B0503020204020204" pitchFamily="34" charset="-122"/>
+            </a:endParaRPr>
+          </a:p>
+          <a:p>
+            <a:pPr>
+              <a:lnSpc>
+                <a:spcPct val="150000"/>
+              </a:lnSpc>
+            </a:pPr>
+            <a:r>
+              <a:rPr lang="zh-CN" altLang="en-US" sz="800">
+                <a:solidFill>
+                  <a:schemeClr val="bg2">
+                    <a:lumMod val="50000"/>
+                  </a:schemeClr>
+                </a:solidFill>
+                <a:latin typeface="Microsoft YaHei Light" panose="020B0503020204020204" pitchFamily="34" charset="-122"/>
+                <a:ea typeface="Microsoft YaHei Light" panose="020B0503020204020204" pitchFamily="34" charset="-122"/>
+              </a:rPr>
+              <a:t>社交关系召回</a:t>
+            </a:r>
+            <a:endParaRPr lang="en-US" altLang="zh-CN" sz="800">
+              <a:solidFill>
+                <a:schemeClr val="bg2">
+                  <a:lumMod val="50000"/>
+                </a:schemeClr>
+              </a:solidFill>
+              <a:latin typeface="Microsoft YaHei Light" panose="020B0503020204020204" pitchFamily="34" charset="-122"/>
+              <a:ea typeface="Microsoft YaHei Light" panose="020B0503020204020204" pitchFamily="34" charset="-122"/>
+            </a:endParaRPr>
+          </a:p>
+          <a:p>
+            <a:pPr>
+              <a:lnSpc>
+                <a:spcPct val="150000"/>
+              </a:lnSpc>
+            </a:pPr>
+            <a:r>
+              <a:rPr lang="zh-CN" altLang="en-US" sz="800">
+                <a:solidFill>
+                  <a:schemeClr val="bg2">
+                    <a:lumMod val="50000"/>
+                  </a:schemeClr>
+                </a:solidFill>
+                <a:latin typeface="Microsoft YaHei Light" panose="020B0503020204020204" pitchFamily="34" charset="-122"/>
+                <a:ea typeface="Microsoft YaHei Light" panose="020B0503020204020204" pitchFamily="34" charset="-122"/>
+              </a:rPr>
+              <a:t>新鲜物品召回</a:t>
+            </a:r>
+          </a:p>
+        </p:txBody>
+      </p:sp>
+      <p:sp>
+        <p:nvSpPr>
+          <p:cNvPr id="52" name="梯形 51">
+            <a:extLst>
+              <a:ext uri="{FF2B5EF4-FFF2-40B4-BE49-F238E27FC236}">
+                <a16:creationId xmlns:a16="http://schemas.microsoft.com/office/drawing/2014/main" id="{64787D6D-B1A0-487A-BF7F-9188E36E3F59}"/>
+              </a:ext>
+            </a:extLst>
+          </p:cNvPr>
+          <p:cNvSpPr/>
+          <p:nvPr/>
+        </p:nvSpPr>
+        <p:spPr>
+          <a:xfrm rot="5400000">
+            <a:off x="5851399" y="4871263"/>
+            <a:ext cx="1423523" cy="1023584"/>
+          </a:xfrm>
+          <a:prstGeom prst="trapezoid">
+            <a:avLst/>
+          </a:prstGeom>
+          <a:ln w="9525">
+            <a:solidFill>
+              <a:schemeClr val="tx1"/>
+            </a:solidFill>
+          </a:ln>
+        </p:spPr>
+        <p:txBody>
+          <a:bodyPr vert="vert270" wrap="square" tIns="72000" bIns="72000">
+            <a:spAutoFit/>
+          </a:bodyPr>
+          <a:lstStyle/>
+          <a:p>
+            <a:pPr algn="ctr">
+              <a:lnSpc>
+                <a:spcPct val="150000"/>
+              </a:lnSpc>
+            </a:pPr>
+            <a:r>
+              <a:rPr lang="zh-CN" altLang="en-US" sz="800" b="1">
+                <a:latin typeface="+mn-ea"/>
+              </a:rPr>
+              <a:t>排序层</a:t>
+            </a:r>
+            <a:endParaRPr lang="en-US" altLang="zh-CN" sz="800" b="1">
+              <a:latin typeface="+mn-ea"/>
+            </a:endParaRPr>
+          </a:p>
+          <a:p>
+            <a:pPr>
+              <a:lnSpc>
+                <a:spcPct val="150000"/>
+              </a:lnSpc>
+            </a:pPr>
+            <a:r>
+              <a:rPr lang="zh-CN" altLang="en-US" sz="800">
+                <a:solidFill>
+                  <a:schemeClr val="bg2">
+                    <a:lumMod val="50000"/>
+                  </a:schemeClr>
+                </a:solidFill>
+                <a:latin typeface="Microsoft YaHei Light" panose="020B0503020204020204" pitchFamily="34" charset="-122"/>
+                <a:ea typeface="Microsoft YaHei Light" panose="020B0503020204020204" pitchFamily="34" charset="-122"/>
+              </a:rPr>
+              <a:t>协同过滤类模型</a:t>
+            </a:r>
+            <a:endParaRPr lang="en-US" altLang="zh-CN" sz="800">
+              <a:solidFill>
+                <a:schemeClr val="bg2">
+                  <a:lumMod val="50000"/>
+                </a:schemeClr>
+              </a:solidFill>
+              <a:latin typeface="Microsoft YaHei Light" panose="020B0503020204020204" pitchFamily="34" charset="-122"/>
+              <a:ea typeface="Microsoft YaHei Light" panose="020B0503020204020204" pitchFamily="34" charset="-122"/>
+            </a:endParaRPr>
+          </a:p>
+          <a:p>
+            <a:pPr>
+              <a:lnSpc>
+                <a:spcPct val="150000"/>
+              </a:lnSpc>
+            </a:pPr>
+            <a:r>
+              <a:rPr lang="en-US" altLang="zh-CN" sz="800">
+                <a:solidFill>
+                  <a:schemeClr val="bg2">
+                    <a:lumMod val="50000"/>
+                  </a:schemeClr>
+                </a:solidFill>
+                <a:latin typeface="Microsoft YaHei Light" panose="020B0503020204020204" pitchFamily="34" charset="-122"/>
+                <a:ea typeface="Microsoft YaHei Light" panose="020B0503020204020204" pitchFamily="34" charset="-122"/>
+              </a:rPr>
+              <a:t>LR</a:t>
+            </a:r>
+            <a:r>
+              <a:rPr lang="zh-CN" altLang="en-US" sz="800">
+                <a:solidFill>
+                  <a:schemeClr val="bg2">
+                    <a:lumMod val="50000"/>
+                  </a:schemeClr>
+                </a:solidFill>
+                <a:latin typeface="Microsoft YaHei Light" panose="020B0503020204020204" pitchFamily="34" charset="-122"/>
+                <a:ea typeface="Microsoft YaHei Light" panose="020B0503020204020204" pitchFamily="34" charset="-122"/>
+              </a:rPr>
+              <a:t>、</a:t>
+            </a:r>
+            <a:r>
+              <a:rPr lang="en-US" altLang="zh-CN" sz="800">
+                <a:solidFill>
+                  <a:schemeClr val="bg2">
+                    <a:lumMod val="50000"/>
+                  </a:schemeClr>
+                </a:solidFill>
+                <a:latin typeface="Microsoft YaHei Light" panose="020B0503020204020204" pitchFamily="34" charset="-122"/>
+                <a:ea typeface="Microsoft YaHei Light" panose="020B0503020204020204" pitchFamily="34" charset="-122"/>
+              </a:rPr>
+              <a:t>FM</a:t>
+            </a:r>
+            <a:r>
+              <a:rPr lang="zh-CN" altLang="en-US" sz="800">
+                <a:solidFill>
+                  <a:schemeClr val="bg2">
+                    <a:lumMod val="50000"/>
+                  </a:schemeClr>
+                </a:solidFill>
+                <a:latin typeface="Microsoft YaHei Light" panose="020B0503020204020204" pitchFamily="34" charset="-122"/>
+                <a:ea typeface="Microsoft YaHei Light" panose="020B0503020204020204" pitchFamily="34" charset="-122"/>
+              </a:rPr>
+              <a:t>、</a:t>
+            </a:r>
+            <a:r>
+              <a:rPr lang="en-US" altLang="zh-CN" sz="800">
+                <a:solidFill>
+                  <a:schemeClr val="bg2">
+                    <a:lumMod val="50000"/>
+                  </a:schemeClr>
+                </a:solidFill>
+                <a:latin typeface="Microsoft YaHei Light" panose="020B0503020204020204" pitchFamily="34" charset="-122"/>
+                <a:ea typeface="Microsoft YaHei Light" panose="020B0503020204020204" pitchFamily="34" charset="-122"/>
+              </a:rPr>
+              <a:t>MLR</a:t>
+            </a:r>
+          </a:p>
+          <a:p>
+            <a:pPr>
+              <a:lnSpc>
+                <a:spcPct val="150000"/>
+              </a:lnSpc>
+            </a:pPr>
+            <a:r>
+              <a:rPr lang="zh-CN" altLang="en-US" sz="800">
+                <a:solidFill>
+                  <a:schemeClr val="bg2">
+                    <a:lumMod val="50000"/>
+                  </a:schemeClr>
+                </a:solidFill>
+                <a:latin typeface="Microsoft YaHei Light" panose="020B0503020204020204" pitchFamily="34" charset="-122"/>
+                <a:ea typeface="Microsoft YaHei Light" panose="020B0503020204020204" pitchFamily="34" charset="-122"/>
+              </a:rPr>
+              <a:t>组合类模型</a:t>
+            </a:r>
+            <a:endParaRPr lang="en-US" altLang="zh-CN" sz="800">
+              <a:solidFill>
+                <a:schemeClr val="bg2">
+                  <a:lumMod val="50000"/>
+                </a:schemeClr>
+              </a:solidFill>
+              <a:latin typeface="Microsoft YaHei Light" panose="020B0503020204020204" pitchFamily="34" charset="-122"/>
+              <a:ea typeface="Microsoft YaHei Light" panose="020B0503020204020204" pitchFamily="34" charset="-122"/>
+            </a:endParaRPr>
+          </a:p>
+          <a:p>
+            <a:pPr>
+              <a:lnSpc>
+                <a:spcPct val="150000"/>
+              </a:lnSpc>
+            </a:pPr>
+            <a:r>
+              <a:rPr lang="zh-CN" altLang="en-US" sz="800">
+                <a:solidFill>
+                  <a:schemeClr val="bg2">
+                    <a:lumMod val="50000"/>
+                  </a:schemeClr>
+                </a:solidFill>
+                <a:latin typeface="Microsoft YaHei Light" panose="020B0503020204020204" pitchFamily="34" charset="-122"/>
+                <a:ea typeface="Microsoft YaHei Light" panose="020B0503020204020204" pitchFamily="34" charset="-122"/>
+              </a:rPr>
+              <a:t>深度学习模型</a:t>
+            </a:r>
+            <a:endParaRPr lang="en-US" altLang="zh-CN" sz="800">
+              <a:solidFill>
+                <a:schemeClr val="bg2">
+                  <a:lumMod val="50000"/>
+                </a:schemeClr>
+              </a:solidFill>
+              <a:latin typeface="Microsoft YaHei Light" panose="020B0503020204020204" pitchFamily="34" charset="-122"/>
+              <a:ea typeface="Microsoft YaHei Light" panose="020B0503020204020204" pitchFamily="34" charset="-122"/>
+            </a:endParaRPr>
+          </a:p>
+        </p:txBody>
+      </p:sp>
+      <p:cxnSp>
+        <p:nvCxnSpPr>
+          <p:cNvPr id="53" name="直线箭头连接符 10">
+            <a:extLst>
+              <a:ext uri="{FF2B5EF4-FFF2-40B4-BE49-F238E27FC236}">
+                <a16:creationId xmlns:a16="http://schemas.microsoft.com/office/drawing/2014/main" id="{D17D6C5C-2270-41DA-8A27-C63F2165EACA}"/>
+              </a:ext>
+            </a:extLst>
+          </p:cNvPr>
+          <p:cNvCxnSpPr>
+            <a:cxnSpLocks/>
+            <a:stCxn id="46" idx="4"/>
+            <a:endCxn id="48" idx="1"/>
+          </p:cNvCxnSpPr>
+          <p:nvPr/>
+        </p:nvCxnSpPr>
+        <p:spPr>
+          <a:xfrm flipV="1">
+            <a:off x="3761555" y="4215786"/>
+            <a:ext cx="816987" cy="1167269"/>
+          </a:xfrm>
+          <a:prstGeom prst="bentConnector3">
+            <a:avLst>
+              <a:gd name="adj1" fmla="val 50000"/>
+            </a:avLst>
+          </a:prstGeom>
+          <a:ln w="9525">
+            <a:headEnd w="lg" len="lg"/>
+            <a:tailEnd type="triangle" w="med" len="lg"/>
+          </a:ln>
+        </p:spPr>
+        <p:style>
+          <a:lnRef idx="1">
+            <a:schemeClr val="dk1"/>
+          </a:lnRef>
+          <a:fillRef idx="0">
+            <a:schemeClr val="dk1"/>
+          </a:fillRef>
+          <a:effectRef idx="0">
+            <a:schemeClr val="dk1"/>
+          </a:effectRef>
+          <a:fontRef idx="minor">
+            <a:schemeClr val="tx1"/>
+          </a:fontRef>
+        </p:style>
+      </p:cxnSp>
+      <p:cxnSp>
+        <p:nvCxnSpPr>
+          <p:cNvPr id="56" name="直线箭头连接符 10">
+            <a:extLst>
+              <a:ext uri="{FF2B5EF4-FFF2-40B4-BE49-F238E27FC236}">
+                <a16:creationId xmlns:a16="http://schemas.microsoft.com/office/drawing/2014/main" id="{D3A1CB8F-8253-4770-9286-BFDD6FD5162E}"/>
+              </a:ext>
+            </a:extLst>
+          </p:cNvPr>
+          <p:cNvCxnSpPr>
+            <a:cxnSpLocks/>
+            <a:stCxn id="46" idx="4"/>
+            <a:endCxn id="51" idx="2"/>
+          </p:cNvCxnSpPr>
+          <p:nvPr/>
+        </p:nvCxnSpPr>
+        <p:spPr>
+          <a:xfrm>
+            <a:off x="3761555" y="5383055"/>
+            <a:ext cx="824049" cy="0"/>
+          </a:xfrm>
+          <a:prstGeom prst="straightConnector1">
+            <a:avLst/>
+          </a:prstGeom>
+          <a:ln w="9525">
+            <a:headEnd w="lg" len="lg"/>
+            <a:tailEnd type="triangle" w="med" len="lg"/>
+          </a:ln>
+        </p:spPr>
+        <p:style>
+          <a:lnRef idx="1">
+            <a:schemeClr val="dk1"/>
+          </a:lnRef>
+          <a:fillRef idx="0">
+            <a:schemeClr val="dk1"/>
+          </a:fillRef>
+          <a:effectRef idx="0">
+            <a:schemeClr val="dk1"/>
+          </a:effectRef>
+          <a:fontRef idx="minor">
+            <a:schemeClr val="tx1"/>
+          </a:fontRef>
+        </p:style>
+      </p:cxnSp>
+      <p:cxnSp>
+        <p:nvCxnSpPr>
+          <p:cNvPr id="59" name="直线箭头连接符 10">
+            <a:extLst>
+              <a:ext uri="{FF2B5EF4-FFF2-40B4-BE49-F238E27FC236}">
+                <a16:creationId xmlns:a16="http://schemas.microsoft.com/office/drawing/2014/main" id="{D0178F84-B66E-4B93-AB8B-597878F3B69D}"/>
+              </a:ext>
+            </a:extLst>
+          </p:cNvPr>
+          <p:cNvCxnSpPr>
+            <a:cxnSpLocks/>
+            <a:stCxn id="46" idx="4"/>
+            <a:endCxn id="49" idx="1"/>
+          </p:cNvCxnSpPr>
+          <p:nvPr/>
+        </p:nvCxnSpPr>
+        <p:spPr>
+          <a:xfrm>
+            <a:off x="3761555" y="5383055"/>
+            <a:ext cx="816987" cy="1168970"/>
+          </a:xfrm>
+          <a:prstGeom prst="bentConnector3">
+            <a:avLst>
+              <a:gd name="adj1" fmla="val 50000"/>
+            </a:avLst>
+          </a:prstGeom>
+          <a:ln w="9525">
+            <a:headEnd w="lg" len="lg"/>
+            <a:tailEnd type="triangle" w="med" len="lg"/>
+          </a:ln>
+        </p:spPr>
+        <p:style>
+          <a:lnRef idx="1">
+            <a:schemeClr val="dk1"/>
+          </a:lnRef>
+          <a:fillRef idx="0">
+            <a:schemeClr val="dk1"/>
+          </a:fillRef>
+          <a:effectRef idx="0">
+            <a:schemeClr val="dk1"/>
+          </a:effectRef>
+          <a:fontRef idx="minor">
+            <a:schemeClr val="tx1"/>
+          </a:fontRef>
+        </p:style>
+      </p:cxnSp>
+      <p:cxnSp>
+        <p:nvCxnSpPr>
+          <p:cNvPr id="60" name="直线箭头连接符 10">
+            <a:extLst>
+              <a:ext uri="{FF2B5EF4-FFF2-40B4-BE49-F238E27FC236}">
+                <a16:creationId xmlns:a16="http://schemas.microsoft.com/office/drawing/2014/main" id="{52108B16-6BD2-4E4C-BD30-3BE0989AC9E0}"/>
+              </a:ext>
+            </a:extLst>
+          </p:cNvPr>
+          <p:cNvCxnSpPr>
+            <a:cxnSpLocks/>
+            <a:stCxn id="51" idx="0"/>
+            <a:endCxn id="52" idx="2"/>
+          </p:cNvCxnSpPr>
+          <p:nvPr/>
+        </p:nvCxnSpPr>
+        <p:spPr>
+          <a:xfrm>
+            <a:off x="5542442" y="5383055"/>
+            <a:ext cx="508927" cy="1"/>
+          </a:xfrm>
+          <a:prstGeom prst="straightConnector1">
+            <a:avLst/>
+          </a:prstGeom>
+          <a:ln w="9525">
+            <a:headEnd w="lg" len="lg"/>
+            <a:tailEnd type="triangle" w="med" len="lg"/>
+          </a:ln>
+        </p:spPr>
+        <p:style>
+          <a:lnRef idx="1">
+            <a:schemeClr val="dk1"/>
+          </a:lnRef>
+          <a:fillRef idx="0">
+            <a:schemeClr val="dk1"/>
+          </a:fillRef>
+          <a:effectRef idx="0">
+            <a:schemeClr val="dk1"/>
+          </a:effectRef>
+          <a:fontRef idx="minor">
+            <a:schemeClr val="tx1"/>
+          </a:fontRef>
+        </p:style>
+      </p:cxnSp>
+      <p:cxnSp>
+        <p:nvCxnSpPr>
+          <p:cNvPr id="61" name="直线箭头连接符 10">
+            <a:extLst>
+              <a:ext uri="{FF2B5EF4-FFF2-40B4-BE49-F238E27FC236}">
+                <a16:creationId xmlns:a16="http://schemas.microsoft.com/office/drawing/2014/main" id="{771245CC-D41C-4C89-A3B8-D66B83FC0F11}"/>
+              </a:ext>
+            </a:extLst>
+          </p:cNvPr>
+          <p:cNvCxnSpPr>
+            <a:cxnSpLocks/>
+            <a:stCxn id="52" idx="0"/>
+            <a:endCxn id="50" idx="1"/>
+          </p:cNvCxnSpPr>
+          <p:nvPr/>
+        </p:nvCxnSpPr>
+        <p:spPr>
+          <a:xfrm>
+            <a:off x="7074953" y="5383056"/>
+            <a:ext cx="515752" cy="848"/>
+          </a:xfrm>
+          <a:prstGeom prst="straightConnector1">
+            <a:avLst/>
+          </a:prstGeom>
+          <a:ln w="9525">
+            <a:headEnd w="lg" len="lg"/>
+            <a:tailEnd type="triangle" w="med" len="lg"/>
+          </a:ln>
+        </p:spPr>
+        <p:style>
+          <a:lnRef idx="1">
+            <a:schemeClr val="dk1"/>
+          </a:lnRef>
+          <a:fillRef idx="0">
+            <a:schemeClr val="dk1"/>
+          </a:fillRef>
+          <a:effectRef idx="0">
+            <a:schemeClr val="dk1"/>
+          </a:effectRef>
+          <a:fontRef idx="minor">
+            <a:schemeClr val="tx1"/>
+          </a:fontRef>
+        </p:style>
+      </p:cxnSp>
+      <p:cxnSp>
+        <p:nvCxnSpPr>
+          <p:cNvPr id="62" name="直线箭头连接符 10">
+            <a:extLst>
+              <a:ext uri="{FF2B5EF4-FFF2-40B4-BE49-F238E27FC236}">
+                <a16:creationId xmlns:a16="http://schemas.microsoft.com/office/drawing/2014/main" id="{4A068E74-638F-4757-8FC0-526EE7A0A744}"/>
+              </a:ext>
+            </a:extLst>
+          </p:cNvPr>
+          <p:cNvCxnSpPr>
+            <a:cxnSpLocks/>
+            <a:stCxn id="50" idx="3"/>
+            <a:endCxn id="47" idx="1"/>
+          </p:cNvCxnSpPr>
+          <p:nvPr/>
+        </p:nvCxnSpPr>
+        <p:spPr>
+          <a:xfrm flipV="1">
+            <a:off x="8547544" y="5383055"/>
+            <a:ext cx="669199" cy="849"/>
+          </a:xfrm>
+          <a:prstGeom prst="straightConnector1">
+            <a:avLst/>
+          </a:prstGeom>
+          <a:ln w="9525">
+            <a:headEnd w="lg" len="lg"/>
+            <a:tailEnd type="triangle" w="med" len="lg"/>
+          </a:ln>
+        </p:spPr>
+        <p:style>
+          <a:lnRef idx="1">
+            <a:schemeClr val="dk1"/>
+          </a:lnRef>
+          <a:fillRef idx="0">
+            <a:schemeClr val="dk1"/>
+          </a:fillRef>
+          <a:effectRef idx="0">
+            <a:schemeClr val="dk1"/>
+          </a:effectRef>
+          <a:fontRef idx="minor">
+            <a:schemeClr val="tx1"/>
+          </a:fontRef>
+        </p:style>
+      </p:cxnSp>
+    </p:spTree>
+    <p:extLst>
+      <p:ext uri="{BB962C8B-B14F-4D97-AF65-F5344CB8AC3E}">
+        <p14:creationId xmlns:p14="http://schemas.microsoft.com/office/powerpoint/2010/main" val="2037842406"/>
+      </p:ext>
+    </p:extLst>
+  </p:cSld>
+  <p:clrMapOvr>
+    <a:masterClrMapping/>
+  </p:clrMapOvr>
+</p:sld>
+</file>
+
+<file path=ppt/slides/slide3.xml><?xml version="1.0" encoding="utf-8"?>
+<p:sld xmlns:a="http://schemas.openxmlformats.org/drawingml/2006/main" xmlns:r="http://schemas.openxmlformats.org/officeDocument/2006/relationships" xmlns:p="http://schemas.openxmlformats.org/presentationml/2006/main">
+  <p:cSld>
+    <p:spTree>
+      <p:nvGrpSpPr>
+        <p:cNvPr id="1" name=""/>
+        <p:cNvGrpSpPr/>
+        <p:nvPr/>
+      </p:nvGrpSpPr>
+      <p:grpSpPr>
+        <a:xfrm>
+          <a:off x="0" y="0"/>
+          <a:ext cx="0" cy="0"/>
+          <a:chOff x="0" y="0"/>
+          <a:chExt cx="0" cy="0"/>
+        </a:xfrm>
+      </p:grpSpPr>
+      <p:sp>
+        <p:nvSpPr>
+          <p:cNvPr id="34" name="矩形 33">
+            <a:extLst>
+              <a:ext uri="{FF2B5EF4-FFF2-40B4-BE49-F238E27FC236}">
+                <a16:creationId xmlns:a16="http://schemas.microsoft.com/office/drawing/2014/main" id="{B923EDD2-A7BE-4B4D-930A-95DDE55D508E}"/>
+              </a:ext>
+            </a:extLst>
+          </p:cNvPr>
+          <p:cNvSpPr/>
+          <p:nvPr/>
+        </p:nvSpPr>
+        <p:spPr>
+          <a:xfrm>
+            <a:off x="1719778" y="4090620"/>
+            <a:ext cx="1192410" cy="493643"/>
+          </a:xfrm>
+          <a:prstGeom prst="rect">
+            <a:avLst/>
+          </a:prstGeom>
+          <a:ln w="9525">
+            <a:solidFill>
+              <a:schemeClr val="tx1"/>
+            </a:solidFill>
+          </a:ln>
+        </p:spPr>
+        <p:txBody>
+          <a:bodyPr wrap="square" tIns="72000" bIns="72000">
+            <a:spAutoFit/>
+          </a:bodyPr>
+          <a:lstStyle/>
+          <a:p>
+            <a:pPr>
+              <a:lnSpc>
+                <a:spcPct val="150000"/>
+              </a:lnSpc>
+            </a:pPr>
+            <a:r>
+              <a:rPr lang="zh-CN" altLang="en-US" sz="800">
+                <a:latin typeface="+mn-ea"/>
+              </a:rPr>
+              <a:t>合理选择优化目标</a:t>
+            </a:r>
+            <a:endParaRPr lang="en-US" altLang="zh-CN" sz="800">
+              <a:latin typeface="+mn-ea"/>
+            </a:endParaRPr>
+          </a:p>
+          <a:p>
+            <a:pPr>
+              <a:lnSpc>
+                <a:spcPct val="150000"/>
+              </a:lnSpc>
+            </a:pPr>
+            <a:r>
+              <a:rPr lang="zh-CN" altLang="en-US" sz="800">
+                <a:latin typeface="+mn-ea"/>
+              </a:rPr>
+              <a:t>业务与模型结构结合</a:t>
+            </a:r>
+            <a:endParaRPr lang="zh-CN" altLang="en-US" sz="800" dirty="0">
+              <a:solidFill>
+                <a:schemeClr val="bg2">
+                  <a:lumMod val="50000"/>
+                </a:schemeClr>
+              </a:solidFill>
+              <a:latin typeface="Microsoft YaHei Light" panose="020B0503020204020204" pitchFamily="34" charset="-122"/>
+              <a:ea typeface="Microsoft YaHei Light" panose="020B0503020204020204" pitchFamily="34" charset="-122"/>
+            </a:endParaRPr>
+          </a:p>
+        </p:txBody>
+      </p:sp>
+      <p:sp>
+        <p:nvSpPr>
+          <p:cNvPr id="35" name="矩形 34">
+            <a:extLst>
+              <a:ext uri="{FF2B5EF4-FFF2-40B4-BE49-F238E27FC236}">
+                <a16:creationId xmlns:a16="http://schemas.microsoft.com/office/drawing/2014/main" id="{CA78E84C-BF68-4FBB-B049-1C8FAE9DB999}"/>
+              </a:ext>
+            </a:extLst>
+          </p:cNvPr>
+          <p:cNvSpPr/>
+          <p:nvPr/>
+        </p:nvSpPr>
+        <p:spPr>
+          <a:xfrm>
+            <a:off x="3095759" y="3145107"/>
+            <a:ext cx="5089391" cy="268517"/>
+          </a:xfrm>
+          <a:prstGeom prst="rect">
+            <a:avLst/>
+          </a:prstGeom>
+          <a:ln w="9525">
+            <a:solidFill>
+              <a:schemeClr val="tx1"/>
+            </a:solidFill>
+          </a:ln>
+        </p:spPr>
+        <p:txBody>
+          <a:bodyPr wrap="square" tIns="72000" bIns="72000">
+            <a:spAutoFit/>
+          </a:bodyPr>
+          <a:lstStyle/>
+          <a:p>
+            <a:pPr algn="ctr"/>
+            <a:r>
+              <a:rPr lang="zh-CN" altLang="en-US" sz="800">
+                <a:latin typeface="+mn-ea"/>
+              </a:rPr>
+              <a:t>模型服务   </a:t>
+            </a:r>
+            <a:r>
+              <a:rPr lang="en-US" altLang="zh-CN" sz="800">
+                <a:latin typeface="+mn-ea"/>
+              </a:rPr>
+              <a:t>docker   go  java  TensorFlow serving</a:t>
+            </a:r>
+          </a:p>
+        </p:txBody>
+      </p:sp>
+      <p:sp>
+        <p:nvSpPr>
+          <p:cNvPr id="37" name="矩形 36">
+            <a:extLst>
+              <a:ext uri="{FF2B5EF4-FFF2-40B4-BE49-F238E27FC236}">
+                <a16:creationId xmlns:a16="http://schemas.microsoft.com/office/drawing/2014/main" id="{85D61B9C-3F34-4B4A-89F2-E8AFAC5D12C4}"/>
+              </a:ext>
+            </a:extLst>
+          </p:cNvPr>
+          <p:cNvSpPr/>
+          <p:nvPr/>
+        </p:nvSpPr>
+        <p:spPr>
+          <a:xfrm>
+            <a:off x="7546210" y="3845714"/>
+            <a:ext cx="970066" cy="863167"/>
+          </a:xfrm>
+          <a:prstGeom prst="rect">
+            <a:avLst/>
+          </a:prstGeom>
+          <a:ln w="9525">
+            <a:solidFill>
+              <a:schemeClr val="tx1"/>
+            </a:solidFill>
+          </a:ln>
+        </p:spPr>
+        <p:txBody>
+          <a:bodyPr wrap="square" tIns="72000" bIns="72000">
+            <a:spAutoFit/>
+          </a:bodyPr>
+          <a:lstStyle/>
+          <a:p>
+            <a:pPr>
+              <a:lnSpc>
+                <a:spcPct val="150000"/>
+              </a:lnSpc>
+            </a:pPr>
+            <a:r>
+              <a:rPr lang="zh-CN" altLang="en-US" sz="800" b="1">
+                <a:latin typeface="+mn-ea"/>
+              </a:rPr>
+              <a:t>模型在线更新</a:t>
+            </a:r>
+            <a:endParaRPr lang="en-US" altLang="zh-CN" sz="800" b="1">
+              <a:latin typeface="+mn-ea"/>
+            </a:endParaRPr>
+          </a:p>
+          <a:p>
+            <a:pPr>
+              <a:lnSpc>
+                <a:spcPct val="150000"/>
+              </a:lnSpc>
+            </a:pPr>
+            <a:r>
+              <a:rPr lang="zh-CN" altLang="en-US" sz="800">
+                <a:solidFill>
+                  <a:schemeClr val="bg2">
+                    <a:lumMod val="50000"/>
+                  </a:schemeClr>
+                </a:solidFill>
+                <a:latin typeface="Microsoft YaHei Light" panose="020B0503020204020204" pitchFamily="34" charset="-122"/>
+                <a:ea typeface="Microsoft YaHei Light" panose="020B0503020204020204" pitchFamily="34" charset="-122"/>
+              </a:rPr>
+              <a:t>在线学习</a:t>
+            </a:r>
+            <a:endParaRPr lang="en-US" altLang="zh-CN" sz="800">
+              <a:solidFill>
+                <a:schemeClr val="bg2">
+                  <a:lumMod val="50000"/>
+                </a:schemeClr>
+              </a:solidFill>
+              <a:latin typeface="Microsoft YaHei Light" panose="020B0503020204020204" pitchFamily="34" charset="-122"/>
+              <a:ea typeface="Microsoft YaHei Light" panose="020B0503020204020204" pitchFamily="34" charset="-122"/>
+            </a:endParaRPr>
+          </a:p>
+          <a:p>
+            <a:pPr>
+              <a:lnSpc>
+                <a:spcPct val="150000"/>
+              </a:lnSpc>
+            </a:pPr>
+            <a:r>
+              <a:rPr lang="zh-CN" altLang="en-US" sz="800">
+                <a:solidFill>
+                  <a:schemeClr val="bg2">
+                    <a:lumMod val="50000"/>
+                  </a:schemeClr>
+                </a:solidFill>
+                <a:latin typeface="Microsoft YaHei Light" panose="020B0503020204020204" pitchFamily="34" charset="-122"/>
+                <a:ea typeface="Microsoft YaHei Light" panose="020B0503020204020204" pitchFamily="34" charset="-122"/>
+              </a:rPr>
+              <a:t>混合更新策略</a:t>
+            </a:r>
+            <a:endParaRPr lang="en-US" altLang="zh-CN" sz="800">
+              <a:solidFill>
+                <a:schemeClr val="bg2">
+                  <a:lumMod val="50000"/>
+                </a:schemeClr>
+              </a:solidFill>
+              <a:latin typeface="Microsoft YaHei Light" panose="020B0503020204020204" pitchFamily="34" charset="-122"/>
+              <a:ea typeface="Microsoft YaHei Light" panose="020B0503020204020204" pitchFamily="34" charset="-122"/>
+            </a:endParaRPr>
+          </a:p>
+          <a:p>
+            <a:pPr>
+              <a:lnSpc>
+                <a:spcPct val="150000"/>
+              </a:lnSpc>
+            </a:pPr>
+            <a:r>
+              <a:rPr lang="zh-CN" altLang="en-US" sz="800">
+                <a:solidFill>
+                  <a:schemeClr val="bg2">
+                    <a:lumMod val="50000"/>
+                  </a:schemeClr>
+                </a:solidFill>
+                <a:latin typeface="Microsoft YaHei Light" panose="020B0503020204020204" pitchFamily="34" charset="-122"/>
+                <a:ea typeface="Microsoft YaHei Light" panose="020B0503020204020204" pitchFamily="34" charset="-122"/>
+              </a:rPr>
+              <a:t>特征实时性</a:t>
+            </a:r>
+            <a:endParaRPr lang="en-US" altLang="zh-CN" sz="800">
+              <a:solidFill>
+                <a:schemeClr val="bg2">
+                  <a:lumMod val="50000"/>
+                </a:schemeClr>
+              </a:solidFill>
+              <a:latin typeface="Microsoft YaHei Light" panose="020B0503020204020204" pitchFamily="34" charset="-122"/>
+              <a:ea typeface="Microsoft YaHei Light" panose="020B0503020204020204" pitchFamily="34" charset="-122"/>
+            </a:endParaRPr>
+          </a:p>
+        </p:txBody>
+      </p:sp>
+      <p:sp>
+        <p:nvSpPr>
+          <p:cNvPr id="38" name="矩形 37">
+            <a:extLst>
+              <a:ext uri="{FF2B5EF4-FFF2-40B4-BE49-F238E27FC236}">
+                <a16:creationId xmlns:a16="http://schemas.microsoft.com/office/drawing/2014/main" id="{015522E2-A2C5-4DF7-9C7D-B73D4020A2AE}"/>
+              </a:ext>
+            </a:extLst>
+          </p:cNvPr>
+          <p:cNvSpPr/>
+          <p:nvPr/>
+        </p:nvSpPr>
+        <p:spPr>
+          <a:xfrm>
+            <a:off x="3563858" y="3998191"/>
+            <a:ext cx="1081933" cy="678501"/>
+          </a:xfrm>
+          <a:prstGeom prst="rect">
+            <a:avLst/>
+          </a:prstGeom>
+          <a:ln w="9525">
+            <a:solidFill>
+              <a:schemeClr val="tx1"/>
+            </a:solidFill>
+          </a:ln>
+        </p:spPr>
+        <p:txBody>
+          <a:bodyPr wrap="square" tIns="72000" bIns="72000">
+            <a:spAutoFit/>
+          </a:bodyPr>
+          <a:lstStyle/>
+          <a:p>
+            <a:pPr>
+              <a:lnSpc>
+                <a:spcPct val="150000"/>
+              </a:lnSpc>
+            </a:pPr>
+            <a:r>
+              <a:rPr lang="zh-CN" altLang="en-US" sz="800" b="1">
+                <a:latin typeface="+mn-ea"/>
+              </a:rPr>
+              <a:t>模型离线训练</a:t>
+            </a:r>
+            <a:endParaRPr lang="en-US" altLang="zh-CN" sz="800" b="1">
+              <a:latin typeface="+mn-ea"/>
+            </a:endParaRPr>
+          </a:p>
+          <a:p>
+            <a:pPr>
+              <a:lnSpc>
+                <a:spcPct val="150000"/>
+              </a:lnSpc>
+            </a:pPr>
+            <a:r>
+              <a:rPr lang="en-US" altLang="zh-CN" sz="800">
+                <a:solidFill>
+                  <a:schemeClr val="bg2">
+                    <a:lumMod val="50000"/>
+                  </a:schemeClr>
+                </a:solidFill>
+                <a:latin typeface="Microsoft YaHei Light" panose="020B0503020204020204" pitchFamily="34" charset="-122"/>
+                <a:ea typeface="Microsoft YaHei Light" panose="020B0503020204020204" pitchFamily="34" charset="-122"/>
+              </a:rPr>
+              <a:t>Spark  PyTorch</a:t>
+            </a:r>
+          </a:p>
+          <a:p>
+            <a:pPr>
+              <a:lnSpc>
+                <a:spcPct val="150000"/>
+              </a:lnSpc>
+            </a:pPr>
+            <a:r>
+              <a:rPr lang="en-US" altLang="zh-CN" sz="800">
+                <a:solidFill>
+                  <a:schemeClr val="bg2">
+                    <a:lumMod val="50000"/>
+                  </a:schemeClr>
+                </a:solidFill>
+                <a:latin typeface="Microsoft YaHei Light" panose="020B0503020204020204" pitchFamily="34" charset="-122"/>
+                <a:ea typeface="Microsoft YaHei Light" panose="020B0503020204020204" pitchFamily="34" charset="-122"/>
+              </a:rPr>
+              <a:t>MLIib TensorFlow</a:t>
+            </a:r>
+          </a:p>
+        </p:txBody>
+      </p:sp>
+      <p:cxnSp>
+        <p:nvCxnSpPr>
+          <p:cNvPr id="39" name="直线箭头连接符 10">
+            <a:extLst>
+              <a:ext uri="{FF2B5EF4-FFF2-40B4-BE49-F238E27FC236}">
+                <a16:creationId xmlns:a16="http://schemas.microsoft.com/office/drawing/2014/main" id="{B3978411-06D7-4045-83CE-3570EF1B0627}"/>
+              </a:ext>
+            </a:extLst>
+          </p:cNvPr>
+          <p:cNvCxnSpPr>
+            <a:cxnSpLocks/>
+            <a:stCxn id="34" idx="3"/>
+            <a:endCxn id="38" idx="1"/>
+          </p:cNvCxnSpPr>
+          <p:nvPr/>
+        </p:nvCxnSpPr>
+        <p:spPr>
+          <a:xfrm>
+            <a:off x="2912188" y="4337442"/>
+            <a:ext cx="651670" cy="0"/>
+          </a:xfrm>
+          <a:prstGeom prst="straightConnector1">
+            <a:avLst/>
+          </a:prstGeom>
+          <a:ln w="9525">
+            <a:headEnd w="lg" len="lg"/>
+            <a:tailEnd type="triangle" w="med" len="lg"/>
+          </a:ln>
+        </p:spPr>
+        <p:style>
+          <a:lnRef idx="1">
+            <a:schemeClr val="dk1"/>
+          </a:lnRef>
+          <a:fillRef idx="0">
+            <a:schemeClr val="dk1"/>
+          </a:fillRef>
+          <a:effectRef idx="0">
+            <a:schemeClr val="dk1"/>
+          </a:effectRef>
+          <a:fontRef idx="minor">
+            <a:schemeClr val="tx1"/>
+          </a:fontRef>
+        </p:style>
+      </p:cxnSp>
+      <p:cxnSp>
+        <p:nvCxnSpPr>
+          <p:cNvPr id="40" name="直线箭头连接符 10">
+            <a:extLst>
+              <a:ext uri="{FF2B5EF4-FFF2-40B4-BE49-F238E27FC236}">
+                <a16:creationId xmlns:a16="http://schemas.microsoft.com/office/drawing/2014/main" id="{2CF2ACC8-5FD8-46C1-9C6E-A8A6836BD37A}"/>
+              </a:ext>
+            </a:extLst>
+          </p:cNvPr>
+          <p:cNvCxnSpPr>
+            <a:cxnSpLocks/>
+            <a:stCxn id="38" idx="0"/>
+          </p:cNvCxnSpPr>
+          <p:nvPr/>
+        </p:nvCxnSpPr>
+        <p:spPr>
+          <a:xfrm flipV="1">
+            <a:off x="4104825" y="3480823"/>
+            <a:ext cx="0" cy="517368"/>
+          </a:xfrm>
+          <a:prstGeom prst="straightConnector1">
+            <a:avLst/>
+          </a:prstGeom>
+          <a:ln w="9525">
+            <a:headEnd w="lg" len="lg"/>
+            <a:tailEnd type="triangle" w="med" len="lg"/>
+          </a:ln>
+        </p:spPr>
+        <p:style>
+          <a:lnRef idx="1">
+            <a:schemeClr val="dk1"/>
+          </a:lnRef>
+          <a:fillRef idx="0">
+            <a:schemeClr val="dk1"/>
+          </a:fillRef>
+          <a:effectRef idx="0">
+            <a:schemeClr val="dk1"/>
+          </a:effectRef>
+          <a:fontRef idx="minor">
+            <a:schemeClr val="tx1"/>
+          </a:fontRef>
+        </p:style>
+      </p:cxnSp>
+      <p:cxnSp>
+        <p:nvCxnSpPr>
+          <p:cNvPr id="41" name="直线箭头连接符 10">
+            <a:extLst>
+              <a:ext uri="{FF2B5EF4-FFF2-40B4-BE49-F238E27FC236}">
+                <a16:creationId xmlns:a16="http://schemas.microsoft.com/office/drawing/2014/main" id="{EF4FC9A7-98AA-4CB7-9818-C23562C483B1}"/>
+              </a:ext>
+            </a:extLst>
+          </p:cNvPr>
+          <p:cNvCxnSpPr>
+            <a:cxnSpLocks/>
+            <a:stCxn id="37" idx="0"/>
+          </p:cNvCxnSpPr>
+          <p:nvPr/>
+        </p:nvCxnSpPr>
+        <p:spPr>
+          <a:xfrm flipV="1">
+            <a:off x="8031243" y="3444377"/>
+            <a:ext cx="0" cy="401337"/>
+          </a:xfrm>
+          <a:prstGeom prst="straightConnector1">
+            <a:avLst/>
+          </a:prstGeom>
+          <a:ln w="9525">
+            <a:headEnd w="lg" len="lg"/>
+            <a:tailEnd type="triangle" w="med" len="lg"/>
+          </a:ln>
+        </p:spPr>
+        <p:style>
+          <a:lnRef idx="1">
+            <a:schemeClr val="dk1"/>
+          </a:lnRef>
+          <a:fillRef idx="0">
+            <a:schemeClr val="dk1"/>
+          </a:fillRef>
+          <a:effectRef idx="0">
+            <a:schemeClr val="dk1"/>
+          </a:effectRef>
+          <a:fontRef idx="minor">
+            <a:schemeClr val="tx1"/>
+          </a:fontRef>
+        </p:style>
+      </p:cxnSp>
+      <p:sp>
+        <p:nvSpPr>
+          <p:cNvPr id="54" name="矩形 53">
+            <a:extLst>
+              <a:ext uri="{FF2B5EF4-FFF2-40B4-BE49-F238E27FC236}">
+                <a16:creationId xmlns:a16="http://schemas.microsoft.com/office/drawing/2014/main" id="{0229CE6E-56E2-40D6-BEF9-419FA61DECE4}"/>
+              </a:ext>
+            </a:extLst>
+          </p:cNvPr>
+          <p:cNvSpPr/>
+          <p:nvPr/>
+        </p:nvSpPr>
+        <p:spPr>
+          <a:xfrm>
+            <a:off x="4326004" y="3459086"/>
+            <a:ext cx="1435099" cy="493643"/>
+          </a:xfrm>
+          <a:prstGeom prst="rect">
+            <a:avLst/>
+          </a:prstGeom>
+          <a:ln w="9525">
+            <a:noFill/>
+          </a:ln>
+        </p:spPr>
+        <p:txBody>
+          <a:bodyPr wrap="square" tIns="72000" bIns="72000">
+            <a:spAutoFit/>
+          </a:bodyPr>
+          <a:lstStyle/>
+          <a:p>
+            <a:pPr>
+              <a:lnSpc>
+                <a:spcPct val="150000"/>
+              </a:lnSpc>
+            </a:pPr>
+            <a:r>
+              <a:rPr lang="zh-CN" altLang="en-US" sz="800">
+                <a:latin typeface="微软雅黑 Light" panose="020B0502040204020203" pitchFamily="34" charset="-122"/>
+                <a:ea typeface="微软雅黑 Light" panose="020B0502040204020203" pitchFamily="34" charset="-122"/>
+              </a:rPr>
+              <a:t>模型上线：自研、</a:t>
+            </a:r>
+            <a:r>
+              <a:rPr lang="en-US" altLang="zh-CN" sz="800">
+                <a:latin typeface="微软雅黑 Light" panose="020B0502040204020203" pitchFamily="34" charset="-122"/>
+                <a:ea typeface="微软雅黑 Light" panose="020B0502040204020203" pitchFamily="34" charset="-122"/>
+              </a:rPr>
+              <a:t>PMML</a:t>
+            </a:r>
+            <a:r>
+              <a:rPr lang="zh-CN" altLang="en-US" sz="800">
+                <a:latin typeface="微软雅黑 Light" panose="020B0502040204020203" pitchFamily="34" charset="-122"/>
+                <a:ea typeface="微软雅黑 Light" panose="020B0502040204020203" pitchFamily="34" charset="-122"/>
+              </a:rPr>
+              <a:t>、</a:t>
+            </a:r>
+            <a:r>
+              <a:rPr lang="en-US" altLang="zh-CN" sz="800">
+                <a:latin typeface="微软雅黑 Light" panose="020B0502040204020203" pitchFamily="34" charset="-122"/>
+                <a:ea typeface="微软雅黑 Light" panose="020B0502040204020203" pitchFamily="34" charset="-122"/>
+              </a:rPr>
+              <a:t>TF Serving</a:t>
+            </a:r>
+            <a:r>
+              <a:rPr lang="zh-CN" altLang="en-US" sz="800">
+                <a:latin typeface="微软雅黑 Light" panose="020B0502040204020203" pitchFamily="34" charset="-122"/>
+                <a:ea typeface="微软雅黑 Light" panose="020B0502040204020203" pitchFamily="34" charset="-122"/>
+              </a:rPr>
+              <a:t>、二次开发</a:t>
+            </a:r>
+            <a:endParaRPr lang="en-US" altLang="zh-CN" sz="800">
+              <a:solidFill>
+                <a:schemeClr val="bg2">
+                  <a:lumMod val="50000"/>
+                </a:schemeClr>
+              </a:solidFill>
+              <a:latin typeface="微软雅黑 Light" panose="020B0502040204020203" pitchFamily="34" charset="-122"/>
+              <a:ea typeface="微软雅黑 Light" panose="020B0502040204020203" pitchFamily="34" charset="-122"/>
+            </a:endParaRPr>
+          </a:p>
+        </p:txBody>
+      </p:sp>
+      <p:sp>
+        <p:nvSpPr>
+          <p:cNvPr id="55" name="矩形 54">
+            <a:extLst>
+              <a:ext uri="{FF2B5EF4-FFF2-40B4-BE49-F238E27FC236}">
+                <a16:creationId xmlns:a16="http://schemas.microsoft.com/office/drawing/2014/main" id="{20A46499-0868-438D-8E18-D7682D2DE7A0}"/>
+              </a:ext>
+            </a:extLst>
+          </p:cNvPr>
+          <p:cNvSpPr/>
+          <p:nvPr/>
+        </p:nvSpPr>
+        <p:spPr>
+          <a:xfrm>
+            <a:off x="6297105" y="3449072"/>
+            <a:ext cx="1100478" cy="678501"/>
+          </a:xfrm>
+          <a:prstGeom prst="rect">
+            <a:avLst/>
+          </a:prstGeom>
+          <a:ln w="9525">
+            <a:noFill/>
+          </a:ln>
+        </p:spPr>
+        <p:txBody>
+          <a:bodyPr wrap="square" tIns="72000" bIns="72000">
+            <a:spAutoFit/>
+          </a:bodyPr>
+          <a:lstStyle/>
+          <a:p>
+            <a:pPr>
+              <a:lnSpc>
+                <a:spcPct val="150000"/>
+              </a:lnSpc>
+            </a:pPr>
+            <a:r>
+              <a:rPr lang="zh-CN" altLang="en-US" sz="800" b="1">
+                <a:latin typeface="+mn-ea"/>
+              </a:rPr>
+              <a:t>线上评估</a:t>
+            </a:r>
+            <a:endParaRPr lang="en-US" altLang="zh-CN" sz="800" b="1">
+              <a:latin typeface="+mn-ea"/>
+            </a:endParaRPr>
+          </a:p>
+          <a:p>
+            <a:pPr>
+              <a:lnSpc>
+                <a:spcPct val="150000"/>
+              </a:lnSpc>
+            </a:pPr>
+            <a:r>
+              <a:rPr lang="en-US" altLang="zh-CN" sz="800">
+                <a:solidFill>
+                  <a:schemeClr val="bg2">
+                    <a:lumMod val="50000"/>
+                  </a:schemeClr>
+                </a:solidFill>
+                <a:latin typeface="Microsoft YaHei Light" panose="020B0503020204020204" pitchFamily="34" charset="-122"/>
+                <a:ea typeface="Microsoft YaHei Light" panose="020B0503020204020204" pitchFamily="34" charset="-122"/>
+              </a:rPr>
+              <a:t>Interleaving</a:t>
+            </a:r>
+            <a:r>
+              <a:rPr lang="zh-CN" altLang="en-US" sz="800">
+                <a:solidFill>
+                  <a:schemeClr val="bg2">
+                    <a:lumMod val="50000"/>
+                  </a:schemeClr>
+                </a:solidFill>
+                <a:latin typeface="Microsoft YaHei Light" panose="020B0503020204020204" pitchFamily="34" charset="-122"/>
+                <a:ea typeface="Microsoft YaHei Light" panose="020B0503020204020204" pitchFamily="34" charset="-122"/>
+              </a:rPr>
+              <a:t>测试</a:t>
+            </a:r>
+            <a:endParaRPr lang="en-US" altLang="zh-CN" sz="800">
+              <a:solidFill>
+                <a:schemeClr val="bg2">
+                  <a:lumMod val="50000"/>
+                </a:schemeClr>
+              </a:solidFill>
+              <a:latin typeface="Microsoft YaHei Light" panose="020B0503020204020204" pitchFamily="34" charset="-122"/>
+              <a:ea typeface="Microsoft YaHei Light" panose="020B0503020204020204" pitchFamily="34" charset="-122"/>
+            </a:endParaRPr>
+          </a:p>
+          <a:p>
+            <a:pPr>
+              <a:lnSpc>
+                <a:spcPct val="150000"/>
+              </a:lnSpc>
+            </a:pPr>
+            <a:r>
+              <a:rPr lang="zh-CN" altLang="en-US" sz="800">
+                <a:solidFill>
+                  <a:schemeClr val="bg2">
+                    <a:lumMod val="50000"/>
+                  </a:schemeClr>
+                </a:solidFill>
+                <a:latin typeface="Microsoft YaHei Light" panose="020B0503020204020204" pitchFamily="34" charset="-122"/>
+                <a:ea typeface="Microsoft YaHei Light" panose="020B0503020204020204" pitchFamily="34" charset="-122"/>
+              </a:rPr>
+              <a:t>线上</a:t>
+            </a:r>
+            <a:r>
+              <a:rPr lang="en-US" altLang="zh-CN" sz="800">
+                <a:solidFill>
+                  <a:schemeClr val="bg2">
+                    <a:lumMod val="50000"/>
+                  </a:schemeClr>
+                </a:solidFill>
+                <a:latin typeface="Microsoft YaHei Light" panose="020B0503020204020204" pitchFamily="34" charset="-122"/>
+                <a:ea typeface="Microsoft YaHei Light" panose="020B0503020204020204" pitchFamily="34" charset="-122"/>
+              </a:rPr>
+              <a:t>A/B</a:t>
+            </a:r>
+            <a:r>
+              <a:rPr lang="zh-CN" altLang="en-US" sz="800">
+                <a:solidFill>
+                  <a:schemeClr val="bg2">
+                    <a:lumMod val="50000"/>
+                  </a:schemeClr>
+                </a:solidFill>
+                <a:latin typeface="Microsoft YaHei Light" panose="020B0503020204020204" pitchFamily="34" charset="-122"/>
+                <a:ea typeface="Microsoft YaHei Light" panose="020B0503020204020204" pitchFamily="34" charset="-122"/>
+              </a:rPr>
+              <a:t>测试</a:t>
+            </a:r>
+            <a:endParaRPr lang="en-US" altLang="zh-CN" sz="800">
+              <a:solidFill>
+                <a:schemeClr val="bg2">
+                  <a:lumMod val="50000"/>
+                </a:schemeClr>
+              </a:solidFill>
+              <a:latin typeface="Microsoft YaHei Light" panose="020B0503020204020204" pitchFamily="34" charset="-122"/>
+              <a:ea typeface="Microsoft YaHei Light" panose="020B0503020204020204" pitchFamily="34" charset="-122"/>
+            </a:endParaRPr>
+          </a:p>
+        </p:txBody>
+      </p:sp>
+      <p:sp>
+        <p:nvSpPr>
+          <p:cNvPr id="57" name="矩形 56">
+            <a:extLst>
+              <a:ext uri="{FF2B5EF4-FFF2-40B4-BE49-F238E27FC236}">
+                <a16:creationId xmlns:a16="http://schemas.microsoft.com/office/drawing/2014/main" id="{81DF4F3C-B822-49FB-A9E2-50A0C62C65DF}"/>
+              </a:ext>
+            </a:extLst>
+          </p:cNvPr>
+          <p:cNvSpPr/>
+          <p:nvPr/>
+        </p:nvSpPr>
+        <p:spPr>
+          <a:xfrm>
+            <a:off x="4223529" y="4690463"/>
+            <a:ext cx="2089424" cy="678501"/>
+          </a:xfrm>
+          <a:prstGeom prst="rect">
+            <a:avLst/>
+          </a:prstGeom>
+          <a:ln w="9525">
+            <a:noFill/>
+          </a:ln>
+        </p:spPr>
+        <p:txBody>
+          <a:bodyPr wrap="square" tIns="72000" bIns="72000">
+            <a:spAutoFit/>
+          </a:bodyPr>
+          <a:lstStyle/>
+          <a:p>
+            <a:pPr>
+              <a:lnSpc>
+                <a:spcPct val="150000"/>
+              </a:lnSpc>
+            </a:pPr>
+            <a:r>
+              <a:rPr lang="zh-CN" altLang="en-US" sz="800" b="1">
+                <a:latin typeface="+mn-ea"/>
+              </a:rPr>
+              <a:t>离线评估</a:t>
+            </a:r>
+            <a:endParaRPr lang="en-US" altLang="zh-CN" sz="800" b="1">
+              <a:latin typeface="+mn-ea"/>
+            </a:endParaRPr>
+          </a:p>
+          <a:p>
+            <a:pPr>
+              <a:lnSpc>
+                <a:spcPct val="150000"/>
+              </a:lnSpc>
+            </a:pPr>
+            <a:r>
+              <a:rPr lang="zh-CN" altLang="en-US" sz="800">
+                <a:solidFill>
+                  <a:schemeClr val="bg2">
+                    <a:lumMod val="50000"/>
+                  </a:schemeClr>
+                </a:solidFill>
+                <a:latin typeface="Microsoft YaHei Light" panose="020B0503020204020204" pitchFamily="34" charset="-122"/>
+                <a:ea typeface="Microsoft YaHei Light" panose="020B0503020204020204" pitchFamily="34" charset="-122"/>
+              </a:rPr>
+              <a:t>常规离线评估（</a:t>
+            </a:r>
+            <a:r>
+              <a:rPr lang="en-US" altLang="zh-CN" sz="800">
+                <a:solidFill>
+                  <a:schemeClr val="bg2">
+                    <a:lumMod val="50000"/>
+                  </a:schemeClr>
+                </a:solidFill>
+                <a:latin typeface="Microsoft YaHei Light" panose="020B0503020204020204" pitchFamily="34" charset="-122"/>
+                <a:ea typeface="Microsoft YaHei Light" panose="020B0503020204020204" pitchFamily="34" charset="-122"/>
+              </a:rPr>
+              <a:t>AUC</a:t>
+            </a:r>
+            <a:r>
+              <a:rPr lang="zh-CN" altLang="en-US" sz="800">
+                <a:solidFill>
+                  <a:schemeClr val="bg2">
+                    <a:lumMod val="50000"/>
+                  </a:schemeClr>
+                </a:solidFill>
+                <a:latin typeface="Microsoft YaHei Light" panose="020B0503020204020204" pitchFamily="34" charset="-122"/>
+                <a:ea typeface="Microsoft YaHei Light" panose="020B0503020204020204" pitchFamily="34" charset="-122"/>
+              </a:rPr>
+              <a:t>、</a:t>
+            </a:r>
+            <a:r>
+              <a:rPr lang="en-US" altLang="zh-CN" sz="800">
+                <a:solidFill>
+                  <a:schemeClr val="bg2">
+                    <a:lumMod val="50000"/>
+                  </a:schemeClr>
+                </a:solidFill>
+                <a:latin typeface="Microsoft YaHei Light" panose="020B0503020204020204" pitchFamily="34" charset="-122"/>
+                <a:ea typeface="Microsoft YaHei Light" panose="020B0503020204020204" pitchFamily="34" charset="-122"/>
+              </a:rPr>
+              <a:t>Recall</a:t>
+            </a:r>
+            <a:r>
+              <a:rPr lang="zh-CN" altLang="en-US" sz="800">
+                <a:solidFill>
+                  <a:schemeClr val="bg2">
+                    <a:lumMod val="50000"/>
+                  </a:schemeClr>
+                </a:solidFill>
+                <a:latin typeface="Microsoft YaHei Light" panose="020B0503020204020204" pitchFamily="34" charset="-122"/>
+                <a:ea typeface="Microsoft YaHei Light" panose="020B0503020204020204" pitchFamily="34" charset="-122"/>
+              </a:rPr>
+              <a:t>、</a:t>
+            </a:r>
+            <a:r>
+              <a:rPr lang="en-US" altLang="zh-CN" sz="800">
+                <a:solidFill>
+                  <a:schemeClr val="bg2">
+                    <a:lumMod val="50000"/>
+                  </a:schemeClr>
+                </a:solidFill>
+                <a:latin typeface="Microsoft YaHei Light" panose="020B0503020204020204" pitchFamily="34" charset="-122"/>
+                <a:ea typeface="Microsoft YaHei Light" panose="020B0503020204020204" pitchFamily="34" charset="-122"/>
+              </a:rPr>
+              <a:t>RMSE</a:t>
+            </a:r>
+            <a:r>
+              <a:rPr lang="zh-CN" altLang="en-US" sz="800">
+                <a:solidFill>
+                  <a:schemeClr val="bg2">
+                    <a:lumMod val="50000"/>
+                  </a:schemeClr>
+                </a:solidFill>
+                <a:latin typeface="Microsoft YaHei Light" panose="020B0503020204020204" pitchFamily="34" charset="-122"/>
+                <a:ea typeface="Microsoft YaHei Light" panose="020B0503020204020204" pitchFamily="34" charset="-122"/>
+              </a:rPr>
+              <a:t>）</a:t>
+            </a:r>
+            <a:endParaRPr lang="en-US" altLang="zh-CN" sz="800">
+              <a:solidFill>
+                <a:schemeClr val="bg2">
+                  <a:lumMod val="50000"/>
+                </a:schemeClr>
+              </a:solidFill>
+              <a:latin typeface="Microsoft YaHei Light" panose="020B0503020204020204" pitchFamily="34" charset="-122"/>
+              <a:ea typeface="Microsoft YaHei Light" panose="020B0503020204020204" pitchFamily="34" charset="-122"/>
+            </a:endParaRPr>
+          </a:p>
+          <a:p>
+            <a:pPr>
+              <a:lnSpc>
+                <a:spcPct val="150000"/>
+              </a:lnSpc>
+            </a:pPr>
+            <a:r>
+              <a:rPr lang="en-US" altLang="zh-CN" sz="800">
+                <a:solidFill>
+                  <a:schemeClr val="bg2">
+                    <a:lumMod val="50000"/>
+                  </a:schemeClr>
+                </a:solidFill>
+                <a:latin typeface="Microsoft YaHei Light" panose="020B0503020204020204" pitchFamily="34" charset="-122"/>
+                <a:ea typeface="Microsoft YaHei Light" panose="020B0503020204020204" pitchFamily="34" charset="-122"/>
+              </a:rPr>
+              <a:t>Replay</a:t>
+            </a:r>
+            <a:r>
+              <a:rPr lang="zh-CN" altLang="en-US" sz="800">
+                <a:solidFill>
+                  <a:schemeClr val="bg2">
+                    <a:lumMod val="50000"/>
+                  </a:schemeClr>
+                </a:solidFill>
+                <a:latin typeface="Microsoft YaHei Light" panose="020B0503020204020204" pitchFamily="34" charset="-122"/>
+                <a:ea typeface="Microsoft YaHei Light" panose="020B0503020204020204" pitchFamily="34" charset="-122"/>
+              </a:rPr>
+              <a:t>线下模拟评估</a:t>
+            </a:r>
+            <a:endParaRPr lang="en-US" altLang="zh-CN" sz="800">
+              <a:solidFill>
+                <a:schemeClr val="bg2">
+                  <a:lumMod val="50000"/>
+                </a:schemeClr>
+              </a:solidFill>
+              <a:latin typeface="Microsoft YaHei Light" panose="020B0503020204020204" pitchFamily="34" charset="-122"/>
+              <a:ea typeface="Microsoft YaHei Light" panose="020B0503020204020204" pitchFamily="34" charset="-122"/>
+            </a:endParaRPr>
+          </a:p>
+        </p:txBody>
+      </p:sp>
+      <p:pic>
+        <p:nvPicPr>
+          <p:cNvPr id="16" name="图形 15">
+            <a:extLst>
+              <a:ext uri="{FF2B5EF4-FFF2-40B4-BE49-F238E27FC236}">
+                <a16:creationId xmlns:a16="http://schemas.microsoft.com/office/drawing/2014/main" id="{7DB73D9E-1F02-4CFB-A1CD-FDD7332F374E}"/>
+              </a:ext>
+            </a:extLst>
+          </p:cNvPr>
+          <p:cNvPicPr>
+            <a:picLocks noChangeAspect="1"/>
+          </p:cNvPicPr>
+          <p:nvPr/>
+        </p:nvPicPr>
+        <p:blipFill>
+          <a:blip r:embed="rId2">
+            <a:extLst>
+              <a:ext uri="{96DAC541-7B7A-43D3-8B79-37D633B846F1}">
+                <asvg:svgBlip xmlns:asvg="http://schemas.microsoft.com/office/drawing/2016/SVG/main" r:embed="rId3"/>
+              </a:ext>
+            </a:extLst>
+          </a:blip>
+          <a:stretch>
+            <a:fillRect/>
+          </a:stretch>
+        </p:blipFill>
+        <p:spPr>
+          <a:xfrm rot="5400000">
+            <a:off x="3715683" y="4703684"/>
+            <a:ext cx="507846" cy="507846"/>
+          </a:xfrm>
+          <a:prstGeom prst="rect">
+            <a:avLst/>
+          </a:prstGeom>
+        </p:spPr>
+      </p:pic>
+      <p:pic>
+        <p:nvPicPr>
+          <p:cNvPr id="58" name="图形 57">
+            <a:extLst>
+              <a:ext uri="{FF2B5EF4-FFF2-40B4-BE49-F238E27FC236}">
+                <a16:creationId xmlns:a16="http://schemas.microsoft.com/office/drawing/2014/main" id="{238990F8-6BF3-42B9-8A4F-1CE5446FF451}"/>
+              </a:ext>
+            </a:extLst>
+          </p:cNvPr>
+          <p:cNvPicPr>
+            <a:picLocks noChangeAspect="1"/>
+          </p:cNvPicPr>
+          <p:nvPr/>
+        </p:nvPicPr>
+        <p:blipFill>
+          <a:blip r:embed="rId2">
+            <a:extLst>
+              <a:ext uri="{96DAC541-7B7A-43D3-8B79-37D633B846F1}">
+                <asvg:svgBlip xmlns:asvg="http://schemas.microsoft.com/office/drawing/2016/SVG/main" r:embed="rId3"/>
+              </a:ext>
+            </a:extLst>
+          </a:blip>
+          <a:stretch>
+            <a:fillRect/>
+          </a:stretch>
+        </p:blipFill>
+        <p:spPr>
+          <a:xfrm rot="5400000">
+            <a:off x="5800666" y="3435864"/>
+            <a:ext cx="507846" cy="507846"/>
+          </a:xfrm>
+          <a:prstGeom prst="rect">
+            <a:avLst/>
+          </a:prstGeom>
+        </p:spPr>
+      </p:pic>
+    </p:spTree>
+    <p:extLst>
+      <p:ext uri="{BB962C8B-B14F-4D97-AF65-F5344CB8AC3E}">
+        <p14:creationId xmlns:p14="http://schemas.microsoft.com/office/powerpoint/2010/main" val="4045502357"/>
       </p:ext>
     </p:extLst>
   </p:cSld>

--- a/4 算法/《深度学习推荐系统》.pptx
+++ b/4 算法/《深度学习推荐系统》.pptx
@@ -10,7 +10,7 @@
   <p:sldIdLst>
     <p:sldId id="689" r:id="rId2"/>
     <p:sldId id="690" r:id="rId3"/>
-    <p:sldId id="691" r:id="rId4"/>
+    <p:sldId id="692" r:id="rId4"/>
   </p:sldIdLst>
   <p:sldSz cx="12192000" cy="6858000"/>
   <p:notesSz cx="6858000" cy="9144000"/>
@@ -202,7 +202,7 @@
           <a:p>
             <a:fld id="{7F25A8C7-CC1A-4A08-9B4B-31F43B054C7F}" type="datetimeFigureOut">
               <a:rPr lang="zh-CN" altLang="en-US" smtClean="0"/>
-              <a:t>2021/5/27</a:t>
+              <a:t>2021/5/29</a:t>
             </a:fld>
             <a:endParaRPr lang="zh-CN" altLang="en-US"/>
           </a:p>
@@ -498,7 +498,7 @@
           <a:p>
             <a:fld id="{760FBDFE-C587-4B4C-A407-44438C67B59E}" type="datetimeFigureOut">
               <a:rPr lang="zh-CN" altLang="en-US" smtClean="0"/>
-              <a:t>2021/5/27</a:t>
+              <a:t>2021/5/29</a:t>
             </a:fld>
             <a:endParaRPr lang="zh-CN" altLang="en-US"/>
           </a:p>
@@ -719,7 +719,7 @@
           <a:p>
             <a:fld id="{D997B5FA-0921-464F-AAE1-844C04324D75}" type="datetimeFigureOut">
               <a:rPr lang="zh-CN" altLang="en-US" smtClean="0"/>
-              <a:t>2021/5/27</a:t>
+              <a:t>2021/5/29</a:t>
             </a:fld>
             <a:endParaRPr lang="zh-CN" altLang="en-US" dirty="0"/>
           </a:p>
@@ -1161,135 +1161,354 @@
           <a:chExt cx="0" cy="0"/>
         </a:xfrm>
       </p:grpSpPr>
-      <p:sp>
-        <p:nvSpPr>
-          <p:cNvPr id="4" name="矩形 3">
-            <a:extLst>
-              <a:ext uri="{FF2B5EF4-FFF2-40B4-BE49-F238E27FC236}">
-                <a16:creationId xmlns:a16="http://schemas.microsoft.com/office/drawing/2014/main" id="{F901EBA9-98D1-C040-BF87-732EC0DD37E5}"/>
-              </a:ext>
-            </a:extLst>
-          </p:cNvPr>
-          <p:cNvSpPr/>
-          <p:nvPr/>
-        </p:nvSpPr>
-        <p:spPr>
-          <a:xfrm>
-            <a:off x="2755862" y="1575507"/>
-            <a:ext cx="2160000" cy="598589"/>
-          </a:xfrm>
-          <a:prstGeom prst="rect">
-            <a:avLst/>
-          </a:prstGeom>
-          <a:ln w="12700">
-            <a:solidFill>
-              <a:schemeClr val="tx1"/>
-            </a:solidFill>
-          </a:ln>
-        </p:spPr>
-        <p:txBody>
-          <a:bodyPr wrap="square" tIns="144000" bIns="144000">
-            <a:spAutoFit/>
-          </a:bodyPr>
-          <a:lstStyle/>
-          <a:p>
-            <a:pPr algn="ctr"/>
-            <a:r>
-              <a:rPr lang="zh-CN" altLang="en-US" sz="2000" dirty="0">
-                <a:latin typeface="Microsoft YaHei Light" panose="020B0503020204020204" pitchFamily="34" charset="-122"/>
-                <a:ea typeface="Microsoft YaHei Light" panose="020B0503020204020204" pitchFamily="34" charset="-122"/>
-              </a:rPr>
-              <a:t>用户信息</a:t>
-            </a:r>
-          </a:p>
-        </p:txBody>
-      </p:sp>
-      <p:sp>
-        <p:nvSpPr>
-          <p:cNvPr id="5" name="矩形 4">
-            <a:extLst>
-              <a:ext uri="{FF2B5EF4-FFF2-40B4-BE49-F238E27FC236}">
-                <a16:creationId xmlns:a16="http://schemas.microsoft.com/office/drawing/2014/main" id="{3348D6BB-8135-324B-86CA-629A3E166DB8}"/>
-              </a:ext>
-            </a:extLst>
-          </p:cNvPr>
-          <p:cNvSpPr/>
-          <p:nvPr/>
-        </p:nvSpPr>
-        <p:spPr>
-          <a:xfrm>
-            <a:off x="4915862" y="1575507"/>
-            <a:ext cx="2160000" cy="598589"/>
-          </a:xfrm>
-          <a:prstGeom prst="rect">
-            <a:avLst/>
-          </a:prstGeom>
-          <a:ln w="12700">
-            <a:solidFill>
-              <a:schemeClr val="tx1"/>
-            </a:solidFill>
-          </a:ln>
-        </p:spPr>
-        <p:txBody>
-          <a:bodyPr wrap="square" tIns="144000" bIns="144000">
-            <a:spAutoFit/>
-          </a:bodyPr>
-          <a:lstStyle/>
-          <a:p>
-            <a:pPr algn="ctr"/>
-            <a:r>
-              <a:rPr lang="zh-CN" altLang="en-US" sz="2000" dirty="0">
-                <a:latin typeface="Microsoft YaHei Light" panose="020B0503020204020204" pitchFamily="34" charset="-122"/>
-                <a:ea typeface="Microsoft YaHei Light" panose="020B0503020204020204" pitchFamily="34" charset="-122"/>
-              </a:rPr>
-              <a:t>物品信息</a:t>
-            </a:r>
-          </a:p>
-        </p:txBody>
-      </p:sp>
-      <p:sp>
-        <p:nvSpPr>
-          <p:cNvPr id="6" name="矩形 5">
-            <a:extLst>
-              <a:ext uri="{FF2B5EF4-FFF2-40B4-BE49-F238E27FC236}">
-                <a16:creationId xmlns:a16="http://schemas.microsoft.com/office/drawing/2014/main" id="{F40ED6CD-823F-9A42-B5ED-F76B611877DB}"/>
-              </a:ext>
-            </a:extLst>
-          </p:cNvPr>
-          <p:cNvSpPr/>
-          <p:nvPr/>
-        </p:nvSpPr>
-        <p:spPr>
-          <a:xfrm>
-            <a:off x="7075862" y="1575507"/>
-            <a:ext cx="2160000" cy="598589"/>
-          </a:xfrm>
-          <a:prstGeom prst="rect">
-            <a:avLst/>
-          </a:prstGeom>
-          <a:ln w="12700">
-            <a:solidFill>
-              <a:schemeClr val="tx1"/>
-            </a:solidFill>
-          </a:ln>
-        </p:spPr>
-        <p:txBody>
-          <a:bodyPr wrap="square" tIns="144000" bIns="144000">
-            <a:spAutoFit/>
-          </a:bodyPr>
-          <a:lstStyle/>
-          <a:p>
-            <a:pPr algn="ctr"/>
-            <a:r>
-              <a:rPr lang="zh-CN" altLang="en-US" sz="2000" dirty="0">
-                <a:latin typeface="Microsoft YaHei Light" panose="020B0503020204020204" pitchFamily="34" charset="-122"/>
-                <a:ea typeface="Microsoft YaHei Light" panose="020B0503020204020204" pitchFamily="34" charset="-122"/>
-              </a:rPr>
-              <a:t>场景信息</a:t>
-            </a:r>
-          </a:p>
-        </p:txBody>
-      </p:sp>
+      <mc:AlternateContent xmlns:mc="http://schemas.openxmlformats.org/markup-compatibility/2006" xmlns:a14="http://schemas.microsoft.com/office/drawing/2010/main">
+        <mc:Choice Requires="a14">
+          <p:sp>
+            <p:nvSpPr>
+              <p:cNvPr id="4" name="矩形 3">
+                <a:extLst>
+                  <a:ext uri="{FF2B5EF4-FFF2-40B4-BE49-F238E27FC236}">
+                    <a16:creationId xmlns:a16="http://schemas.microsoft.com/office/drawing/2014/main" id="{F901EBA9-98D1-C040-BF87-732EC0DD37E5}"/>
+                  </a:ext>
+                </a:extLst>
+              </p:cNvPr>
+              <p:cNvSpPr/>
+              <p:nvPr/>
+            </p:nvSpPr>
+            <p:spPr>
+              <a:xfrm>
+                <a:off x="2755862" y="1575507"/>
+                <a:ext cx="2160000" cy="598589"/>
+              </a:xfrm>
+              <a:prstGeom prst="rect">
+                <a:avLst/>
+              </a:prstGeom>
+              <a:solidFill>
+                <a:schemeClr val="bg1">
+                  <a:lumMod val="95000"/>
+                </a:schemeClr>
+              </a:solidFill>
+              <a:ln w="12700">
+                <a:solidFill>
+                  <a:schemeClr val="tx1"/>
+                </a:solidFill>
+              </a:ln>
+            </p:spPr>
+            <p:txBody>
+              <a:bodyPr wrap="square" tIns="144000" bIns="144000">
+                <a:spAutoFit/>
+              </a:bodyPr>
+              <a:lstStyle/>
+              <a:p>
+                <a:pPr algn="ctr"/>
+                <a:r>
+                  <a:rPr lang="zh-CN" altLang="en-US" sz="2000" dirty="0">
+                    <a:latin typeface="PingFang SC Light" panose="020B0300000000000000" pitchFamily="34" charset="-122"/>
+                    <a:ea typeface="PingFang SC Light" panose="020B0300000000000000" pitchFamily="34" charset="-122"/>
+                  </a:rPr>
+                  <a:t>用户信息 </a:t>
+                </a:r>
+                <a14:m>
+                  <m:oMath xmlns:m="http://schemas.openxmlformats.org/officeDocument/2006/math">
+                    <m:r>
+                      <a:rPr lang="en-US" altLang="zh-CN" sz="2000" b="0" i="1" dirty="0">
+                        <a:latin typeface="Cambria Math" panose="02040503050406030204" pitchFamily="18" charset="0"/>
+                        <a:ea typeface="PINGFANG SC THIN" panose="020B0200000000000000" pitchFamily="34" charset="-122"/>
+                      </a:rPr>
+                      <m:t>𝑈</m:t>
+                    </m:r>
+                  </m:oMath>
+                </a14:m>
+                <a:endParaRPr lang="zh-CN" altLang="en-US" sz="2000" i="1" dirty="0">
+                  <a:latin typeface="PINGFANG SC LIGHT" panose="020B0300000000000000" pitchFamily="34" charset="-122"/>
+                  <a:ea typeface="PINGFANG SC LIGHT" panose="020B0300000000000000" pitchFamily="34" charset="-122"/>
+                </a:endParaRPr>
+              </a:p>
+            </p:txBody>
+          </p:sp>
+        </mc:Choice>
+        <mc:Fallback xmlns="">
+          <p:sp>
+            <p:nvSpPr>
+              <p:cNvPr id="4" name="矩形 3">
+                <a:extLst>
+                  <a:ext uri="{FF2B5EF4-FFF2-40B4-BE49-F238E27FC236}">
+                    <a16:creationId xmlns:a16="http://schemas.microsoft.com/office/drawing/2014/main" id="{F901EBA9-98D1-C040-BF87-732EC0DD37E5}"/>
+                  </a:ext>
+                </a:extLst>
+              </p:cNvPr>
+              <p:cNvSpPr>
+                <a:spLocks noRot="1" noChangeAspect="1" noMove="1" noResize="1" noEditPoints="1" noAdjustHandles="1" noChangeArrowheads="1" noChangeShapeType="1" noTextEdit="1"/>
+              </p:cNvSpPr>
+              <p:nvPr/>
+            </p:nvSpPr>
+            <p:spPr>
+              <a:xfrm>
+                <a:off x="2755862" y="1575507"/>
+                <a:ext cx="2160000" cy="598589"/>
+              </a:xfrm>
+              <a:prstGeom prst="rect">
+                <a:avLst/>
+              </a:prstGeom>
+              <a:blipFill>
+                <a:blip r:embed="rId2"/>
+                <a:stretch>
+                  <a:fillRect/>
+                </a:stretch>
+              </a:blipFill>
+              <a:ln w="12700">
+                <a:solidFill>
+                  <a:schemeClr val="tx1"/>
+                </a:solidFill>
+              </a:ln>
+            </p:spPr>
+            <p:txBody>
+              <a:bodyPr/>
+              <a:lstStyle/>
+              <a:p>
+                <a:r>
+                  <a:rPr lang="zh-CN" altLang="en-US">
+                    <a:noFill/>
+                  </a:rPr>
+                  <a:t> </a:t>
+                </a:r>
+              </a:p>
+            </p:txBody>
+          </p:sp>
+        </mc:Fallback>
+      </mc:AlternateContent>
+      <mc:AlternateContent xmlns:mc="http://schemas.openxmlformats.org/markup-compatibility/2006" xmlns:a14="http://schemas.microsoft.com/office/drawing/2010/main">
+        <mc:Choice Requires="a14">
+          <p:sp>
+            <p:nvSpPr>
+              <p:cNvPr id="5" name="矩形 4">
+                <a:extLst>
+                  <a:ext uri="{FF2B5EF4-FFF2-40B4-BE49-F238E27FC236}">
+                    <a16:creationId xmlns:a16="http://schemas.microsoft.com/office/drawing/2014/main" id="{3348D6BB-8135-324B-86CA-629A3E166DB8}"/>
+                  </a:ext>
+                </a:extLst>
+              </p:cNvPr>
+              <p:cNvSpPr/>
+              <p:nvPr/>
+            </p:nvSpPr>
+            <p:spPr>
+              <a:xfrm>
+                <a:off x="4915862" y="1575507"/>
+                <a:ext cx="2160000" cy="598589"/>
+              </a:xfrm>
+              <a:prstGeom prst="rect">
+                <a:avLst/>
+              </a:prstGeom>
+              <a:solidFill>
+                <a:schemeClr val="bg1">
+                  <a:lumMod val="95000"/>
+                </a:schemeClr>
+              </a:solidFill>
+              <a:ln w="12700">
+                <a:solidFill>
+                  <a:schemeClr val="tx1"/>
+                </a:solidFill>
+              </a:ln>
+            </p:spPr>
+            <p:txBody>
+              <a:bodyPr wrap="square" tIns="144000" bIns="144000">
+                <a:spAutoFit/>
+              </a:bodyPr>
+              <a:lstStyle/>
+              <a:p>
+                <a:pPr algn="ctr"/>
+                <a:r>
+                  <a:rPr lang="zh-CN" altLang="en-US" sz="2000" dirty="0">
+                    <a:latin typeface="PingFang SC Light" panose="020B0300000000000000" pitchFamily="34" charset="-122"/>
+                    <a:ea typeface="PingFang SC Light" panose="020B0300000000000000" pitchFamily="34" charset="-122"/>
+                  </a:rPr>
+                  <a:t>物品信息 </a:t>
+                </a:r>
+                <a14:m>
+                  <m:oMath xmlns:m="http://schemas.openxmlformats.org/officeDocument/2006/math">
+                    <m:r>
+                      <a:rPr lang="en-US" altLang="zh-CN" sz="2000" b="0" i="1" dirty="0">
+                        <a:latin typeface="Cambria Math" panose="02040503050406030204" pitchFamily="18" charset="0"/>
+                        <a:ea typeface="PINGFANG SC THIN" panose="020B0200000000000000" pitchFamily="34" charset="-122"/>
+                      </a:rPr>
+                      <m:t>𝐼</m:t>
+                    </m:r>
+                  </m:oMath>
+                </a14:m>
+                <a:endParaRPr lang="zh-CN" altLang="en-US" sz="2000" i="1" dirty="0">
+                  <a:latin typeface="PINGFANG SC LIGHT" panose="020B0300000000000000" pitchFamily="34" charset="-122"/>
+                  <a:ea typeface="PINGFANG SC LIGHT" panose="020B0300000000000000" pitchFamily="34" charset="-122"/>
+                </a:endParaRPr>
+              </a:p>
+            </p:txBody>
+          </p:sp>
+        </mc:Choice>
+        <mc:Fallback xmlns="">
+          <p:sp>
+            <p:nvSpPr>
+              <p:cNvPr id="5" name="矩形 4">
+                <a:extLst>
+                  <a:ext uri="{FF2B5EF4-FFF2-40B4-BE49-F238E27FC236}">
+                    <a16:creationId xmlns:a16="http://schemas.microsoft.com/office/drawing/2014/main" id="{3348D6BB-8135-324B-86CA-629A3E166DB8}"/>
+                  </a:ext>
+                </a:extLst>
+              </p:cNvPr>
+              <p:cNvSpPr>
+                <a:spLocks noRot="1" noChangeAspect="1" noMove="1" noResize="1" noEditPoints="1" noAdjustHandles="1" noChangeArrowheads="1" noChangeShapeType="1" noTextEdit="1"/>
+              </p:cNvSpPr>
+              <p:nvPr/>
+            </p:nvSpPr>
+            <p:spPr>
+              <a:xfrm>
+                <a:off x="4915862" y="1575507"/>
+                <a:ext cx="2160000" cy="598589"/>
+              </a:xfrm>
+              <a:prstGeom prst="rect">
+                <a:avLst/>
+              </a:prstGeom>
+              <a:blipFill>
+                <a:blip r:embed="rId3"/>
+                <a:stretch>
+                  <a:fillRect/>
+                </a:stretch>
+              </a:blipFill>
+              <a:ln w="12700">
+                <a:solidFill>
+                  <a:schemeClr val="tx1"/>
+                </a:solidFill>
+              </a:ln>
+            </p:spPr>
+            <p:txBody>
+              <a:bodyPr/>
+              <a:lstStyle/>
+              <a:p>
+                <a:r>
+                  <a:rPr lang="zh-CN" altLang="en-US">
+                    <a:noFill/>
+                  </a:rPr>
+                  <a:t> </a:t>
+                </a:r>
+              </a:p>
+            </p:txBody>
+          </p:sp>
+        </mc:Fallback>
+      </mc:AlternateContent>
+      <mc:AlternateContent xmlns:mc="http://schemas.openxmlformats.org/markup-compatibility/2006" xmlns:a14="http://schemas.microsoft.com/office/drawing/2010/main">
+        <mc:Choice Requires="a14">
+          <p:sp>
+            <p:nvSpPr>
+              <p:cNvPr id="6" name="矩形 5">
+                <a:extLst>
+                  <a:ext uri="{FF2B5EF4-FFF2-40B4-BE49-F238E27FC236}">
+                    <a16:creationId xmlns:a16="http://schemas.microsoft.com/office/drawing/2014/main" id="{F40ED6CD-823F-9A42-B5ED-F76B611877DB}"/>
+                  </a:ext>
+                </a:extLst>
+              </p:cNvPr>
+              <p:cNvSpPr/>
+              <p:nvPr/>
+            </p:nvSpPr>
+            <p:spPr>
+              <a:xfrm>
+                <a:off x="7075862" y="1575507"/>
+                <a:ext cx="2160000" cy="598589"/>
+              </a:xfrm>
+              <a:prstGeom prst="rect">
+                <a:avLst/>
+              </a:prstGeom>
+              <a:solidFill>
+                <a:schemeClr val="bg1">
+                  <a:lumMod val="95000"/>
+                </a:schemeClr>
+              </a:solidFill>
+              <a:ln w="12700">
+                <a:solidFill>
+                  <a:schemeClr val="tx1"/>
+                </a:solidFill>
+              </a:ln>
+            </p:spPr>
+            <p:txBody>
+              <a:bodyPr wrap="square" tIns="144000" bIns="144000">
+                <a:spAutoFit/>
+              </a:bodyPr>
+              <a:lstStyle/>
+              <a:p>
+                <a:pPr algn="ctr"/>
+                <a:r>
+                  <a:rPr lang="zh-CN" altLang="en-US" sz="2000" dirty="0">
+                    <a:latin typeface="PingFang SC Light" panose="020B0300000000000000" pitchFamily="34" charset="-122"/>
+                    <a:ea typeface="PingFang SC Light" panose="020B0300000000000000" pitchFamily="34" charset="-122"/>
+                  </a:rPr>
+                  <a:t>场景信息 </a:t>
+                </a:r>
+                <a14:m>
+                  <m:oMath xmlns:m="http://schemas.openxmlformats.org/officeDocument/2006/math">
+                    <m:r>
+                      <a:rPr lang="en-US" altLang="zh-CN" sz="2000" b="0" i="1" smtClean="0">
+                        <a:latin typeface="Cambria Math" panose="02040503050406030204" pitchFamily="18" charset="0"/>
+                        <a:ea typeface="PINGFANG SC THIN" panose="020B0200000000000000" pitchFamily="34" charset="-122"/>
+                      </a:rPr>
+                      <m:t>𝐶</m:t>
+                    </m:r>
+                  </m:oMath>
+                </a14:m>
+                <a:endParaRPr lang="en-US" altLang="zh-CN" sz="2000" i="1" dirty="0">
+                  <a:latin typeface="PINGFANG SC LIGHT" panose="020B0300000000000000" pitchFamily="34" charset="-122"/>
+                  <a:ea typeface="PINGFANG SC LIGHT" panose="020B0300000000000000" pitchFamily="34" charset="-122"/>
+                </a:endParaRPr>
+              </a:p>
+            </p:txBody>
+          </p:sp>
+        </mc:Choice>
+        <mc:Fallback xmlns="">
+          <p:sp>
+            <p:nvSpPr>
+              <p:cNvPr id="6" name="矩形 5">
+                <a:extLst>
+                  <a:ext uri="{FF2B5EF4-FFF2-40B4-BE49-F238E27FC236}">
+                    <a16:creationId xmlns:a16="http://schemas.microsoft.com/office/drawing/2014/main" id="{F40ED6CD-823F-9A42-B5ED-F76B611877DB}"/>
+                  </a:ext>
+                </a:extLst>
+              </p:cNvPr>
+              <p:cNvSpPr>
+                <a:spLocks noRot="1" noChangeAspect="1" noMove="1" noResize="1" noEditPoints="1" noAdjustHandles="1" noChangeArrowheads="1" noChangeShapeType="1" noTextEdit="1"/>
+              </p:cNvSpPr>
+              <p:nvPr/>
+            </p:nvSpPr>
+            <p:spPr>
+              <a:xfrm>
+                <a:off x="7075862" y="1575507"/>
+                <a:ext cx="2160000" cy="598589"/>
+              </a:xfrm>
+              <a:prstGeom prst="rect">
+                <a:avLst/>
+              </a:prstGeom>
+              <a:blipFill>
+                <a:blip r:embed="rId4"/>
+                <a:stretch>
+                  <a:fillRect/>
+                </a:stretch>
+              </a:blipFill>
+              <a:ln w="12700">
+                <a:solidFill>
+                  <a:schemeClr val="tx1"/>
+                </a:solidFill>
+              </a:ln>
+            </p:spPr>
+            <p:txBody>
+              <a:bodyPr/>
+              <a:lstStyle/>
+              <a:p>
+                <a:r>
+                  <a:rPr lang="zh-CN" altLang="en-US">
+                    <a:noFill/>
+                  </a:rPr>
+                  <a:t> </a:t>
+                </a:r>
+              </a:p>
+            </p:txBody>
+          </p:sp>
+        </mc:Fallback>
+      </mc:AlternateContent>
       <p:sp>
         <p:nvSpPr>
           <p:cNvPr id="7" name="矩形 6">
@@ -1310,6 +1529,12 @@
           <a:prstGeom prst="rect">
             <a:avLst/>
           </a:prstGeom>
+          <a:solidFill>
+            <a:schemeClr val="accent6">
+              <a:lumMod val="20000"/>
+              <a:lumOff val="80000"/>
+            </a:schemeClr>
+          </a:solidFill>
           <a:ln w="12700">
             <a:solidFill>
               <a:schemeClr val="tx1"/>
@@ -1325,22 +1550,22 @@
             <a:pPr algn="ctr"/>
             <a:r>
               <a:rPr lang="zh-CN" altLang="en-US" sz="2000">
-                <a:latin typeface="Microsoft YaHei Light" panose="020B0503020204020204" pitchFamily="34" charset="-122"/>
-                <a:ea typeface="Microsoft YaHei Light" panose="020B0503020204020204" pitchFamily="34" charset="-122"/>
+                <a:latin typeface="PingFang SC Light" panose="020B0300000000000000" pitchFamily="34" charset="-122"/>
+                <a:ea typeface="PingFang SC Light" panose="020B0300000000000000" pitchFamily="34" charset="-122"/>
               </a:rPr>
               <a:t>推荐物品</a:t>
             </a:r>
             <a:endParaRPr lang="en-US" altLang="zh-CN" sz="2000" dirty="0">
-              <a:latin typeface="Microsoft YaHei Light" panose="020B0503020204020204" pitchFamily="34" charset="-122"/>
-              <a:ea typeface="Microsoft YaHei Light" panose="020B0503020204020204" pitchFamily="34" charset="-122"/>
+              <a:latin typeface="PingFang SC Light" panose="020B0300000000000000" pitchFamily="34" charset="-122"/>
+              <a:ea typeface="PingFang SC Light" panose="020B0300000000000000" pitchFamily="34" charset="-122"/>
             </a:endParaRPr>
           </a:p>
           <a:p>
             <a:pPr algn="ctr"/>
             <a:r>
               <a:rPr lang="zh-CN" altLang="en-US" sz="2000" dirty="0">
-                <a:latin typeface="Microsoft YaHei Light" panose="020B0503020204020204" pitchFamily="34" charset="-122"/>
-                <a:ea typeface="Microsoft YaHei Light" panose="020B0503020204020204" pitchFamily="34" charset="-122"/>
+                <a:latin typeface="PingFang SC Light" panose="020B0300000000000000" pitchFamily="34" charset="-122"/>
+                <a:ea typeface="PingFang SC Light" panose="020B0300000000000000" pitchFamily="34" charset="-122"/>
               </a:rPr>
               <a:t>列表</a:t>
             </a:r>
@@ -1362,11 +1587,17 @@
         <p:spPr>
           <a:xfrm>
             <a:off x="4461237" y="3610366"/>
-            <a:ext cx="3069249" cy="1029476"/>
+            <a:ext cx="3069249" cy="906366"/>
           </a:xfrm>
           <a:prstGeom prst="rect">
             <a:avLst/>
           </a:prstGeom>
+          <a:solidFill>
+            <a:schemeClr val="accent4">
+              <a:lumMod val="40000"/>
+              <a:lumOff val="60000"/>
+            </a:schemeClr>
+          </a:solidFill>
           <a:ln w="12700">
             <a:solidFill>
               <a:schemeClr val="tx1"/>
@@ -1381,22 +1612,22 @@
           <a:p>
             <a:pPr algn="ctr"/>
             <a:r>
-              <a:rPr lang="zh-CN" altLang="en-US" sz="2000">
-                <a:latin typeface="Microsoft YaHei Light" panose="020B0503020204020204" pitchFamily="34" charset="-122"/>
-                <a:ea typeface="Microsoft YaHei Light" panose="020B0503020204020204" pitchFamily="34" charset="-122"/>
+              <a:rPr lang="zh-CN" altLang="en-US" sz="2000" dirty="0">
+                <a:latin typeface="PingFang SC Light" panose="020B0300000000000000" pitchFamily="34" charset="-122"/>
+                <a:ea typeface="PingFang SC Light" panose="020B0300000000000000" pitchFamily="34" charset="-122"/>
               </a:rPr>
               <a:t>推荐模型</a:t>
             </a:r>
-            <a:endParaRPr lang="en-US" altLang="zh-CN" sz="2000">
-              <a:latin typeface="Microsoft YaHei Light" panose="020B0503020204020204" pitchFamily="34" charset="-122"/>
-              <a:ea typeface="Microsoft YaHei Light" panose="020B0503020204020204" pitchFamily="34" charset="-122"/>
+            <a:endParaRPr lang="en-US" altLang="zh-CN" sz="2000" dirty="0">
+              <a:latin typeface="PingFang SC Light" panose="020B0300000000000000" pitchFamily="34" charset="-122"/>
+              <a:ea typeface="PingFang SC Light" panose="020B0300000000000000" pitchFamily="34" charset="-122"/>
             </a:endParaRPr>
           </a:p>
           <a:p>
             <a:pPr algn="ctr"/>
             <a:endParaRPr lang="en-US" altLang="zh-CN" sz="2000" dirty="0">
-              <a:latin typeface="Microsoft YaHei Light" panose="020B0503020204020204" pitchFamily="34" charset="-122"/>
-              <a:ea typeface="Microsoft YaHei Light" panose="020B0503020204020204" pitchFamily="34" charset="-122"/>
+              <a:latin typeface="PingFang SC Light" panose="020B0300000000000000" pitchFamily="34" charset="-122"/>
+              <a:ea typeface="PingFang SC Light" panose="020B0300000000000000" pitchFamily="34" charset="-122"/>
             </a:endParaRPr>
           </a:p>
         </p:txBody>
@@ -1421,7 +1652,9 @@
           <a:prstGeom prst="can">
             <a:avLst/>
           </a:prstGeom>
-          <a:noFill/>
+          <a:solidFill>
+            <a:srgbClr val="E7F3FF"/>
+          </a:solidFill>
           <a:ln>
             <a:solidFill>
               <a:schemeClr val="tx1"/>
@@ -1454,8 +1687,8 @@
                 <a:solidFill>
                   <a:schemeClr val="tx1"/>
                 </a:solidFill>
-                <a:latin typeface="Microsoft YaHei Light" panose="020B0503020204020204" pitchFamily="34" charset="-122"/>
-                <a:ea typeface="Microsoft YaHei Light" panose="020B0503020204020204" pitchFamily="34" charset="-122"/>
+                <a:latin typeface="PingFang SC Light" panose="020B0300000000000000" pitchFamily="34" charset="-122"/>
+                <a:ea typeface="PingFang SC Light" panose="020B0300000000000000" pitchFamily="34" charset="-122"/>
               </a:rPr>
               <a:t>候选</a:t>
             </a:r>
@@ -1463,8 +1696,8 @@
               <a:solidFill>
                 <a:schemeClr val="tx1"/>
               </a:solidFill>
-              <a:latin typeface="Microsoft YaHei Light" panose="020B0503020204020204" pitchFamily="34" charset="-122"/>
-              <a:ea typeface="Microsoft YaHei Light" panose="020B0503020204020204" pitchFamily="34" charset="-122"/>
+              <a:latin typeface="PingFang SC Light" panose="020B0300000000000000" pitchFamily="34" charset="-122"/>
+              <a:ea typeface="PingFang SC Light" panose="020B0300000000000000" pitchFamily="34" charset="-122"/>
             </a:endParaRPr>
           </a:p>
           <a:p>
@@ -1474,8 +1707,8 @@
                 <a:solidFill>
                   <a:schemeClr val="tx1"/>
                 </a:solidFill>
-                <a:latin typeface="Microsoft YaHei Light" panose="020B0503020204020204" pitchFamily="34" charset="-122"/>
-                <a:ea typeface="Microsoft YaHei Light" panose="020B0503020204020204" pitchFamily="34" charset="-122"/>
+                <a:latin typeface="PingFang SC Light" panose="020B0300000000000000" pitchFamily="34" charset="-122"/>
+                <a:ea typeface="PingFang SC Light" panose="020B0300000000000000" pitchFamily="34" charset="-122"/>
               </a:rPr>
               <a:t>物品库</a:t>
             </a:r>
@@ -1526,8 +1759,8 @@
           </a:fontRef>
         </p:style>
       </p:cxnSp>
-      <mc:AlternateContent xmlns:mc="http://schemas.openxmlformats.org/markup-compatibility/2006">
-        <mc:Choice xmlns:a14="http://schemas.microsoft.com/office/drawing/2010/main" Requires="a14">
+      <mc:AlternateContent xmlns:mc="http://schemas.openxmlformats.org/markup-compatibility/2006" xmlns:a14="http://schemas.microsoft.com/office/drawing/2010/main">
+        <mc:Choice Requires="a14">
           <p:sp>
             <p:nvSpPr>
               <p:cNvPr id="14" name="文本框 13">
@@ -1543,7 +1776,7 @@
             <p:spPr>
               <a:xfrm>
                 <a:off x="5460715" y="4113976"/>
-                <a:ext cx="1072858" cy="307777"/>
+                <a:ext cx="1092094" cy="307777"/>
               </a:xfrm>
               <a:prstGeom prst="rect">
                 <a:avLst/>
@@ -1614,12 +1847,15 @@
                     </m:oMath>
                   </m:oMathPara>
                 </a14:m>
-                <a:endParaRPr kumimoji="1" lang="zh-CN" altLang="en-US" sz="2000" dirty="0"/>
+                <a:endParaRPr kumimoji="1" lang="zh-CN" altLang="en-US" sz="2000" i="1" dirty="0">
+                  <a:latin typeface="PINGFANG SC ULTRALIGHT" panose="020B0100000000000000" pitchFamily="34" charset="-122"/>
+                  <a:ea typeface="PINGFANG SC ULTRALIGHT" panose="020B0100000000000000" pitchFamily="34" charset="-122"/>
+                </a:endParaRPr>
               </a:p>
             </p:txBody>
           </p:sp>
         </mc:Choice>
-        <mc:Fallback>
+        <mc:Fallback xmlns="">
           <p:sp>
             <p:nvSpPr>
               <p:cNvPr id="14" name="文本框 13">
@@ -1637,15 +1873,15 @@
             <p:spPr>
               <a:xfrm>
                 <a:off x="5460715" y="4113976"/>
-                <a:ext cx="1072858" cy="307777"/>
+                <a:ext cx="1092094" cy="307777"/>
               </a:xfrm>
               <a:prstGeom prst="rect">
                 <a:avLst/>
               </a:prstGeom>
               <a:blipFill>
-                <a:blip r:embed="rId2"/>
+                <a:blip r:embed="rId5"/>
                 <a:stretch>
-                  <a:fillRect l="-7955" r="-7386" b="-40000"/>
+                  <a:fillRect l="-6977" t="-4167" r="-6977" b="-33333"/>
                 </a:stretch>
               </a:blipFill>
             </p:spPr>
@@ -1784,10 +2020,10 @@
       </p:grpSpPr>
       <p:sp>
         <p:nvSpPr>
-          <p:cNvPr id="4" name="矩形 3">
+          <p:cNvPr id="78" name="矩形 77">
             <a:extLst>
               <a:ext uri="{FF2B5EF4-FFF2-40B4-BE49-F238E27FC236}">
-                <a16:creationId xmlns:a16="http://schemas.microsoft.com/office/drawing/2014/main" id="{F901EBA9-98D1-C040-BF87-732EC0DD37E5}"/>
+                <a16:creationId xmlns:a16="http://schemas.microsoft.com/office/drawing/2014/main" id="{5B82794C-55AC-9D40-A03C-500996473BC9}"/>
               </a:ext>
             </a:extLst>
           </p:cNvPr>
@@ -1796,12 +2032,18 @@
         </p:nvSpPr>
         <p:spPr>
           <a:xfrm>
-            <a:off x="1560909" y="1143908"/>
-            <a:ext cx="970066" cy="1232499"/>
+            <a:off x="6207952" y="2691805"/>
+            <a:ext cx="2323208" cy="1839502"/>
           </a:xfrm>
           <a:prstGeom prst="rect">
             <a:avLst/>
           </a:prstGeom>
+          <a:solidFill>
+            <a:schemeClr val="accent4">
+              <a:lumMod val="40000"/>
+              <a:lumOff val="60000"/>
+            </a:schemeClr>
+          </a:solidFill>
           <a:ln w="9525">
             <a:solidFill>
               <a:schemeClr val="tx1"/>
@@ -1810,155 +2052,33 @@
         </p:spPr>
         <p:txBody>
           <a:bodyPr wrap="square" tIns="72000" bIns="72000">
-            <a:spAutoFit/>
+            <a:noAutofit/>
           </a:bodyPr>
           <a:lstStyle/>
           <a:p>
-            <a:pPr>
+            <a:pPr algn="ctr">
               <a:lnSpc>
                 <a:spcPct val="150000"/>
               </a:lnSpc>
             </a:pPr>
-            <a:r>
-              <a:rPr lang="zh-CN" altLang="en-US" sz="800" b="1">
-                <a:latin typeface="+mn-ea"/>
-              </a:rPr>
-              <a:t>主流大数据架构</a:t>
-            </a:r>
-            <a:endParaRPr lang="en-US" altLang="zh-CN" sz="800" b="1">
-              <a:latin typeface="+mn-ea"/>
-            </a:endParaRPr>
-          </a:p>
-          <a:p>
-            <a:pPr>
-              <a:lnSpc>
-                <a:spcPct val="150000"/>
-              </a:lnSpc>
-            </a:pPr>
-            <a:r>
-              <a:rPr lang="zh-CN" altLang="en-US" sz="800">
-                <a:solidFill>
-                  <a:schemeClr val="bg2">
-                    <a:lumMod val="50000"/>
-                  </a:schemeClr>
-                </a:solidFill>
-                <a:latin typeface="Microsoft YaHei Light" panose="020B0503020204020204" pitchFamily="34" charset="-122"/>
-                <a:ea typeface="Microsoft YaHei Light" panose="020B0503020204020204" pitchFamily="34" charset="-122"/>
-              </a:rPr>
-              <a:t>批处理</a:t>
-            </a:r>
-            <a:endParaRPr lang="en-US" altLang="zh-CN" sz="800">
-              <a:solidFill>
-                <a:schemeClr val="bg2">
-                  <a:lumMod val="50000"/>
-                </a:schemeClr>
-              </a:solidFill>
-              <a:latin typeface="Microsoft YaHei Light" panose="020B0503020204020204" pitchFamily="34" charset="-122"/>
-              <a:ea typeface="Microsoft YaHei Light" panose="020B0503020204020204" pitchFamily="34" charset="-122"/>
-            </a:endParaRPr>
-          </a:p>
-          <a:p>
-            <a:pPr>
-              <a:lnSpc>
-                <a:spcPct val="150000"/>
-              </a:lnSpc>
-            </a:pPr>
-            <a:r>
-              <a:rPr lang="zh-CN" altLang="en-US" sz="800">
-                <a:solidFill>
-                  <a:schemeClr val="bg2">
-                    <a:lumMod val="50000"/>
-                  </a:schemeClr>
-                </a:solidFill>
-                <a:latin typeface="Microsoft YaHei Light" panose="020B0503020204020204" pitchFamily="34" charset="-122"/>
-                <a:ea typeface="Microsoft YaHei Light" panose="020B0503020204020204" pitchFamily="34" charset="-122"/>
-              </a:rPr>
-              <a:t>流处理</a:t>
-            </a:r>
-            <a:endParaRPr lang="en-US" altLang="zh-CN" sz="800">
-              <a:solidFill>
-                <a:schemeClr val="bg2">
-                  <a:lumMod val="50000"/>
-                </a:schemeClr>
-              </a:solidFill>
-              <a:latin typeface="Microsoft YaHei Light" panose="020B0503020204020204" pitchFamily="34" charset="-122"/>
-              <a:ea typeface="Microsoft YaHei Light" panose="020B0503020204020204" pitchFamily="34" charset="-122"/>
-            </a:endParaRPr>
-          </a:p>
-          <a:p>
-            <a:pPr>
-              <a:lnSpc>
-                <a:spcPct val="150000"/>
-              </a:lnSpc>
-            </a:pPr>
-            <a:r>
-              <a:rPr lang="en-US" altLang="zh-CN" sz="800">
-                <a:solidFill>
-                  <a:schemeClr val="bg2">
-                    <a:lumMod val="50000"/>
-                  </a:schemeClr>
-                </a:solidFill>
-                <a:latin typeface="Microsoft YaHei Light" panose="020B0503020204020204" pitchFamily="34" charset="-122"/>
-                <a:ea typeface="Microsoft YaHei Light" panose="020B0503020204020204" pitchFamily="34" charset="-122"/>
-              </a:rPr>
-              <a:t>Lambda</a:t>
-            </a:r>
-          </a:p>
-          <a:p>
-            <a:pPr>
-              <a:lnSpc>
-                <a:spcPct val="150000"/>
-              </a:lnSpc>
-            </a:pPr>
-            <a:r>
-              <a:rPr lang="en-US" altLang="zh-CN" sz="800">
-                <a:solidFill>
-                  <a:schemeClr val="bg2">
-                    <a:lumMod val="50000"/>
-                  </a:schemeClr>
-                </a:solidFill>
-                <a:latin typeface="Microsoft YaHei Light" panose="020B0503020204020204" pitchFamily="34" charset="-122"/>
-                <a:ea typeface="Microsoft YaHei Light" panose="020B0503020204020204" pitchFamily="34" charset="-122"/>
-              </a:rPr>
-              <a:t>Kappa</a:t>
-            </a:r>
-          </a:p>
-          <a:p>
-            <a:pPr>
-              <a:lnSpc>
-                <a:spcPct val="150000"/>
-              </a:lnSpc>
-            </a:pPr>
-            <a:r>
-              <a:rPr lang="en-US" altLang="zh-CN" sz="800">
-                <a:solidFill>
-                  <a:schemeClr val="bg2">
-                    <a:lumMod val="50000"/>
-                  </a:schemeClr>
-                </a:solidFill>
-                <a:latin typeface="Microsoft YaHei Light" panose="020B0503020204020204" pitchFamily="34" charset="-122"/>
-                <a:ea typeface="Microsoft YaHei Light" panose="020B0503020204020204" pitchFamily="34" charset="-122"/>
-              </a:rPr>
-              <a:t>Unified</a:t>
-            </a:r>
             <a:endParaRPr lang="zh-CN" altLang="en-US" sz="800" dirty="0">
               <a:solidFill>
                 <a:schemeClr val="bg2">
-                  <a:lumMod val="50000"/>
+                  <a:lumMod val="75000"/>
                 </a:schemeClr>
               </a:solidFill>
-              <a:latin typeface="Microsoft YaHei Light" panose="020B0503020204020204" pitchFamily="34" charset="-122"/>
-              <a:ea typeface="Microsoft YaHei Light" panose="020B0503020204020204" pitchFamily="34" charset="-122"/>
+              <a:latin typeface="PingFang SC Light" panose="020B0300000000000000" pitchFamily="34" charset="-122"/>
+              <a:ea typeface="PingFang SC Light" panose="020B0300000000000000" pitchFamily="34" charset="-122"/>
             </a:endParaRPr>
           </a:p>
         </p:txBody>
       </p:sp>
       <p:sp>
         <p:nvSpPr>
-          <p:cNvPr id="5" name="矩形 4">
+          <p:cNvPr id="26" name="矩形 25">
             <a:extLst>
               <a:ext uri="{FF2B5EF4-FFF2-40B4-BE49-F238E27FC236}">
-                <a16:creationId xmlns:a16="http://schemas.microsoft.com/office/drawing/2014/main" id="{3348D6BB-8135-324B-86CA-629A3E166DB8}"/>
+                <a16:creationId xmlns:a16="http://schemas.microsoft.com/office/drawing/2014/main" id="{93BFA65B-4A17-4918-8119-ADEFA0284A3D}"/>
               </a:ext>
             </a:extLst>
           </p:cNvPr>
@@ -1967,75 +2087,83 @@
         </p:nvSpPr>
         <p:spPr>
           <a:xfrm>
-            <a:off x="4557237" y="225447"/>
-            <a:ext cx="1217220" cy="493835"/>
+            <a:off x="4561129" y="3898613"/>
+            <a:ext cx="770981" cy="956471"/>
           </a:xfrm>
           <a:prstGeom prst="rect">
             <a:avLst/>
           </a:prstGeom>
           <a:ln w="9525">
-            <a:solidFill>
-              <a:schemeClr val="tx1"/>
-            </a:solidFill>
+            <a:noFill/>
           </a:ln>
         </p:spPr>
         <p:txBody>
-          <a:bodyPr wrap="square" tIns="72000" bIns="72000">
+          <a:bodyPr wrap="square" tIns="36000" bIns="36000">
             <a:spAutoFit/>
           </a:bodyPr>
           <a:lstStyle/>
           <a:p>
             <a:pPr algn="ctr">
               <a:lnSpc>
-                <a:spcPct val="150000"/>
+                <a:spcPct val="200000"/>
               </a:lnSpc>
             </a:pPr>
             <a:r>
-              <a:rPr lang="zh-CN" altLang="en-US" sz="800" b="1">
-                <a:latin typeface="+mn-ea"/>
-              </a:rPr>
-              <a:t>客户端及服务器端</a:t>
-            </a:r>
-            <a:endParaRPr lang="en-US" altLang="zh-CN" sz="800" b="1">
-              <a:latin typeface="+mn-ea"/>
+              <a:rPr lang="zh-CN" altLang="en-US" sz="1000" dirty="0">
+                <a:latin typeface="PingFang SC Light" panose="020B0300000000000000" pitchFamily="34" charset="-122"/>
+                <a:ea typeface="PingFang SC Light" panose="020B0300000000000000" pitchFamily="34" charset="-122"/>
+              </a:rPr>
+              <a:t>用户特征</a:t>
+            </a:r>
+            <a:endParaRPr lang="en-US" altLang="zh-CN" sz="1000" dirty="0">
+              <a:latin typeface="PingFang SC Light" panose="020B0300000000000000" pitchFamily="34" charset="-122"/>
+              <a:ea typeface="PingFang SC Light" panose="020B0300000000000000" pitchFamily="34" charset="-122"/>
             </a:endParaRPr>
           </a:p>
           <a:p>
             <a:pPr algn="ctr">
               <a:lnSpc>
-                <a:spcPct val="150000"/>
+                <a:spcPct val="200000"/>
               </a:lnSpc>
             </a:pPr>
             <a:r>
-              <a:rPr lang="zh-CN" altLang="en-US" sz="800">
-                <a:solidFill>
-                  <a:schemeClr val="bg2">
-                    <a:lumMod val="50000"/>
-                  </a:schemeClr>
-                </a:solidFill>
-                <a:latin typeface="Microsoft YaHei Light" panose="020B0503020204020204" pitchFamily="34" charset="-122"/>
-                <a:ea typeface="Microsoft YaHei Light" panose="020B0503020204020204" pitchFamily="34" charset="-122"/>
-              </a:rPr>
-              <a:t>实时数据处理</a:t>
-            </a:r>
-            <a:endParaRPr lang="zh-CN" altLang="en-US" sz="800" dirty="0">
-              <a:solidFill>
-                <a:schemeClr val="bg2">
-                  <a:lumMod val="50000"/>
-                </a:schemeClr>
-              </a:solidFill>
-              <a:latin typeface="Microsoft YaHei Light" panose="020B0503020204020204" pitchFamily="34" charset="-122"/>
-              <a:ea typeface="Microsoft YaHei Light" panose="020B0503020204020204" pitchFamily="34" charset="-122"/>
+              <a:rPr lang="zh-CN" altLang="en-US" sz="1000" dirty="0">
+                <a:latin typeface="PingFang SC Light" panose="020B0300000000000000" pitchFamily="34" charset="-122"/>
+                <a:ea typeface="PingFang SC Light" panose="020B0300000000000000" pitchFamily="34" charset="-122"/>
+              </a:rPr>
+              <a:t>物品特征</a:t>
+            </a:r>
+            <a:endParaRPr lang="en-US" altLang="zh-CN" sz="1000" dirty="0">
+              <a:latin typeface="PingFang SC Light" panose="020B0300000000000000" pitchFamily="34" charset="-122"/>
+              <a:ea typeface="PingFang SC Light" panose="020B0300000000000000" pitchFamily="34" charset="-122"/>
+            </a:endParaRPr>
+          </a:p>
+          <a:p>
+            <a:pPr algn="ctr">
+              <a:lnSpc>
+                <a:spcPct val="200000"/>
+              </a:lnSpc>
+            </a:pPr>
+            <a:r>
+              <a:rPr lang="zh-CN" altLang="en-US" sz="1000" dirty="0">
+                <a:latin typeface="PingFang SC Light" panose="020B0300000000000000" pitchFamily="34" charset="-122"/>
+                <a:ea typeface="PingFang SC Light" panose="020B0300000000000000" pitchFamily="34" charset="-122"/>
+              </a:rPr>
+              <a:t>场景特征</a:t>
+            </a:r>
+            <a:endParaRPr lang="en-US" altLang="zh-CN" sz="1000" dirty="0">
+              <a:latin typeface="PingFang SC Light" panose="020B0300000000000000" pitchFamily="34" charset="-122"/>
+              <a:ea typeface="PingFang SC Light" panose="020B0300000000000000" pitchFamily="34" charset="-122"/>
             </a:endParaRPr>
           </a:p>
         </p:txBody>
       </p:sp>
       <p:sp>
         <p:nvSpPr>
-          <p:cNvPr id="15" name="矩形 14">
+          <p:cNvPr id="46" name="圆柱体 45">
             <a:extLst>
               <a:ext uri="{FF2B5EF4-FFF2-40B4-BE49-F238E27FC236}">
-                <a16:creationId xmlns:a16="http://schemas.microsoft.com/office/drawing/2014/main" id="{489BC553-1E21-41F1-92AC-AAA0A6CA3108}"/>
+                <a16:creationId xmlns:a16="http://schemas.microsoft.com/office/drawing/2014/main" id="{AEADCB75-550F-4034-BDDD-2CAFDD8439A2}"/>
               </a:ext>
             </a:extLst>
           </p:cNvPr>
@@ -2044,658 +2172,15 @@
         </p:nvSpPr>
         <p:spPr>
           <a:xfrm>
-            <a:off x="6170067" y="221459"/>
-            <a:ext cx="1217220" cy="493835"/>
-          </a:xfrm>
-          <a:prstGeom prst="rect">
-            <a:avLst/>
-          </a:prstGeom>
-          <a:ln w="9525">
-            <a:solidFill>
-              <a:schemeClr val="tx1"/>
-            </a:solidFill>
-          </a:ln>
-        </p:spPr>
-        <p:txBody>
-          <a:bodyPr wrap="square" tIns="72000" bIns="72000">
-            <a:spAutoFit/>
-          </a:bodyPr>
-          <a:lstStyle/>
-          <a:p>
-            <a:pPr algn="ctr">
-              <a:lnSpc>
-                <a:spcPct val="150000"/>
-              </a:lnSpc>
-            </a:pPr>
-            <a:r>
-              <a:rPr lang="zh-CN" altLang="en-US" sz="800" b="1">
-                <a:latin typeface="+mn-ea"/>
-              </a:rPr>
-              <a:t>流处理平台 </a:t>
-            </a:r>
-            <a:r>
-              <a:rPr lang="en-US" altLang="zh-CN" sz="800" b="1">
-                <a:latin typeface="+mn-ea"/>
-              </a:rPr>
-              <a:t>Flink</a:t>
-            </a:r>
-          </a:p>
-          <a:p>
-            <a:pPr algn="ctr">
-              <a:lnSpc>
-                <a:spcPct val="150000"/>
-              </a:lnSpc>
-            </a:pPr>
-            <a:r>
-              <a:rPr lang="zh-CN" altLang="en-US" sz="800">
-                <a:solidFill>
-                  <a:schemeClr val="bg2">
-                    <a:lumMod val="50000"/>
-                  </a:schemeClr>
-                </a:solidFill>
-                <a:latin typeface="Microsoft YaHei Light" panose="020B0503020204020204" pitchFamily="34" charset="-122"/>
-                <a:ea typeface="Microsoft YaHei Light" panose="020B0503020204020204" pitchFamily="34" charset="-122"/>
-              </a:rPr>
-              <a:t>准实时数据处理</a:t>
-            </a:r>
-            <a:endParaRPr lang="zh-CN" altLang="en-US" sz="800" dirty="0">
-              <a:solidFill>
-                <a:schemeClr val="bg2">
-                  <a:lumMod val="50000"/>
-                </a:schemeClr>
-              </a:solidFill>
-              <a:latin typeface="Microsoft YaHei Light" panose="020B0503020204020204" pitchFamily="34" charset="-122"/>
-              <a:ea typeface="Microsoft YaHei Light" panose="020B0503020204020204" pitchFamily="34" charset="-122"/>
-            </a:endParaRPr>
-          </a:p>
-        </p:txBody>
-      </p:sp>
-      <p:sp>
-        <p:nvSpPr>
-          <p:cNvPr id="17" name="矩形 16">
-            <a:extLst>
-              <a:ext uri="{FF2B5EF4-FFF2-40B4-BE49-F238E27FC236}">
-                <a16:creationId xmlns:a16="http://schemas.microsoft.com/office/drawing/2014/main" id="{C6ADDADD-8984-4386-AA6B-41168AD1762D}"/>
-              </a:ext>
-            </a:extLst>
-          </p:cNvPr>
-          <p:cNvSpPr/>
-          <p:nvPr/>
-        </p:nvSpPr>
-        <p:spPr>
-          <a:xfrm>
-            <a:off x="7862628" y="221458"/>
-            <a:ext cx="1217220" cy="493835"/>
-          </a:xfrm>
-          <a:prstGeom prst="rect">
-            <a:avLst/>
-          </a:prstGeom>
-          <a:ln w="9525">
-            <a:solidFill>
-              <a:schemeClr val="tx1"/>
-            </a:solidFill>
-          </a:ln>
-        </p:spPr>
-        <p:txBody>
-          <a:bodyPr wrap="square" tIns="72000" bIns="72000">
-            <a:spAutoFit/>
-          </a:bodyPr>
-          <a:lstStyle/>
-          <a:p>
-            <a:pPr algn="ctr">
-              <a:lnSpc>
-                <a:spcPct val="150000"/>
-              </a:lnSpc>
-            </a:pPr>
-            <a:r>
-              <a:rPr lang="zh-CN" altLang="en-US" sz="800" b="1">
-                <a:latin typeface="+mn-ea"/>
-              </a:rPr>
-              <a:t>大数据平台 </a:t>
-            </a:r>
-            <a:r>
-              <a:rPr lang="en-US" altLang="zh-CN" sz="800" b="1">
-                <a:latin typeface="+mn-ea"/>
-              </a:rPr>
-              <a:t>Spark</a:t>
-            </a:r>
-          </a:p>
-          <a:p>
-            <a:pPr algn="ctr">
-              <a:lnSpc>
-                <a:spcPct val="150000"/>
-              </a:lnSpc>
-            </a:pPr>
-            <a:r>
-              <a:rPr lang="zh-CN" altLang="en-US" sz="800">
-                <a:solidFill>
-                  <a:schemeClr val="bg2">
-                    <a:lumMod val="50000"/>
-                  </a:schemeClr>
-                </a:solidFill>
-                <a:latin typeface="Microsoft YaHei Light" panose="020B0503020204020204" pitchFamily="34" charset="-122"/>
-                <a:ea typeface="Microsoft YaHei Light" panose="020B0503020204020204" pitchFamily="34" charset="-122"/>
-              </a:rPr>
-              <a:t>离线数据处理</a:t>
-            </a:r>
-            <a:endParaRPr lang="zh-CN" altLang="en-US" sz="800" dirty="0">
-              <a:solidFill>
-                <a:schemeClr val="bg2">
-                  <a:lumMod val="50000"/>
-                </a:schemeClr>
-              </a:solidFill>
-              <a:latin typeface="Microsoft YaHei Light" panose="020B0503020204020204" pitchFamily="34" charset="-122"/>
-              <a:ea typeface="Microsoft YaHei Light" panose="020B0503020204020204" pitchFamily="34" charset="-122"/>
-            </a:endParaRPr>
-          </a:p>
-        </p:txBody>
-      </p:sp>
-      <p:sp>
-        <p:nvSpPr>
-          <p:cNvPr id="18" name="矩形 17">
-            <a:extLst>
-              <a:ext uri="{FF2B5EF4-FFF2-40B4-BE49-F238E27FC236}">
-                <a16:creationId xmlns:a16="http://schemas.microsoft.com/office/drawing/2014/main" id="{A0E1812D-EC8E-4E95-8891-5B035F8CAB3E}"/>
-              </a:ext>
-            </a:extLst>
-          </p:cNvPr>
-          <p:cNvSpPr/>
-          <p:nvPr/>
-        </p:nvSpPr>
-        <p:spPr>
-          <a:xfrm>
-            <a:off x="7862628" y="1016558"/>
-            <a:ext cx="1217220" cy="268517"/>
-          </a:xfrm>
-          <a:prstGeom prst="rect">
-            <a:avLst/>
-          </a:prstGeom>
-          <a:ln w="9525">
-            <a:solidFill>
-              <a:schemeClr val="tx1"/>
-            </a:solidFill>
-          </a:ln>
-        </p:spPr>
-        <p:txBody>
-          <a:bodyPr wrap="square" tIns="72000" bIns="72000">
-            <a:spAutoFit/>
-          </a:bodyPr>
-          <a:lstStyle/>
-          <a:p>
-            <a:pPr algn="ctr"/>
-            <a:r>
-              <a:rPr lang="zh-CN" altLang="en-US" sz="800">
-                <a:latin typeface="+mn-ea"/>
-              </a:rPr>
-              <a:t>场景信息</a:t>
-            </a:r>
-            <a:endParaRPr lang="en-US" altLang="zh-CN" sz="800">
-              <a:latin typeface="+mn-ea"/>
-            </a:endParaRPr>
-          </a:p>
-        </p:txBody>
-      </p:sp>
-      <p:cxnSp>
-        <p:nvCxnSpPr>
-          <p:cNvPr id="20" name="直线箭头连接符 10">
-            <a:extLst>
-              <a:ext uri="{FF2B5EF4-FFF2-40B4-BE49-F238E27FC236}">
-                <a16:creationId xmlns:a16="http://schemas.microsoft.com/office/drawing/2014/main" id="{7B3E5BCA-0973-43D4-9BB0-CB9DB23ADBFC}"/>
-              </a:ext>
-            </a:extLst>
-          </p:cNvPr>
-          <p:cNvCxnSpPr>
-            <a:cxnSpLocks/>
-            <a:stCxn id="17" idx="3"/>
-            <a:endCxn id="18" idx="3"/>
-          </p:cNvCxnSpPr>
-          <p:nvPr/>
-        </p:nvCxnSpPr>
-        <p:spPr>
-          <a:xfrm>
-            <a:off x="9079848" y="468376"/>
-            <a:ext cx="12700" cy="682441"/>
-          </a:xfrm>
-          <a:prstGeom prst="bentConnector3">
-            <a:avLst>
-              <a:gd name="adj1" fmla="val 1800000"/>
-            </a:avLst>
-          </a:prstGeom>
-          <a:ln w="9525">
-            <a:headEnd w="lg" len="lg"/>
-            <a:tailEnd type="triangle" w="med" len="lg"/>
-          </a:ln>
-        </p:spPr>
-        <p:style>
-          <a:lnRef idx="1">
-            <a:schemeClr val="dk1"/>
-          </a:lnRef>
-          <a:fillRef idx="0">
-            <a:schemeClr val="dk1"/>
-          </a:fillRef>
-          <a:effectRef idx="0">
-            <a:schemeClr val="dk1"/>
-          </a:effectRef>
-          <a:fontRef idx="minor">
-            <a:schemeClr val="tx1"/>
-          </a:fontRef>
-        </p:style>
-      </p:cxnSp>
-      <p:sp>
-        <p:nvSpPr>
-          <p:cNvPr id="21" name="矩形 20">
-            <a:extLst>
-              <a:ext uri="{FF2B5EF4-FFF2-40B4-BE49-F238E27FC236}">
-                <a16:creationId xmlns:a16="http://schemas.microsoft.com/office/drawing/2014/main" id="{E756F41F-32B0-40B4-9385-2B0BFD510B10}"/>
-              </a:ext>
-            </a:extLst>
-          </p:cNvPr>
-          <p:cNvSpPr/>
-          <p:nvPr/>
-        </p:nvSpPr>
-        <p:spPr>
-          <a:xfrm>
-            <a:off x="6143366" y="1013104"/>
-            <a:ext cx="1217220" cy="268517"/>
-          </a:xfrm>
-          <a:prstGeom prst="rect">
-            <a:avLst/>
-          </a:prstGeom>
-          <a:ln w="9525">
-            <a:solidFill>
-              <a:schemeClr val="tx1"/>
-            </a:solidFill>
-          </a:ln>
-        </p:spPr>
-        <p:txBody>
-          <a:bodyPr wrap="square" tIns="72000" bIns="72000">
-            <a:spAutoFit/>
-          </a:bodyPr>
-          <a:lstStyle/>
-          <a:p>
-            <a:pPr algn="ctr"/>
-            <a:r>
-              <a:rPr lang="zh-CN" altLang="en-US" sz="800">
-                <a:latin typeface="+mn-ea"/>
-              </a:rPr>
-              <a:t>物品信息</a:t>
-            </a:r>
-            <a:endParaRPr lang="en-US" altLang="zh-CN" sz="800">
-              <a:latin typeface="+mn-ea"/>
-            </a:endParaRPr>
-          </a:p>
-        </p:txBody>
-      </p:sp>
-      <p:sp>
-        <p:nvSpPr>
-          <p:cNvPr id="22" name="矩形 21">
-            <a:extLst>
-              <a:ext uri="{FF2B5EF4-FFF2-40B4-BE49-F238E27FC236}">
-                <a16:creationId xmlns:a16="http://schemas.microsoft.com/office/drawing/2014/main" id="{D82C3960-B1A7-4EE0-8201-A2EF7B34C631}"/>
-              </a:ext>
-            </a:extLst>
-          </p:cNvPr>
-          <p:cNvSpPr/>
-          <p:nvPr/>
-        </p:nvSpPr>
-        <p:spPr>
-          <a:xfrm>
-            <a:off x="4424104" y="1009650"/>
-            <a:ext cx="1217220" cy="268517"/>
-          </a:xfrm>
-          <a:prstGeom prst="rect">
-            <a:avLst/>
-          </a:prstGeom>
-          <a:ln w="9525">
-            <a:solidFill>
-              <a:schemeClr val="tx1"/>
-            </a:solidFill>
-          </a:ln>
-        </p:spPr>
-        <p:txBody>
-          <a:bodyPr wrap="square" tIns="72000" bIns="72000">
-            <a:spAutoFit/>
-          </a:bodyPr>
-          <a:lstStyle/>
-          <a:p>
-            <a:pPr algn="ctr"/>
-            <a:r>
-              <a:rPr lang="zh-CN" altLang="en-US" sz="800">
-                <a:latin typeface="+mn-ea"/>
-              </a:rPr>
-              <a:t>用户信息</a:t>
-            </a:r>
-            <a:endParaRPr lang="en-US" altLang="zh-CN" sz="800">
-              <a:latin typeface="+mn-ea"/>
-            </a:endParaRPr>
-          </a:p>
-        </p:txBody>
-      </p:sp>
-      <p:sp>
-        <p:nvSpPr>
-          <p:cNvPr id="24" name="矩形 23">
-            <a:extLst>
-              <a:ext uri="{FF2B5EF4-FFF2-40B4-BE49-F238E27FC236}">
-                <a16:creationId xmlns:a16="http://schemas.microsoft.com/office/drawing/2014/main" id="{40E89FF9-67B1-405E-8BF9-58DAE8941455}"/>
-              </a:ext>
-            </a:extLst>
-          </p:cNvPr>
-          <p:cNvSpPr/>
-          <p:nvPr/>
-        </p:nvSpPr>
-        <p:spPr>
-          <a:xfrm>
-            <a:off x="3624618" y="1522623"/>
-            <a:ext cx="1217220" cy="1786497"/>
-          </a:xfrm>
-          <a:prstGeom prst="rect">
-            <a:avLst/>
-          </a:prstGeom>
-          <a:ln w="9525">
-            <a:solidFill>
-              <a:schemeClr val="tx1"/>
-            </a:solidFill>
-          </a:ln>
-        </p:spPr>
-        <p:txBody>
-          <a:bodyPr wrap="square" tIns="72000" bIns="72000">
-            <a:spAutoFit/>
-          </a:bodyPr>
-          <a:lstStyle/>
-          <a:p>
-            <a:pPr>
-              <a:lnSpc>
-                <a:spcPct val="150000"/>
-              </a:lnSpc>
-            </a:pPr>
-            <a:r>
-              <a:rPr lang="zh-CN" altLang="en-US" sz="800" b="1">
-                <a:latin typeface="+mn-ea"/>
-              </a:rPr>
-              <a:t>特征工程</a:t>
-            </a:r>
-            <a:endParaRPr lang="en-US" altLang="zh-CN" sz="800" b="1">
-              <a:latin typeface="+mn-ea"/>
-            </a:endParaRPr>
-          </a:p>
-          <a:p>
-            <a:pPr marL="171450" indent="-171450">
-              <a:lnSpc>
-                <a:spcPct val="150000"/>
-              </a:lnSpc>
-              <a:buFont typeface="Wingdings" panose="05000000000000000000" pitchFamily="2" charset="2"/>
-              <a:buChar char="n"/>
-            </a:pPr>
-            <a:r>
-              <a:rPr lang="zh-CN" altLang="en-US" sz="800">
-                <a:solidFill>
-                  <a:schemeClr val="bg2">
-                    <a:lumMod val="50000"/>
-                  </a:schemeClr>
-                </a:solidFill>
-                <a:latin typeface="Microsoft YaHei Light" panose="020B0503020204020204" pitchFamily="34" charset="-122"/>
-                <a:ea typeface="Microsoft YaHei Light" panose="020B0503020204020204" pitchFamily="34" charset="-122"/>
-              </a:rPr>
-              <a:t>数值类特征</a:t>
-            </a:r>
-            <a:endParaRPr lang="en-US" altLang="zh-CN" sz="800">
-              <a:solidFill>
-                <a:schemeClr val="bg2">
-                  <a:lumMod val="50000"/>
-                </a:schemeClr>
-              </a:solidFill>
-              <a:latin typeface="Microsoft YaHei Light" panose="020B0503020204020204" pitchFamily="34" charset="-122"/>
-              <a:ea typeface="Microsoft YaHei Light" panose="020B0503020204020204" pitchFamily="34" charset="-122"/>
-            </a:endParaRPr>
-          </a:p>
-          <a:p>
-            <a:pPr marL="266700" lvl="1" indent="-171450">
-              <a:lnSpc>
-                <a:spcPct val="150000"/>
-              </a:lnSpc>
-              <a:buFont typeface="Wingdings" panose="05000000000000000000" pitchFamily="2" charset="2"/>
-              <a:buChar char="l"/>
-            </a:pPr>
-            <a:r>
-              <a:rPr lang="zh-CN" altLang="en-US" sz="800">
-                <a:solidFill>
-                  <a:schemeClr val="bg2">
-                    <a:lumMod val="50000"/>
-                  </a:schemeClr>
-                </a:solidFill>
-                <a:latin typeface="Microsoft YaHei Light" panose="020B0503020204020204" pitchFamily="34" charset="-122"/>
-                <a:ea typeface="Microsoft YaHei Light" panose="020B0503020204020204" pitchFamily="34" charset="-122"/>
-              </a:rPr>
-              <a:t>归一化</a:t>
-            </a:r>
-            <a:endParaRPr lang="en-US" altLang="zh-CN" sz="800">
-              <a:solidFill>
-                <a:schemeClr val="bg2">
-                  <a:lumMod val="50000"/>
-                </a:schemeClr>
-              </a:solidFill>
-              <a:latin typeface="Microsoft YaHei Light" panose="020B0503020204020204" pitchFamily="34" charset="-122"/>
-              <a:ea typeface="Microsoft YaHei Light" panose="020B0503020204020204" pitchFamily="34" charset="-122"/>
-            </a:endParaRPr>
-          </a:p>
-          <a:p>
-            <a:pPr marL="266700" lvl="1" indent="-171450">
-              <a:lnSpc>
-                <a:spcPct val="150000"/>
-              </a:lnSpc>
-              <a:buFont typeface="Wingdings" panose="05000000000000000000" pitchFamily="2" charset="2"/>
-              <a:buChar char="l"/>
-            </a:pPr>
-            <a:r>
-              <a:rPr lang="zh-CN" altLang="en-US" sz="800">
-                <a:solidFill>
-                  <a:schemeClr val="bg2">
-                    <a:lumMod val="50000"/>
-                  </a:schemeClr>
-                </a:solidFill>
-                <a:latin typeface="Microsoft YaHei Light" panose="020B0503020204020204" pitchFamily="34" charset="-122"/>
-                <a:ea typeface="Microsoft YaHei Light" panose="020B0503020204020204" pitchFamily="34" charset="-122"/>
-              </a:rPr>
-              <a:t>离散化</a:t>
-            </a:r>
-            <a:endParaRPr lang="en-US" altLang="zh-CN" sz="800">
-              <a:solidFill>
-                <a:schemeClr val="bg2">
-                  <a:lumMod val="50000"/>
-                </a:schemeClr>
-              </a:solidFill>
-              <a:latin typeface="Microsoft YaHei Light" panose="020B0503020204020204" pitchFamily="34" charset="-122"/>
-              <a:ea typeface="Microsoft YaHei Light" panose="020B0503020204020204" pitchFamily="34" charset="-122"/>
-            </a:endParaRPr>
-          </a:p>
-          <a:p>
-            <a:pPr marL="266700" lvl="1" indent="-171450">
-              <a:lnSpc>
-                <a:spcPct val="150000"/>
-              </a:lnSpc>
-              <a:buFont typeface="Wingdings" panose="05000000000000000000" pitchFamily="2" charset="2"/>
-              <a:buChar char="l"/>
-            </a:pPr>
-            <a:r>
-              <a:rPr lang="zh-CN" altLang="en-US" sz="800">
-                <a:solidFill>
-                  <a:schemeClr val="bg2">
-                    <a:lumMod val="50000"/>
-                  </a:schemeClr>
-                </a:solidFill>
-                <a:latin typeface="Microsoft YaHei Light" panose="020B0503020204020204" pitchFamily="34" charset="-122"/>
-                <a:ea typeface="Microsoft YaHei Light" panose="020B0503020204020204" pitchFamily="34" charset="-122"/>
-              </a:rPr>
-              <a:t>非线性变换</a:t>
-            </a:r>
-            <a:endParaRPr lang="en-US" altLang="zh-CN" sz="800">
-              <a:solidFill>
-                <a:schemeClr val="bg2">
-                  <a:lumMod val="50000"/>
-                </a:schemeClr>
-              </a:solidFill>
-              <a:latin typeface="Microsoft YaHei Light" panose="020B0503020204020204" pitchFamily="34" charset="-122"/>
-              <a:ea typeface="Microsoft YaHei Light" panose="020B0503020204020204" pitchFamily="34" charset="-122"/>
-            </a:endParaRPr>
-          </a:p>
-          <a:p>
-            <a:pPr marL="171450" indent="-171450">
-              <a:lnSpc>
-                <a:spcPct val="150000"/>
-              </a:lnSpc>
-              <a:buFont typeface="Wingdings" panose="05000000000000000000" pitchFamily="2" charset="2"/>
-              <a:buChar char="n"/>
-            </a:pPr>
-            <a:r>
-              <a:rPr lang="en-US" altLang="zh-CN" sz="800">
-                <a:solidFill>
-                  <a:schemeClr val="bg2">
-                    <a:lumMod val="50000"/>
-                  </a:schemeClr>
-                </a:solidFill>
-                <a:latin typeface="Microsoft YaHei Light" panose="020B0503020204020204" pitchFamily="34" charset="-122"/>
-                <a:ea typeface="Microsoft YaHei Light" panose="020B0503020204020204" pitchFamily="34" charset="-122"/>
-              </a:rPr>
-              <a:t>ID</a:t>
-            </a:r>
-            <a:r>
-              <a:rPr lang="zh-CN" altLang="en-US" sz="800">
-                <a:solidFill>
-                  <a:schemeClr val="bg2">
-                    <a:lumMod val="50000"/>
-                  </a:schemeClr>
-                </a:solidFill>
-                <a:latin typeface="Microsoft YaHei Light" panose="020B0503020204020204" pitchFamily="34" charset="-122"/>
-                <a:ea typeface="Microsoft YaHei Light" panose="020B0503020204020204" pitchFamily="34" charset="-122"/>
-              </a:rPr>
-              <a:t>类特征</a:t>
-            </a:r>
-            <a:endParaRPr lang="en-US" altLang="zh-CN" sz="800">
-              <a:solidFill>
-                <a:schemeClr val="bg2">
-                  <a:lumMod val="50000"/>
-                </a:schemeClr>
-              </a:solidFill>
-              <a:latin typeface="Microsoft YaHei Light" panose="020B0503020204020204" pitchFamily="34" charset="-122"/>
-              <a:ea typeface="Microsoft YaHei Light" panose="020B0503020204020204" pitchFamily="34" charset="-122"/>
-            </a:endParaRPr>
-          </a:p>
-          <a:p>
-            <a:pPr marL="266700" lvl="1" indent="-171450">
-              <a:lnSpc>
-                <a:spcPct val="150000"/>
-              </a:lnSpc>
-              <a:buFont typeface="Wingdings" panose="05000000000000000000" pitchFamily="2" charset="2"/>
-              <a:buChar char="l"/>
-            </a:pPr>
-            <a:r>
-              <a:rPr lang="en-US" altLang="zh-CN" sz="800">
-                <a:solidFill>
-                  <a:schemeClr val="bg2">
-                    <a:lumMod val="50000"/>
-                  </a:schemeClr>
-                </a:solidFill>
-                <a:latin typeface="Microsoft YaHei Light" panose="020B0503020204020204" pitchFamily="34" charset="-122"/>
-                <a:ea typeface="Microsoft YaHei Light" panose="020B0503020204020204" pitchFamily="34" charset="-122"/>
-              </a:rPr>
-              <a:t>One-hot</a:t>
-            </a:r>
-            <a:r>
-              <a:rPr lang="zh-CN" altLang="en-US" sz="800">
-                <a:solidFill>
-                  <a:schemeClr val="bg2">
-                    <a:lumMod val="50000"/>
-                  </a:schemeClr>
-                </a:solidFill>
-                <a:latin typeface="Microsoft YaHei Light" panose="020B0503020204020204" pitchFamily="34" charset="-122"/>
-                <a:ea typeface="Microsoft YaHei Light" panose="020B0503020204020204" pitchFamily="34" charset="-122"/>
-              </a:rPr>
-              <a:t>编码</a:t>
-            </a:r>
-            <a:endParaRPr lang="en-US" altLang="zh-CN" sz="800">
-              <a:solidFill>
-                <a:schemeClr val="bg2">
-                  <a:lumMod val="50000"/>
-                </a:schemeClr>
-              </a:solidFill>
-              <a:latin typeface="Microsoft YaHei Light" panose="020B0503020204020204" pitchFamily="34" charset="-122"/>
-              <a:ea typeface="Microsoft YaHei Light" panose="020B0503020204020204" pitchFamily="34" charset="-122"/>
-            </a:endParaRPr>
-          </a:p>
-          <a:p>
-            <a:pPr marL="266700" lvl="1" indent="-171450">
-              <a:lnSpc>
-                <a:spcPct val="150000"/>
-              </a:lnSpc>
-              <a:buFont typeface="Wingdings" panose="05000000000000000000" pitchFamily="2" charset="2"/>
-              <a:buChar char="l"/>
-            </a:pPr>
-            <a:r>
-              <a:rPr lang="en-US" altLang="zh-CN" sz="800">
-                <a:solidFill>
-                  <a:schemeClr val="bg2">
-                    <a:lumMod val="50000"/>
-                  </a:schemeClr>
-                </a:solidFill>
-                <a:latin typeface="Microsoft YaHei Light" panose="020B0503020204020204" pitchFamily="34" charset="-122"/>
-                <a:ea typeface="Microsoft YaHei Light" panose="020B0503020204020204" pitchFamily="34" charset="-122"/>
-              </a:rPr>
-              <a:t>Embedding</a:t>
-            </a:r>
-          </a:p>
-          <a:p>
-            <a:pPr marL="171450" indent="-171450">
-              <a:lnSpc>
-                <a:spcPct val="150000"/>
-              </a:lnSpc>
-              <a:buFont typeface="Wingdings" panose="05000000000000000000" pitchFamily="2" charset="2"/>
-              <a:buChar char="n"/>
-            </a:pPr>
-            <a:r>
-              <a:rPr lang="zh-CN" altLang="en-US" sz="800">
-                <a:solidFill>
-                  <a:schemeClr val="bg2">
-                    <a:lumMod val="50000"/>
-                  </a:schemeClr>
-                </a:solidFill>
-                <a:latin typeface="Microsoft YaHei Light" panose="020B0503020204020204" pitchFamily="34" charset="-122"/>
-                <a:ea typeface="Microsoft YaHei Light" panose="020B0503020204020204" pitchFamily="34" charset="-122"/>
-              </a:rPr>
-              <a:t>特征组合</a:t>
-            </a:r>
-            <a:endParaRPr lang="en-US" altLang="zh-CN" sz="800">
-              <a:solidFill>
-                <a:schemeClr val="bg2">
-                  <a:lumMod val="50000"/>
-                </a:schemeClr>
-              </a:solidFill>
-              <a:latin typeface="Microsoft YaHei Light" panose="020B0503020204020204" pitchFamily="34" charset="-122"/>
-              <a:ea typeface="Microsoft YaHei Light" panose="020B0503020204020204" pitchFamily="34" charset="-122"/>
-            </a:endParaRPr>
-          </a:p>
-        </p:txBody>
-      </p:sp>
-      <p:sp>
-        <p:nvSpPr>
-          <p:cNvPr id="25" name="圆柱体 24">
-            <a:extLst>
-              <a:ext uri="{FF2B5EF4-FFF2-40B4-BE49-F238E27FC236}">
-                <a16:creationId xmlns:a16="http://schemas.microsoft.com/office/drawing/2014/main" id="{A94C09B1-A39D-44FC-8DCC-BF7B9CA44F96}"/>
-              </a:ext>
-            </a:extLst>
-          </p:cNvPr>
-          <p:cNvSpPr/>
-          <p:nvPr/>
-        </p:nvSpPr>
-        <p:spPr>
-          <a:xfrm>
-            <a:off x="8505363" y="2009894"/>
-            <a:ext cx="766122" cy="811958"/>
+            <a:off x="6869695" y="1098096"/>
+            <a:ext cx="999722" cy="1000828"/>
           </a:xfrm>
           <a:prstGeom prst="can">
             <a:avLst/>
           </a:prstGeom>
-          <a:noFill/>
+          <a:solidFill>
+            <a:srgbClr val="E7F3FF"/>
+          </a:solidFill>
           <a:ln w="9525">
             <a:solidFill>
               <a:schemeClr val="tx1"/>
@@ -2722,18 +2207,22 @@
           <a:bodyPr rtlCol="0" anchor="ctr"/>
           <a:lstStyle/>
           <a:p>
-            <a:pPr algn="ctr"/>
-            <a:r>
-              <a:rPr kumimoji="1" lang="en-US" altLang="zh-CN" sz="800">
+            <a:pPr algn="ctr">
+              <a:lnSpc>
+                <a:spcPct val="150000"/>
+              </a:lnSpc>
+            </a:pPr>
+            <a:r>
+              <a:rPr kumimoji="1" lang="zh-CN" altLang="en-US" sz="1000" dirty="0">
                 <a:solidFill>
                   <a:schemeClr val="tx1"/>
                 </a:solidFill>
                 <a:latin typeface="Microsoft YaHei Light" panose="020B0503020204020204" pitchFamily="34" charset="-122"/>
                 <a:ea typeface="Microsoft YaHei Light" panose="020B0503020204020204" pitchFamily="34" charset="-122"/>
               </a:rPr>
-              <a:t>redis</a:t>
-            </a:r>
-            <a:endParaRPr kumimoji="1" lang="zh-CN" altLang="en-US" sz="800" dirty="0">
+              <a:t>候选</a:t>
+            </a:r>
+            <a:endParaRPr kumimoji="1" lang="en-US" altLang="zh-CN" sz="1000" dirty="0">
               <a:solidFill>
                 <a:schemeClr val="tx1"/>
               </a:solidFill>
@@ -2741,14 +2230,31 @@
               <a:ea typeface="Microsoft YaHei Light" panose="020B0503020204020204" pitchFamily="34" charset="-122"/>
             </a:endParaRPr>
           </a:p>
+          <a:p>
+            <a:pPr algn="ctr">
+              <a:lnSpc>
+                <a:spcPct val="150000"/>
+              </a:lnSpc>
+            </a:pPr>
+            <a:r>
+              <a:rPr kumimoji="1" lang="zh-CN" altLang="en-US" sz="1000" dirty="0">
+                <a:solidFill>
+                  <a:schemeClr val="tx1"/>
+                </a:solidFill>
+                <a:latin typeface="Microsoft YaHei Light" panose="020B0503020204020204" pitchFamily="34" charset="-122"/>
+                <a:ea typeface="Microsoft YaHei Light" panose="020B0503020204020204" pitchFamily="34" charset="-122"/>
+              </a:rPr>
+              <a:t>物品库</a:t>
+            </a:r>
+          </a:p>
         </p:txBody>
       </p:sp>
       <p:sp>
         <p:nvSpPr>
-          <p:cNvPr id="26" name="矩形 25">
+          <p:cNvPr id="47" name="矩形 46">
             <a:extLst>
               <a:ext uri="{FF2B5EF4-FFF2-40B4-BE49-F238E27FC236}">
-                <a16:creationId xmlns:a16="http://schemas.microsoft.com/office/drawing/2014/main" id="{93BFA65B-4A17-4918-8119-ADEFA0284A3D}"/>
+                <a16:creationId xmlns:a16="http://schemas.microsoft.com/office/drawing/2014/main" id="{133DEABD-38F5-41CA-B34A-710778A05BBB}"/>
               </a:ext>
             </a:extLst>
           </p:cNvPr>
@@ -2757,12 +2263,18 @@
         </p:nvSpPr>
         <p:spPr>
           <a:xfrm>
-            <a:off x="5658505" y="1675612"/>
-            <a:ext cx="2131989" cy="493835"/>
+            <a:off x="6666074" y="5210608"/>
+            <a:ext cx="1406965" cy="299295"/>
           </a:xfrm>
           <a:prstGeom prst="rect">
             <a:avLst/>
           </a:prstGeom>
+          <a:solidFill>
+            <a:schemeClr val="accent6">
+              <a:lumMod val="20000"/>
+              <a:lumOff val="80000"/>
+            </a:schemeClr>
+          </a:solidFill>
           <a:ln w="9525">
             <a:solidFill>
               <a:schemeClr val="tx1"/>
@@ -2775,39 +2287,120 @@
           </a:bodyPr>
           <a:lstStyle/>
           <a:p>
+            <a:pPr algn="ctr"/>
+            <a:r>
+              <a:rPr lang="zh-CN" altLang="en-US" sz="1000" dirty="0">
+                <a:latin typeface="Microsoft YaHei" panose="020B0503020204020204" pitchFamily="34" charset="-122"/>
+                <a:ea typeface="Microsoft YaHei" panose="020B0503020204020204" pitchFamily="34" charset="-122"/>
+              </a:rPr>
+              <a:t>推荐</a:t>
+            </a:r>
+            <a:r>
+              <a:rPr lang="zh-CN" altLang="en-US" sz="1000">
+                <a:latin typeface="Microsoft YaHei" panose="020B0503020204020204" pitchFamily="34" charset="-122"/>
+                <a:ea typeface="Microsoft YaHei" panose="020B0503020204020204" pitchFamily="34" charset="-122"/>
+              </a:rPr>
+              <a:t>物品列表</a:t>
+            </a:r>
+            <a:endParaRPr lang="en-US" altLang="zh-CN" sz="1000" dirty="0">
+              <a:latin typeface="Microsoft YaHei" panose="020B0503020204020204" pitchFamily="34" charset="-122"/>
+              <a:ea typeface="Microsoft YaHei" panose="020B0503020204020204" pitchFamily="34" charset="-122"/>
+            </a:endParaRPr>
+          </a:p>
+        </p:txBody>
+      </p:sp>
+      <p:sp>
+        <p:nvSpPr>
+          <p:cNvPr id="50" name="矩形 49">
+            <a:extLst>
+              <a:ext uri="{FF2B5EF4-FFF2-40B4-BE49-F238E27FC236}">
+                <a16:creationId xmlns:a16="http://schemas.microsoft.com/office/drawing/2014/main" id="{ED40D9CA-42E3-4EED-8642-41AC44B2462B}"/>
+              </a:ext>
+            </a:extLst>
+          </p:cNvPr>
+          <p:cNvSpPr/>
+          <p:nvPr/>
+        </p:nvSpPr>
+        <p:spPr>
+          <a:xfrm>
+            <a:off x="6595179" y="3904018"/>
+            <a:ext cx="1561053" cy="299295"/>
+          </a:xfrm>
+          <a:prstGeom prst="rect">
+            <a:avLst/>
+          </a:prstGeom>
+          <a:solidFill>
+            <a:schemeClr val="bg1"/>
+          </a:solidFill>
+          <a:ln w="9525">
+            <a:solidFill>
+              <a:schemeClr val="tx1"/>
+            </a:solidFill>
+          </a:ln>
+        </p:spPr>
+        <p:txBody>
+          <a:bodyPr wrap="square" tIns="72000" bIns="72000">
+            <a:spAutoFit/>
+          </a:bodyPr>
+          <a:lstStyle/>
+          <a:p>
+            <a:pPr algn="ctr"/>
+            <a:r>
+              <a:rPr lang="zh-CN" altLang="en-US" sz="1000" dirty="0">
+                <a:latin typeface="Microsoft YaHei" panose="020B0503020204020204" pitchFamily="34" charset="-122"/>
+                <a:ea typeface="Microsoft YaHei" panose="020B0503020204020204" pitchFamily="34" charset="-122"/>
+              </a:rPr>
+              <a:t>补充策略与算法</a:t>
+            </a:r>
+            <a:endParaRPr lang="en-US" altLang="zh-CN" sz="1000" dirty="0">
+              <a:latin typeface="Microsoft YaHei" panose="020B0503020204020204" pitchFamily="34" charset="-122"/>
+              <a:ea typeface="Microsoft YaHei" panose="020B0503020204020204" pitchFamily="34" charset="-122"/>
+            </a:endParaRPr>
+          </a:p>
+        </p:txBody>
+      </p:sp>
+      <p:sp>
+        <p:nvSpPr>
+          <p:cNvPr id="51" name="梯形 50">
+            <a:extLst>
+              <a:ext uri="{FF2B5EF4-FFF2-40B4-BE49-F238E27FC236}">
+                <a16:creationId xmlns:a16="http://schemas.microsoft.com/office/drawing/2014/main" id="{1FDC1F95-7062-4857-8FFB-7E0CE2017B9C}"/>
+              </a:ext>
+            </a:extLst>
+          </p:cNvPr>
+          <p:cNvSpPr/>
+          <p:nvPr/>
+        </p:nvSpPr>
+        <p:spPr>
+          <a:xfrm flipV="1">
+            <a:off x="6463809" y="3018681"/>
+            <a:ext cx="1816172" cy="298800"/>
+          </a:xfrm>
+          <a:prstGeom prst="trapezoid">
+            <a:avLst>
+              <a:gd name="adj" fmla="val 31257"/>
+            </a:avLst>
+          </a:prstGeom>
+          <a:solidFill>
+            <a:schemeClr val="bg1"/>
+          </a:solidFill>
+          <a:ln w="9525">
+            <a:solidFill>
+              <a:schemeClr val="tx1"/>
+            </a:solidFill>
+          </a:ln>
+        </p:spPr>
+        <p:txBody>
+          <a:bodyPr vert="horz" wrap="square" tIns="72000" bIns="72000" anchor="ctr">
+            <a:noAutofit/>
+          </a:bodyPr>
+          <a:lstStyle/>
+          <a:p>
             <a:pPr>
               <a:lnSpc>
                 <a:spcPct val="150000"/>
               </a:lnSpc>
             </a:pPr>
-            <a:r>
-              <a:rPr lang="zh-CN" altLang="en-US" sz="800" b="1">
-                <a:latin typeface="+mn-ea"/>
-              </a:rPr>
-              <a:t>用户特征</a:t>
-            </a:r>
-            <a:endParaRPr lang="en-US" altLang="zh-CN" sz="800" b="1">
-              <a:latin typeface="+mn-ea"/>
-            </a:endParaRPr>
-          </a:p>
-          <a:p>
-            <a:pPr>
-              <a:lnSpc>
-                <a:spcPct val="150000"/>
-              </a:lnSpc>
-            </a:pPr>
-            <a:r>
-              <a:rPr lang="zh-CN" altLang="en-US" sz="800">
-                <a:solidFill>
-                  <a:schemeClr val="bg2">
-                    <a:lumMod val="50000"/>
-                  </a:schemeClr>
-                </a:solidFill>
-                <a:latin typeface="Microsoft YaHei Light" panose="020B0503020204020204" pitchFamily="34" charset="-122"/>
-                <a:ea typeface="Microsoft YaHei Light" panose="020B0503020204020204" pitchFamily="34" charset="-122"/>
-              </a:rPr>
-              <a:t>用户行为、社交关系、属性标签等</a:t>
-            </a:r>
             <a:endParaRPr lang="zh-CN" altLang="en-US" sz="800" dirty="0">
               <a:solidFill>
                 <a:schemeClr val="bg2">
@@ -2822,29 +2415,27 @@
       </p:sp>
       <p:cxnSp>
         <p:nvCxnSpPr>
-          <p:cNvPr id="27" name="直线箭头连接符 10">
+          <p:cNvPr id="61" name="直线箭头连接符 10">
             <a:extLst>
               <a:ext uri="{FF2B5EF4-FFF2-40B4-BE49-F238E27FC236}">
-                <a16:creationId xmlns:a16="http://schemas.microsoft.com/office/drawing/2014/main" id="{0D446FC5-BA09-408A-A42D-1B96B45ECE1D}"/>
+                <a16:creationId xmlns:a16="http://schemas.microsoft.com/office/drawing/2014/main" id="{771245CC-D41C-4C89-A3B8-D66B83FC0F11}"/>
               </a:ext>
             </a:extLst>
           </p:cNvPr>
           <p:cNvCxnSpPr>
             <a:cxnSpLocks/>
-            <a:stCxn id="22" idx="1"/>
-            <a:endCxn id="24" idx="1"/>
+            <a:stCxn id="78" idx="2"/>
+            <a:endCxn id="47" idx="0"/>
           </p:cNvCxnSpPr>
           <p:nvPr/>
         </p:nvCxnSpPr>
         <p:spPr>
-          <a:xfrm rot="10800000" flipV="1">
-            <a:off x="3624618" y="1143908"/>
-            <a:ext cx="799486" cy="1271963"/>
-          </a:xfrm>
-          <a:prstGeom prst="bentConnector3">
-            <a:avLst>
-              <a:gd name="adj1" fmla="val 138835"/>
-            </a:avLst>
+          <a:xfrm>
+            <a:off x="7369556" y="4531307"/>
+            <a:ext cx="1" cy="679301"/>
+          </a:xfrm>
+          <a:prstGeom prst="straightConnector1">
+            <a:avLst/>
           </a:prstGeom>
           <a:ln w="9525">
             <a:headEnd w="lg" len="lg"/>
@@ -2868,10 +2459,47 @@
       </p:cxnSp>
       <p:sp>
         <p:nvSpPr>
-          <p:cNvPr id="31" name="矩形 30">
+          <p:cNvPr id="54" name="文本框 53">
             <a:extLst>
               <a:ext uri="{FF2B5EF4-FFF2-40B4-BE49-F238E27FC236}">
-                <a16:creationId xmlns:a16="http://schemas.microsoft.com/office/drawing/2014/main" id="{F427F366-4A16-4E80-8AD3-BBBDC197B3DF}"/>
+                <a16:creationId xmlns:a16="http://schemas.microsoft.com/office/drawing/2014/main" id="{6B2C60EE-5F0B-4A4D-BBF3-3E8EF087CDBF}"/>
+              </a:ext>
+            </a:extLst>
+          </p:cNvPr>
+          <p:cNvSpPr txBox="1"/>
+          <p:nvPr/>
+        </p:nvSpPr>
+        <p:spPr>
+          <a:xfrm>
+            <a:off x="7082896" y="3049426"/>
+            <a:ext cx="569387" cy="246221"/>
+          </a:xfrm>
+          <a:prstGeom prst="rect">
+            <a:avLst/>
+          </a:prstGeom>
+          <a:noFill/>
+        </p:spPr>
+        <p:txBody>
+          <a:bodyPr wrap="none" rtlCol="0">
+            <a:spAutoFit/>
+          </a:bodyPr>
+          <a:lstStyle/>
+          <a:p>
+            <a:r>
+              <a:rPr lang="zh-CN" altLang="en-US" sz="1000" dirty="0">
+                <a:latin typeface="+mn-ea"/>
+              </a:rPr>
+              <a:t>召回层</a:t>
+            </a:r>
+          </a:p>
+        </p:txBody>
+      </p:sp>
+      <p:sp>
+        <p:nvSpPr>
+          <p:cNvPr id="64" name="梯形 63">
+            <a:extLst>
+              <a:ext uri="{FF2B5EF4-FFF2-40B4-BE49-F238E27FC236}">
+                <a16:creationId xmlns:a16="http://schemas.microsoft.com/office/drawing/2014/main" id="{52DF0854-05AA-0E4C-93F8-A8D72CBB0CC2}"/>
               </a:ext>
             </a:extLst>
           </p:cNvPr>
@@ -2879,13 +2507,18 @@
           <p:nvPr/>
         </p:nvSpPr>
         <p:spPr>
-          <a:xfrm>
-            <a:off x="5658505" y="2168955"/>
-            <a:ext cx="2131989" cy="493835"/>
-          </a:xfrm>
-          <a:prstGeom prst="rect">
-            <a:avLst/>
-          </a:prstGeom>
+          <a:xfrm flipV="1">
+            <a:off x="6595179" y="3441860"/>
+            <a:ext cx="1561053" cy="298800"/>
+          </a:xfrm>
+          <a:prstGeom prst="trapezoid">
+            <a:avLst>
+              <a:gd name="adj" fmla="val 30474"/>
+            </a:avLst>
+          </a:prstGeom>
+          <a:solidFill>
+            <a:schemeClr val="bg1"/>
+          </a:solidFill>
           <a:ln w="9525">
             <a:solidFill>
               <a:schemeClr val="tx1"/>
@@ -2893,8 +2526,8 @@
           </a:ln>
         </p:spPr>
         <p:txBody>
-          <a:bodyPr wrap="square" tIns="72000" bIns="72000">
-            <a:spAutoFit/>
+          <a:bodyPr vert="horz" wrap="square" tIns="72000" bIns="72000" anchor="ctr">
+            <a:noAutofit/>
           </a:bodyPr>
           <a:lstStyle/>
           <a:p>
@@ -2903,34 +2536,6 @@
                 <a:spcPct val="150000"/>
               </a:lnSpc>
             </a:pPr>
-            <a:r>
-              <a:rPr lang="zh-CN" altLang="en-US" sz="800" b="1">
-                <a:latin typeface="+mn-ea"/>
-              </a:rPr>
-              <a:t>物品特征</a:t>
-            </a:r>
-            <a:endParaRPr lang="en-US" altLang="zh-CN" sz="800" b="1">
-              <a:latin typeface="+mn-ea"/>
-            </a:endParaRPr>
-          </a:p>
-          <a:p>
-            <a:pPr>
-              <a:lnSpc>
-                <a:spcPct val="150000"/>
-              </a:lnSpc>
-            </a:pPr>
-            <a:r>
-              <a:rPr lang="zh-CN" altLang="en-US" sz="800">
-                <a:solidFill>
-                  <a:schemeClr val="bg2">
-                    <a:lumMod val="50000"/>
-                  </a:schemeClr>
-                </a:solidFill>
-                <a:latin typeface="Microsoft YaHei Light" panose="020B0503020204020204" pitchFamily="34" charset="-122"/>
-                <a:ea typeface="Microsoft YaHei Light" panose="020B0503020204020204" pitchFamily="34" charset="-122"/>
-              </a:rPr>
-              <a:t>内容类数据、属性标签、第三方信息等</a:t>
-            </a:r>
             <a:endParaRPr lang="zh-CN" altLang="en-US" sz="800" dirty="0">
               <a:solidFill>
                 <a:schemeClr val="bg2">
@@ -2945,10 +2550,47 @@
       </p:sp>
       <p:sp>
         <p:nvSpPr>
-          <p:cNvPr id="32" name="矩形 31">
+          <p:cNvPr id="65" name="文本框 64">
             <a:extLst>
               <a:ext uri="{FF2B5EF4-FFF2-40B4-BE49-F238E27FC236}">
-                <a16:creationId xmlns:a16="http://schemas.microsoft.com/office/drawing/2014/main" id="{F58BC3C5-38C0-480B-8EBA-499D5053C0C4}"/>
+                <a16:creationId xmlns:a16="http://schemas.microsoft.com/office/drawing/2014/main" id="{C926CFCF-7C27-3F42-9D75-D12579418827}"/>
+              </a:ext>
+            </a:extLst>
+          </p:cNvPr>
+          <p:cNvSpPr txBox="1"/>
+          <p:nvPr/>
+        </p:nvSpPr>
+        <p:spPr>
+          <a:xfrm>
+            <a:off x="7079432" y="3473023"/>
+            <a:ext cx="569387" cy="246221"/>
+          </a:xfrm>
+          <a:prstGeom prst="rect">
+            <a:avLst/>
+          </a:prstGeom>
+          <a:noFill/>
+        </p:spPr>
+        <p:txBody>
+          <a:bodyPr wrap="none" rtlCol="0">
+            <a:spAutoFit/>
+          </a:bodyPr>
+          <a:lstStyle/>
+          <a:p>
+            <a:r>
+              <a:rPr lang="zh-CN" altLang="en-US" sz="1000" dirty="0">
+                <a:latin typeface="+mn-ea"/>
+              </a:rPr>
+              <a:t>排序层</a:t>
+            </a:r>
+          </a:p>
+        </p:txBody>
+      </p:sp>
+      <p:sp>
+        <p:nvSpPr>
+          <p:cNvPr id="68" name="矩形 67">
+            <a:extLst>
+              <a:ext uri="{FF2B5EF4-FFF2-40B4-BE49-F238E27FC236}">
+                <a16:creationId xmlns:a16="http://schemas.microsoft.com/office/drawing/2014/main" id="{F15C8C4E-CC30-C14C-9CCE-58F6F6C3E289}"/>
               </a:ext>
             </a:extLst>
           </p:cNvPr>
@@ -2957,12 +2599,17 @@
         </p:nvSpPr>
         <p:spPr>
           <a:xfrm>
-            <a:off x="5658504" y="2662298"/>
-            <a:ext cx="2131989" cy="493835"/>
+            <a:off x="849981" y="3461909"/>
+            <a:ext cx="1217220" cy="299295"/>
           </a:xfrm>
           <a:prstGeom prst="rect">
             <a:avLst/>
           </a:prstGeom>
+          <a:solidFill>
+            <a:schemeClr val="bg1">
+              <a:lumMod val="95000"/>
+            </a:schemeClr>
+          </a:solidFill>
           <a:ln w="9525">
             <a:solidFill>
               <a:schemeClr val="tx1"/>
@@ -2975,71 +2622,343 @@
           </a:bodyPr>
           <a:lstStyle/>
           <a:p>
-            <a:pPr>
-              <a:lnSpc>
-                <a:spcPct val="150000"/>
-              </a:lnSpc>
-            </a:pPr>
-            <a:r>
-              <a:rPr lang="zh-CN" altLang="en-US" sz="800" b="1">
-                <a:latin typeface="+mn-ea"/>
-              </a:rPr>
-              <a:t>场景特征</a:t>
-            </a:r>
-            <a:endParaRPr lang="en-US" altLang="zh-CN" sz="800" b="1">
-              <a:latin typeface="+mn-ea"/>
-            </a:endParaRPr>
-          </a:p>
-          <a:p>
-            <a:pPr>
-              <a:lnSpc>
-                <a:spcPct val="150000"/>
-              </a:lnSpc>
-            </a:pPr>
-            <a:r>
-              <a:rPr lang="zh-CN" altLang="en-US" sz="800">
-                <a:solidFill>
-                  <a:schemeClr val="bg2">
-                    <a:lumMod val="50000"/>
-                  </a:schemeClr>
-                </a:solidFill>
-                <a:latin typeface="Microsoft YaHei Light" panose="020B0503020204020204" pitchFamily="34" charset="-122"/>
-                <a:ea typeface="Microsoft YaHei Light" panose="020B0503020204020204" pitchFamily="34" charset="-122"/>
-              </a:rPr>
-              <a:t>时间、地点、所处页面场景等</a:t>
-            </a:r>
-            <a:endParaRPr lang="zh-CN" altLang="en-US" sz="800" dirty="0">
+            <a:pPr algn="ctr"/>
+            <a:r>
+              <a:rPr lang="zh-CN" altLang="en-US" sz="1000" dirty="0">
+                <a:latin typeface="Microsoft YaHei" panose="020B0503020204020204" pitchFamily="34" charset="-122"/>
+                <a:ea typeface="Microsoft YaHei" panose="020B0503020204020204" pitchFamily="34" charset="-122"/>
+              </a:rPr>
+              <a:t>数据收集</a:t>
+            </a:r>
+            <a:endParaRPr lang="zh-CN" altLang="en-US" sz="1000" dirty="0">
               <a:solidFill>
                 <a:schemeClr val="bg2">
-                  <a:lumMod val="50000"/>
+                  <a:lumMod val="75000"/>
                 </a:schemeClr>
               </a:solidFill>
-              <a:latin typeface="Microsoft YaHei Light" panose="020B0503020204020204" pitchFamily="34" charset="-122"/>
-              <a:ea typeface="Microsoft YaHei Light" panose="020B0503020204020204" pitchFamily="34" charset="-122"/>
-            </a:endParaRPr>
+              <a:latin typeface="Microsoft YaHei" panose="020B0503020204020204" pitchFamily="34" charset="-122"/>
+              <a:ea typeface="Microsoft YaHei" panose="020B0503020204020204" pitchFamily="34" charset="-122"/>
+            </a:endParaRPr>
+          </a:p>
+        </p:txBody>
+      </p:sp>
+      <p:sp>
+        <p:nvSpPr>
+          <p:cNvPr id="69" name="矩形 68">
+            <a:extLst>
+              <a:ext uri="{FF2B5EF4-FFF2-40B4-BE49-F238E27FC236}">
+                <a16:creationId xmlns:a16="http://schemas.microsoft.com/office/drawing/2014/main" id="{3CD31658-EDE7-D748-AEAF-C815C780D548}"/>
+              </a:ext>
+            </a:extLst>
+          </p:cNvPr>
+          <p:cNvSpPr/>
+          <p:nvPr/>
+        </p:nvSpPr>
+        <p:spPr>
+          <a:xfrm>
+            <a:off x="2575422" y="3461909"/>
+            <a:ext cx="1217220" cy="299295"/>
+          </a:xfrm>
+          <a:prstGeom prst="rect">
+            <a:avLst/>
+          </a:prstGeom>
+          <a:solidFill>
+            <a:schemeClr val="bg1">
+              <a:lumMod val="95000"/>
+            </a:schemeClr>
+          </a:solidFill>
+          <a:ln w="9525">
+            <a:solidFill>
+              <a:schemeClr val="tx1"/>
+            </a:solidFill>
+          </a:ln>
+        </p:spPr>
+        <p:txBody>
+          <a:bodyPr wrap="square" tIns="72000" bIns="72000">
+            <a:spAutoFit/>
+          </a:bodyPr>
+          <a:lstStyle/>
+          <a:p>
+            <a:pPr algn="ctr"/>
+            <a:r>
+              <a:rPr lang="zh-CN" altLang="en-US" sz="1000" dirty="0">
+                <a:latin typeface="Microsoft YaHei" panose="020B0503020204020204" pitchFamily="34" charset="-122"/>
+                <a:ea typeface="Microsoft YaHei" panose="020B0503020204020204" pitchFamily="34" charset="-122"/>
+              </a:rPr>
+              <a:t>数据内容</a:t>
+            </a:r>
+          </a:p>
+        </p:txBody>
+      </p:sp>
+      <p:sp>
+        <p:nvSpPr>
+          <p:cNvPr id="70" name="矩形 69">
+            <a:extLst>
+              <a:ext uri="{FF2B5EF4-FFF2-40B4-BE49-F238E27FC236}">
+                <a16:creationId xmlns:a16="http://schemas.microsoft.com/office/drawing/2014/main" id="{35A9B152-55CC-1F4F-8CCE-2AA92164994E}"/>
+              </a:ext>
+            </a:extLst>
+          </p:cNvPr>
+          <p:cNvSpPr/>
+          <p:nvPr/>
+        </p:nvSpPr>
+        <p:spPr>
+          <a:xfrm>
+            <a:off x="4338963" y="3461909"/>
+            <a:ext cx="1217220" cy="299295"/>
+          </a:xfrm>
+          <a:prstGeom prst="rect">
+            <a:avLst/>
+          </a:prstGeom>
+          <a:solidFill>
+            <a:schemeClr val="bg1">
+              <a:lumMod val="95000"/>
+            </a:schemeClr>
+          </a:solidFill>
+          <a:ln w="9525">
+            <a:solidFill>
+              <a:schemeClr val="tx1"/>
+            </a:solidFill>
+          </a:ln>
+        </p:spPr>
+        <p:txBody>
+          <a:bodyPr wrap="square" tIns="72000" bIns="72000">
+            <a:spAutoFit/>
+          </a:bodyPr>
+          <a:lstStyle/>
+          <a:p>
+            <a:pPr algn="ctr"/>
+            <a:r>
+              <a:rPr lang="zh-CN" altLang="en-US" sz="1000" dirty="0">
+                <a:latin typeface="Microsoft YaHei" panose="020B0503020204020204" pitchFamily="34" charset="-122"/>
+                <a:ea typeface="Microsoft YaHei" panose="020B0503020204020204" pitchFamily="34" charset="-122"/>
+              </a:rPr>
+              <a:t>特征工程</a:t>
+            </a:r>
           </a:p>
         </p:txBody>
       </p:sp>
       <p:cxnSp>
         <p:nvCxnSpPr>
-          <p:cNvPr id="33" name="直线箭头连接符 10">
+          <p:cNvPr id="81" name="直线箭头连接符 10">
             <a:extLst>
               <a:ext uri="{FF2B5EF4-FFF2-40B4-BE49-F238E27FC236}">
-                <a16:creationId xmlns:a16="http://schemas.microsoft.com/office/drawing/2014/main" id="{10B1E61A-6623-431C-9FC8-2BC487B24379}"/>
+                <a16:creationId xmlns:a16="http://schemas.microsoft.com/office/drawing/2014/main" id="{E9D37A89-5C32-D94A-9D74-4B9FC049547A}"/>
               </a:ext>
             </a:extLst>
           </p:cNvPr>
           <p:cNvCxnSpPr>
             <a:cxnSpLocks/>
-            <a:stCxn id="24" idx="3"/>
-            <a:endCxn id="31" idx="1"/>
+            <a:stCxn id="46" idx="3"/>
+            <a:endCxn id="78" idx="0"/>
           </p:cNvCxnSpPr>
           <p:nvPr/>
         </p:nvCxnSpPr>
         <p:spPr>
           <a:xfrm>
-            <a:off x="4841838" y="2415872"/>
-            <a:ext cx="816667" cy="1"/>
+            <a:off x="7369556" y="2098924"/>
+            <a:ext cx="0" cy="592881"/>
+          </a:xfrm>
+          <a:prstGeom prst="straightConnector1">
+            <a:avLst/>
+          </a:prstGeom>
+          <a:ln w="9525">
+            <a:headEnd w="lg" len="lg"/>
+            <a:tailEnd type="triangle" w="med" len="lg"/>
+          </a:ln>
+        </p:spPr>
+        <p:style>
+          <a:lnRef idx="1">
+            <a:schemeClr val="dk1"/>
+          </a:lnRef>
+          <a:fillRef idx="0">
+            <a:schemeClr val="dk1"/>
+          </a:fillRef>
+          <a:effectRef idx="0">
+            <a:schemeClr val="dk1"/>
+          </a:effectRef>
+          <a:fontRef idx="minor">
+            <a:schemeClr val="tx1"/>
+          </a:fontRef>
+        </p:style>
+      </p:cxnSp>
+      <p:sp>
+        <p:nvSpPr>
+          <p:cNvPr id="104" name="矩形 103">
+            <a:extLst>
+              <a:ext uri="{FF2B5EF4-FFF2-40B4-BE49-F238E27FC236}">
+                <a16:creationId xmlns:a16="http://schemas.microsoft.com/office/drawing/2014/main" id="{3DC5674C-A347-9145-95E0-0DDCFEAFE820}"/>
+              </a:ext>
+            </a:extLst>
+          </p:cNvPr>
+          <p:cNvSpPr/>
+          <p:nvPr/>
+        </p:nvSpPr>
+        <p:spPr>
+          <a:xfrm>
+            <a:off x="9162932" y="3043919"/>
+            <a:ext cx="1217220" cy="299295"/>
+          </a:xfrm>
+          <a:prstGeom prst="rect">
+            <a:avLst/>
+          </a:prstGeom>
+          <a:solidFill>
+            <a:schemeClr val="bg1">
+              <a:lumMod val="95000"/>
+            </a:schemeClr>
+          </a:solidFill>
+          <a:ln w="9525">
+            <a:solidFill>
+              <a:schemeClr val="tx1"/>
+            </a:solidFill>
+          </a:ln>
+        </p:spPr>
+        <p:txBody>
+          <a:bodyPr wrap="square" tIns="72000" bIns="72000">
+            <a:spAutoFit/>
+          </a:bodyPr>
+          <a:lstStyle/>
+          <a:p>
+            <a:pPr algn="ctr"/>
+            <a:r>
+              <a:rPr lang="zh-CN" altLang="en-US" sz="1000" dirty="0">
+                <a:latin typeface="Microsoft YaHei" panose="020B0503020204020204" pitchFamily="34" charset="-122"/>
+                <a:ea typeface="Microsoft YaHei" panose="020B0503020204020204" pitchFamily="34" charset="-122"/>
+              </a:rPr>
+              <a:t>离线训练</a:t>
+            </a:r>
+            <a:endParaRPr lang="en-US" altLang="zh-CN" sz="1000" dirty="0">
+              <a:latin typeface="Microsoft YaHei" panose="020B0503020204020204" pitchFamily="34" charset="-122"/>
+              <a:ea typeface="Microsoft YaHei" panose="020B0503020204020204" pitchFamily="34" charset="-122"/>
+            </a:endParaRPr>
+          </a:p>
+        </p:txBody>
+      </p:sp>
+      <p:sp>
+        <p:nvSpPr>
+          <p:cNvPr id="105" name="矩形 104">
+            <a:extLst>
+              <a:ext uri="{FF2B5EF4-FFF2-40B4-BE49-F238E27FC236}">
+                <a16:creationId xmlns:a16="http://schemas.microsoft.com/office/drawing/2014/main" id="{678C3287-FADC-1042-9105-55357E5C2395}"/>
+              </a:ext>
+            </a:extLst>
+          </p:cNvPr>
+          <p:cNvSpPr/>
+          <p:nvPr/>
+        </p:nvSpPr>
+        <p:spPr>
+          <a:xfrm>
+            <a:off x="9162932" y="3911178"/>
+            <a:ext cx="1217220" cy="299295"/>
+          </a:xfrm>
+          <a:prstGeom prst="rect">
+            <a:avLst/>
+          </a:prstGeom>
+          <a:solidFill>
+            <a:schemeClr val="bg1">
+              <a:lumMod val="95000"/>
+            </a:schemeClr>
+          </a:solidFill>
+          <a:ln w="9525">
+            <a:solidFill>
+              <a:schemeClr val="tx1"/>
+            </a:solidFill>
+          </a:ln>
+        </p:spPr>
+        <p:txBody>
+          <a:bodyPr wrap="square" tIns="72000" bIns="72000">
+            <a:spAutoFit/>
+          </a:bodyPr>
+          <a:lstStyle/>
+          <a:p>
+            <a:pPr algn="ctr"/>
+            <a:r>
+              <a:rPr lang="zh-CN" altLang="en-US" sz="1000" dirty="0">
+                <a:latin typeface="Microsoft YaHei" panose="020B0503020204020204" pitchFamily="34" charset="-122"/>
+                <a:ea typeface="Microsoft YaHei" panose="020B0503020204020204" pitchFamily="34" charset="-122"/>
+              </a:rPr>
+              <a:t>在线更新</a:t>
+            </a:r>
+            <a:endParaRPr lang="en-US" altLang="zh-CN" sz="1000" dirty="0">
+              <a:latin typeface="Microsoft YaHei" panose="020B0503020204020204" pitchFamily="34" charset="-122"/>
+              <a:ea typeface="Microsoft YaHei" panose="020B0503020204020204" pitchFamily="34" charset="-122"/>
+            </a:endParaRPr>
+          </a:p>
+        </p:txBody>
+      </p:sp>
+      <p:sp>
+        <p:nvSpPr>
+          <p:cNvPr id="106" name="矩形 105">
+            <a:extLst>
+              <a:ext uri="{FF2B5EF4-FFF2-40B4-BE49-F238E27FC236}">
+                <a16:creationId xmlns:a16="http://schemas.microsoft.com/office/drawing/2014/main" id="{0299F508-EB85-394D-9B04-A5679FDC7A73}"/>
+              </a:ext>
+            </a:extLst>
+          </p:cNvPr>
+          <p:cNvSpPr/>
+          <p:nvPr/>
+        </p:nvSpPr>
+        <p:spPr>
+          <a:xfrm>
+            <a:off x="10380152" y="3080270"/>
+            <a:ext cx="817733" cy="226591"/>
+          </a:xfrm>
+          <a:prstGeom prst="rect">
+            <a:avLst/>
+          </a:prstGeom>
+          <a:ln w="9525">
+            <a:noFill/>
+          </a:ln>
+        </p:spPr>
+        <p:txBody>
+          <a:bodyPr wrap="square" tIns="36000" bIns="36000">
+            <a:spAutoFit/>
+          </a:bodyPr>
+          <a:lstStyle/>
+          <a:p>
+            <a:r>
+              <a:rPr lang="zh-CN" altLang="en-US" sz="1000" dirty="0">
+                <a:solidFill>
+                  <a:schemeClr val="bg2">
+                    <a:lumMod val="75000"/>
+                  </a:schemeClr>
+                </a:solidFill>
+                <a:latin typeface="PingFang SC Light" panose="020B0300000000000000" pitchFamily="34" charset="-122"/>
+                <a:ea typeface="PingFang SC Light" panose="020B0300000000000000" pitchFamily="34" charset="-122"/>
+              </a:rPr>
+              <a:t>离线评估</a:t>
+            </a:r>
+            <a:endParaRPr lang="en-US" altLang="zh-CN" sz="1000" dirty="0">
+              <a:solidFill>
+                <a:schemeClr val="bg2">
+                  <a:lumMod val="75000"/>
+                </a:schemeClr>
+              </a:solidFill>
+              <a:latin typeface="PingFang SC Light" panose="020B0300000000000000" pitchFamily="34" charset="-122"/>
+              <a:ea typeface="PingFang SC Light" panose="020B0300000000000000" pitchFamily="34" charset="-122"/>
+            </a:endParaRPr>
+          </a:p>
+        </p:txBody>
+      </p:sp>
+      <p:cxnSp>
+        <p:nvCxnSpPr>
+          <p:cNvPr id="107" name="直线箭头连接符 10">
+            <a:extLst>
+              <a:ext uri="{FF2B5EF4-FFF2-40B4-BE49-F238E27FC236}">
+                <a16:creationId xmlns:a16="http://schemas.microsoft.com/office/drawing/2014/main" id="{FD5EE4C1-02C6-7741-94D5-B05DBBD0D513}"/>
+              </a:ext>
+            </a:extLst>
+          </p:cNvPr>
+          <p:cNvCxnSpPr>
+            <a:cxnSpLocks/>
+            <a:stCxn id="104" idx="1"/>
+          </p:cNvCxnSpPr>
+          <p:nvPr/>
+        </p:nvCxnSpPr>
+        <p:spPr>
+          <a:xfrm flipH="1">
+            <a:off x="8531160" y="3193567"/>
+            <a:ext cx="631772" cy="0"/>
           </a:xfrm>
           <a:prstGeom prst="straightConnector1">
             <a:avLst/>
@@ -3066,24 +2985,23 @@
       </p:cxnSp>
       <p:cxnSp>
         <p:nvCxnSpPr>
-          <p:cNvPr id="36" name="直线箭头连接符 10">
+          <p:cNvPr id="110" name="直线箭头连接符 10">
             <a:extLst>
               <a:ext uri="{FF2B5EF4-FFF2-40B4-BE49-F238E27FC236}">
-                <a16:creationId xmlns:a16="http://schemas.microsoft.com/office/drawing/2014/main" id="{6B860CC6-D180-4CB5-B238-4834E45C94B8}"/>
+                <a16:creationId xmlns:a16="http://schemas.microsoft.com/office/drawing/2014/main" id="{7F2A17B5-33DD-CA46-A63C-5F278C30172D}"/>
               </a:ext>
             </a:extLst>
           </p:cNvPr>
           <p:cNvCxnSpPr>
             <a:cxnSpLocks/>
-            <a:stCxn id="31" idx="3"/>
-            <a:endCxn id="25" idx="2"/>
+            <a:stCxn id="105" idx="1"/>
           </p:cNvCxnSpPr>
           <p:nvPr/>
         </p:nvCxnSpPr>
         <p:spPr>
-          <a:xfrm>
-            <a:off x="7790494" y="2415873"/>
-            <a:ext cx="714869" cy="0"/>
+          <a:xfrm flipH="1" flipV="1">
+            <a:off x="8531160" y="4060825"/>
+            <a:ext cx="631772" cy="1"/>
           </a:xfrm>
           <a:prstGeom prst="straightConnector1">
             <a:avLst/>
@@ -3110,10 +3028,10 @@
       </p:cxnSp>
       <p:sp>
         <p:nvSpPr>
-          <p:cNvPr id="45" name="箭头: 下 44">
+          <p:cNvPr id="113" name="矩形 112">
             <a:extLst>
               <a:ext uri="{FF2B5EF4-FFF2-40B4-BE49-F238E27FC236}">
-                <a16:creationId xmlns:a16="http://schemas.microsoft.com/office/drawing/2014/main" id="{91D2E99D-372F-4061-9B78-96A2EECBBDC0}"/>
+                <a16:creationId xmlns:a16="http://schemas.microsoft.com/office/drawing/2014/main" id="{F2FE5F82-35BE-D24E-9C32-F87EDC1D531D}"/>
               </a:ext>
             </a:extLst>
           </p:cNvPr>
@@ -3122,847 +3040,81 @@
         </p:nvSpPr>
         <p:spPr>
           <a:xfrm>
-            <a:off x="5774456" y="3402557"/>
-            <a:ext cx="453471" cy="493835"/>
-          </a:xfrm>
-          <a:prstGeom prst="downArrow">
-            <a:avLst>
-              <a:gd name="adj1" fmla="val 46550"/>
-              <a:gd name="adj2" fmla="val 50000"/>
-            </a:avLst>
-          </a:prstGeom>
-          <a:noFill/>
-          <a:ln w="9525">
-            <a:solidFill>
-              <a:schemeClr val="tx1"/>
-            </a:solidFill>
-          </a:ln>
-        </p:spPr>
-        <p:style>
-          <a:lnRef idx="2">
-            <a:schemeClr val="accent1">
-              <a:shade val="50000"/>
-            </a:schemeClr>
-          </a:lnRef>
-          <a:fillRef idx="1">
-            <a:schemeClr val="accent1"/>
-          </a:fillRef>
-          <a:effectRef idx="0">
-            <a:schemeClr val="accent1"/>
-          </a:effectRef>
-          <a:fontRef idx="minor">
-            <a:schemeClr val="lt1"/>
-          </a:fontRef>
-        </p:style>
-        <p:txBody>
-          <a:bodyPr rtlCol="0" anchor="ctr"/>
-          <a:lstStyle/>
-          <a:p>
-            <a:pPr algn="ctr"/>
-            <a:endParaRPr kumimoji="1" lang="zh-CN" altLang="en-US" sz="800">
-              <a:solidFill>
-                <a:schemeClr val="tx1"/>
-              </a:solidFill>
-              <a:latin typeface="Microsoft YaHei Light" panose="020B0503020204020204" pitchFamily="34" charset="-122"/>
-              <a:ea typeface="Microsoft YaHei Light" panose="020B0503020204020204" pitchFamily="34" charset="-122"/>
-            </a:endParaRPr>
-          </a:p>
-        </p:txBody>
-      </p:sp>
-      <p:sp>
-        <p:nvSpPr>
-          <p:cNvPr id="46" name="圆柱体 45">
-            <a:extLst>
-              <a:ext uri="{FF2B5EF4-FFF2-40B4-BE49-F238E27FC236}">
-                <a16:creationId xmlns:a16="http://schemas.microsoft.com/office/drawing/2014/main" id="{AEADCB75-550F-4034-BDDD-2CAFDD8439A2}"/>
-              </a:ext>
-            </a:extLst>
-          </p:cNvPr>
-          <p:cNvSpPr/>
-          <p:nvPr/>
-        </p:nvSpPr>
-        <p:spPr>
-          <a:xfrm>
-            <a:off x="2995433" y="4977076"/>
-            <a:ext cx="766122" cy="811958"/>
-          </a:xfrm>
-          <a:prstGeom prst="can">
-            <a:avLst/>
-          </a:prstGeom>
-          <a:noFill/>
-          <a:ln w="9525">
-            <a:solidFill>
-              <a:schemeClr val="tx1"/>
-            </a:solidFill>
-          </a:ln>
-        </p:spPr>
-        <p:style>
-          <a:lnRef idx="2">
-            <a:schemeClr val="accent1">
-              <a:shade val="50000"/>
-            </a:schemeClr>
-          </a:lnRef>
-          <a:fillRef idx="1">
-            <a:schemeClr val="accent1"/>
-          </a:fillRef>
-          <a:effectRef idx="0">
-            <a:schemeClr val="accent1"/>
-          </a:effectRef>
-          <a:fontRef idx="minor">
-            <a:schemeClr val="lt1"/>
-          </a:fontRef>
-        </p:style>
-        <p:txBody>
-          <a:bodyPr rtlCol="0" anchor="ctr"/>
-          <a:lstStyle/>
-          <a:p>
-            <a:pPr algn="ctr"/>
-            <a:r>
-              <a:rPr kumimoji="1" lang="zh-CN" altLang="en-US" sz="800">
-                <a:solidFill>
-                  <a:schemeClr val="tx1"/>
-                </a:solidFill>
-                <a:latin typeface="Microsoft YaHei Light" panose="020B0503020204020204" pitchFamily="34" charset="-122"/>
-                <a:ea typeface="Microsoft YaHei Light" panose="020B0503020204020204" pitchFamily="34" charset="-122"/>
-              </a:rPr>
-              <a:t>候选</a:t>
-            </a:r>
-            <a:endParaRPr kumimoji="1" lang="en-US" altLang="zh-CN" sz="800">
-              <a:solidFill>
-                <a:schemeClr val="tx1"/>
-              </a:solidFill>
-              <a:latin typeface="Microsoft YaHei Light" panose="020B0503020204020204" pitchFamily="34" charset="-122"/>
-              <a:ea typeface="Microsoft YaHei Light" panose="020B0503020204020204" pitchFamily="34" charset="-122"/>
-            </a:endParaRPr>
-          </a:p>
-          <a:p>
-            <a:pPr algn="ctr"/>
-            <a:r>
-              <a:rPr kumimoji="1" lang="zh-CN" altLang="en-US" sz="800">
-                <a:solidFill>
-                  <a:schemeClr val="tx1"/>
-                </a:solidFill>
-                <a:latin typeface="Microsoft YaHei Light" panose="020B0503020204020204" pitchFamily="34" charset="-122"/>
-                <a:ea typeface="Microsoft YaHei Light" panose="020B0503020204020204" pitchFamily="34" charset="-122"/>
-              </a:rPr>
-              <a:t>物品库</a:t>
-            </a:r>
-            <a:endParaRPr kumimoji="1" lang="zh-CN" altLang="en-US" sz="800" dirty="0">
-              <a:solidFill>
-                <a:schemeClr val="tx1"/>
-              </a:solidFill>
-              <a:latin typeface="Microsoft YaHei Light" panose="020B0503020204020204" pitchFamily="34" charset="-122"/>
-              <a:ea typeface="Microsoft YaHei Light" panose="020B0503020204020204" pitchFamily="34" charset="-122"/>
-            </a:endParaRPr>
-          </a:p>
-        </p:txBody>
-      </p:sp>
-      <p:sp>
-        <p:nvSpPr>
-          <p:cNvPr id="47" name="矩形 46">
-            <a:extLst>
-              <a:ext uri="{FF2B5EF4-FFF2-40B4-BE49-F238E27FC236}">
-                <a16:creationId xmlns:a16="http://schemas.microsoft.com/office/drawing/2014/main" id="{133DEABD-38F5-41CA-B34A-710778A05BBB}"/>
-              </a:ext>
-            </a:extLst>
-          </p:cNvPr>
-          <p:cNvSpPr/>
-          <p:nvPr/>
-        </p:nvSpPr>
-        <p:spPr>
-          <a:xfrm>
-            <a:off x="9216743" y="5187241"/>
-            <a:ext cx="1217220" cy="391628"/>
+            <a:off x="10380152" y="3940369"/>
+            <a:ext cx="817733" cy="226591"/>
           </a:xfrm>
           <a:prstGeom prst="rect">
             <a:avLst/>
           </a:prstGeom>
           <a:ln w="9525">
-            <a:solidFill>
-              <a:schemeClr val="tx1"/>
-            </a:solidFill>
+            <a:noFill/>
           </a:ln>
         </p:spPr>
         <p:txBody>
-          <a:bodyPr wrap="square" tIns="72000" bIns="72000">
+          <a:bodyPr wrap="square" tIns="36000" bIns="36000">
             <a:spAutoFit/>
           </a:bodyPr>
           <a:lstStyle/>
           <a:p>
-            <a:pPr algn="ctr"/>
-            <a:r>
-              <a:rPr lang="zh-CN" altLang="en-US" sz="800">
-                <a:latin typeface="+mn-ea"/>
-              </a:rPr>
-              <a:t>推荐</a:t>
-            </a:r>
-            <a:endParaRPr lang="en-US" altLang="zh-CN" sz="800">
-              <a:latin typeface="+mn-ea"/>
-            </a:endParaRPr>
-          </a:p>
-          <a:p>
-            <a:pPr algn="ctr"/>
-            <a:r>
-              <a:rPr lang="zh-CN" altLang="en-US" sz="800">
-                <a:latin typeface="+mn-ea"/>
-              </a:rPr>
-              <a:t>物品列表</a:t>
-            </a:r>
-            <a:endParaRPr lang="en-US" altLang="zh-CN" sz="800">
-              <a:latin typeface="+mn-ea"/>
-            </a:endParaRPr>
-          </a:p>
-        </p:txBody>
-      </p:sp>
-      <p:sp>
-        <p:nvSpPr>
-          <p:cNvPr id="48" name="矩形 47">
-            <a:extLst>
-              <a:ext uri="{FF2B5EF4-FFF2-40B4-BE49-F238E27FC236}">
-                <a16:creationId xmlns:a16="http://schemas.microsoft.com/office/drawing/2014/main" id="{F871C577-C5EB-4F40-A4E9-B40934504E7A}"/>
-              </a:ext>
-            </a:extLst>
-          </p:cNvPr>
-          <p:cNvSpPr/>
-          <p:nvPr/>
-        </p:nvSpPr>
-        <p:spPr>
-          <a:xfrm>
-            <a:off x="4578542" y="4081527"/>
-            <a:ext cx="3012165" cy="268517"/>
-          </a:xfrm>
-          <a:prstGeom prst="rect">
-            <a:avLst/>
-          </a:prstGeom>
-          <a:ln w="9525">
-            <a:solidFill>
-              <a:schemeClr val="tx1"/>
-            </a:solidFill>
-          </a:ln>
-        </p:spPr>
-        <p:txBody>
-          <a:bodyPr wrap="square" tIns="72000" bIns="72000">
-            <a:spAutoFit/>
-          </a:bodyPr>
-          <a:lstStyle/>
-          <a:p>
-            <a:pPr algn="ctr"/>
-            <a:r>
-              <a:rPr lang="zh-CN" altLang="en-US" sz="800">
-                <a:latin typeface="+mn-ea"/>
-              </a:rPr>
-              <a:t>冷启动策略</a:t>
-            </a:r>
-            <a:endParaRPr lang="en-US" altLang="zh-CN" sz="800">
-              <a:latin typeface="+mn-ea"/>
-            </a:endParaRPr>
-          </a:p>
-        </p:txBody>
-      </p:sp>
-      <p:sp>
-        <p:nvSpPr>
-          <p:cNvPr id="49" name="矩形 48">
-            <a:extLst>
-              <a:ext uri="{FF2B5EF4-FFF2-40B4-BE49-F238E27FC236}">
-                <a16:creationId xmlns:a16="http://schemas.microsoft.com/office/drawing/2014/main" id="{98379760-C87A-4D97-8517-88F950CEB128}"/>
-              </a:ext>
-            </a:extLst>
-          </p:cNvPr>
-          <p:cNvSpPr/>
-          <p:nvPr/>
-        </p:nvSpPr>
-        <p:spPr>
-          <a:xfrm>
-            <a:off x="4578542" y="6417766"/>
-            <a:ext cx="3012165" cy="268517"/>
-          </a:xfrm>
-          <a:prstGeom prst="rect">
-            <a:avLst/>
-          </a:prstGeom>
-          <a:ln w="9525">
-            <a:solidFill>
-              <a:schemeClr val="tx1"/>
-            </a:solidFill>
-          </a:ln>
-        </p:spPr>
-        <p:txBody>
-          <a:bodyPr wrap="square" tIns="72000" bIns="72000">
-            <a:spAutoFit/>
-          </a:bodyPr>
-          <a:lstStyle/>
-          <a:p>
-            <a:pPr algn="ctr"/>
-            <a:r>
-              <a:rPr lang="zh-CN" altLang="en-US" sz="800">
-                <a:latin typeface="+mn-ea"/>
-              </a:rPr>
-              <a:t>探索与利用</a:t>
-            </a:r>
-            <a:endParaRPr lang="en-US" altLang="zh-CN" sz="800">
-              <a:latin typeface="+mn-ea"/>
-            </a:endParaRPr>
-          </a:p>
-        </p:txBody>
-      </p:sp>
-      <p:sp>
-        <p:nvSpPr>
-          <p:cNvPr id="50" name="矩形 49">
-            <a:extLst>
-              <a:ext uri="{FF2B5EF4-FFF2-40B4-BE49-F238E27FC236}">
-                <a16:creationId xmlns:a16="http://schemas.microsoft.com/office/drawing/2014/main" id="{ED40D9CA-42E3-4EED-8642-41AC44B2462B}"/>
-              </a:ext>
-            </a:extLst>
-          </p:cNvPr>
-          <p:cNvSpPr/>
-          <p:nvPr/>
-        </p:nvSpPr>
-        <p:spPr>
-          <a:xfrm>
-            <a:off x="7590705" y="4081527"/>
-            <a:ext cx="956839" cy="2604753"/>
-          </a:xfrm>
-          <a:prstGeom prst="rect">
-            <a:avLst/>
-          </a:prstGeom>
-          <a:ln w="9525">
-            <a:solidFill>
-              <a:schemeClr val="tx1"/>
-            </a:solidFill>
-          </a:ln>
-        </p:spPr>
-        <p:txBody>
-          <a:bodyPr wrap="square" tIns="72000" bIns="72000" anchor="ctr">
-            <a:noAutofit/>
-          </a:bodyPr>
-          <a:lstStyle/>
-          <a:p>
-            <a:pPr>
-              <a:lnSpc>
-                <a:spcPct val="150000"/>
-              </a:lnSpc>
-            </a:pPr>
-            <a:r>
-              <a:rPr lang="zh-CN" altLang="en-US" sz="800" b="1">
-                <a:latin typeface="+mn-ea"/>
-              </a:rPr>
-              <a:t>补充策略与算法</a:t>
-            </a:r>
-            <a:endParaRPr lang="en-US" altLang="zh-CN" sz="800" b="1">
-              <a:latin typeface="+mn-ea"/>
-            </a:endParaRPr>
-          </a:p>
-          <a:p>
-            <a:pPr>
-              <a:lnSpc>
-                <a:spcPct val="150000"/>
-              </a:lnSpc>
-            </a:pPr>
-            <a:r>
-              <a:rPr lang="zh-CN" altLang="en-US" sz="800">
+            <a:r>
+              <a:rPr lang="en-US" altLang="zh-CN" sz="1000" dirty="0">
                 <a:solidFill>
                   <a:schemeClr val="bg2">
-                    <a:lumMod val="50000"/>
+                    <a:lumMod val="75000"/>
                   </a:schemeClr>
                 </a:solidFill>
-                <a:latin typeface="Microsoft YaHei Light" panose="020B0503020204020204" pitchFamily="34" charset="-122"/>
-                <a:ea typeface="Microsoft YaHei Light" panose="020B0503020204020204" pitchFamily="34" charset="-122"/>
-              </a:rPr>
-              <a:t>多样性</a:t>
-            </a:r>
-            <a:endParaRPr lang="en-US" altLang="zh-CN" sz="800">
+                <a:latin typeface="PingFang SC Light" panose="020B0300000000000000" pitchFamily="34" charset="-122"/>
+                <a:ea typeface="PingFang SC Light" panose="020B0300000000000000" pitchFamily="34" charset="-122"/>
+              </a:rPr>
+              <a:t>A/B</a:t>
+            </a:r>
+            <a:r>
+              <a:rPr lang="zh-CN" altLang="en-US" sz="1000" dirty="0">
+                <a:solidFill>
+                  <a:schemeClr val="bg2">
+                    <a:lumMod val="75000"/>
+                  </a:schemeClr>
+                </a:solidFill>
+                <a:latin typeface="PingFang SC Light" panose="020B0300000000000000" pitchFamily="34" charset="-122"/>
+                <a:ea typeface="PingFang SC Light" panose="020B0300000000000000" pitchFamily="34" charset="-122"/>
+              </a:rPr>
+              <a:t>测试</a:t>
+            </a:r>
+            <a:endParaRPr lang="en-US" altLang="zh-CN" sz="1000" dirty="0">
               <a:solidFill>
                 <a:schemeClr val="bg2">
-                  <a:lumMod val="50000"/>
+                  <a:lumMod val="75000"/>
                 </a:schemeClr>
               </a:solidFill>
-              <a:latin typeface="Microsoft YaHei Light" panose="020B0503020204020204" pitchFamily="34" charset="-122"/>
-              <a:ea typeface="Microsoft YaHei Light" panose="020B0503020204020204" pitchFamily="34" charset="-122"/>
-            </a:endParaRPr>
-          </a:p>
-          <a:p>
-            <a:pPr>
-              <a:lnSpc>
-                <a:spcPct val="150000"/>
-              </a:lnSpc>
-            </a:pPr>
-            <a:r>
-              <a:rPr lang="zh-CN" altLang="en-US" sz="800">
-                <a:solidFill>
-                  <a:schemeClr val="bg2">
-                    <a:lumMod val="50000"/>
-                  </a:schemeClr>
-                </a:solidFill>
-                <a:latin typeface="Microsoft YaHei Light" panose="020B0503020204020204" pitchFamily="34" charset="-122"/>
-                <a:ea typeface="Microsoft YaHei Light" panose="020B0503020204020204" pitchFamily="34" charset="-122"/>
-              </a:rPr>
-              <a:t>实时性</a:t>
-            </a:r>
-            <a:endParaRPr lang="en-US" altLang="zh-CN" sz="800">
-              <a:solidFill>
-                <a:schemeClr val="bg2">
-                  <a:lumMod val="50000"/>
-                </a:schemeClr>
-              </a:solidFill>
-              <a:latin typeface="Microsoft YaHei Light" panose="020B0503020204020204" pitchFamily="34" charset="-122"/>
-              <a:ea typeface="Microsoft YaHei Light" panose="020B0503020204020204" pitchFamily="34" charset="-122"/>
-            </a:endParaRPr>
-          </a:p>
-          <a:p>
-            <a:pPr>
-              <a:lnSpc>
-                <a:spcPct val="150000"/>
-              </a:lnSpc>
-            </a:pPr>
-            <a:r>
-              <a:rPr lang="zh-CN" altLang="en-US" sz="800">
-                <a:solidFill>
-                  <a:schemeClr val="bg2">
-                    <a:lumMod val="50000"/>
-                  </a:schemeClr>
-                </a:solidFill>
-                <a:latin typeface="Microsoft YaHei Light" panose="020B0503020204020204" pitchFamily="34" charset="-122"/>
-                <a:ea typeface="Microsoft YaHei Light" panose="020B0503020204020204" pitchFamily="34" charset="-122"/>
-              </a:rPr>
-              <a:t>流行度</a:t>
-            </a:r>
-            <a:endParaRPr lang="en-US" altLang="zh-CN" sz="800">
-              <a:solidFill>
-                <a:schemeClr val="bg2">
-                  <a:lumMod val="50000"/>
-                </a:schemeClr>
-              </a:solidFill>
-              <a:latin typeface="Microsoft YaHei Light" panose="020B0503020204020204" pitchFamily="34" charset="-122"/>
-              <a:ea typeface="Microsoft YaHei Light" panose="020B0503020204020204" pitchFamily="34" charset="-122"/>
-            </a:endParaRPr>
-          </a:p>
-          <a:p>
-            <a:pPr>
-              <a:lnSpc>
-                <a:spcPct val="150000"/>
-              </a:lnSpc>
-            </a:pPr>
-            <a:r>
-              <a:rPr lang="zh-CN" altLang="en-US" sz="800">
-                <a:solidFill>
-                  <a:schemeClr val="bg2">
-                    <a:lumMod val="50000"/>
-                  </a:schemeClr>
-                </a:solidFill>
-                <a:latin typeface="Microsoft YaHei Light" panose="020B0503020204020204" pitchFamily="34" charset="-122"/>
-                <a:ea typeface="Microsoft YaHei Light" panose="020B0503020204020204" pitchFamily="34" charset="-122"/>
-              </a:rPr>
-              <a:t>新鲜度</a:t>
-            </a:r>
-            <a:endParaRPr lang="en-US" altLang="zh-CN" sz="800">
-              <a:solidFill>
-                <a:schemeClr val="bg2">
-                  <a:lumMod val="50000"/>
-                </a:schemeClr>
-              </a:solidFill>
-              <a:latin typeface="Microsoft YaHei Light" panose="020B0503020204020204" pitchFamily="34" charset="-122"/>
-              <a:ea typeface="Microsoft YaHei Light" panose="020B0503020204020204" pitchFamily="34" charset="-122"/>
-            </a:endParaRPr>
-          </a:p>
-        </p:txBody>
-      </p:sp>
-      <p:sp>
-        <p:nvSpPr>
-          <p:cNvPr id="51" name="梯形 50">
-            <a:extLst>
-              <a:ext uri="{FF2B5EF4-FFF2-40B4-BE49-F238E27FC236}">
-                <a16:creationId xmlns:a16="http://schemas.microsoft.com/office/drawing/2014/main" id="{1FDC1F95-7062-4857-8FFB-7E0CE2017B9C}"/>
-              </a:ext>
-            </a:extLst>
-          </p:cNvPr>
-          <p:cNvSpPr/>
-          <p:nvPr/>
-        </p:nvSpPr>
-        <p:spPr>
-          <a:xfrm rot="5400000">
-            <a:off x="4085360" y="4904636"/>
-            <a:ext cx="1957326" cy="956838"/>
-          </a:xfrm>
-          <a:prstGeom prst="trapezoid">
-            <a:avLst>
-              <a:gd name="adj" fmla="val 20721"/>
-            </a:avLst>
-          </a:prstGeom>
-          <a:ln w="9525">
-            <a:solidFill>
-              <a:schemeClr val="tx1"/>
-            </a:solidFill>
-          </a:ln>
-        </p:spPr>
-        <p:txBody>
-          <a:bodyPr vert="vert270" wrap="square" tIns="72000" bIns="72000" anchor="ctr">
-            <a:noAutofit/>
-          </a:bodyPr>
-          <a:lstStyle/>
-          <a:p>
-            <a:pPr algn="ctr">
-              <a:lnSpc>
-                <a:spcPct val="150000"/>
-              </a:lnSpc>
-            </a:pPr>
-            <a:r>
-              <a:rPr lang="zh-CN" altLang="en-US" sz="800" b="1">
-                <a:latin typeface="+mn-ea"/>
-              </a:rPr>
-              <a:t>召回层</a:t>
-            </a:r>
-            <a:endParaRPr lang="en-US" altLang="zh-CN" sz="800" b="1">
-              <a:latin typeface="+mn-ea"/>
-            </a:endParaRPr>
-          </a:p>
-          <a:p>
-            <a:pPr>
-              <a:lnSpc>
-                <a:spcPct val="150000"/>
-              </a:lnSpc>
-            </a:pPr>
-            <a:r>
-              <a:rPr lang="en-US" altLang="zh-CN" sz="800">
-                <a:solidFill>
-                  <a:schemeClr val="bg2">
-                    <a:lumMod val="50000"/>
-                  </a:schemeClr>
-                </a:solidFill>
-                <a:latin typeface="Microsoft YaHei Light" panose="020B0503020204020204" pitchFamily="34" charset="-122"/>
-                <a:ea typeface="Microsoft YaHei Light" panose="020B0503020204020204" pitchFamily="34" charset="-122"/>
-              </a:rPr>
-              <a:t>Embedding</a:t>
-            </a:r>
-          </a:p>
-          <a:p>
-            <a:pPr>
-              <a:lnSpc>
-                <a:spcPct val="150000"/>
-              </a:lnSpc>
-            </a:pPr>
-            <a:r>
-              <a:rPr lang="zh-CN" altLang="en-US" sz="800">
-                <a:solidFill>
-                  <a:schemeClr val="bg2">
-                    <a:lumMod val="50000"/>
-                  </a:schemeClr>
-                </a:solidFill>
-                <a:latin typeface="Microsoft YaHei Light" panose="020B0503020204020204" pitchFamily="34" charset="-122"/>
-                <a:ea typeface="Microsoft YaHei Light" panose="020B0503020204020204" pitchFamily="34" charset="-122"/>
-              </a:rPr>
-              <a:t>局部敏感哈希</a:t>
-            </a:r>
-            <a:endParaRPr lang="en-US" altLang="zh-CN" sz="800">
-              <a:solidFill>
-                <a:schemeClr val="bg2">
-                  <a:lumMod val="50000"/>
-                </a:schemeClr>
-              </a:solidFill>
-              <a:latin typeface="Microsoft YaHei Light" panose="020B0503020204020204" pitchFamily="34" charset="-122"/>
-              <a:ea typeface="Microsoft YaHei Light" panose="020B0503020204020204" pitchFamily="34" charset="-122"/>
-            </a:endParaRPr>
-          </a:p>
-          <a:p>
-            <a:pPr>
-              <a:lnSpc>
-                <a:spcPct val="150000"/>
-              </a:lnSpc>
-            </a:pPr>
-            <a:r>
-              <a:rPr lang="zh-CN" altLang="en-US" sz="800">
-                <a:solidFill>
-                  <a:schemeClr val="bg2">
-                    <a:lumMod val="50000"/>
-                  </a:schemeClr>
-                </a:solidFill>
-                <a:latin typeface="Microsoft YaHei Light" panose="020B0503020204020204" pitchFamily="34" charset="-122"/>
-                <a:ea typeface="Microsoft YaHei Light" panose="020B0503020204020204" pitchFamily="34" charset="-122"/>
-              </a:rPr>
-              <a:t>热门物品召回</a:t>
-            </a:r>
-            <a:endParaRPr lang="en-US" altLang="zh-CN" sz="800">
-              <a:solidFill>
-                <a:schemeClr val="bg2">
-                  <a:lumMod val="50000"/>
-                </a:schemeClr>
-              </a:solidFill>
-              <a:latin typeface="Microsoft YaHei Light" panose="020B0503020204020204" pitchFamily="34" charset="-122"/>
-              <a:ea typeface="Microsoft YaHei Light" panose="020B0503020204020204" pitchFamily="34" charset="-122"/>
-            </a:endParaRPr>
-          </a:p>
-          <a:p>
-            <a:pPr>
-              <a:lnSpc>
-                <a:spcPct val="150000"/>
-              </a:lnSpc>
-            </a:pPr>
-            <a:r>
-              <a:rPr lang="zh-CN" altLang="en-US" sz="800">
-                <a:solidFill>
-                  <a:schemeClr val="bg2">
-                    <a:lumMod val="50000"/>
-                  </a:schemeClr>
-                </a:solidFill>
-                <a:latin typeface="Microsoft YaHei Light" panose="020B0503020204020204" pitchFamily="34" charset="-122"/>
-                <a:ea typeface="Microsoft YaHei Light" panose="020B0503020204020204" pitchFamily="34" charset="-122"/>
-              </a:rPr>
-              <a:t>社交关系召回</a:t>
-            </a:r>
-            <a:endParaRPr lang="en-US" altLang="zh-CN" sz="800">
-              <a:solidFill>
-                <a:schemeClr val="bg2">
-                  <a:lumMod val="50000"/>
-                </a:schemeClr>
-              </a:solidFill>
-              <a:latin typeface="Microsoft YaHei Light" panose="020B0503020204020204" pitchFamily="34" charset="-122"/>
-              <a:ea typeface="Microsoft YaHei Light" panose="020B0503020204020204" pitchFamily="34" charset="-122"/>
-            </a:endParaRPr>
-          </a:p>
-          <a:p>
-            <a:pPr>
-              <a:lnSpc>
-                <a:spcPct val="150000"/>
-              </a:lnSpc>
-            </a:pPr>
-            <a:r>
-              <a:rPr lang="zh-CN" altLang="en-US" sz="800">
-                <a:solidFill>
-                  <a:schemeClr val="bg2">
-                    <a:lumMod val="50000"/>
-                  </a:schemeClr>
-                </a:solidFill>
-                <a:latin typeface="Microsoft YaHei Light" panose="020B0503020204020204" pitchFamily="34" charset="-122"/>
-                <a:ea typeface="Microsoft YaHei Light" panose="020B0503020204020204" pitchFamily="34" charset="-122"/>
-              </a:rPr>
-              <a:t>新鲜物品召回</a:t>
-            </a:r>
-          </a:p>
-        </p:txBody>
-      </p:sp>
-      <p:sp>
-        <p:nvSpPr>
-          <p:cNvPr id="52" name="梯形 51">
-            <a:extLst>
-              <a:ext uri="{FF2B5EF4-FFF2-40B4-BE49-F238E27FC236}">
-                <a16:creationId xmlns:a16="http://schemas.microsoft.com/office/drawing/2014/main" id="{64787D6D-B1A0-487A-BF7F-9188E36E3F59}"/>
-              </a:ext>
-            </a:extLst>
-          </p:cNvPr>
-          <p:cNvSpPr/>
-          <p:nvPr/>
-        </p:nvSpPr>
-        <p:spPr>
-          <a:xfrm rot="5400000">
-            <a:off x="5851399" y="4871263"/>
-            <a:ext cx="1423523" cy="1023584"/>
-          </a:xfrm>
-          <a:prstGeom prst="trapezoid">
-            <a:avLst/>
-          </a:prstGeom>
-          <a:ln w="9525">
-            <a:solidFill>
-              <a:schemeClr val="tx1"/>
-            </a:solidFill>
-          </a:ln>
-        </p:spPr>
-        <p:txBody>
-          <a:bodyPr vert="vert270" wrap="square" tIns="72000" bIns="72000">
-            <a:spAutoFit/>
-          </a:bodyPr>
-          <a:lstStyle/>
-          <a:p>
-            <a:pPr algn="ctr">
-              <a:lnSpc>
-                <a:spcPct val="150000"/>
-              </a:lnSpc>
-            </a:pPr>
-            <a:r>
-              <a:rPr lang="zh-CN" altLang="en-US" sz="800" b="1">
-                <a:latin typeface="+mn-ea"/>
-              </a:rPr>
-              <a:t>排序层</a:t>
-            </a:r>
-            <a:endParaRPr lang="en-US" altLang="zh-CN" sz="800" b="1">
-              <a:latin typeface="+mn-ea"/>
-            </a:endParaRPr>
-          </a:p>
-          <a:p>
-            <a:pPr>
-              <a:lnSpc>
-                <a:spcPct val="150000"/>
-              </a:lnSpc>
-            </a:pPr>
-            <a:r>
-              <a:rPr lang="zh-CN" altLang="en-US" sz="800">
-                <a:solidFill>
-                  <a:schemeClr val="bg2">
-                    <a:lumMod val="50000"/>
-                  </a:schemeClr>
-                </a:solidFill>
-                <a:latin typeface="Microsoft YaHei Light" panose="020B0503020204020204" pitchFamily="34" charset="-122"/>
-                <a:ea typeface="Microsoft YaHei Light" panose="020B0503020204020204" pitchFamily="34" charset="-122"/>
-              </a:rPr>
-              <a:t>协同过滤类模型</a:t>
-            </a:r>
-            <a:endParaRPr lang="en-US" altLang="zh-CN" sz="800">
-              <a:solidFill>
-                <a:schemeClr val="bg2">
-                  <a:lumMod val="50000"/>
-                </a:schemeClr>
-              </a:solidFill>
-              <a:latin typeface="Microsoft YaHei Light" panose="020B0503020204020204" pitchFamily="34" charset="-122"/>
-              <a:ea typeface="Microsoft YaHei Light" panose="020B0503020204020204" pitchFamily="34" charset="-122"/>
-            </a:endParaRPr>
-          </a:p>
-          <a:p>
-            <a:pPr>
-              <a:lnSpc>
-                <a:spcPct val="150000"/>
-              </a:lnSpc>
-            </a:pPr>
-            <a:r>
-              <a:rPr lang="en-US" altLang="zh-CN" sz="800">
-                <a:solidFill>
-                  <a:schemeClr val="bg2">
-                    <a:lumMod val="50000"/>
-                  </a:schemeClr>
-                </a:solidFill>
-                <a:latin typeface="Microsoft YaHei Light" panose="020B0503020204020204" pitchFamily="34" charset="-122"/>
-                <a:ea typeface="Microsoft YaHei Light" panose="020B0503020204020204" pitchFamily="34" charset="-122"/>
-              </a:rPr>
-              <a:t>LR</a:t>
-            </a:r>
-            <a:r>
-              <a:rPr lang="zh-CN" altLang="en-US" sz="800">
-                <a:solidFill>
-                  <a:schemeClr val="bg2">
-                    <a:lumMod val="50000"/>
-                  </a:schemeClr>
-                </a:solidFill>
-                <a:latin typeface="Microsoft YaHei Light" panose="020B0503020204020204" pitchFamily="34" charset="-122"/>
-                <a:ea typeface="Microsoft YaHei Light" panose="020B0503020204020204" pitchFamily="34" charset="-122"/>
-              </a:rPr>
-              <a:t>、</a:t>
-            </a:r>
-            <a:r>
-              <a:rPr lang="en-US" altLang="zh-CN" sz="800">
-                <a:solidFill>
-                  <a:schemeClr val="bg2">
-                    <a:lumMod val="50000"/>
-                  </a:schemeClr>
-                </a:solidFill>
-                <a:latin typeface="Microsoft YaHei Light" panose="020B0503020204020204" pitchFamily="34" charset="-122"/>
-                <a:ea typeface="Microsoft YaHei Light" panose="020B0503020204020204" pitchFamily="34" charset="-122"/>
-              </a:rPr>
-              <a:t>FM</a:t>
-            </a:r>
-            <a:r>
-              <a:rPr lang="zh-CN" altLang="en-US" sz="800">
-                <a:solidFill>
-                  <a:schemeClr val="bg2">
-                    <a:lumMod val="50000"/>
-                  </a:schemeClr>
-                </a:solidFill>
-                <a:latin typeface="Microsoft YaHei Light" panose="020B0503020204020204" pitchFamily="34" charset="-122"/>
-                <a:ea typeface="Microsoft YaHei Light" panose="020B0503020204020204" pitchFamily="34" charset="-122"/>
-              </a:rPr>
-              <a:t>、</a:t>
-            </a:r>
-            <a:r>
-              <a:rPr lang="en-US" altLang="zh-CN" sz="800">
-                <a:solidFill>
-                  <a:schemeClr val="bg2">
-                    <a:lumMod val="50000"/>
-                  </a:schemeClr>
-                </a:solidFill>
-                <a:latin typeface="Microsoft YaHei Light" panose="020B0503020204020204" pitchFamily="34" charset="-122"/>
-                <a:ea typeface="Microsoft YaHei Light" panose="020B0503020204020204" pitchFamily="34" charset="-122"/>
-              </a:rPr>
-              <a:t>MLR</a:t>
-            </a:r>
-          </a:p>
-          <a:p>
-            <a:pPr>
-              <a:lnSpc>
-                <a:spcPct val="150000"/>
-              </a:lnSpc>
-            </a:pPr>
-            <a:r>
-              <a:rPr lang="zh-CN" altLang="en-US" sz="800">
-                <a:solidFill>
-                  <a:schemeClr val="bg2">
-                    <a:lumMod val="50000"/>
-                  </a:schemeClr>
-                </a:solidFill>
-                <a:latin typeface="Microsoft YaHei Light" panose="020B0503020204020204" pitchFamily="34" charset="-122"/>
-                <a:ea typeface="Microsoft YaHei Light" panose="020B0503020204020204" pitchFamily="34" charset="-122"/>
-              </a:rPr>
-              <a:t>组合类模型</a:t>
-            </a:r>
-            <a:endParaRPr lang="en-US" altLang="zh-CN" sz="800">
-              <a:solidFill>
-                <a:schemeClr val="bg2">
-                  <a:lumMod val="50000"/>
-                </a:schemeClr>
-              </a:solidFill>
-              <a:latin typeface="Microsoft YaHei Light" panose="020B0503020204020204" pitchFamily="34" charset="-122"/>
-              <a:ea typeface="Microsoft YaHei Light" panose="020B0503020204020204" pitchFamily="34" charset="-122"/>
-            </a:endParaRPr>
-          </a:p>
-          <a:p>
-            <a:pPr>
-              <a:lnSpc>
-                <a:spcPct val="150000"/>
-              </a:lnSpc>
-            </a:pPr>
-            <a:r>
-              <a:rPr lang="zh-CN" altLang="en-US" sz="800">
-                <a:solidFill>
-                  <a:schemeClr val="bg2">
-                    <a:lumMod val="50000"/>
-                  </a:schemeClr>
-                </a:solidFill>
-                <a:latin typeface="Microsoft YaHei Light" panose="020B0503020204020204" pitchFamily="34" charset="-122"/>
-                <a:ea typeface="Microsoft YaHei Light" panose="020B0503020204020204" pitchFamily="34" charset="-122"/>
-              </a:rPr>
-              <a:t>深度学习模型</a:t>
-            </a:r>
-            <a:endParaRPr lang="en-US" altLang="zh-CN" sz="800">
-              <a:solidFill>
-                <a:schemeClr val="bg2">
-                  <a:lumMod val="50000"/>
-                </a:schemeClr>
-              </a:solidFill>
-              <a:latin typeface="Microsoft YaHei Light" panose="020B0503020204020204" pitchFamily="34" charset="-122"/>
-              <a:ea typeface="Microsoft YaHei Light" panose="020B0503020204020204" pitchFamily="34" charset="-122"/>
+              <a:latin typeface="PingFang SC Light" panose="020B0300000000000000" pitchFamily="34" charset="-122"/>
+              <a:ea typeface="PingFang SC Light" panose="020B0300000000000000" pitchFamily="34" charset="-122"/>
             </a:endParaRPr>
           </a:p>
         </p:txBody>
       </p:sp>
       <p:cxnSp>
         <p:nvCxnSpPr>
-          <p:cNvPr id="53" name="直线箭头连接符 10">
+          <p:cNvPr id="114" name="直线箭头连接符 10">
             <a:extLst>
               <a:ext uri="{FF2B5EF4-FFF2-40B4-BE49-F238E27FC236}">
-                <a16:creationId xmlns:a16="http://schemas.microsoft.com/office/drawing/2014/main" id="{D17D6C5C-2270-41DA-8A27-C63F2165EACA}"/>
+                <a16:creationId xmlns:a16="http://schemas.microsoft.com/office/drawing/2014/main" id="{40248EA8-FFED-8A4C-B8A6-106F12297C8F}"/>
               </a:ext>
             </a:extLst>
           </p:cNvPr>
           <p:cNvCxnSpPr>
             <a:cxnSpLocks/>
-            <a:stCxn id="46" idx="4"/>
-            <a:endCxn id="48" idx="1"/>
+            <a:stCxn id="68" idx="3"/>
+            <a:endCxn id="69" idx="1"/>
           </p:cNvCxnSpPr>
           <p:nvPr/>
         </p:nvCxnSpPr>
         <p:spPr>
-          <a:xfrm flipV="1">
-            <a:off x="3761555" y="4215786"/>
-            <a:ext cx="816987" cy="1167269"/>
-          </a:xfrm>
-          <a:prstGeom prst="bentConnector3">
-            <a:avLst>
-              <a:gd name="adj1" fmla="val 50000"/>
-            </a:avLst>
+          <a:xfrm>
+            <a:off x="2067201" y="3611557"/>
+            <a:ext cx="508221" cy="0"/>
+          </a:xfrm>
+          <a:prstGeom prst="straightConnector1">
+            <a:avLst/>
           </a:prstGeom>
           <a:ln w="9525">
             <a:headEnd w="lg" len="lg"/>
@@ -3986,24 +3138,24 @@
       </p:cxnSp>
       <p:cxnSp>
         <p:nvCxnSpPr>
-          <p:cNvPr id="56" name="直线箭头连接符 10">
+          <p:cNvPr id="118" name="直线箭头连接符 10">
             <a:extLst>
               <a:ext uri="{FF2B5EF4-FFF2-40B4-BE49-F238E27FC236}">
-                <a16:creationId xmlns:a16="http://schemas.microsoft.com/office/drawing/2014/main" id="{D3A1CB8F-8253-4770-9286-BFDD6FD5162E}"/>
+                <a16:creationId xmlns:a16="http://schemas.microsoft.com/office/drawing/2014/main" id="{39310754-B1CD-904A-9F76-0A0748D9C6B0}"/>
               </a:ext>
             </a:extLst>
           </p:cNvPr>
           <p:cNvCxnSpPr>
             <a:cxnSpLocks/>
-            <a:stCxn id="46" idx="4"/>
-            <a:endCxn id="51" idx="2"/>
+            <a:stCxn id="69" idx="3"/>
+            <a:endCxn id="70" idx="1"/>
           </p:cNvCxnSpPr>
           <p:nvPr/>
         </p:nvCxnSpPr>
         <p:spPr>
           <a:xfrm>
-            <a:off x="3761555" y="5383055"/>
-            <a:ext cx="824049" cy="0"/>
+            <a:off x="3792642" y="3611557"/>
+            <a:ext cx="546321" cy="0"/>
           </a:xfrm>
           <a:prstGeom prst="straightConnector1">
             <a:avLst/>
@@ -4030,29 +3182,27 @@
       </p:cxnSp>
       <p:cxnSp>
         <p:nvCxnSpPr>
-          <p:cNvPr id="59" name="直线箭头连接符 10">
+          <p:cNvPr id="119" name="直线箭头连接符 10">
             <a:extLst>
               <a:ext uri="{FF2B5EF4-FFF2-40B4-BE49-F238E27FC236}">
-                <a16:creationId xmlns:a16="http://schemas.microsoft.com/office/drawing/2014/main" id="{D0178F84-B66E-4B93-AB8B-597878F3B69D}"/>
+                <a16:creationId xmlns:a16="http://schemas.microsoft.com/office/drawing/2014/main" id="{AC383269-2DBA-1C4C-8089-6E4B162FB9C1}"/>
               </a:ext>
             </a:extLst>
           </p:cNvPr>
           <p:cNvCxnSpPr>
             <a:cxnSpLocks/>
-            <a:stCxn id="46" idx="4"/>
-            <a:endCxn id="49" idx="1"/>
+            <a:stCxn id="70" idx="3"/>
+            <a:endCxn id="78" idx="1"/>
           </p:cNvCxnSpPr>
           <p:nvPr/>
         </p:nvCxnSpPr>
         <p:spPr>
-          <a:xfrm>
-            <a:off x="3761555" y="5383055"/>
-            <a:ext cx="816987" cy="1168970"/>
-          </a:xfrm>
-          <a:prstGeom prst="bentConnector3">
-            <a:avLst>
-              <a:gd name="adj1" fmla="val 50000"/>
-            </a:avLst>
+          <a:xfrm flipV="1">
+            <a:off x="5556183" y="3611556"/>
+            <a:ext cx="651769" cy="1"/>
+          </a:xfrm>
+          <a:prstGeom prst="straightConnector1">
+            <a:avLst/>
           </a:prstGeom>
           <a:ln w="9525">
             <a:headEnd w="lg" len="lg"/>
@@ -4074,138 +3224,91 @@
           </a:fontRef>
         </p:style>
       </p:cxnSp>
-      <p:cxnSp>
-        <p:nvCxnSpPr>
-          <p:cNvPr id="60" name="直线箭头连接符 10">
+      <p:sp>
+        <p:nvSpPr>
+          <p:cNvPr id="133" name="矩形 132">
             <a:extLst>
               <a:ext uri="{FF2B5EF4-FFF2-40B4-BE49-F238E27FC236}">
-                <a16:creationId xmlns:a16="http://schemas.microsoft.com/office/drawing/2014/main" id="{52108B16-6BD2-4E4C-BD30-3BE0989AC9E0}"/>
+                <a16:creationId xmlns:a16="http://schemas.microsoft.com/office/drawing/2014/main" id="{65D1B64A-E33B-0F4C-9E76-5561FED8C146}"/>
               </a:ext>
             </a:extLst>
           </p:cNvPr>
-          <p:cNvCxnSpPr>
-            <a:cxnSpLocks/>
-            <a:stCxn id="51" idx="0"/>
-            <a:endCxn id="52" idx="2"/>
-          </p:cNvCxnSpPr>
+          <p:cNvSpPr/>
           <p:nvPr/>
-        </p:nvCxnSpPr>
+        </p:nvSpPr>
         <p:spPr>
           <a:xfrm>
-            <a:off x="5542442" y="5383055"/>
-            <a:ext cx="508927" cy="1"/>
-          </a:xfrm>
-          <a:prstGeom prst="straightConnector1">
+            <a:off x="2801790" y="3898613"/>
+            <a:ext cx="770981" cy="956471"/>
+          </a:xfrm>
+          <a:prstGeom prst="rect">
             <a:avLst/>
           </a:prstGeom>
           <a:ln w="9525">
-            <a:headEnd w="lg" len="lg"/>
-            <a:tailEnd type="triangle" w="med" len="lg"/>
+            <a:noFill/>
           </a:ln>
         </p:spPr>
-        <p:style>
-          <a:lnRef idx="1">
-            <a:schemeClr val="dk1"/>
-          </a:lnRef>
-          <a:fillRef idx="0">
-            <a:schemeClr val="dk1"/>
-          </a:fillRef>
-          <a:effectRef idx="0">
-            <a:schemeClr val="dk1"/>
-          </a:effectRef>
-          <a:fontRef idx="minor">
-            <a:schemeClr val="tx1"/>
-          </a:fontRef>
-        </p:style>
-      </p:cxnSp>
-      <p:cxnSp>
-        <p:nvCxnSpPr>
-          <p:cNvPr id="61" name="直线箭头连接符 10">
-            <a:extLst>
-              <a:ext uri="{FF2B5EF4-FFF2-40B4-BE49-F238E27FC236}">
-                <a16:creationId xmlns:a16="http://schemas.microsoft.com/office/drawing/2014/main" id="{771245CC-D41C-4C89-A3B8-D66B83FC0F11}"/>
-              </a:ext>
-            </a:extLst>
-          </p:cNvPr>
-          <p:cNvCxnSpPr>
-            <a:cxnSpLocks/>
-            <a:stCxn id="52" idx="0"/>
-            <a:endCxn id="50" idx="1"/>
-          </p:cNvCxnSpPr>
-          <p:nvPr/>
-        </p:nvCxnSpPr>
-        <p:spPr>
-          <a:xfrm>
-            <a:off x="7074953" y="5383056"/>
-            <a:ext cx="515752" cy="848"/>
-          </a:xfrm>
-          <a:prstGeom prst="straightConnector1">
-            <a:avLst/>
-          </a:prstGeom>
-          <a:ln w="9525">
-            <a:headEnd w="lg" len="lg"/>
-            <a:tailEnd type="triangle" w="med" len="lg"/>
-          </a:ln>
-        </p:spPr>
-        <p:style>
-          <a:lnRef idx="1">
-            <a:schemeClr val="dk1"/>
-          </a:lnRef>
-          <a:fillRef idx="0">
-            <a:schemeClr val="dk1"/>
-          </a:fillRef>
-          <a:effectRef idx="0">
-            <a:schemeClr val="dk1"/>
-          </a:effectRef>
-          <a:fontRef idx="minor">
-            <a:schemeClr val="tx1"/>
-          </a:fontRef>
-        </p:style>
-      </p:cxnSp>
-      <p:cxnSp>
-        <p:nvCxnSpPr>
-          <p:cNvPr id="62" name="直线箭头连接符 10">
-            <a:extLst>
-              <a:ext uri="{FF2B5EF4-FFF2-40B4-BE49-F238E27FC236}">
-                <a16:creationId xmlns:a16="http://schemas.microsoft.com/office/drawing/2014/main" id="{4A068E74-638F-4757-8FC0-526EE7A0A744}"/>
-              </a:ext>
-            </a:extLst>
-          </p:cNvPr>
-          <p:cNvCxnSpPr>
-            <a:cxnSpLocks/>
-            <a:stCxn id="50" idx="3"/>
-            <a:endCxn id="47" idx="1"/>
-          </p:cNvCxnSpPr>
-          <p:nvPr/>
-        </p:nvCxnSpPr>
-        <p:spPr>
-          <a:xfrm flipV="1">
-            <a:off x="8547544" y="5383055"/>
-            <a:ext cx="669199" cy="849"/>
-          </a:xfrm>
-          <a:prstGeom prst="straightConnector1">
-            <a:avLst/>
-          </a:prstGeom>
-          <a:ln w="9525">
-            <a:headEnd w="lg" len="lg"/>
-            <a:tailEnd type="triangle" w="med" len="lg"/>
-          </a:ln>
-        </p:spPr>
-        <p:style>
-          <a:lnRef idx="1">
-            <a:schemeClr val="dk1"/>
-          </a:lnRef>
-          <a:fillRef idx="0">
-            <a:schemeClr val="dk1"/>
-          </a:fillRef>
-          <a:effectRef idx="0">
-            <a:schemeClr val="dk1"/>
-          </a:effectRef>
-          <a:fontRef idx="minor">
-            <a:schemeClr val="tx1"/>
-          </a:fontRef>
-        </p:style>
-      </p:cxnSp>
+        <p:txBody>
+          <a:bodyPr wrap="square" tIns="36000" bIns="36000">
+            <a:spAutoFit/>
+          </a:bodyPr>
+          <a:lstStyle/>
+          <a:p>
+            <a:pPr algn="ctr">
+              <a:lnSpc>
+                <a:spcPct val="200000"/>
+              </a:lnSpc>
+            </a:pPr>
+            <a:r>
+              <a:rPr lang="zh-CN" altLang="en-US" sz="1000" dirty="0">
+                <a:latin typeface="PingFang SC Light" panose="020B0300000000000000" pitchFamily="34" charset="-122"/>
+                <a:ea typeface="PingFang SC Light" panose="020B0300000000000000" pitchFamily="34" charset="-122"/>
+              </a:rPr>
+              <a:t>用户信息</a:t>
+            </a:r>
+            <a:endParaRPr lang="en-US" altLang="zh-CN" sz="1000" dirty="0">
+              <a:latin typeface="PingFang SC Light" panose="020B0300000000000000" pitchFamily="34" charset="-122"/>
+              <a:ea typeface="PingFang SC Light" panose="020B0300000000000000" pitchFamily="34" charset="-122"/>
+            </a:endParaRPr>
+          </a:p>
+          <a:p>
+            <a:pPr algn="ctr">
+              <a:lnSpc>
+                <a:spcPct val="200000"/>
+              </a:lnSpc>
+            </a:pPr>
+            <a:r>
+              <a:rPr lang="zh-CN" altLang="en-US" sz="1000" dirty="0">
+                <a:latin typeface="PingFang SC Light" panose="020B0300000000000000" pitchFamily="34" charset="-122"/>
+                <a:ea typeface="PingFang SC Light" panose="020B0300000000000000" pitchFamily="34" charset="-122"/>
+              </a:rPr>
+              <a:t>物品信息</a:t>
+            </a:r>
+            <a:endParaRPr lang="en-US" altLang="zh-CN" sz="1000" dirty="0">
+              <a:latin typeface="PingFang SC Light" panose="020B0300000000000000" pitchFamily="34" charset="-122"/>
+              <a:ea typeface="PingFang SC Light" panose="020B0300000000000000" pitchFamily="34" charset="-122"/>
+            </a:endParaRPr>
+          </a:p>
+          <a:p>
+            <a:pPr algn="ctr">
+              <a:lnSpc>
+                <a:spcPct val="200000"/>
+              </a:lnSpc>
+            </a:pPr>
+            <a:r>
+              <a:rPr lang="zh-CN" altLang="en-US" sz="1000" dirty="0">
+                <a:latin typeface="PingFang SC Light" panose="020B0300000000000000" pitchFamily="34" charset="-122"/>
+                <a:ea typeface="PingFang SC Light" panose="020B0300000000000000" pitchFamily="34" charset="-122"/>
+              </a:rPr>
+              <a:t>场景信息</a:t>
+            </a:r>
+            <a:endParaRPr lang="en-US" altLang="zh-CN" sz="1000" dirty="0">
+              <a:latin typeface="PingFang SC Light" panose="020B0300000000000000" pitchFamily="34" charset="-122"/>
+              <a:ea typeface="PingFang SC Light" panose="020B0300000000000000" pitchFamily="34" charset="-122"/>
+            </a:endParaRPr>
+          </a:p>
+        </p:txBody>
+      </p:sp>
     </p:spTree>
     <p:extLst>
       <p:ext uri="{BB962C8B-B14F-4D97-AF65-F5344CB8AC3E}">
@@ -4238,10 +3341,10 @@
       </p:grpSpPr>
       <p:sp>
         <p:nvSpPr>
-          <p:cNvPr id="34" name="矩形 33">
+          <p:cNvPr id="67" name="矩形 66">
             <a:extLst>
               <a:ext uri="{FF2B5EF4-FFF2-40B4-BE49-F238E27FC236}">
-                <a16:creationId xmlns:a16="http://schemas.microsoft.com/office/drawing/2014/main" id="{B923EDD2-A7BE-4B4D-930A-95DDE55D508E}"/>
+                <a16:creationId xmlns:a16="http://schemas.microsoft.com/office/drawing/2014/main" id="{2F8816DE-F1EA-BA4E-BA91-B17B9A0576D9}"/>
               </a:ext>
             </a:extLst>
           </p:cNvPr>
@@ -4250,12 +3353,18 @@
         </p:nvSpPr>
         <p:spPr>
           <a:xfrm>
-            <a:off x="1719778" y="4090620"/>
-            <a:ext cx="1192410" cy="493643"/>
+            <a:off x="5663610" y="2048982"/>
+            <a:ext cx="3572509" cy="3358082"/>
           </a:xfrm>
           <a:prstGeom prst="rect">
             <a:avLst/>
           </a:prstGeom>
+          <a:solidFill>
+            <a:schemeClr val="accent4">
+              <a:lumMod val="40000"/>
+              <a:lumOff val="60000"/>
+            </a:schemeClr>
+          </a:solidFill>
           <a:ln w="9525">
             <a:solidFill>
               <a:schemeClr val="tx1"/>
@@ -4264,9 +3373,75 @@
         </p:spPr>
         <p:txBody>
           <a:bodyPr wrap="square" tIns="72000" bIns="72000">
+            <a:noAutofit/>
+          </a:bodyPr>
+          <a:lstStyle/>
+          <a:p>
+            <a:pPr algn="ctr">
+              <a:lnSpc>
+                <a:spcPct val="150000"/>
+              </a:lnSpc>
+            </a:pPr>
+            <a:endParaRPr lang="zh-CN" altLang="en-US" sz="800" dirty="0">
+              <a:solidFill>
+                <a:schemeClr val="bg2">
+                  <a:lumMod val="75000"/>
+                </a:schemeClr>
+              </a:solidFill>
+              <a:latin typeface="PingFang SC Light" panose="020B0300000000000000" pitchFamily="34" charset="-122"/>
+              <a:ea typeface="PingFang SC Light" panose="020B0300000000000000" pitchFamily="34" charset="-122"/>
+            </a:endParaRPr>
+          </a:p>
+        </p:txBody>
+      </p:sp>
+      <p:sp>
+        <p:nvSpPr>
+          <p:cNvPr id="4" name="矩形 3">
+            <a:extLst>
+              <a:ext uri="{FF2B5EF4-FFF2-40B4-BE49-F238E27FC236}">
+                <a16:creationId xmlns:a16="http://schemas.microsoft.com/office/drawing/2014/main" id="{F901EBA9-98D1-C040-BF87-732EC0DD37E5}"/>
+              </a:ext>
+            </a:extLst>
+          </p:cNvPr>
+          <p:cNvSpPr/>
+          <p:nvPr/>
+        </p:nvSpPr>
+        <p:spPr>
+          <a:xfrm>
+            <a:off x="343162" y="4420101"/>
+            <a:ext cx="1158776" cy="1329961"/>
+          </a:xfrm>
+          <a:prstGeom prst="rect">
+            <a:avLst/>
+          </a:prstGeom>
+          <a:ln w="9525">
+            <a:noFill/>
+          </a:ln>
+        </p:spPr>
+        <p:txBody>
+          <a:bodyPr wrap="square" tIns="72000" bIns="72000">
             <a:spAutoFit/>
           </a:bodyPr>
           <a:lstStyle/>
+          <a:p>
+            <a:pPr>
+              <a:lnSpc>
+                <a:spcPct val="150000"/>
+              </a:lnSpc>
+              <a:spcAft>
+                <a:spcPts val="400"/>
+              </a:spcAft>
+            </a:pPr>
+            <a:r>
+              <a:rPr lang="zh-CN" altLang="en-US" sz="1000" dirty="0">
+                <a:latin typeface="+mn-ea"/>
+              </a:rPr>
+              <a:t>主流大数据架构</a:t>
+            </a:r>
+            <a:endParaRPr lang="en-US" altLang="zh-CN" sz="1000" dirty="0">
+              <a:latin typeface="+mn-ea"/>
+            </a:endParaRPr>
+          </a:p>
           <a:p>
             <a:pPr>
               <a:lnSpc>
@@ -4274,13 +3449,25 @@
               </a:lnSpc>
             </a:pPr>
             <a:r>
-              <a:rPr lang="zh-CN" altLang="en-US" sz="800">
-                <a:latin typeface="+mn-ea"/>
-              </a:rPr>
-              <a:t>合理选择优化目标</a:t>
-            </a:r>
-            <a:endParaRPr lang="en-US" altLang="zh-CN" sz="800">
-              <a:latin typeface="+mn-ea"/>
+              <a:rPr lang="zh-CN" altLang="en-US" sz="800" dirty="0">
+                <a:solidFill>
+                  <a:schemeClr val="bg2">
+                    <a:lumMod val="50000"/>
+                  </a:schemeClr>
+                </a:solidFill>
+                <a:latin typeface="Microsoft YaHei Light" panose="020B0503020204020204" pitchFamily="34" charset="-122"/>
+                <a:ea typeface="Microsoft YaHei Light" panose="020B0503020204020204" pitchFamily="34" charset="-122"/>
+              </a:rPr>
+              <a:t>批处理</a:t>
+            </a:r>
+            <a:endParaRPr lang="en-US" altLang="zh-CN" sz="800" dirty="0">
+              <a:solidFill>
+                <a:schemeClr val="bg2">
+                  <a:lumMod val="50000"/>
+                </a:schemeClr>
+              </a:solidFill>
+              <a:latin typeface="Microsoft YaHei Light" panose="020B0503020204020204" pitchFamily="34" charset="-122"/>
+              <a:ea typeface="Microsoft YaHei Light" panose="020B0503020204020204" pitchFamily="34" charset="-122"/>
             </a:endParaRPr>
           </a:p>
           <a:p>
@@ -4290,10 +3477,82 @@
               </a:lnSpc>
             </a:pPr>
             <a:r>
-              <a:rPr lang="zh-CN" altLang="en-US" sz="800">
-                <a:latin typeface="+mn-ea"/>
-              </a:rPr>
-              <a:t>业务与模型结构结合</a:t>
+              <a:rPr lang="zh-CN" altLang="en-US" sz="800" dirty="0">
+                <a:solidFill>
+                  <a:schemeClr val="bg2">
+                    <a:lumMod val="50000"/>
+                  </a:schemeClr>
+                </a:solidFill>
+                <a:latin typeface="Microsoft YaHei Light" panose="020B0503020204020204" pitchFamily="34" charset="-122"/>
+                <a:ea typeface="Microsoft YaHei Light" panose="020B0503020204020204" pitchFamily="34" charset="-122"/>
+              </a:rPr>
+              <a:t>流处理</a:t>
+            </a:r>
+            <a:endParaRPr lang="en-US" altLang="zh-CN" sz="800" dirty="0">
+              <a:solidFill>
+                <a:schemeClr val="bg2">
+                  <a:lumMod val="50000"/>
+                </a:schemeClr>
+              </a:solidFill>
+              <a:latin typeface="Microsoft YaHei Light" panose="020B0503020204020204" pitchFamily="34" charset="-122"/>
+              <a:ea typeface="Microsoft YaHei Light" panose="020B0503020204020204" pitchFamily="34" charset="-122"/>
+            </a:endParaRPr>
+          </a:p>
+          <a:p>
+            <a:pPr>
+              <a:lnSpc>
+                <a:spcPct val="150000"/>
+              </a:lnSpc>
+            </a:pPr>
+            <a:r>
+              <a:rPr lang="en-US" altLang="zh-CN" sz="800" dirty="0">
+                <a:solidFill>
+                  <a:schemeClr val="bg2">
+                    <a:lumMod val="50000"/>
+                  </a:schemeClr>
+                </a:solidFill>
+                <a:latin typeface="Microsoft YaHei Light" panose="020B0503020204020204" pitchFamily="34" charset="-122"/>
+                <a:ea typeface="Microsoft YaHei Light" panose="020B0503020204020204" pitchFamily="34" charset="-122"/>
+              </a:rPr>
+              <a:t>Lambda</a:t>
+            </a:r>
+          </a:p>
+          <a:p>
+            <a:pPr>
+              <a:lnSpc>
+                <a:spcPct val="150000"/>
+              </a:lnSpc>
+            </a:pPr>
+            <a:r>
+              <a:rPr lang="en-US" altLang="zh-CN" sz="800" dirty="0">
+                <a:solidFill>
+                  <a:schemeClr val="bg2">
+                    <a:lumMod val="50000"/>
+                  </a:schemeClr>
+                </a:solidFill>
+                <a:latin typeface="Microsoft YaHei Light" panose="020B0503020204020204" pitchFamily="34" charset="-122"/>
+                <a:ea typeface="Microsoft YaHei Light" panose="020B0503020204020204" pitchFamily="34" charset="-122"/>
+              </a:rPr>
+              <a:t>Kappa</a:t>
+            </a:r>
+          </a:p>
+          <a:p>
+            <a:pPr>
+              <a:lnSpc>
+                <a:spcPct val="150000"/>
+              </a:lnSpc>
+            </a:pPr>
+            <a:r>
+              <a:rPr lang="en-US" altLang="zh-CN" sz="800" dirty="0">
+                <a:solidFill>
+                  <a:schemeClr val="bg2">
+                    <a:lumMod val="50000"/>
+                  </a:schemeClr>
+                </a:solidFill>
+                <a:latin typeface="Microsoft YaHei Light" panose="020B0503020204020204" pitchFamily="34" charset="-122"/>
+                <a:ea typeface="Microsoft YaHei Light" panose="020B0503020204020204" pitchFamily="34" charset="-122"/>
+              </a:rPr>
+              <a:t>Unified</a:t>
             </a:r>
             <a:endParaRPr lang="zh-CN" altLang="en-US" sz="800" dirty="0">
               <a:solidFill>
@@ -4309,10 +3568,10 @@
       </p:sp>
       <p:sp>
         <p:nvSpPr>
-          <p:cNvPr id="35" name="矩形 34">
+          <p:cNvPr id="5" name="矩形 4">
             <a:extLst>
               <a:ext uri="{FF2B5EF4-FFF2-40B4-BE49-F238E27FC236}">
-                <a16:creationId xmlns:a16="http://schemas.microsoft.com/office/drawing/2014/main" id="{CA78E84C-BF68-4FBB-B049-1C8FAE9DB999}"/>
+                <a16:creationId xmlns:a16="http://schemas.microsoft.com/office/drawing/2014/main" id="{3348D6BB-8135-324B-86CA-629A3E166DB8}"/>
               </a:ext>
             </a:extLst>
           </p:cNvPr>
@@ -4321,8 +3580,8 @@
         </p:nvSpPr>
         <p:spPr>
           <a:xfrm>
-            <a:off x="3095759" y="3145107"/>
-            <a:ext cx="5089391" cy="268517"/>
+            <a:off x="343162" y="2840819"/>
+            <a:ext cx="1217220" cy="493835"/>
           </a:xfrm>
           <a:prstGeom prst="rect">
             <a:avLst/>
@@ -4339,55 +3598,7 @@
           </a:bodyPr>
           <a:lstStyle/>
           <a:p>
-            <a:pPr algn="ctr"/>
-            <a:r>
-              <a:rPr lang="zh-CN" altLang="en-US" sz="800">
-                <a:latin typeface="+mn-ea"/>
-              </a:rPr>
-              <a:t>模型服务   </a:t>
-            </a:r>
-            <a:r>
-              <a:rPr lang="en-US" altLang="zh-CN" sz="800">
-                <a:latin typeface="+mn-ea"/>
-              </a:rPr>
-              <a:t>docker   go  java  TensorFlow serving</a:t>
-            </a:r>
-          </a:p>
-        </p:txBody>
-      </p:sp>
-      <p:sp>
-        <p:nvSpPr>
-          <p:cNvPr id="37" name="矩形 36">
-            <a:extLst>
-              <a:ext uri="{FF2B5EF4-FFF2-40B4-BE49-F238E27FC236}">
-                <a16:creationId xmlns:a16="http://schemas.microsoft.com/office/drawing/2014/main" id="{85D61B9C-3F34-4B4A-89F2-E8AFAC5D12C4}"/>
-              </a:ext>
-            </a:extLst>
-          </p:cNvPr>
-          <p:cNvSpPr/>
-          <p:nvPr/>
-        </p:nvSpPr>
-        <p:spPr>
-          <a:xfrm>
-            <a:off x="7546210" y="3845714"/>
-            <a:ext cx="970066" cy="863167"/>
-          </a:xfrm>
-          <a:prstGeom prst="rect">
-            <a:avLst/>
-          </a:prstGeom>
-          <a:ln w="9525">
-            <a:solidFill>
-              <a:schemeClr val="tx1"/>
-            </a:solidFill>
-          </a:ln>
-        </p:spPr>
-        <p:txBody>
-          <a:bodyPr wrap="square" tIns="72000" bIns="72000">
-            <a:spAutoFit/>
-          </a:bodyPr>
-          <a:lstStyle/>
-          <a:p>
-            <a:pPr>
+            <a:pPr algn="ctr">
               <a:lnSpc>
                 <a:spcPct val="150000"/>
               </a:lnSpc>
@@ -4396,14 +3607,14 @@
               <a:rPr lang="zh-CN" altLang="en-US" sz="800" b="1">
                 <a:latin typeface="+mn-ea"/>
               </a:rPr>
-              <a:t>模型在线更新</a:t>
+              <a:t>客户端及服务器端</a:t>
             </a:r>
             <a:endParaRPr lang="en-US" altLang="zh-CN" sz="800" b="1">
               <a:latin typeface="+mn-ea"/>
             </a:endParaRPr>
           </a:p>
           <a:p>
-            <a:pPr>
+            <a:pPr algn="ctr">
               <a:lnSpc>
                 <a:spcPct val="150000"/>
               </a:lnSpc>
@@ -4418,9 +3629,9 @@
                 <a:latin typeface="Microsoft YaHei Light" panose="020B0503020204020204" pitchFamily="34" charset="-122"/>
                 <a:ea typeface="Microsoft YaHei Light" panose="020B0503020204020204" pitchFamily="34" charset="-122"/>
               </a:rPr>
-              <a:t>在线学习</a:t>
-            </a:r>
-            <a:endParaRPr lang="en-US" altLang="zh-CN" sz="800">
+              <a:t>实时数据处理</a:t>
+            </a:r>
+            <a:endParaRPr lang="zh-CN" altLang="en-US" sz="800" dirty="0">
               <a:solidFill>
                 <a:schemeClr val="bg2">
                   <a:lumMod val="50000"/>
@@ -4430,13 +3641,65 @@
               <a:ea typeface="Microsoft YaHei Light" panose="020B0503020204020204" pitchFamily="34" charset="-122"/>
             </a:endParaRPr>
           </a:p>
-          <a:p>
-            <a:pPr>
+        </p:txBody>
+      </p:sp>
+      <p:sp>
+        <p:nvSpPr>
+          <p:cNvPr id="15" name="矩形 14">
+            <a:extLst>
+              <a:ext uri="{FF2B5EF4-FFF2-40B4-BE49-F238E27FC236}">
+                <a16:creationId xmlns:a16="http://schemas.microsoft.com/office/drawing/2014/main" id="{489BC553-1E21-41F1-92AC-AAA0A6CA3108}"/>
+              </a:ext>
+            </a:extLst>
+          </p:cNvPr>
+          <p:cNvSpPr/>
+          <p:nvPr/>
+        </p:nvSpPr>
+        <p:spPr>
+          <a:xfrm>
+            <a:off x="343162" y="3335392"/>
+            <a:ext cx="1217220" cy="493835"/>
+          </a:xfrm>
+          <a:prstGeom prst="rect">
+            <a:avLst/>
+          </a:prstGeom>
+          <a:ln w="9525">
+            <a:solidFill>
+              <a:schemeClr val="tx1"/>
+            </a:solidFill>
+          </a:ln>
+        </p:spPr>
+        <p:txBody>
+          <a:bodyPr wrap="square" tIns="72000" bIns="72000">
+            <a:spAutoFit/>
+          </a:bodyPr>
+          <a:lstStyle/>
+          <a:p>
+            <a:pPr algn="ctr">
               <a:lnSpc>
                 <a:spcPct val="150000"/>
               </a:lnSpc>
             </a:pPr>
             <a:r>
+              <a:rPr lang="zh-CN" altLang="en-US" sz="800" b="1">
+                <a:latin typeface="+mn-ea"/>
+              </a:rPr>
+              <a:t>流处理平台 </a:t>
+            </a:r>
+            <a:r>
+              <a:rPr lang="en-US" altLang="zh-CN" sz="800" b="1">
+                <a:latin typeface="+mn-ea"/>
+              </a:rPr>
+              <a:t>Flink</a:t>
+            </a:r>
+          </a:p>
+          <a:p>
+            <a:pPr algn="ctr">
+              <a:lnSpc>
+                <a:spcPct val="150000"/>
+              </a:lnSpc>
+            </a:pPr>
+            <a:r>
               <a:rPr lang="zh-CN" altLang="en-US" sz="800">
                 <a:solidFill>
                   <a:schemeClr val="bg2">
@@ -4446,9 +3709,9 @@
                 <a:latin typeface="Microsoft YaHei Light" panose="020B0503020204020204" pitchFamily="34" charset="-122"/>
                 <a:ea typeface="Microsoft YaHei Light" panose="020B0503020204020204" pitchFamily="34" charset="-122"/>
               </a:rPr>
-              <a:t>混合更新策略</a:t>
-            </a:r>
-            <a:endParaRPr lang="en-US" altLang="zh-CN" sz="800">
+              <a:t>准实时数据处理</a:t>
+            </a:r>
+            <a:endParaRPr lang="zh-CN" altLang="en-US" sz="800" dirty="0">
               <a:solidFill>
                 <a:schemeClr val="bg2">
                   <a:lumMod val="50000"/>
@@ -4458,13 +3721,65 @@
               <a:ea typeface="Microsoft YaHei Light" panose="020B0503020204020204" pitchFamily="34" charset="-122"/>
             </a:endParaRPr>
           </a:p>
-          <a:p>
-            <a:pPr>
+        </p:txBody>
+      </p:sp>
+      <p:sp>
+        <p:nvSpPr>
+          <p:cNvPr id="17" name="矩形 16">
+            <a:extLst>
+              <a:ext uri="{FF2B5EF4-FFF2-40B4-BE49-F238E27FC236}">
+                <a16:creationId xmlns:a16="http://schemas.microsoft.com/office/drawing/2014/main" id="{C6ADDADD-8984-4386-AA6B-41168AD1762D}"/>
+              </a:ext>
+            </a:extLst>
+          </p:cNvPr>
+          <p:cNvSpPr/>
+          <p:nvPr/>
+        </p:nvSpPr>
+        <p:spPr>
+          <a:xfrm>
+            <a:off x="343162" y="3829227"/>
+            <a:ext cx="1217220" cy="493835"/>
+          </a:xfrm>
+          <a:prstGeom prst="rect">
+            <a:avLst/>
+          </a:prstGeom>
+          <a:ln w="9525">
+            <a:solidFill>
+              <a:schemeClr val="tx1"/>
+            </a:solidFill>
+          </a:ln>
+        </p:spPr>
+        <p:txBody>
+          <a:bodyPr wrap="square" tIns="72000" bIns="72000">
+            <a:spAutoFit/>
+          </a:bodyPr>
+          <a:lstStyle/>
+          <a:p>
+            <a:pPr algn="ctr">
               <a:lnSpc>
                 <a:spcPct val="150000"/>
               </a:lnSpc>
             </a:pPr>
             <a:r>
+              <a:rPr lang="zh-CN" altLang="en-US" sz="800" b="1">
+                <a:latin typeface="+mn-ea"/>
+              </a:rPr>
+              <a:t>大数据平台 </a:t>
+            </a:r>
+            <a:r>
+              <a:rPr lang="en-US" altLang="zh-CN" sz="800" b="1">
+                <a:latin typeface="+mn-ea"/>
+              </a:rPr>
+              <a:t>Spark</a:t>
+            </a:r>
+          </a:p>
+          <a:p>
+            <a:pPr algn="ctr">
+              <a:lnSpc>
+                <a:spcPct val="150000"/>
+              </a:lnSpc>
+            </a:pPr>
+            <a:r>
               <a:rPr lang="zh-CN" altLang="en-US" sz="800">
                 <a:solidFill>
                   <a:schemeClr val="bg2">
@@ -4474,9 +3789,9 @@
                 <a:latin typeface="Microsoft YaHei Light" panose="020B0503020204020204" pitchFamily="34" charset="-122"/>
                 <a:ea typeface="Microsoft YaHei Light" panose="020B0503020204020204" pitchFamily="34" charset="-122"/>
               </a:rPr>
-              <a:t>特征实时性</a:t>
-            </a:r>
-            <a:endParaRPr lang="en-US" altLang="zh-CN" sz="800">
+              <a:t>离线数据处理</a:t>
+            </a:r>
+            <a:endParaRPr lang="zh-CN" altLang="en-US" sz="800" dirty="0">
               <a:solidFill>
                 <a:schemeClr val="bg2">
                   <a:lumMod val="50000"/>
@@ -4490,10 +3805,10 @@
       </p:sp>
       <p:sp>
         <p:nvSpPr>
-          <p:cNvPr id="38" name="矩形 37">
+          <p:cNvPr id="18" name="矩形 17">
             <a:extLst>
               <a:ext uri="{FF2B5EF4-FFF2-40B4-BE49-F238E27FC236}">
-                <a16:creationId xmlns:a16="http://schemas.microsoft.com/office/drawing/2014/main" id="{015522E2-A2C5-4DF7-9C7D-B73D4020A2AE}"/>
+                <a16:creationId xmlns:a16="http://schemas.microsoft.com/office/drawing/2014/main" id="{A0E1812D-EC8E-4E95-8891-5B035F8CAB3E}"/>
               </a:ext>
             </a:extLst>
           </p:cNvPr>
@@ -4502,8 +3817,8 @@
         </p:nvSpPr>
         <p:spPr>
           <a:xfrm>
-            <a:off x="3563858" y="3998191"/>
-            <a:ext cx="1081933" cy="678501"/>
+            <a:off x="2156801" y="3808736"/>
+            <a:ext cx="971999" cy="491867"/>
           </a:xfrm>
           <a:prstGeom prst="rect">
             <a:avLst/>
@@ -4515,10 +3830,162 @@
           </a:ln>
         </p:spPr>
         <p:txBody>
+          <a:bodyPr wrap="square" tIns="72000" bIns="72000" anchor="ctr">
+            <a:noAutofit/>
+          </a:bodyPr>
+          <a:lstStyle/>
+          <a:p>
+            <a:pPr algn="ctr"/>
+            <a:r>
+              <a:rPr lang="zh-CN" altLang="en-US" sz="800">
+                <a:latin typeface="+mn-ea"/>
+              </a:rPr>
+              <a:t>场景信息</a:t>
+            </a:r>
+            <a:endParaRPr lang="en-US" altLang="zh-CN" sz="800">
+              <a:latin typeface="+mn-ea"/>
+            </a:endParaRPr>
+          </a:p>
+        </p:txBody>
+      </p:sp>
+      <p:sp>
+        <p:nvSpPr>
+          <p:cNvPr id="21" name="矩形 20">
+            <a:extLst>
+              <a:ext uri="{FF2B5EF4-FFF2-40B4-BE49-F238E27FC236}">
+                <a16:creationId xmlns:a16="http://schemas.microsoft.com/office/drawing/2014/main" id="{E756F41F-32B0-40B4-9385-2B0BFD510B10}"/>
+              </a:ext>
+            </a:extLst>
+          </p:cNvPr>
+          <p:cNvSpPr/>
+          <p:nvPr/>
+        </p:nvSpPr>
+        <p:spPr>
+          <a:xfrm>
+            <a:off x="2156803" y="3315393"/>
+            <a:ext cx="972000" cy="491867"/>
+          </a:xfrm>
+          <a:prstGeom prst="rect">
+            <a:avLst/>
+          </a:prstGeom>
+          <a:ln w="9525">
+            <a:solidFill>
+              <a:schemeClr val="tx1"/>
+            </a:solidFill>
+          </a:ln>
+        </p:spPr>
+        <p:txBody>
+          <a:bodyPr wrap="square" tIns="72000" bIns="72000" anchor="ctr">
+            <a:noAutofit/>
+          </a:bodyPr>
+          <a:lstStyle/>
+          <a:p>
+            <a:pPr algn="ctr"/>
+            <a:r>
+              <a:rPr lang="zh-CN" altLang="en-US" sz="800" dirty="0">
+                <a:latin typeface="+mn-ea"/>
+              </a:rPr>
+              <a:t>物品信息</a:t>
+            </a:r>
+            <a:endParaRPr lang="en-US" altLang="zh-CN" sz="800" dirty="0">
+              <a:latin typeface="+mn-ea"/>
+            </a:endParaRPr>
+          </a:p>
+        </p:txBody>
+      </p:sp>
+      <p:sp>
+        <p:nvSpPr>
+          <p:cNvPr id="22" name="矩形 21">
+            <a:extLst>
+              <a:ext uri="{FF2B5EF4-FFF2-40B4-BE49-F238E27FC236}">
+                <a16:creationId xmlns:a16="http://schemas.microsoft.com/office/drawing/2014/main" id="{D82C3960-B1A7-4EE0-8201-A2EF7B34C631}"/>
+              </a:ext>
+            </a:extLst>
+          </p:cNvPr>
+          <p:cNvSpPr/>
+          <p:nvPr/>
+        </p:nvSpPr>
+        <p:spPr>
+          <a:xfrm>
+            <a:off x="2156804" y="2822543"/>
+            <a:ext cx="972000" cy="491867"/>
+          </a:xfrm>
+          <a:prstGeom prst="rect">
+            <a:avLst/>
+          </a:prstGeom>
+          <a:ln w="9525">
+            <a:solidFill>
+              <a:schemeClr val="tx1"/>
+            </a:solidFill>
+          </a:ln>
+        </p:spPr>
+        <p:txBody>
+          <a:bodyPr wrap="square" tIns="72000" bIns="72000" anchor="ctr">
+            <a:noAutofit/>
+          </a:bodyPr>
+          <a:lstStyle/>
+          <a:p>
+            <a:pPr algn="ctr"/>
+            <a:r>
+              <a:rPr lang="zh-CN" altLang="en-US" sz="800" dirty="0">
+                <a:latin typeface="+mn-ea"/>
+              </a:rPr>
+              <a:t>用户信息</a:t>
+            </a:r>
+            <a:endParaRPr lang="en-US" altLang="zh-CN" sz="800" dirty="0">
+              <a:latin typeface="+mn-ea"/>
+            </a:endParaRPr>
+          </a:p>
+        </p:txBody>
+      </p:sp>
+      <p:sp>
+        <p:nvSpPr>
+          <p:cNvPr id="24" name="矩形 23">
+            <a:extLst>
+              <a:ext uri="{FF2B5EF4-FFF2-40B4-BE49-F238E27FC236}">
+                <a16:creationId xmlns:a16="http://schemas.microsoft.com/office/drawing/2014/main" id="{40E89FF9-67B1-405E-8BF9-58DAE8941455}"/>
+              </a:ext>
+            </a:extLst>
+          </p:cNvPr>
+          <p:cNvSpPr/>
+          <p:nvPr/>
+        </p:nvSpPr>
+        <p:spPr>
+          <a:xfrm>
+            <a:off x="3356468" y="1179053"/>
+            <a:ext cx="1217220" cy="1576119"/>
+          </a:xfrm>
+          <a:prstGeom prst="rect">
+            <a:avLst/>
+          </a:prstGeom>
+          <a:ln w="9525">
+            <a:noFill/>
+          </a:ln>
+        </p:spPr>
+        <p:txBody>
           <a:bodyPr wrap="square" tIns="72000" bIns="72000">
             <a:spAutoFit/>
           </a:bodyPr>
           <a:lstStyle/>
+          <a:p>
+            <a:pPr>
+              <a:lnSpc>
+                <a:spcPct val="150000"/>
+              </a:lnSpc>
+              <a:spcAft>
+                <a:spcPts val="400"/>
+              </a:spcAft>
+            </a:pPr>
+            <a:r>
+              <a:rPr lang="zh-CN" altLang="en-US" sz="1000" dirty="0">
+                <a:latin typeface="+mn-ea"/>
+              </a:rPr>
+              <a:t>特征工程</a:t>
+            </a:r>
+            <a:endParaRPr lang="en-US" altLang="zh-CN" sz="1000" dirty="0">
+              <a:latin typeface="+mn-ea"/>
+            </a:endParaRPr>
+          </a:p>
           <a:p>
             <a:pPr>
               <a:lnSpc>
@@ -4526,13 +3993,106 @@
               </a:lnSpc>
             </a:pPr>
             <a:r>
-              <a:rPr lang="zh-CN" altLang="en-US" sz="800" b="1">
-                <a:latin typeface="+mn-ea"/>
-              </a:rPr>
-              <a:t>模型离线训练</a:t>
-            </a:r>
-            <a:endParaRPr lang="en-US" altLang="zh-CN" sz="800" b="1">
-              <a:latin typeface="+mn-ea"/>
+              <a:rPr lang="zh-CN" altLang="en-US" sz="800" dirty="0">
+                <a:solidFill>
+                  <a:schemeClr val="bg2">
+                    <a:lumMod val="50000"/>
+                  </a:schemeClr>
+                </a:solidFill>
+                <a:latin typeface="Microsoft YaHei Light" panose="020B0503020204020204" pitchFamily="34" charset="-122"/>
+                <a:ea typeface="Microsoft YaHei Light" panose="020B0503020204020204" pitchFamily="34" charset="-122"/>
+              </a:rPr>
+              <a:t>数值类特征</a:t>
+            </a:r>
+            <a:endParaRPr lang="en-US" altLang="zh-CN" sz="800" dirty="0">
+              <a:solidFill>
+                <a:schemeClr val="bg2">
+                  <a:lumMod val="50000"/>
+                </a:schemeClr>
+              </a:solidFill>
+              <a:latin typeface="Microsoft YaHei Light" panose="020B0503020204020204" pitchFamily="34" charset="-122"/>
+              <a:ea typeface="Microsoft YaHei Light" panose="020B0503020204020204" pitchFamily="34" charset="-122"/>
+            </a:endParaRPr>
+          </a:p>
+          <a:p>
+            <a:pPr marL="180975" lvl="1" indent="-88900">
+              <a:buFont typeface="系统字体常规体"/>
+              <a:buChar char="▪"/>
+            </a:pPr>
+            <a:r>
+              <a:rPr lang="zh-CN" altLang="en-US" sz="800" dirty="0">
+                <a:solidFill>
+                  <a:schemeClr val="bg2">
+                    <a:lumMod val="50000"/>
+                  </a:schemeClr>
+                </a:solidFill>
+                <a:latin typeface="Microsoft YaHei Light" panose="020B0503020204020204" pitchFamily="34" charset="-122"/>
+                <a:ea typeface="Microsoft YaHei Light" panose="020B0503020204020204" pitchFamily="34" charset="-122"/>
+              </a:rPr>
+              <a:t>归一化</a:t>
+            </a:r>
+            <a:endParaRPr lang="en-US" altLang="zh-CN" sz="800" dirty="0">
+              <a:solidFill>
+                <a:schemeClr val="bg2">
+                  <a:lumMod val="50000"/>
+                </a:schemeClr>
+              </a:solidFill>
+              <a:latin typeface="Microsoft YaHei Light" panose="020B0503020204020204" pitchFamily="34" charset="-122"/>
+              <a:ea typeface="Microsoft YaHei Light" panose="020B0503020204020204" pitchFamily="34" charset="-122"/>
+            </a:endParaRPr>
+          </a:p>
+          <a:p>
+            <a:pPr marL="180975" lvl="1" indent="-88900">
+              <a:buFont typeface="系统字体常规体"/>
+              <a:buChar char="▪"/>
+            </a:pPr>
+            <a:r>
+              <a:rPr lang="zh-CN" altLang="en-US" sz="800" dirty="0">
+                <a:solidFill>
+                  <a:schemeClr val="bg2">
+                    <a:lumMod val="50000"/>
+                  </a:schemeClr>
+                </a:solidFill>
+                <a:latin typeface="Microsoft YaHei Light" panose="020B0503020204020204" pitchFamily="34" charset="-122"/>
+                <a:ea typeface="Microsoft YaHei Light" panose="020B0503020204020204" pitchFamily="34" charset="-122"/>
+              </a:rPr>
+              <a:t>离散化</a:t>
+            </a:r>
+            <a:endParaRPr lang="en-US" altLang="zh-CN" sz="800" dirty="0">
+              <a:solidFill>
+                <a:schemeClr val="bg2">
+                  <a:lumMod val="50000"/>
+                </a:schemeClr>
+              </a:solidFill>
+              <a:latin typeface="Microsoft YaHei Light" panose="020B0503020204020204" pitchFamily="34" charset="-122"/>
+              <a:ea typeface="Microsoft YaHei Light" panose="020B0503020204020204" pitchFamily="34" charset="-122"/>
+            </a:endParaRPr>
+          </a:p>
+          <a:p>
+            <a:pPr marL="180975" lvl="1" indent="-88900">
+              <a:buFont typeface="系统字体常规体"/>
+              <a:buChar char="▪"/>
+            </a:pPr>
+            <a:r>
+              <a:rPr lang="zh-CN" altLang="en-US" sz="800" dirty="0">
+                <a:solidFill>
+                  <a:schemeClr val="bg2">
+                    <a:lumMod val="50000"/>
+                  </a:schemeClr>
+                </a:solidFill>
+                <a:latin typeface="Microsoft YaHei Light" panose="020B0503020204020204" pitchFamily="34" charset="-122"/>
+                <a:ea typeface="Microsoft YaHei Light" panose="020B0503020204020204" pitchFamily="34" charset="-122"/>
+              </a:rPr>
+              <a:t>非线性变换</a:t>
+            </a:r>
+            <a:endParaRPr lang="en-US" altLang="zh-CN" sz="800" dirty="0">
+              <a:solidFill>
+                <a:schemeClr val="bg2">
+                  <a:lumMod val="50000"/>
+                </a:schemeClr>
+              </a:solidFill>
+              <a:latin typeface="Microsoft YaHei Light" panose="020B0503020204020204" pitchFamily="34" charset="-122"/>
+              <a:ea typeface="Microsoft YaHei Light" panose="020B0503020204020204" pitchFamily="34" charset="-122"/>
             </a:endParaRPr>
           </a:p>
           <a:p>
@@ -4542,7 +4102,7 @@
               </a:lnSpc>
             </a:pPr>
             <a:r>
-              <a:rPr lang="en-US" altLang="zh-CN" sz="800">
+              <a:rPr lang="en-US" altLang="zh-CN" sz="800" dirty="0">
                 <a:solidFill>
                   <a:schemeClr val="bg2">
                     <a:lumMod val="50000"/>
@@ -4551,7 +4111,85 @@
                 <a:latin typeface="Microsoft YaHei Light" panose="020B0503020204020204" pitchFamily="34" charset="-122"/>
                 <a:ea typeface="Microsoft YaHei Light" panose="020B0503020204020204" pitchFamily="34" charset="-122"/>
               </a:rPr>
-              <a:t>Spark  PyTorch</a:t>
+              <a:t>ID</a:t>
+            </a:r>
+            <a:r>
+              <a:rPr lang="zh-CN" altLang="en-US" sz="800" dirty="0">
+                <a:solidFill>
+                  <a:schemeClr val="bg2">
+                    <a:lumMod val="50000"/>
+                  </a:schemeClr>
+                </a:solidFill>
+                <a:latin typeface="Microsoft YaHei Light" panose="020B0503020204020204" pitchFamily="34" charset="-122"/>
+                <a:ea typeface="Microsoft YaHei Light" panose="020B0503020204020204" pitchFamily="34" charset="-122"/>
+              </a:rPr>
+              <a:t>类特征</a:t>
+            </a:r>
+            <a:endParaRPr lang="en-US" altLang="zh-CN" sz="800" dirty="0">
+              <a:solidFill>
+                <a:schemeClr val="bg2">
+                  <a:lumMod val="50000"/>
+                </a:schemeClr>
+              </a:solidFill>
+              <a:latin typeface="Microsoft YaHei Light" panose="020B0503020204020204" pitchFamily="34" charset="-122"/>
+              <a:ea typeface="Microsoft YaHei Light" panose="020B0503020204020204" pitchFamily="34" charset="-122"/>
+            </a:endParaRPr>
+          </a:p>
+          <a:p>
+            <a:pPr marL="180975" lvl="1" indent="-88900">
+              <a:buFont typeface="系统字体常规体"/>
+              <a:buChar char="▪"/>
+            </a:pPr>
+            <a:r>
+              <a:rPr lang="en-US" altLang="zh-CN" sz="800" dirty="0">
+                <a:solidFill>
+                  <a:schemeClr val="bg2">
+                    <a:lumMod val="50000"/>
+                  </a:schemeClr>
+                </a:solidFill>
+                <a:latin typeface="Microsoft YaHei Light" panose="020B0503020204020204" pitchFamily="34" charset="-122"/>
+                <a:ea typeface="Microsoft YaHei Light" panose="020B0503020204020204" pitchFamily="34" charset="-122"/>
+              </a:rPr>
+              <a:t>One-hot</a:t>
+            </a:r>
+            <a:r>
+              <a:rPr lang="zh-CN" altLang="en-US" sz="800" dirty="0">
+                <a:solidFill>
+                  <a:schemeClr val="bg2">
+                    <a:lumMod val="50000"/>
+                  </a:schemeClr>
+                </a:solidFill>
+                <a:latin typeface="Microsoft YaHei Light" panose="020B0503020204020204" pitchFamily="34" charset="-122"/>
+                <a:ea typeface="Microsoft YaHei Light" panose="020B0503020204020204" pitchFamily="34" charset="-122"/>
+              </a:rPr>
+              <a:t>编码</a:t>
+            </a:r>
+            <a:endParaRPr lang="en-US" altLang="zh-CN" sz="800" dirty="0">
+              <a:solidFill>
+                <a:schemeClr val="bg2">
+                  <a:lumMod val="50000"/>
+                </a:schemeClr>
+              </a:solidFill>
+              <a:latin typeface="Microsoft YaHei Light" panose="020B0503020204020204" pitchFamily="34" charset="-122"/>
+              <a:ea typeface="Microsoft YaHei Light" panose="020B0503020204020204" pitchFamily="34" charset="-122"/>
+            </a:endParaRPr>
+          </a:p>
+          <a:p>
+            <a:pPr marL="180975" lvl="1" indent="-88900">
+              <a:buFont typeface="系统字体常规体"/>
+              <a:buChar char="▪"/>
+            </a:pPr>
+            <a:r>
+              <a:rPr lang="en-US" altLang="zh-CN" sz="800" dirty="0">
+                <a:solidFill>
+                  <a:schemeClr val="bg2">
+                    <a:lumMod val="50000"/>
+                  </a:schemeClr>
+                </a:solidFill>
+                <a:latin typeface="Microsoft YaHei Light" panose="020B0503020204020204" pitchFamily="34" charset="-122"/>
+                <a:ea typeface="Microsoft YaHei Light" panose="020B0503020204020204" pitchFamily="34" charset="-122"/>
+              </a:rPr>
+              <a:t>Embedding</a:t>
             </a:r>
           </a:p>
           <a:p>
@@ -4561,7 +4199,7 @@
               </a:lnSpc>
             </a:pPr>
             <a:r>
-              <a:rPr lang="en-US" altLang="zh-CN" sz="800">
+              <a:rPr lang="zh-CN" altLang="en-US" sz="800" dirty="0">
                 <a:solidFill>
                   <a:schemeClr val="bg2">
                     <a:lumMod val="50000"/>
@@ -4570,31 +4208,1164 @@
                 <a:latin typeface="Microsoft YaHei Light" panose="020B0503020204020204" pitchFamily="34" charset="-122"/>
                 <a:ea typeface="Microsoft YaHei Light" panose="020B0503020204020204" pitchFamily="34" charset="-122"/>
               </a:rPr>
-              <a:t>MLIib TensorFlow</a:t>
+              <a:t>特征组合</a:t>
+            </a:r>
+            <a:endParaRPr lang="en-US" altLang="zh-CN" sz="800" dirty="0">
+              <a:solidFill>
+                <a:schemeClr val="bg2">
+                  <a:lumMod val="50000"/>
+                </a:schemeClr>
+              </a:solidFill>
+              <a:latin typeface="Microsoft YaHei Light" panose="020B0503020204020204" pitchFamily="34" charset="-122"/>
+              <a:ea typeface="Microsoft YaHei Light" panose="020B0503020204020204" pitchFamily="34" charset="-122"/>
+            </a:endParaRPr>
+          </a:p>
+        </p:txBody>
+      </p:sp>
+      <p:sp>
+        <p:nvSpPr>
+          <p:cNvPr id="25" name="圆柱体 24">
+            <a:extLst>
+              <a:ext uri="{FF2B5EF4-FFF2-40B4-BE49-F238E27FC236}">
+                <a16:creationId xmlns:a16="http://schemas.microsoft.com/office/drawing/2014/main" id="{A94C09B1-A39D-44FC-8DCC-BF7B9CA44F96}"/>
+              </a:ext>
+            </a:extLst>
+          </p:cNvPr>
+          <p:cNvSpPr/>
+          <p:nvPr/>
+        </p:nvSpPr>
+        <p:spPr>
+          <a:xfrm>
+            <a:off x="3650804" y="4882672"/>
+            <a:ext cx="900000" cy="1008000"/>
+          </a:xfrm>
+          <a:prstGeom prst="can">
+            <a:avLst/>
+          </a:prstGeom>
+          <a:solidFill>
+            <a:srgbClr val="E7F3FF"/>
+          </a:solidFill>
+          <a:ln w="9525">
+            <a:solidFill>
+              <a:schemeClr val="tx1"/>
+            </a:solidFill>
+          </a:ln>
+        </p:spPr>
+        <p:style>
+          <a:lnRef idx="2">
+            <a:schemeClr val="accent1">
+              <a:shade val="50000"/>
+            </a:schemeClr>
+          </a:lnRef>
+          <a:fillRef idx="1">
+            <a:schemeClr val="accent1"/>
+          </a:fillRef>
+          <a:effectRef idx="0">
+            <a:schemeClr val="accent1"/>
+          </a:effectRef>
+          <a:fontRef idx="minor">
+            <a:schemeClr val="lt1"/>
+          </a:fontRef>
+        </p:style>
+        <p:txBody>
+          <a:bodyPr rtlCol="0" anchor="ctr"/>
+          <a:lstStyle/>
+          <a:p>
+            <a:pPr algn="ctr"/>
+            <a:r>
+              <a:rPr kumimoji="1" lang="en-US" altLang="zh-CN" sz="1000">
+                <a:solidFill>
+                  <a:schemeClr val="tx1"/>
+                </a:solidFill>
+                <a:latin typeface="Microsoft YaHei Light" panose="020B0503020204020204" pitchFamily="34" charset="-122"/>
+                <a:ea typeface="Microsoft YaHei Light" panose="020B0503020204020204" pitchFamily="34" charset="-122"/>
+              </a:rPr>
+              <a:t>redis</a:t>
+            </a:r>
+            <a:endParaRPr kumimoji="1" lang="zh-CN" altLang="en-US" sz="1000" dirty="0">
+              <a:solidFill>
+                <a:schemeClr val="tx1"/>
+              </a:solidFill>
+              <a:latin typeface="Microsoft YaHei Light" panose="020B0503020204020204" pitchFamily="34" charset="-122"/>
+              <a:ea typeface="Microsoft YaHei Light" panose="020B0503020204020204" pitchFamily="34" charset="-122"/>
+            </a:endParaRPr>
+          </a:p>
+        </p:txBody>
+      </p:sp>
+      <p:sp>
+        <p:nvSpPr>
+          <p:cNvPr id="26" name="矩形 25">
+            <a:extLst>
+              <a:ext uri="{FF2B5EF4-FFF2-40B4-BE49-F238E27FC236}">
+                <a16:creationId xmlns:a16="http://schemas.microsoft.com/office/drawing/2014/main" id="{93BFA65B-4A17-4918-8119-ADEFA0284A3D}"/>
+              </a:ext>
+            </a:extLst>
+          </p:cNvPr>
+          <p:cNvSpPr/>
+          <p:nvPr/>
+        </p:nvSpPr>
+        <p:spPr>
+          <a:xfrm>
+            <a:off x="3128805" y="2821067"/>
+            <a:ext cx="1944000" cy="493835"/>
+          </a:xfrm>
+          <a:prstGeom prst="rect">
+            <a:avLst/>
+          </a:prstGeom>
+          <a:ln w="9525">
+            <a:solidFill>
+              <a:schemeClr val="tx1"/>
+            </a:solidFill>
+          </a:ln>
+        </p:spPr>
+        <p:txBody>
+          <a:bodyPr wrap="square" tIns="72000" bIns="72000">
+            <a:spAutoFit/>
+          </a:bodyPr>
+          <a:lstStyle/>
+          <a:p>
+            <a:pPr>
+              <a:lnSpc>
+                <a:spcPct val="150000"/>
+              </a:lnSpc>
+            </a:pPr>
+            <a:r>
+              <a:rPr lang="zh-CN" altLang="en-US" sz="800" b="1" dirty="0">
+                <a:latin typeface="+mn-ea"/>
+              </a:rPr>
+              <a:t>用户特征</a:t>
+            </a:r>
+            <a:endParaRPr lang="en-US" altLang="zh-CN" sz="800" b="1" dirty="0">
+              <a:latin typeface="+mn-ea"/>
+            </a:endParaRPr>
+          </a:p>
+          <a:p>
+            <a:pPr>
+              <a:lnSpc>
+                <a:spcPct val="150000"/>
+              </a:lnSpc>
+            </a:pPr>
+            <a:r>
+              <a:rPr lang="zh-CN" altLang="en-US" sz="800" dirty="0">
+                <a:solidFill>
+                  <a:schemeClr val="bg2">
+                    <a:lumMod val="50000"/>
+                  </a:schemeClr>
+                </a:solidFill>
+                <a:latin typeface="Microsoft YaHei Light" panose="020B0503020204020204" pitchFamily="34" charset="-122"/>
+                <a:ea typeface="Microsoft YaHei Light" panose="020B0503020204020204" pitchFamily="34" charset="-122"/>
+              </a:rPr>
+              <a:t>用户行为、社交关系、属性标签等</a:t>
+            </a:r>
+          </a:p>
+        </p:txBody>
+      </p:sp>
+      <p:sp>
+        <p:nvSpPr>
+          <p:cNvPr id="31" name="矩形 30">
+            <a:extLst>
+              <a:ext uri="{FF2B5EF4-FFF2-40B4-BE49-F238E27FC236}">
+                <a16:creationId xmlns:a16="http://schemas.microsoft.com/office/drawing/2014/main" id="{F427F366-4A16-4E80-8AD3-BBBDC197B3DF}"/>
+              </a:ext>
+            </a:extLst>
+          </p:cNvPr>
+          <p:cNvSpPr/>
+          <p:nvPr/>
+        </p:nvSpPr>
+        <p:spPr>
+          <a:xfrm>
+            <a:off x="3128805" y="3314410"/>
+            <a:ext cx="1944000" cy="493835"/>
+          </a:xfrm>
+          <a:prstGeom prst="rect">
+            <a:avLst/>
+          </a:prstGeom>
+          <a:ln w="9525">
+            <a:solidFill>
+              <a:schemeClr val="tx1"/>
+            </a:solidFill>
+          </a:ln>
+        </p:spPr>
+        <p:txBody>
+          <a:bodyPr wrap="square" tIns="72000" bIns="72000">
+            <a:spAutoFit/>
+          </a:bodyPr>
+          <a:lstStyle/>
+          <a:p>
+            <a:pPr>
+              <a:lnSpc>
+                <a:spcPct val="150000"/>
+              </a:lnSpc>
+            </a:pPr>
+            <a:r>
+              <a:rPr lang="zh-CN" altLang="en-US" sz="800" b="1" dirty="0">
+                <a:latin typeface="+mn-ea"/>
+              </a:rPr>
+              <a:t>物品特征</a:t>
+            </a:r>
+            <a:endParaRPr lang="en-US" altLang="zh-CN" sz="800" b="1" dirty="0">
+              <a:latin typeface="+mn-ea"/>
+            </a:endParaRPr>
+          </a:p>
+          <a:p>
+            <a:pPr>
+              <a:lnSpc>
+                <a:spcPct val="150000"/>
+              </a:lnSpc>
+            </a:pPr>
+            <a:r>
+              <a:rPr lang="zh-CN" altLang="en-US" sz="800" dirty="0">
+                <a:solidFill>
+                  <a:schemeClr val="bg2">
+                    <a:lumMod val="50000"/>
+                  </a:schemeClr>
+                </a:solidFill>
+                <a:latin typeface="Microsoft YaHei Light" panose="020B0503020204020204" pitchFamily="34" charset="-122"/>
+                <a:ea typeface="Microsoft YaHei Light" panose="020B0503020204020204" pitchFamily="34" charset="-122"/>
+              </a:rPr>
+              <a:t>内容类数据、属性标签、第三方信息等</a:t>
+            </a:r>
+          </a:p>
+        </p:txBody>
+      </p:sp>
+      <p:sp>
+        <p:nvSpPr>
+          <p:cNvPr id="32" name="矩形 31">
+            <a:extLst>
+              <a:ext uri="{FF2B5EF4-FFF2-40B4-BE49-F238E27FC236}">
+                <a16:creationId xmlns:a16="http://schemas.microsoft.com/office/drawing/2014/main" id="{F58BC3C5-38C0-480B-8EBA-499D5053C0C4}"/>
+              </a:ext>
+            </a:extLst>
+          </p:cNvPr>
+          <p:cNvSpPr/>
+          <p:nvPr/>
+        </p:nvSpPr>
+        <p:spPr>
+          <a:xfrm>
+            <a:off x="3128804" y="3807753"/>
+            <a:ext cx="1944000" cy="493835"/>
+          </a:xfrm>
+          <a:prstGeom prst="rect">
+            <a:avLst/>
+          </a:prstGeom>
+          <a:ln w="9525">
+            <a:solidFill>
+              <a:schemeClr val="tx1"/>
+            </a:solidFill>
+          </a:ln>
+        </p:spPr>
+        <p:txBody>
+          <a:bodyPr wrap="square" tIns="72000" bIns="72000">
+            <a:spAutoFit/>
+          </a:bodyPr>
+          <a:lstStyle/>
+          <a:p>
+            <a:pPr>
+              <a:lnSpc>
+                <a:spcPct val="150000"/>
+              </a:lnSpc>
+            </a:pPr>
+            <a:r>
+              <a:rPr lang="zh-CN" altLang="en-US" sz="800" b="1" dirty="0">
+                <a:latin typeface="+mn-ea"/>
+              </a:rPr>
+              <a:t>场景特征</a:t>
+            </a:r>
+            <a:endParaRPr lang="en-US" altLang="zh-CN" sz="800" b="1" dirty="0">
+              <a:latin typeface="+mn-ea"/>
+            </a:endParaRPr>
+          </a:p>
+          <a:p>
+            <a:pPr>
+              <a:lnSpc>
+                <a:spcPct val="150000"/>
+              </a:lnSpc>
+            </a:pPr>
+            <a:r>
+              <a:rPr lang="zh-CN" altLang="en-US" sz="800" dirty="0">
+                <a:solidFill>
+                  <a:schemeClr val="bg2">
+                    <a:lumMod val="50000"/>
+                  </a:schemeClr>
+                </a:solidFill>
+                <a:latin typeface="Microsoft YaHei Light" panose="020B0503020204020204" pitchFamily="34" charset="-122"/>
+                <a:ea typeface="Microsoft YaHei Light" panose="020B0503020204020204" pitchFamily="34" charset="-122"/>
+              </a:rPr>
+              <a:t>时间、地点、所处页面场景等</a:t>
             </a:r>
           </a:p>
         </p:txBody>
       </p:sp>
       <p:cxnSp>
         <p:nvCxnSpPr>
-          <p:cNvPr id="39" name="直线箭头连接符 10">
+          <p:cNvPr id="36" name="直线箭头连接符 10">
             <a:extLst>
               <a:ext uri="{FF2B5EF4-FFF2-40B4-BE49-F238E27FC236}">
-                <a16:creationId xmlns:a16="http://schemas.microsoft.com/office/drawing/2014/main" id="{B3978411-06D7-4045-83CE-3570EF1B0627}"/>
+                <a16:creationId xmlns:a16="http://schemas.microsoft.com/office/drawing/2014/main" id="{6B860CC6-D180-4CB5-B238-4834E45C94B8}"/>
               </a:ext>
             </a:extLst>
           </p:cNvPr>
           <p:cNvCxnSpPr>
             <a:cxnSpLocks/>
-            <a:stCxn id="34" idx="3"/>
-            <a:endCxn id="38" idx="1"/>
+            <a:stCxn id="32" idx="2"/>
+            <a:endCxn id="25" idx="1"/>
           </p:cNvCxnSpPr>
           <p:nvPr/>
         </p:nvCxnSpPr>
         <p:spPr>
           <a:xfrm>
-            <a:off x="2912188" y="4337442"/>
-            <a:ext cx="651670" cy="0"/>
+            <a:off x="4100804" y="4301588"/>
+            <a:ext cx="0" cy="581084"/>
+          </a:xfrm>
+          <a:prstGeom prst="straightConnector1">
+            <a:avLst/>
+          </a:prstGeom>
+          <a:ln w="9525">
+            <a:headEnd w="lg" len="lg"/>
+            <a:tailEnd type="triangle" w="med" len="lg"/>
+          </a:ln>
+        </p:spPr>
+        <p:style>
+          <a:lnRef idx="1">
+            <a:schemeClr val="dk1"/>
+          </a:lnRef>
+          <a:fillRef idx="0">
+            <a:schemeClr val="dk1"/>
+          </a:fillRef>
+          <a:effectRef idx="0">
+            <a:schemeClr val="dk1"/>
+          </a:effectRef>
+          <a:fontRef idx="minor">
+            <a:schemeClr val="tx1"/>
+          </a:fontRef>
+        </p:style>
+      </p:cxnSp>
+      <p:sp>
+        <p:nvSpPr>
+          <p:cNvPr id="45" name="箭头: 下 44">
+            <a:extLst>
+              <a:ext uri="{FF2B5EF4-FFF2-40B4-BE49-F238E27FC236}">
+                <a16:creationId xmlns:a16="http://schemas.microsoft.com/office/drawing/2014/main" id="{91D2E99D-372F-4061-9B78-96A2EECBBDC0}"/>
+              </a:ext>
+            </a:extLst>
+          </p:cNvPr>
+          <p:cNvSpPr/>
+          <p:nvPr/>
+        </p:nvSpPr>
+        <p:spPr>
+          <a:xfrm rot="16200000">
+            <a:off x="1638818" y="3336264"/>
+            <a:ext cx="453471" cy="493835"/>
+          </a:xfrm>
+          <a:prstGeom prst="downArrow">
+            <a:avLst>
+              <a:gd name="adj1" fmla="val 46550"/>
+              <a:gd name="adj2" fmla="val 50000"/>
+            </a:avLst>
+          </a:prstGeom>
+          <a:noFill/>
+          <a:ln w="9525">
+            <a:solidFill>
+              <a:schemeClr val="tx1"/>
+            </a:solidFill>
+          </a:ln>
+        </p:spPr>
+        <p:style>
+          <a:lnRef idx="2">
+            <a:schemeClr val="accent1">
+              <a:shade val="50000"/>
+            </a:schemeClr>
+          </a:lnRef>
+          <a:fillRef idx="1">
+            <a:schemeClr val="accent1"/>
+          </a:fillRef>
+          <a:effectRef idx="0">
+            <a:schemeClr val="accent1"/>
+          </a:effectRef>
+          <a:fontRef idx="minor">
+            <a:schemeClr val="lt1"/>
+          </a:fontRef>
+        </p:style>
+        <p:txBody>
+          <a:bodyPr rtlCol="0" anchor="ctr"/>
+          <a:lstStyle/>
+          <a:p>
+            <a:pPr algn="ctr"/>
+            <a:endParaRPr kumimoji="1" lang="zh-CN" altLang="en-US" sz="800">
+              <a:solidFill>
+                <a:schemeClr val="tx1"/>
+              </a:solidFill>
+              <a:latin typeface="Microsoft YaHei Light" panose="020B0503020204020204" pitchFamily="34" charset="-122"/>
+              <a:ea typeface="Microsoft YaHei Light" panose="020B0503020204020204" pitchFamily="34" charset="-122"/>
+            </a:endParaRPr>
+          </a:p>
+        </p:txBody>
+      </p:sp>
+      <p:sp>
+        <p:nvSpPr>
+          <p:cNvPr id="46" name="圆柱体 45">
+            <a:extLst>
+              <a:ext uri="{FF2B5EF4-FFF2-40B4-BE49-F238E27FC236}">
+                <a16:creationId xmlns:a16="http://schemas.microsoft.com/office/drawing/2014/main" id="{AEADCB75-550F-4034-BDDD-2CAFDD8439A2}"/>
+              </a:ext>
+            </a:extLst>
+          </p:cNvPr>
+          <p:cNvSpPr/>
+          <p:nvPr/>
+        </p:nvSpPr>
+        <p:spPr>
+          <a:xfrm>
+            <a:off x="6999865" y="558244"/>
+            <a:ext cx="900000" cy="1008000"/>
+          </a:xfrm>
+          <a:prstGeom prst="can">
+            <a:avLst/>
+          </a:prstGeom>
+          <a:solidFill>
+            <a:srgbClr val="E7F3FF"/>
+          </a:solidFill>
+          <a:ln w="9525">
+            <a:solidFill>
+              <a:schemeClr val="tx1"/>
+            </a:solidFill>
+          </a:ln>
+        </p:spPr>
+        <p:style>
+          <a:lnRef idx="2">
+            <a:schemeClr val="accent1">
+              <a:shade val="50000"/>
+            </a:schemeClr>
+          </a:lnRef>
+          <a:fillRef idx="1">
+            <a:schemeClr val="accent1"/>
+          </a:fillRef>
+          <a:effectRef idx="0">
+            <a:schemeClr val="accent1"/>
+          </a:effectRef>
+          <a:fontRef idx="minor">
+            <a:schemeClr val="lt1"/>
+          </a:fontRef>
+        </p:style>
+        <p:txBody>
+          <a:bodyPr rtlCol="0" anchor="ctr"/>
+          <a:lstStyle/>
+          <a:p>
+            <a:pPr algn="ctr">
+              <a:lnSpc>
+                <a:spcPct val="150000"/>
+              </a:lnSpc>
+            </a:pPr>
+            <a:r>
+              <a:rPr kumimoji="1" lang="zh-CN" altLang="en-US" sz="1000" dirty="0">
+                <a:solidFill>
+                  <a:schemeClr val="tx1"/>
+                </a:solidFill>
+                <a:latin typeface="Microsoft YaHei Light" panose="020B0503020204020204" pitchFamily="34" charset="-122"/>
+                <a:ea typeface="Microsoft YaHei Light" panose="020B0503020204020204" pitchFamily="34" charset="-122"/>
+              </a:rPr>
+              <a:t>候选</a:t>
+            </a:r>
+            <a:endParaRPr kumimoji="1" lang="en-US" altLang="zh-CN" sz="1000" dirty="0">
+              <a:solidFill>
+                <a:schemeClr val="tx1"/>
+              </a:solidFill>
+              <a:latin typeface="Microsoft YaHei Light" panose="020B0503020204020204" pitchFamily="34" charset="-122"/>
+              <a:ea typeface="Microsoft YaHei Light" panose="020B0503020204020204" pitchFamily="34" charset="-122"/>
+            </a:endParaRPr>
+          </a:p>
+          <a:p>
+            <a:pPr algn="ctr">
+              <a:lnSpc>
+                <a:spcPct val="150000"/>
+              </a:lnSpc>
+            </a:pPr>
+            <a:r>
+              <a:rPr kumimoji="1" lang="zh-CN" altLang="en-US" sz="1000" dirty="0">
+                <a:solidFill>
+                  <a:schemeClr val="tx1"/>
+                </a:solidFill>
+                <a:latin typeface="Microsoft YaHei Light" panose="020B0503020204020204" pitchFamily="34" charset="-122"/>
+                <a:ea typeface="Microsoft YaHei Light" panose="020B0503020204020204" pitchFamily="34" charset="-122"/>
+              </a:rPr>
+              <a:t>物品库</a:t>
+            </a:r>
+          </a:p>
+        </p:txBody>
+      </p:sp>
+      <p:sp>
+        <p:nvSpPr>
+          <p:cNvPr id="47" name="矩形 46">
+            <a:extLst>
+              <a:ext uri="{FF2B5EF4-FFF2-40B4-BE49-F238E27FC236}">
+                <a16:creationId xmlns:a16="http://schemas.microsoft.com/office/drawing/2014/main" id="{133DEABD-38F5-41CA-B34A-710778A05BBB}"/>
+              </a:ext>
+            </a:extLst>
+          </p:cNvPr>
+          <p:cNvSpPr/>
+          <p:nvPr/>
+        </p:nvSpPr>
+        <p:spPr>
+          <a:xfrm>
+            <a:off x="6716457" y="5965736"/>
+            <a:ext cx="1456397" cy="299295"/>
+          </a:xfrm>
+          <a:prstGeom prst="rect">
+            <a:avLst/>
+          </a:prstGeom>
+          <a:solidFill>
+            <a:schemeClr val="accent6">
+              <a:lumMod val="20000"/>
+              <a:lumOff val="80000"/>
+            </a:schemeClr>
+          </a:solidFill>
+          <a:ln w="9525">
+            <a:solidFill>
+              <a:schemeClr val="tx1"/>
+            </a:solidFill>
+          </a:ln>
+        </p:spPr>
+        <p:txBody>
+          <a:bodyPr wrap="square" tIns="72000" bIns="72000">
+            <a:spAutoFit/>
+          </a:bodyPr>
+          <a:lstStyle/>
+          <a:p>
+            <a:pPr algn="ctr"/>
+            <a:r>
+              <a:rPr lang="zh-CN" altLang="en-US" sz="1000" dirty="0">
+                <a:latin typeface="Microsoft YaHei" panose="020B0503020204020204" pitchFamily="34" charset="-122"/>
+                <a:ea typeface="Microsoft YaHei" panose="020B0503020204020204" pitchFamily="34" charset="-122"/>
+              </a:rPr>
+              <a:t>推荐物品列表</a:t>
+            </a:r>
+            <a:endParaRPr lang="en-US" altLang="zh-CN" sz="1000" dirty="0">
+              <a:latin typeface="Microsoft YaHei" panose="020B0503020204020204" pitchFamily="34" charset="-122"/>
+              <a:ea typeface="Microsoft YaHei" panose="020B0503020204020204" pitchFamily="34" charset="-122"/>
+            </a:endParaRPr>
+          </a:p>
+        </p:txBody>
+      </p:sp>
+      <p:sp>
+        <p:nvSpPr>
+          <p:cNvPr id="48" name="矩形 47">
+            <a:extLst>
+              <a:ext uri="{FF2B5EF4-FFF2-40B4-BE49-F238E27FC236}">
+                <a16:creationId xmlns:a16="http://schemas.microsoft.com/office/drawing/2014/main" id="{F871C577-C5EB-4F40-A4E9-B40934504E7A}"/>
+              </a:ext>
+            </a:extLst>
+          </p:cNvPr>
+          <p:cNvSpPr/>
+          <p:nvPr/>
+        </p:nvSpPr>
+        <p:spPr>
+          <a:xfrm>
+            <a:off x="5823787" y="2219623"/>
+            <a:ext cx="338554" cy="2160000"/>
+          </a:xfrm>
+          <a:prstGeom prst="rect">
+            <a:avLst/>
+          </a:prstGeom>
+          <a:solidFill>
+            <a:schemeClr val="bg1"/>
+          </a:solidFill>
+          <a:ln w="9525">
+            <a:solidFill>
+              <a:schemeClr val="tx1"/>
+            </a:solidFill>
+          </a:ln>
+        </p:spPr>
+        <p:txBody>
+          <a:bodyPr vert="eaVert" wrap="square" tIns="72000" bIns="72000" anchor="ctr">
+            <a:spAutoFit/>
+          </a:bodyPr>
+          <a:lstStyle/>
+          <a:p>
+            <a:pPr algn="ctr"/>
+            <a:r>
+              <a:rPr lang="zh-CN" altLang="en-US" sz="1000" dirty="0">
+                <a:latin typeface="+mn-ea"/>
+              </a:rPr>
+              <a:t>冷启动策略</a:t>
+            </a:r>
+            <a:endParaRPr lang="en-US" altLang="zh-CN" sz="1000" dirty="0">
+              <a:latin typeface="+mn-ea"/>
+            </a:endParaRPr>
+          </a:p>
+        </p:txBody>
+      </p:sp>
+      <p:sp>
+        <p:nvSpPr>
+          <p:cNvPr id="49" name="矩形 48">
+            <a:extLst>
+              <a:ext uri="{FF2B5EF4-FFF2-40B4-BE49-F238E27FC236}">
+                <a16:creationId xmlns:a16="http://schemas.microsoft.com/office/drawing/2014/main" id="{98379760-C87A-4D97-8517-88F950CEB128}"/>
+              </a:ext>
+            </a:extLst>
+          </p:cNvPr>
+          <p:cNvSpPr/>
+          <p:nvPr/>
+        </p:nvSpPr>
+        <p:spPr>
+          <a:xfrm>
+            <a:off x="7884926" y="2219623"/>
+            <a:ext cx="338554" cy="2160000"/>
+          </a:xfrm>
+          <a:prstGeom prst="rect">
+            <a:avLst/>
+          </a:prstGeom>
+          <a:solidFill>
+            <a:schemeClr val="bg1"/>
+          </a:solidFill>
+          <a:ln w="9525">
+            <a:solidFill>
+              <a:schemeClr val="tx1"/>
+            </a:solidFill>
+          </a:ln>
+        </p:spPr>
+        <p:txBody>
+          <a:bodyPr vert="eaVert" wrap="square" tIns="72000" bIns="72000" anchor="ctr">
+            <a:spAutoFit/>
+          </a:bodyPr>
+          <a:lstStyle/>
+          <a:p>
+            <a:pPr algn="ctr"/>
+            <a:r>
+              <a:rPr lang="zh-CN" altLang="en-US" sz="1000" dirty="0">
+                <a:latin typeface="+mn-ea"/>
+              </a:rPr>
+              <a:t>探索与利用</a:t>
+            </a:r>
+            <a:endParaRPr lang="en-US" altLang="zh-CN" sz="1000" dirty="0">
+              <a:latin typeface="+mn-ea"/>
+            </a:endParaRPr>
+          </a:p>
+        </p:txBody>
+      </p:sp>
+      <p:sp>
+        <p:nvSpPr>
+          <p:cNvPr id="42" name="矩形 41">
+            <a:extLst>
+              <a:ext uri="{FF2B5EF4-FFF2-40B4-BE49-F238E27FC236}">
+                <a16:creationId xmlns:a16="http://schemas.microsoft.com/office/drawing/2014/main" id="{9FF28390-B783-FD44-94DC-02893E0C6548}"/>
+              </a:ext>
+            </a:extLst>
+          </p:cNvPr>
+          <p:cNvSpPr/>
+          <p:nvPr/>
+        </p:nvSpPr>
+        <p:spPr>
+          <a:xfrm>
+            <a:off x="8323850" y="2219623"/>
+            <a:ext cx="727139" cy="3002004"/>
+          </a:xfrm>
+          <a:prstGeom prst="rect">
+            <a:avLst/>
+          </a:prstGeom>
+          <a:solidFill>
+            <a:schemeClr val="bg1"/>
+          </a:solidFill>
+          <a:ln w="9525">
+            <a:solidFill>
+              <a:schemeClr val="tx1"/>
+            </a:solidFill>
+          </a:ln>
+        </p:spPr>
+        <p:txBody>
+          <a:bodyPr wrap="square" tIns="72000" bIns="72000">
+            <a:noAutofit/>
+          </a:bodyPr>
+          <a:lstStyle/>
+          <a:p>
+            <a:pPr algn="ctr">
+              <a:spcAft>
+                <a:spcPts val="400"/>
+              </a:spcAft>
+            </a:pPr>
+            <a:r>
+              <a:rPr lang="zh-CN" altLang="en-US" sz="1000" dirty="0">
+                <a:latin typeface="+mn-ea"/>
+              </a:rPr>
+              <a:t>模型服务   </a:t>
+            </a:r>
+            <a:endParaRPr lang="en-US" altLang="zh-CN" sz="1000" dirty="0">
+              <a:latin typeface="+mn-ea"/>
+            </a:endParaRPr>
+          </a:p>
+          <a:p>
+            <a:pPr algn="ctr"/>
+            <a:endParaRPr lang="en-US" altLang="zh-CN" sz="800" dirty="0">
+              <a:latin typeface="+mn-ea"/>
+            </a:endParaRPr>
+          </a:p>
+          <a:p>
+            <a:pPr algn="ctr"/>
+            <a:endParaRPr lang="en-US" altLang="zh-CN" sz="800" dirty="0">
+              <a:latin typeface="+mn-ea"/>
+            </a:endParaRPr>
+          </a:p>
+          <a:p>
+            <a:pPr algn="ctr"/>
+            <a:endParaRPr lang="en-US" altLang="zh-CN" sz="800" dirty="0">
+              <a:latin typeface="+mn-ea"/>
+            </a:endParaRPr>
+          </a:p>
+          <a:p>
+            <a:pPr algn="ctr"/>
+            <a:r>
+              <a:rPr lang="en-US" altLang="zh-CN" sz="800" dirty="0">
+                <a:solidFill>
+                  <a:schemeClr val="bg2">
+                    <a:lumMod val="50000"/>
+                  </a:schemeClr>
+                </a:solidFill>
+                <a:latin typeface="Microsoft YaHei Light" panose="020B0503020204020204" pitchFamily="34" charset="-122"/>
+                <a:ea typeface="Microsoft YaHei Light" panose="020B0503020204020204" pitchFamily="34" charset="-122"/>
+              </a:rPr>
+              <a:t>Docker   </a:t>
+            </a:r>
+          </a:p>
+          <a:p>
+            <a:pPr algn="ctr"/>
+            <a:endParaRPr lang="en-US" altLang="zh-CN" sz="800" dirty="0">
+              <a:solidFill>
+                <a:schemeClr val="bg2">
+                  <a:lumMod val="50000"/>
+                </a:schemeClr>
+              </a:solidFill>
+              <a:latin typeface="Microsoft YaHei Light" panose="020B0503020204020204" pitchFamily="34" charset="-122"/>
+              <a:ea typeface="Microsoft YaHei Light" panose="020B0503020204020204" pitchFamily="34" charset="-122"/>
+            </a:endParaRPr>
+          </a:p>
+          <a:p>
+            <a:pPr algn="ctr"/>
+            <a:endParaRPr lang="en-US" altLang="zh-CN" sz="800" dirty="0">
+              <a:solidFill>
+                <a:schemeClr val="bg2">
+                  <a:lumMod val="50000"/>
+                </a:schemeClr>
+              </a:solidFill>
+              <a:latin typeface="Microsoft YaHei Light" panose="020B0503020204020204" pitchFamily="34" charset="-122"/>
+              <a:ea typeface="Microsoft YaHei Light" panose="020B0503020204020204" pitchFamily="34" charset="-122"/>
+            </a:endParaRPr>
+          </a:p>
+          <a:p>
+            <a:pPr algn="ctr"/>
+            <a:endParaRPr lang="en-US" altLang="zh-CN" sz="800" dirty="0">
+              <a:solidFill>
+                <a:schemeClr val="bg2">
+                  <a:lumMod val="50000"/>
+                </a:schemeClr>
+              </a:solidFill>
+              <a:latin typeface="Microsoft YaHei Light" panose="020B0503020204020204" pitchFamily="34" charset="-122"/>
+              <a:ea typeface="Microsoft YaHei Light" panose="020B0503020204020204" pitchFamily="34" charset="-122"/>
+            </a:endParaRPr>
+          </a:p>
+          <a:p>
+            <a:pPr algn="ctr"/>
+            <a:r>
+              <a:rPr lang="en-US" altLang="zh-CN" sz="800" dirty="0">
+                <a:solidFill>
+                  <a:schemeClr val="bg2">
+                    <a:lumMod val="50000"/>
+                  </a:schemeClr>
+                </a:solidFill>
+                <a:latin typeface="Microsoft YaHei Light" panose="020B0503020204020204" pitchFamily="34" charset="-122"/>
+                <a:ea typeface="Microsoft YaHei Light" panose="020B0503020204020204" pitchFamily="34" charset="-122"/>
+              </a:rPr>
+              <a:t>Go  </a:t>
+            </a:r>
+          </a:p>
+          <a:p>
+            <a:pPr algn="ctr"/>
+            <a:endParaRPr lang="en-US" altLang="zh-CN" sz="800" dirty="0">
+              <a:solidFill>
+                <a:schemeClr val="bg2">
+                  <a:lumMod val="50000"/>
+                </a:schemeClr>
+              </a:solidFill>
+              <a:latin typeface="Microsoft YaHei Light" panose="020B0503020204020204" pitchFamily="34" charset="-122"/>
+              <a:ea typeface="Microsoft YaHei Light" panose="020B0503020204020204" pitchFamily="34" charset="-122"/>
+            </a:endParaRPr>
+          </a:p>
+          <a:p>
+            <a:pPr algn="ctr"/>
+            <a:endParaRPr lang="en-US" altLang="zh-CN" sz="800" dirty="0">
+              <a:solidFill>
+                <a:schemeClr val="bg2">
+                  <a:lumMod val="50000"/>
+                </a:schemeClr>
+              </a:solidFill>
+              <a:latin typeface="Microsoft YaHei Light" panose="020B0503020204020204" pitchFamily="34" charset="-122"/>
+              <a:ea typeface="Microsoft YaHei Light" panose="020B0503020204020204" pitchFamily="34" charset="-122"/>
+            </a:endParaRPr>
+          </a:p>
+          <a:p>
+            <a:pPr algn="ctr"/>
+            <a:endParaRPr lang="en-US" altLang="zh-CN" sz="800" dirty="0">
+              <a:solidFill>
+                <a:schemeClr val="bg2">
+                  <a:lumMod val="50000"/>
+                </a:schemeClr>
+              </a:solidFill>
+              <a:latin typeface="Microsoft YaHei Light" panose="020B0503020204020204" pitchFamily="34" charset="-122"/>
+              <a:ea typeface="Microsoft YaHei Light" panose="020B0503020204020204" pitchFamily="34" charset="-122"/>
+            </a:endParaRPr>
+          </a:p>
+          <a:p>
+            <a:pPr algn="ctr"/>
+            <a:r>
+              <a:rPr lang="en-US" altLang="zh-CN" sz="800" dirty="0">
+                <a:solidFill>
+                  <a:schemeClr val="bg2">
+                    <a:lumMod val="50000"/>
+                  </a:schemeClr>
+                </a:solidFill>
+                <a:latin typeface="Microsoft YaHei Light" panose="020B0503020204020204" pitchFamily="34" charset="-122"/>
+                <a:ea typeface="Microsoft YaHei Light" panose="020B0503020204020204" pitchFamily="34" charset="-122"/>
+              </a:rPr>
+              <a:t>Java  </a:t>
+            </a:r>
+          </a:p>
+          <a:p>
+            <a:pPr algn="ctr"/>
+            <a:endParaRPr lang="en-US" altLang="zh-CN" sz="800" dirty="0">
+              <a:solidFill>
+                <a:schemeClr val="bg2">
+                  <a:lumMod val="50000"/>
+                </a:schemeClr>
+              </a:solidFill>
+              <a:latin typeface="Microsoft YaHei Light" panose="020B0503020204020204" pitchFamily="34" charset="-122"/>
+              <a:ea typeface="Microsoft YaHei Light" panose="020B0503020204020204" pitchFamily="34" charset="-122"/>
+            </a:endParaRPr>
+          </a:p>
+          <a:p>
+            <a:pPr algn="ctr"/>
+            <a:endParaRPr lang="en-US" altLang="zh-CN" sz="800" dirty="0">
+              <a:solidFill>
+                <a:schemeClr val="bg2">
+                  <a:lumMod val="50000"/>
+                </a:schemeClr>
+              </a:solidFill>
+              <a:latin typeface="Microsoft YaHei Light" panose="020B0503020204020204" pitchFamily="34" charset="-122"/>
+              <a:ea typeface="Microsoft YaHei Light" panose="020B0503020204020204" pitchFamily="34" charset="-122"/>
+            </a:endParaRPr>
+          </a:p>
+          <a:p>
+            <a:pPr algn="ctr"/>
+            <a:endParaRPr lang="en-US" altLang="zh-CN" sz="800" dirty="0">
+              <a:solidFill>
+                <a:schemeClr val="bg2">
+                  <a:lumMod val="50000"/>
+                </a:schemeClr>
+              </a:solidFill>
+              <a:latin typeface="Microsoft YaHei Light" panose="020B0503020204020204" pitchFamily="34" charset="-122"/>
+              <a:ea typeface="Microsoft YaHei Light" panose="020B0503020204020204" pitchFamily="34" charset="-122"/>
+            </a:endParaRPr>
+          </a:p>
+          <a:p>
+            <a:pPr algn="ctr"/>
+            <a:r>
+              <a:rPr lang="en-US" altLang="zh-CN" sz="800" dirty="0">
+                <a:solidFill>
+                  <a:schemeClr val="bg2">
+                    <a:lumMod val="50000"/>
+                  </a:schemeClr>
+                </a:solidFill>
+                <a:latin typeface="Microsoft YaHei Light" panose="020B0503020204020204" pitchFamily="34" charset="-122"/>
+                <a:ea typeface="Microsoft YaHei Light" panose="020B0503020204020204" pitchFamily="34" charset="-122"/>
+              </a:rPr>
+              <a:t>TensorFlow </a:t>
+            </a:r>
+          </a:p>
+          <a:p>
+            <a:pPr algn="ctr"/>
+            <a:r>
+              <a:rPr lang="en-US" altLang="zh-CN" sz="800" dirty="0">
+                <a:solidFill>
+                  <a:schemeClr val="bg2">
+                    <a:lumMod val="50000"/>
+                  </a:schemeClr>
+                </a:solidFill>
+                <a:latin typeface="Microsoft YaHei Light" panose="020B0503020204020204" pitchFamily="34" charset="-122"/>
+                <a:ea typeface="Microsoft YaHei Light" panose="020B0503020204020204" pitchFamily="34" charset="-122"/>
+              </a:rPr>
+              <a:t>Serving</a:t>
+            </a:r>
+          </a:p>
+        </p:txBody>
+      </p:sp>
+      <p:sp>
+        <p:nvSpPr>
+          <p:cNvPr id="43" name="矩形 42">
+            <a:extLst>
+              <a:ext uri="{FF2B5EF4-FFF2-40B4-BE49-F238E27FC236}">
+                <a16:creationId xmlns:a16="http://schemas.microsoft.com/office/drawing/2014/main" id="{493E645A-FAB0-2E43-B55F-0E8A1A9A829B}"/>
+              </a:ext>
+            </a:extLst>
+          </p:cNvPr>
+          <p:cNvSpPr/>
+          <p:nvPr/>
+        </p:nvSpPr>
+        <p:spPr>
+          <a:xfrm>
+            <a:off x="9804368" y="2320207"/>
+            <a:ext cx="1008000" cy="863167"/>
+          </a:xfrm>
+          <a:prstGeom prst="rect">
+            <a:avLst/>
+          </a:prstGeom>
+          <a:ln w="9525">
+            <a:solidFill>
+              <a:schemeClr val="tx1"/>
+            </a:solidFill>
+          </a:ln>
+        </p:spPr>
+        <p:txBody>
+          <a:bodyPr wrap="square" tIns="72000" bIns="72000">
+            <a:spAutoFit/>
+          </a:bodyPr>
+          <a:lstStyle/>
+          <a:p>
+            <a:pPr>
+              <a:lnSpc>
+                <a:spcPct val="150000"/>
+              </a:lnSpc>
+            </a:pPr>
+            <a:r>
+              <a:rPr lang="zh-CN" altLang="en-US" sz="800" b="1" dirty="0">
+                <a:latin typeface="+mn-ea"/>
+              </a:rPr>
+              <a:t>模型在线更新</a:t>
+            </a:r>
+            <a:endParaRPr lang="en-US" altLang="zh-CN" sz="800" b="1" dirty="0">
+              <a:latin typeface="+mn-ea"/>
+            </a:endParaRPr>
+          </a:p>
+          <a:p>
+            <a:pPr>
+              <a:lnSpc>
+                <a:spcPct val="150000"/>
+              </a:lnSpc>
+            </a:pPr>
+            <a:r>
+              <a:rPr lang="zh-CN" altLang="en-US" sz="800" dirty="0">
+                <a:solidFill>
+                  <a:schemeClr val="bg2">
+                    <a:lumMod val="50000"/>
+                  </a:schemeClr>
+                </a:solidFill>
+                <a:latin typeface="Microsoft YaHei Light" panose="020B0503020204020204" pitchFamily="34" charset="-122"/>
+                <a:ea typeface="Microsoft YaHei Light" panose="020B0503020204020204" pitchFamily="34" charset="-122"/>
+              </a:rPr>
+              <a:t>在线学习</a:t>
+            </a:r>
+            <a:endParaRPr lang="en-US" altLang="zh-CN" sz="800" dirty="0">
+              <a:solidFill>
+                <a:schemeClr val="bg2">
+                  <a:lumMod val="50000"/>
+                </a:schemeClr>
+              </a:solidFill>
+              <a:latin typeface="Microsoft YaHei Light" panose="020B0503020204020204" pitchFamily="34" charset="-122"/>
+              <a:ea typeface="Microsoft YaHei Light" panose="020B0503020204020204" pitchFamily="34" charset="-122"/>
+            </a:endParaRPr>
+          </a:p>
+          <a:p>
+            <a:pPr>
+              <a:lnSpc>
+                <a:spcPct val="150000"/>
+              </a:lnSpc>
+            </a:pPr>
+            <a:r>
+              <a:rPr lang="zh-CN" altLang="en-US" sz="800" dirty="0">
+                <a:solidFill>
+                  <a:schemeClr val="bg2">
+                    <a:lumMod val="50000"/>
+                  </a:schemeClr>
+                </a:solidFill>
+                <a:latin typeface="Microsoft YaHei Light" panose="020B0503020204020204" pitchFamily="34" charset="-122"/>
+                <a:ea typeface="Microsoft YaHei Light" panose="020B0503020204020204" pitchFamily="34" charset="-122"/>
+              </a:rPr>
+              <a:t>特混合更新策略</a:t>
+            </a:r>
+            <a:endParaRPr lang="en-US" altLang="zh-CN" sz="800" dirty="0">
+              <a:solidFill>
+                <a:schemeClr val="bg2">
+                  <a:lumMod val="50000"/>
+                </a:schemeClr>
+              </a:solidFill>
+              <a:latin typeface="Microsoft YaHei Light" panose="020B0503020204020204" pitchFamily="34" charset="-122"/>
+              <a:ea typeface="Microsoft YaHei Light" panose="020B0503020204020204" pitchFamily="34" charset="-122"/>
+            </a:endParaRPr>
+          </a:p>
+          <a:p>
+            <a:pPr>
+              <a:lnSpc>
+                <a:spcPct val="150000"/>
+              </a:lnSpc>
+            </a:pPr>
+            <a:r>
+              <a:rPr lang="zh-CN" altLang="en-US" sz="800" dirty="0">
+                <a:solidFill>
+                  <a:schemeClr val="bg2">
+                    <a:lumMod val="50000"/>
+                  </a:schemeClr>
+                </a:solidFill>
+                <a:latin typeface="Microsoft YaHei Light" panose="020B0503020204020204" pitchFamily="34" charset="-122"/>
+                <a:ea typeface="Microsoft YaHei Light" panose="020B0503020204020204" pitchFamily="34" charset="-122"/>
+              </a:rPr>
+              <a:t>特征实时性</a:t>
+            </a:r>
+            <a:endParaRPr lang="en-US" altLang="zh-CN" sz="800" dirty="0">
+              <a:solidFill>
+                <a:schemeClr val="bg2">
+                  <a:lumMod val="50000"/>
+                </a:schemeClr>
+              </a:solidFill>
+              <a:latin typeface="Microsoft YaHei Light" panose="020B0503020204020204" pitchFamily="34" charset="-122"/>
+              <a:ea typeface="Microsoft YaHei Light" panose="020B0503020204020204" pitchFamily="34" charset="-122"/>
+            </a:endParaRPr>
+          </a:p>
+        </p:txBody>
+      </p:sp>
+      <p:sp>
+        <p:nvSpPr>
+          <p:cNvPr id="44" name="矩形 43">
+            <a:extLst>
+              <a:ext uri="{FF2B5EF4-FFF2-40B4-BE49-F238E27FC236}">
+                <a16:creationId xmlns:a16="http://schemas.microsoft.com/office/drawing/2014/main" id="{1655A7FD-33D9-404F-89CF-B897B87869F1}"/>
+              </a:ext>
+            </a:extLst>
+          </p:cNvPr>
+          <p:cNvSpPr/>
+          <p:nvPr/>
+        </p:nvSpPr>
+        <p:spPr>
+          <a:xfrm>
+            <a:off x="9804368" y="4349088"/>
+            <a:ext cx="1008000" cy="678501"/>
+          </a:xfrm>
+          <a:prstGeom prst="rect">
+            <a:avLst/>
+          </a:prstGeom>
+          <a:ln w="9525">
+            <a:solidFill>
+              <a:schemeClr val="tx1"/>
+            </a:solidFill>
+          </a:ln>
+        </p:spPr>
+        <p:txBody>
+          <a:bodyPr wrap="square" tIns="72000" bIns="72000">
+            <a:spAutoFit/>
+          </a:bodyPr>
+          <a:lstStyle/>
+          <a:p>
+            <a:pPr>
+              <a:lnSpc>
+                <a:spcPct val="150000"/>
+              </a:lnSpc>
+            </a:pPr>
+            <a:r>
+              <a:rPr lang="zh-CN" altLang="en-US" sz="800" b="1" dirty="0">
+                <a:latin typeface="+mn-ea"/>
+              </a:rPr>
+              <a:t>模型离线训练</a:t>
+            </a:r>
+            <a:endParaRPr lang="en-US" altLang="zh-CN" sz="800" b="1" dirty="0">
+              <a:latin typeface="+mn-ea"/>
+            </a:endParaRPr>
+          </a:p>
+          <a:p>
+            <a:pPr>
+              <a:lnSpc>
+                <a:spcPct val="150000"/>
+              </a:lnSpc>
+            </a:pPr>
+            <a:r>
+              <a:rPr lang="en-US" altLang="zh-CN" sz="800" dirty="0">
+                <a:solidFill>
+                  <a:schemeClr val="bg2">
+                    <a:lumMod val="50000"/>
+                  </a:schemeClr>
+                </a:solidFill>
+                <a:latin typeface="Microsoft YaHei Light" panose="020B0503020204020204" pitchFamily="34" charset="-122"/>
+                <a:ea typeface="Microsoft YaHei Light" panose="020B0503020204020204" pitchFamily="34" charset="-122"/>
+              </a:rPr>
+              <a:t>Spark  </a:t>
+            </a:r>
+            <a:r>
+              <a:rPr lang="en-US" altLang="zh-CN" sz="800" dirty="0" err="1">
+                <a:solidFill>
+                  <a:schemeClr val="bg2">
+                    <a:lumMod val="50000"/>
+                  </a:schemeClr>
+                </a:solidFill>
+                <a:latin typeface="Microsoft YaHei Light" panose="020B0503020204020204" pitchFamily="34" charset="-122"/>
+                <a:ea typeface="Microsoft YaHei Light" panose="020B0503020204020204" pitchFamily="34" charset="-122"/>
+              </a:rPr>
+              <a:t>PyTorch</a:t>
+            </a:r>
+            <a:endParaRPr lang="en-US" altLang="zh-CN" sz="800" dirty="0">
+              <a:solidFill>
+                <a:schemeClr val="bg2">
+                  <a:lumMod val="50000"/>
+                </a:schemeClr>
+              </a:solidFill>
+              <a:latin typeface="Microsoft YaHei Light" panose="020B0503020204020204" pitchFamily="34" charset="-122"/>
+              <a:ea typeface="Microsoft YaHei Light" panose="020B0503020204020204" pitchFamily="34" charset="-122"/>
+            </a:endParaRPr>
+          </a:p>
+          <a:p>
+            <a:pPr>
+              <a:lnSpc>
+                <a:spcPct val="150000"/>
+              </a:lnSpc>
+            </a:pPr>
+            <a:r>
+              <a:rPr lang="en-US" altLang="zh-CN" sz="800" dirty="0" err="1">
+                <a:solidFill>
+                  <a:schemeClr val="bg2">
+                    <a:lumMod val="50000"/>
+                  </a:schemeClr>
+                </a:solidFill>
+                <a:latin typeface="Microsoft YaHei Light" panose="020B0503020204020204" pitchFamily="34" charset="-122"/>
+                <a:ea typeface="Microsoft YaHei Light" panose="020B0503020204020204" pitchFamily="34" charset="-122"/>
+              </a:rPr>
+              <a:t>MLIib</a:t>
+            </a:r>
+            <a:r>
+              <a:rPr lang="en-US" altLang="zh-CN" sz="800" dirty="0">
+                <a:solidFill>
+                  <a:schemeClr val="bg2">
+                    <a:lumMod val="50000"/>
+                  </a:schemeClr>
+                </a:solidFill>
+                <a:latin typeface="Microsoft YaHei Light" panose="020B0503020204020204" pitchFamily="34" charset="-122"/>
+                <a:ea typeface="Microsoft YaHei Light" panose="020B0503020204020204" pitchFamily="34" charset="-122"/>
+              </a:rPr>
+              <a:t> TensorFlow</a:t>
+            </a:r>
+          </a:p>
+        </p:txBody>
+      </p:sp>
+      <p:cxnSp>
+        <p:nvCxnSpPr>
+          <p:cNvPr id="55" name="直线箭头连接符 10">
+            <a:extLst>
+              <a:ext uri="{FF2B5EF4-FFF2-40B4-BE49-F238E27FC236}">
+                <a16:creationId xmlns:a16="http://schemas.microsoft.com/office/drawing/2014/main" id="{68F6BE12-28EC-FD46-BCFE-27C2B345A62D}"/>
+              </a:ext>
+            </a:extLst>
+          </p:cNvPr>
+          <p:cNvCxnSpPr>
+            <a:cxnSpLocks/>
+            <a:stCxn id="44" idx="1"/>
+          </p:cNvCxnSpPr>
+          <p:nvPr/>
+        </p:nvCxnSpPr>
+        <p:spPr>
+          <a:xfrm flipH="1">
+            <a:off x="9252620" y="4688339"/>
+            <a:ext cx="551748" cy="0"/>
           </a:xfrm>
           <a:prstGeom prst="straightConnector1">
             <a:avLst/>
@@ -4621,23 +5392,995 @@
       </p:cxnSp>
       <p:cxnSp>
         <p:nvCxnSpPr>
-          <p:cNvPr id="40" name="直线箭头连接符 10">
+          <p:cNvPr id="57" name="直线箭头连接符 10">
             <a:extLst>
               <a:ext uri="{FF2B5EF4-FFF2-40B4-BE49-F238E27FC236}">
-                <a16:creationId xmlns:a16="http://schemas.microsoft.com/office/drawing/2014/main" id="{2CF2ACC8-5FD8-46C1-9C6E-A8A6836BD37A}"/>
+                <a16:creationId xmlns:a16="http://schemas.microsoft.com/office/drawing/2014/main" id="{EF38B0F2-723F-C948-936D-31F9259DB3B0}"/>
               </a:ext>
             </a:extLst>
           </p:cNvPr>
           <p:cNvCxnSpPr>
             <a:cxnSpLocks/>
-            <a:stCxn id="38" idx="0"/>
+            <a:stCxn id="43" idx="1"/>
           </p:cNvCxnSpPr>
           <p:nvPr/>
         </p:nvCxnSpPr>
         <p:spPr>
+          <a:xfrm flipH="1">
+            <a:off x="9252620" y="2751791"/>
+            <a:ext cx="551748" cy="1"/>
+          </a:xfrm>
+          <a:prstGeom prst="straightConnector1">
+            <a:avLst/>
+          </a:prstGeom>
+          <a:ln w="9525">
+            <a:headEnd w="lg" len="lg"/>
+            <a:tailEnd type="triangle" w="med" len="lg"/>
+          </a:ln>
+        </p:spPr>
+        <p:style>
+          <a:lnRef idx="1">
+            <a:schemeClr val="dk1"/>
+          </a:lnRef>
+          <a:fillRef idx="0">
+            <a:schemeClr val="dk1"/>
+          </a:fillRef>
+          <a:effectRef idx="0">
+            <a:schemeClr val="dk1"/>
+          </a:effectRef>
+          <a:fontRef idx="minor">
+            <a:schemeClr val="tx1"/>
+          </a:fontRef>
+        </p:style>
+      </p:cxnSp>
+      <p:sp>
+        <p:nvSpPr>
+          <p:cNvPr id="63" name="矩形 62">
+            <a:extLst>
+              <a:ext uri="{FF2B5EF4-FFF2-40B4-BE49-F238E27FC236}">
+                <a16:creationId xmlns:a16="http://schemas.microsoft.com/office/drawing/2014/main" id="{D9C722A5-26CB-5340-B324-8FE5B9792DA9}"/>
+              </a:ext>
+            </a:extLst>
+          </p:cNvPr>
+          <p:cNvSpPr/>
+          <p:nvPr/>
+        </p:nvSpPr>
+        <p:spPr>
+          <a:xfrm>
+            <a:off x="9757256" y="3202946"/>
+            <a:ext cx="1201448" cy="678437"/>
+          </a:xfrm>
+          <a:prstGeom prst="rect">
+            <a:avLst/>
+          </a:prstGeom>
+          <a:ln w="9525">
+            <a:noFill/>
+          </a:ln>
+        </p:spPr>
+        <p:txBody>
+          <a:bodyPr wrap="square" tIns="72000" bIns="72000">
+            <a:spAutoFit/>
+          </a:bodyPr>
+          <a:lstStyle/>
+          <a:p>
+            <a:pPr>
+              <a:lnSpc>
+                <a:spcPct val="150000"/>
+              </a:lnSpc>
+            </a:pPr>
+            <a:r>
+              <a:rPr lang="zh-CN" altLang="en-US" sz="800" dirty="0">
+                <a:latin typeface="+mn-ea"/>
+              </a:rPr>
+              <a:t>线上评估</a:t>
+            </a:r>
+            <a:endParaRPr lang="en-US" altLang="zh-CN" sz="800" dirty="0">
+              <a:latin typeface="+mn-ea"/>
+            </a:endParaRPr>
+          </a:p>
+          <a:p>
+            <a:pPr marL="0" lvl="1">
+              <a:lnSpc>
+                <a:spcPct val="150000"/>
+              </a:lnSpc>
+            </a:pPr>
+            <a:r>
+              <a:rPr lang="en-US" altLang="zh-CN" sz="800" dirty="0">
+                <a:solidFill>
+                  <a:schemeClr val="bg2">
+                    <a:lumMod val="50000"/>
+                  </a:schemeClr>
+                </a:solidFill>
+                <a:latin typeface="Microsoft YaHei Light" panose="020B0503020204020204" pitchFamily="34" charset="-122"/>
+                <a:ea typeface="Microsoft YaHei Light" panose="020B0503020204020204" pitchFamily="34" charset="-122"/>
+              </a:rPr>
+              <a:t>Interleaving</a:t>
+            </a:r>
+            <a:r>
+              <a:rPr lang="zh-CN" altLang="en-US" sz="800" dirty="0">
+                <a:solidFill>
+                  <a:schemeClr val="bg2">
+                    <a:lumMod val="50000"/>
+                  </a:schemeClr>
+                </a:solidFill>
+                <a:latin typeface="Microsoft YaHei Light" panose="020B0503020204020204" pitchFamily="34" charset="-122"/>
+                <a:ea typeface="Microsoft YaHei Light" panose="020B0503020204020204" pitchFamily="34" charset="-122"/>
+              </a:rPr>
+              <a:t>测试</a:t>
+            </a:r>
+            <a:endParaRPr lang="en-US" altLang="zh-CN" sz="800" dirty="0">
+              <a:solidFill>
+                <a:schemeClr val="bg2">
+                  <a:lumMod val="50000"/>
+                </a:schemeClr>
+              </a:solidFill>
+              <a:latin typeface="Microsoft YaHei Light" panose="020B0503020204020204" pitchFamily="34" charset="-122"/>
+              <a:ea typeface="Microsoft YaHei Light" panose="020B0503020204020204" pitchFamily="34" charset="-122"/>
+            </a:endParaRPr>
+          </a:p>
+          <a:p>
+            <a:pPr marL="0" lvl="1">
+              <a:lnSpc>
+                <a:spcPct val="150000"/>
+              </a:lnSpc>
+            </a:pPr>
+            <a:r>
+              <a:rPr lang="zh-CN" altLang="en-US" sz="800" dirty="0">
+                <a:solidFill>
+                  <a:schemeClr val="bg2">
+                    <a:lumMod val="50000"/>
+                  </a:schemeClr>
+                </a:solidFill>
+                <a:latin typeface="Microsoft YaHei Light" panose="020B0503020204020204" pitchFamily="34" charset="-122"/>
+                <a:ea typeface="Microsoft YaHei Light" panose="020B0503020204020204" pitchFamily="34" charset="-122"/>
+              </a:rPr>
+              <a:t>线上</a:t>
+            </a:r>
+            <a:r>
+              <a:rPr lang="en-US" altLang="zh-CN" sz="800" dirty="0">
+                <a:solidFill>
+                  <a:schemeClr val="bg2">
+                    <a:lumMod val="50000"/>
+                  </a:schemeClr>
+                </a:solidFill>
+                <a:latin typeface="Microsoft YaHei Light" panose="020B0503020204020204" pitchFamily="34" charset="-122"/>
+                <a:ea typeface="Microsoft YaHei Light" panose="020B0503020204020204" pitchFamily="34" charset="-122"/>
+              </a:rPr>
+              <a:t>A/B</a:t>
+            </a:r>
+            <a:r>
+              <a:rPr lang="zh-CN" altLang="en-US" sz="800" dirty="0">
+                <a:solidFill>
+                  <a:schemeClr val="bg2">
+                    <a:lumMod val="50000"/>
+                  </a:schemeClr>
+                </a:solidFill>
+                <a:latin typeface="Microsoft YaHei Light" panose="020B0503020204020204" pitchFamily="34" charset="-122"/>
+                <a:ea typeface="Microsoft YaHei Light" panose="020B0503020204020204" pitchFamily="34" charset="-122"/>
+              </a:rPr>
+              <a:t>测试</a:t>
+            </a:r>
+            <a:endParaRPr lang="en-US" altLang="zh-CN" sz="800" dirty="0">
+              <a:solidFill>
+                <a:schemeClr val="bg2">
+                  <a:lumMod val="50000"/>
+                </a:schemeClr>
+              </a:solidFill>
+              <a:latin typeface="Microsoft YaHei Light" panose="020B0503020204020204" pitchFamily="34" charset="-122"/>
+              <a:ea typeface="Microsoft YaHei Light" panose="020B0503020204020204" pitchFamily="34" charset="-122"/>
+            </a:endParaRPr>
+          </a:p>
+        </p:txBody>
+      </p:sp>
+      <p:sp>
+        <p:nvSpPr>
+          <p:cNvPr id="64" name="矩形 63">
+            <a:extLst>
+              <a:ext uri="{FF2B5EF4-FFF2-40B4-BE49-F238E27FC236}">
+                <a16:creationId xmlns:a16="http://schemas.microsoft.com/office/drawing/2014/main" id="{880D416C-AA7E-D948-9169-04CF347F36C1}"/>
+              </a:ext>
+            </a:extLst>
+          </p:cNvPr>
+          <p:cNvSpPr/>
+          <p:nvPr/>
+        </p:nvSpPr>
+        <p:spPr>
+          <a:xfrm>
+            <a:off x="9757255" y="5073161"/>
+            <a:ext cx="2121531" cy="1047769"/>
+          </a:xfrm>
+          <a:prstGeom prst="rect">
+            <a:avLst/>
+          </a:prstGeom>
+          <a:ln w="9525">
+            <a:noFill/>
+          </a:ln>
+        </p:spPr>
+        <p:txBody>
+          <a:bodyPr wrap="square" tIns="72000" bIns="72000">
+            <a:spAutoFit/>
+          </a:bodyPr>
+          <a:lstStyle/>
+          <a:p>
+            <a:pPr>
+              <a:lnSpc>
+                <a:spcPct val="150000"/>
+              </a:lnSpc>
+            </a:pPr>
+            <a:r>
+              <a:rPr lang="zh-CN" altLang="en-US" sz="800" dirty="0">
+                <a:latin typeface="+mn-ea"/>
+              </a:rPr>
+              <a:t>合理选择优化目标</a:t>
+            </a:r>
+            <a:endParaRPr lang="en-US" altLang="zh-CN" sz="800" dirty="0">
+              <a:latin typeface="+mn-ea"/>
+            </a:endParaRPr>
+          </a:p>
+          <a:p>
+            <a:pPr>
+              <a:lnSpc>
+                <a:spcPct val="150000"/>
+              </a:lnSpc>
+            </a:pPr>
+            <a:r>
+              <a:rPr lang="zh-CN" altLang="en-US" sz="800" dirty="0">
+                <a:latin typeface="+mn-ea"/>
+              </a:rPr>
+              <a:t>业务与模型结构结合</a:t>
+            </a:r>
+            <a:endParaRPr lang="en-US" altLang="zh-CN" sz="800" b="1" dirty="0">
+              <a:latin typeface="+mn-ea"/>
+            </a:endParaRPr>
+          </a:p>
+          <a:p>
+            <a:pPr>
+              <a:lnSpc>
+                <a:spcPct val="150000"/>
+              </a:lnSpc>
+            </a:pPr>
+            <a:r>
+              <a:rPr lang="zh-CN" altLang="en-US" sz="800" dirty="0">
+                <a:latin typeface="+mn-ea"/>
+              </a:rPr>
+              <a:t>离线评估</a:t>
+            </a:r>
+            <a:endParaRPr lang="en-US" altLang="zh-CN" sz="800" dirty="0">
+              <a:latin typeface="+mn-ea"/>
+            </a:endParaRPr>
+          </a:p>
+          <a:p>
+            <a:pPr marL="180975" lvl="1" indent="-88900">
+              <a:lnSpc>
+                <a:spcPct val="150000"/>
+              </a:lnSpc>
+              <a:buFont typeface="系统字体常规体"/>
+              <a:buChar char="▪"/>
+            </a:pPr>
+            <a:r>
+              <a:rPr lang="zh-CN" altLang="en-US" sz="800" dirty="0">
+                <a:solidFill>
+                  <a:schemeClr val="bg2">
+                    <a:lumMod val="50000"/>
+                  </a:schemeClr>
+                </a:solidFill>
+                <a:latin typeface="Microsoft YaHei Light" panose="020B0503020204020204" pitchFamily="34" charset="-122"/>
+                <a:ea typeface="Microsoft YaHei Light" panose="020B0503020204020204" pitchFamily="34" charset="-122"/>
+              </a:rPr>
+              <a:t>常规离线评估（</a:t>
+            </a:r>
+            <a:r>
+              <a:rPr lang="en-US" altLang="zh-CN" sz="800" dirty="0">
+                <a:solidFill>
+                  <a:schemeClr val="bg2">
+                    <a:lumMod val="50000"/>
+                  </a:schemeClr>
+                </a:solidFill>
+                <a:latin typeface="Microsoft YaHei Light" panose="020B0503020204020204" pitchFamily="34" charset="-122"/>
+                <a:ea typeface="Microsoft YaHei Light" panose="020B0503020204020204" pitchFamily="34" charset="-122"/>
+              </a:rPr>
+              <a:t>AUC</a:t>
+            </a:r>
+            <a:r>
+              <a:rPr lang="zh-CN" altLang="en-US" sz="800" dirty="0">
+                <a:solidFill>
+                  <a:schemeClr val="bg2">
+                    <a:lumMod val="50000"/>
+                  </a:schemeClr>
+                </a:solidFill>
+                <a:latin typeface="Microsoft YaHei Light" panose="020B0503020204020204" pitchFamily="34" charset="-122"/>
+                <a:ea typeface="Microsoft YaHei Light" panose="020B0503020204020204" pitchFamily="34" charset="-122"/>
+              </a:rPr>
+              <a:t>、</a:t>
+            </a:r>
+            <a:r>
+              <a:rPr lang="en-US" altLang="zh-CN" sz="800" dirty="0">
+                <a:solidFill>
+                  <a:schemeClr val="bg2">
+                    <a:lumMod val="50000"/>
+                  </a:schemeClr>
+                </a:solidFill>
+                <a:latin typeface="Microsoft YaHei Light" panose="020B0503020204020204" pitchFamily="34" charset="-122"/>
+                <a:ea typeface="Microsoft YaHei Light" panose="020B0503020204020204" pitchFamily="34" charset="-122"/>
+              </a:rPr>
+              <a:t>Recall</a:t>
+            </a:r>
+            <a:r>
+              <a:rPr lang="zh-CN" altLang="en-US" sz="800" dirty="0">
+                <a:solidFill>
+                  <a:schemeClr val="bg2">
+                    <a:lumMod val="50000"/>
+                  </a:schemeClr>
+                </a:solidFill>
+                <a:latin typeface="Microsoft YaHei Light" panose="020B0503020204020204" pitchFamily="34" charset="-122"/>
+                <a:ea typeface="Microsoft YaHei Light" panose="020B0503020204020204" pitchFamily="34" charset="-122"/>
+              </a:rPr>
+              <a:t>、</a:t>
+            </a:r>
+            <a:r>
+              <a:rPr lang="en-US" altLang="zh-CN" sz="800" dirty="0">
+                <a:solidFill>
+                  <a:schemeClr val="bg2">
+                    <a:lumMod val="50000"/>
+                  </a:schemeClr>
+                </a:solidFill>
+                <a:latin typeface="Microsoft YaHei Light" panose="020B0503020204020204" pitchFamily="34" charset="-122"/>
+                <a:ea typeface="Microsoft YaHei Light" panose="020B0503020204020204" pitchFamily="34" charset="-122"/>
+              </a:rPr>
+              <a:t>RMSE</a:t>
+            </a:r>
+            <a:r>
+              <a:rPr lang="zh-CN" altLang="en-US" sz="800" dirty="0">
+                <a:solidFill>
+                  <a:schemeClr val="bg2">
+                    <a:lumMod val="50000"/>
+                  </a:schemeClr>
+                </a:solidFill>
+                <a:latin typeface="Microsoft YaHei Light" panose="020B0503020204020204" pitchFamily="34" charset="-122"/>
+                <a:ea typeface="Microsoft YaHei Light" panose="020B0503020204020204" pitchFamily="34" charset="-122"/>
+              </a:rPr>
+              <a:t>）</a:t>
+            </a:r>
+            <a:endParaRPr lang="en-US" altLang="zh-CN" sz="800" dirty="0">
+              <a:solidFill>
+                <a:schemeClr val="bg2">
+                  <a:lumMod val="50000"/>
+                </a:schemeClr>
+              </a:solidFill>
+              <a:latin typeface="Microsoft YaHei Light" panose="020B0503020204020204" pitchFamily="34" charset="-122"/>
+              <a:ea typeface="Microsoft YaHei Light" panose="020B0503020204020204" pitchFamily="34" charset="-122"/>
+            </a:endParaRPr>
+          </a:p>
+          <a:p>
+            <a:pPr marL="180975" lvl="1" indent="-88900">
+              <a:lnSpc>
+                <a:spcPct val="150000"/>
+              </a:lnSpc>
+              <a:buFont typeface="系统字体常规体"/>
+              <a:buChar char="▪"/>
+            </a:pPr>
+            <a:r>
+              <a:rPr lang="en-US" altLang="zh-CN" sz="800" dirty="0">
+                <a:solidFill>
+                  <a:schemeClr val="bg2">
+                    <a:lumMod val="50000"/>
+                  </a:schemeClr>
+                </a:solidFill>
+                <a:latin typeface="Microsoft YaHei Light" panose="020B0503020204020204" pitchFamily="34" charset="-122"/>
+                <a:ea typeface="Microsoft YaHei Light" panose="020B0503020204020204" pitchFamily="34" charset="-122"/>
+              </a:rPr>
+              <a:t>Replay</a:t>
+            </a:r>
+            <a:r>
+              <a:rPr lang="zh-CN" altLang="en-US" sz="800" dirty="0">
+                <a:solidFill>
+                  <a:schemeClr val="bg2">
+                    <a:lumMod val="50000"/>
+                  </a:schemeClr>
+                </a:solidFill>
+                <a:latin typeface="Microsoft YaHei Light" panose="020B0503020204020204" pitchFamily="34" charset="-122"/>
+                <a:ea typeface="Microsoft YaHei Light" panose="020B0503020204020204" pitchFamily="34" charset="-122"/>
+              </a:rPr>
+              <a:t>线下模拟评估</a:t>
+            </a:r>
+            <a:endParaRPr lang="en-US" altLang="zh-CN" sz="800" dirty="0">
+              <a:solidFill>
+                <a:schemeClr val="bg2">
+                  <a:lumMod val="50000"/>
+                </a:schemeClr>
+              </a:solidFill>
+              <a:latin typeface="Microsoft YaHei Light" panose="020B0503020204020204" pitchFamily="34" charset="-122"/>
+              <a:ea typeface="Microsoft YaHei Light" panose="020B0503020204020204" pitchFamily="34" charset="-122"/>
+            </a:endParaRPr>
+          </a:p>
+        </p:txBody>
+      </p:sp>
+      <p:sp>
+        <p:nvSpPr>
+          <p:cNvPr id="68" name="矩形 67">
+            <a:extLst>
+              <a:ext uri="{FF2B5EF4-FFF2-40B4-BE49-F238E27FC236}">
+                <a16:creationId xmlns:a16="http://schemas.microsoft.com/office/drawing/2014/main" id="{46414369-3E6B-9144-9AC5-2BB2A86C4F1D}"/>
+              </a:ext>
+            </a:extLst>
+          </p:cNvPr>
+          <p:cNvSpPr/>
+          <p:nvPr/>
+        </p:nvSpPr>
+        <p:spPr>
+          <a:xfrm>
+            <a:off x="5823787" y="4378597"/>
+            <a:ext cx="2399693" cy="843033"/>
+          </a:xfrm>
+          <a:prstGeom prst="rect">
+            <a:avLst/>
+          </a:prstGeom>
+          <a:solidFill>
+            <a:schemeClr val="bg1"/>
+          </a:solidFill>
+          <a:ln w="9525">
+            <a:solidFill>
+              <a:schemeClr val="tx1"/>
+            </a:solidFill>
+          </a:ln>
+        </p:spPr>
+        <p:txBody>
+          <a:bodyPr wrap="square" tIns="72000" bIns="72000">
+            <a:spAutoFit/>
+          </a:bodyPr>
+          <a:lstStyle/>
+          <a:p>
+            <a:pPr algn="ctr">
+              <a:spcAft>
+                <a:spcPts val="400"/>
+              </a:spcAft>
+            </a:pPr>
+            <a:r>
+              <a:rPr lang="zh-CN" altLang="en-US" sz="1000" dirty="0">
+                <a:latin typeface="+mn-ea"/>
+              </a:rPr>
+              <a:t>补充策略与算法</a:t>
+            </a:r>
+            <a:endParaRPr lang="en-US" altLang="zh-CN" sz="1000" dirty="0">
+              <a:latin typeface="+mn-ea"/>
+            </a:endParaRPr>
+          </a:p>
+          <a:p>
+            <a:pPr algn="ctr"/>
+            <a:r>
+              <a:rPr lang="zh-CN" altLang="en-US" sz="800" dirty="0">
+                <a:solidFill>
+                  <a:schemeClr val="bg2">
+                    <a:lumMod val="50000"/>
+                  </a:schemeClr>
+                </a:solidFill>
+                <a:latin typeface="Microsoft YaHei Light" panose="020B0503020204020204" pitchFamily="34" charset="-122"/>
+                <a:ea typeface="Microsoft YaHei Light" panose="020B0503020204020204" pitchFamily="34" charset="-122"/>
+              </a:rPr>
+              <a:t>多样性</a:t>
+            </a:r>
+            <a:endParaRPr lang="en-US" altLang="zh-CN" sz="800" dirty="0">
+              <a:solidFill>
+                <a:schemeClr val="bg2">
+                  <a:lumMod val="50000"/>
+                </a:schemeClr>
+              </a:solidFill>
+              <a:latin typeface="Microsoft YaHei Light" panose="020B0503020204020204" pitchFamily="34" charset="-122"/>
+              <a:ea typeface="Microsoft YaHei Light" panose="020B0503020204020204" pitchFamily="34" charset="-122"/>
+            </a:endParaRPr>
+          </a:p>
+          <a:p>
+            <a:pPr algn="ctr"/>
+            <a:r>
+              <a:rPr lang="zh-CN" altLang="en-US" sz="800" dirty="0">
+                <a:solidFill>
+                  <a:schemeClr val="bg2">
+                    <a:lumMod val="50000"/>
+                  </a:schemeClr>
+                </a:solidFill>
+                <a:latin typeface="Microsoft YaHei Light" panose="020B0503020204020204" pitchFamily="34" charset="-122"/>
+                <a:ea typeface="Microsoft YaHei Light" panose="020B0503020204020204" pitchFamily="34" charset="-122"/>
+              </a:rPr>
+              <a:t>实时性</a:t>
+            </a:r>
+            <a:endParaRPr lang="en-US" altLang="zh-CN" sz="800" dirty="0">
+              <a:solidFill>
+                <a:schemeClr val="bg2">
+                  <a:lumMod val="50000"/>
+                </a:schemeClr>
+              </a:solidFill>
+              <a:latin typeface="Microsoft YaHei Light" panose="020B0503020204020204" pitchFamily="34" charset="-122"/>
+              <a:ea typeface="Microsoft YaHei Light" panose="020B0503020204020204" pitchFamily="34" charset="-122"/>
+            </a:endParaRPr>
+          </a:p>
+          <a:p>
+            <a:pPr algn="ctr"/>
+            <a:r>
+              <a:rPr lang="zh-CN" altLang="en-US" sz="800" dirty="0">
+                <a:solidFill>
+                  <a:schemeClr val="bg2">
+                    <a:lumMod val="50000"/>
+                  </a:schemeClr>
+                </a:solidFill>
+                <a:latin typeface="Microsoft YaHei Light" panose="020B0503020204020204" pitchFamily="34" charset="-122"/>
+                <a:ea typeface="Microsoft YaHei Light" panose="020B0503020204020204" pitchFamily="34" charset="-122"/>
+              </a:rPr>
+              <a:t>流行度</a:t>
+            </a:r>
+            <a:endParaRPr lang="en-US" altLang="zh-CN" sz="800" dirty="0">
+              <a:solidFill>
+                <a:schemeClr val="bg2">
+                  <a:lumMod val="50000"/>
+                </a:schemeClr>
+              </a:solidFill>
+              <a:latin typeface="Microsoft YaHei Light" panose="020B0503020204020204" pitchFamily="34" charset="-122"/>
+              <a:ea typeface="Microsoft YaHei Light" panose="020B0503020204020204" pitchFamily="34" charset="-122"/>
+            </a:endParaRPr>
+          </a:p>
+          <a:p>
+            <a:pPr algn="ctr"/>
+            <a:r>
+              <a:rPr lang="zh-CN" altLang="en-US" sz="800" dirty="0">
+                <a:solidFill>
+                  <a:schemeClr val="bg2">
+                    <a:lumMod val="50000"/>
+                  </a:schemeClr>
+                </a:solidFill>
+                <a:latin typeface="Microsoft YaHei Light" panose="020B0503020204020204" pitchFamily="34" charset="-122"/>
+                <a:ea typeface="Microsoft YaHei Light" panose="020B0503020204020204" pitchFamily="34" charset="-122"/>
+              </a:rPr>
+              <a:t>新鲜度</a:t>
+            </a:r>
+            <a:endParaRPr lang="en-US" altLang="zh-CN" sz="800" dirty="0">
+              <a:latin typeface="Microsoft YaHei" panose="020B0503020204020204" pitchFamily="34" charset="-122"/>
+              <a:ea typeface="Microsoft YaHei" panose="020B0503020204020204" pitchFamily="34" charset="-122"/>
+            </a:endParaRPr>
+          </a:p>
+        </p:txBody>
+      </p:sp>
+      <p:sp>
+        <p:nvSpPr>
+          <p:cNvPr id="69" name="梯形 68">
+            <a:extLst>
+              <a:ext uri="{FF2B5EF4-FFF2-40B4-BE49-F238E27FC236}">
+                <a16:creationId xmlns:a16="http://schemas.microsoft.com/office/drawing/2014/main" id="{8097641D-D859-CD41-87E8-3077267FE953}"/>
+              </a:ext>
+            </a:extLst>
+          </p:cNvPr>
+          <p:cNvSpPr/>
+          <p:nvPr/>
+        </p:nvSpPr>
+        <p:spPr>
           <a:xfrm flipV="1">
-            <a:off x="4104825" y="3480823"/>
-            <a:ext cx="0" cy="517368"/>
+            <a:off x="6222928" y="2224571"/>
+            <a:ext cx="1604789" cy="983300"/>
+          </a:xfrm>
+          <a:prstGeom prst="trapezoid">
+            <a:avLst>
+              <a:gd name="adj" fmla="val 22675"/>
+            </a:avLst>
+          </a:prstGeom>
+          <a:solidFill>
+            <a:schemeClr val="bg1"/>
+          </a:solidFill>
+          <a:ln w="9525">
+            <a:solidFill>
+              <a:schemeClr val="tx1"/>
+            </a:solidFill>
+          </a:ln>
+        </p:spPr>
+        <p:txBody>
+          <a:bodyPr vert="horz" wrap="square" tIns="72000" bIns="72000" anchor="ctr">
+            <a:noAutofit/>
+          </a:bodyPr>
+          <a:lstStyle/>
+          <a:p>
+            <a:pPr>
+              <a:lnSpc>
+                <a:spcPct val="150000"/>
+              </a:lnSpc>
+            </a:pPr>
+            <a:endParaRPr lang="zh-CN" altLang="en-US" sz="800" dirty="0">
+              <a:solidFill>
+                <a:schemeClr val="bg2">
+                  <a:lumMod val="50000"/>
+                </a:schemeClr>
+              </a:solidFill>
+              <a:latin typeface="Microsoft YaHei Light" panose="020B0503020204020204" pitchFamily="34" charset="-122"/>
+              <a:ea typeface="Microsoft YaHei Light" panose="020B0503020204020204" pitchFamily="34" charset="-122"/>
+            </a:endParaRPr>
+          </a:p>
+        </p:txBody>
+      </p:sp>
+      <p:sp>
+        <p:nvSpPr>
+          <p:cNvPr id="70" name="梯形 69">
+            <a:extLst>
+              <a:ext uri="{FF2B5EF4-FFF2-40B4-BE49-F238E27FC236}">
+                <a16:creationId xmlns:a16="http://schemas.microsoft.com/office/drawing/2014/main" id="{305338BF-635D-0046-8FF9-5948D6899BED}"/>
+              </a:ext>
+            </a:extLst>
+          </p:cNvPr>
+          <p:cNvSpPr/>
+          <p:nvPr/>
+        </p:nvSpPr>
+        <p:spPr>
+          <a:xfrm flipV="1">
+            <a:off x="6476792" y="3356446"/>
+            <a:ext cx="1097060" cy="877939"/>
+          </a:xfrm>
+          <a:prstGeom prst="trapezoid">
+            <a:avLst>
+              <a:gd name="adj" fmla="val 17069"/>
+            </a:avLst>
+          </a:prstGeom>
+          <a:solidFill>
+            <a:schemeClr val="bg1"/>
+          </a:solidFill>
+          <a:ln w="9525">
+            <a:solidFill>
+              <a:schemeClr val="tx1"/>
+            </a:solidFill>
+          </a:ln>
+        </p:spPr>
+        <p:txBody>
+          <a:bodyPr vert="horz" wrap="square" tIns="72000" bIns="72000" anchor="ctr">
+            <a:noAutofit/>
+          </a:bodyPr>
+          <a:lstStyle/>
+          <a:p>
+            <a:pPr>
+              <a:lnSpc>
+                <a:spcPct val="150000"/>
+              </a:lnSpc>
+            </a:pPr>
+            <a:endParaRPr lang="zh-CN" altLang="en-US" sz="800" dirty="0">
+              <a:solidFill>
+                <a:schemeClr val="bg2">
+                  <a:lumMod val="50000"/>
+                </a:schemeClr>
+              </a:solidFill>
+              <a:latin typeface="Microsoft YaHei Light" panose="020B0503020204020204" pitchFamily="34" charset="-122"/>
+              <a:ea typeface="Microsoft YaHei Light" panose="020B0503020204020204" pitchFamily="34" charset="-122"/>
+            </a:endParaRPr>
+          </a:p>
+        </p:txBody>
+      </p:sp>
+      <p:sp>
+        <p:nvSpPr>
+          <p:cNvPr id="71" name="文本框 70">
+            <a:extLst>
+              <a:ext uri="{FF2B5EF4-FFF2-40B4-BE49-F238E27FC236}">
+                <a16:creationId xmlns:a16="http://schemas.microsoft.com/office/drawing/2014/main" id="{8E40F8A3-38E8-9049-B16C-B045DB7323C3}"/>
+              </a:ext>
+            </a:extLst>
+          </p:cNvPr>
+          <p:cNvSpPr txBox="1"/>
+          <p:nvPr/>
+        </p:nvSpPr>
+        <p:spPr>
+          <a:xfrm>
+            <a:off x="6650696" y="2259599"/>
+            <a:ext cx="987962" cy="938719"/>
+          </a:xfrm>
+          <a:prstGeom prst="rect">
+            <a:avLst/>
+          </a:prstGeom>
+          <a:noFill/>
+        </p:spPr>
+        <p:txBody>
+          <a:bodyPr wrap="square" rtlCol="0">
+            <a:spAutoFit/>
+          </a:bodyPr>
+          <a:lstStyle/>
+          <a:p>
+            <a:pPr>
+              <a:spcAft>
+                <a:spcPts val="400"/>
+              </a:spcAft>
+            </a:pPr>
+            <a:r>
+              <a:rPr lang="zh-CN" altLang="en-US" sz="1000" dirty="0">
+                <a:latin typeface="+mn-ea"/>
+              </a:rPr>
+              <a:t>召回层</a:t>
+            </a:r>
+            <a:endParaRPr lang="en-US" altLang="zh-CN" sz="1000" dirty="0">
+              <a:latin typeface="+mn-ea"/>
+            </a:endParaRPr>
+          </a:p>
+          <a:p>
+            <a:r>
+              <a:rPr lang="en-US" altLang="zh-CN" sz="800" dirty="0">
+                <a:solidFill>
+                  <a:schemeClr val="bg2">
+                    <a:lumMod val="50000"/>
+                  </a:schemeClr>
+                </a:solidFill>
+                <a:latin typeface="Microsoft YaHei Light" panose="020B0503020204020204" pitchFamily="34" charset="-122"/>
+                <a:ea typeface="Microsoft YaHei Light" panose="020B0503020204020204" pitchFamily="34" charset="-122"/>
+              </a:rPr>
+              <a:t>Embedding</a:t>
+            </a:r>
+          </a:p>
+          <a:p>
+            <a:r>
+              <a:rPr lang="zh-CN" altLang="en-US" sz="800" dirty="0">
+                <a:solidFill>
+                  <a:schemeClr val="bg2">
+                    <a:lumMod val="50000"/>
+                  </a:schemeClr>
+                </a:solidFill>
+                <a:latin typeface="Microsoft YaHei Light" panose="020B0503020204020204" pitchFamily="34" charset="-122"/>
+                <a:ea typeface="Microsoft YaHei Light" panose="020B0503020204020204" pitchFamily="34" charset="-122"/>
+              </a:rPr>
+              <a:t>局部敏感哈希</a:t>
+            </a:r>
+            <a:endParaRPr lang="en-US" altLang="zh-CN" sz="800" dirty="0">
+              <a:solidFill>
+                <a:schemeClr val="bg2">
+                  <a:lumMod val="50000"/>
+                </a:schemeClr>
+              </a:solidFill>
+              <a:latin typeface="Microsoft YaHei Light" panose="020B0503020204020204" pitchFamily="34" charset="-122"/>
+              <a:ea typeface="Microsoft YaHei Light" panose="020B0503020204020204" pitchFamily="34" charset="-122"/>
+            </a:endParaRPr>
+          </a:p>
+          <a:p>
+            <a:r>
+              <a:rPr lang="zh-CN" altLang="en-US" sz="800" dirty="0">
+                <a:solidFill>
+                  <a:schemeClr val="bg2">
+                    <a:lumMod val="50000"/>
+                  </a:schemeClr>
+                </a:solidFill>
+                <a:latin typeface="Microsoft YaHei Light" panose="020B0503020204020204" pitchFamily="34" charset="-122"/>
+                <a:ea typeface="Microsoft YaHei Light" panose="020B0503020204020204" pitchFamily="34" charset="-122"/>
+              </a:rPr>
+              <a:t>热门物品召回</a:t>
+            </a:r>
+            <a:endParaRPr lang="en-US" altLang="zh-CN" sz="800" dirty="0">
+              <a:solidFill>
+                <a:schemeClr val="bg2">
+                  <a:lumMod val="50000"/>
+                </a:schemeClr>
+              </a:solidFill>
+              <a:latin typeface="Microsoft YaHei Light" panose="020B0503020204020204" pitchFamily="34" charset="-122"/>
+              <a:ea typeface="Microsoft YaHei Light" panose="020B0503020204020204" pitchFamily="34" charset="-122"/>
+            </a:endParaRPr>
+          </a:p>
+          <a:p>
+            <a:r>
+              <a:rPr lang="zh-CN" altLang="en-US" sz="800" dirty="0">
+                <a:solidFill>
+                  <a:schemeClr val="bg2">
+                    <a:lumMod val="50000"/>
+                  </a:schemeClr>
+                </a:solidFill>
+                <a:latin typeface="Microsoft YaHei Light" panose="020B0503020204020204" pitchFamily="34" charset="-122"/>
+                <a:ea typeface="Microsoft YaHei Light" panose="020B0503020204020204" pitchFamily="34" charset="-122"/>
+              </a:rPr>
+              <a:t>社交关系召回</a:t>
+            </a:r>
+            <a:endParaRPr lang="en-US" altLang="zh-CN" sz="800" dirty="0">
+              <a:solidFill>
+                <a:schemeClr val="bg2">
+                  <a:lumMod val="50000"/>
+                </a:schemeClr>
+              </a:solidFill>
+              <a:latin typeface="Microsoft YaHei Light" panose="020B0503020204020204" pitchFamily="34" charset="-122"/>
+              <a:ea typeface="Microsoft YaHei Light" panose="020B0503020204020204" pitchFamily="34" charset="-122"/>
+            </a:endParaRPr>
+          </a:p>
+          <a:p>
+            <a:r>
+              <a:rPr lang="zh-CN" altLang="en-US" sz="800" dirty="0">
+                <a:solidFill>
+                  <a:schemeClr val="bg2">
+                    <a:lumMod val="50000"/>
+                  </a:schemeClr>
+                </a:solidFill>
+                <a:latin typeface="Microsoft YaHei Light" panose="020B0503020204020204" pitchFamily="34" charset="-122"/>
+                <a:ea typeface="Microsoft YaHei Light" panose="020B0503020204020204" pitchFamily="34" charset="-122"/>
+              </a:rPr>
+              <a:t>新鲜物品召回</a:t>
+            </a:r>
+            <a:endParaRPr lang="zh-CN" altLang="en-US" sz="800" dirty="0">
+              <a:latin typeface="+mn-ea"/>
+            </a:endParaRPr>
+          </a:p>
+        </p:txBody>
+      </p:sp>
+      <p:sp>
+        <p:nvSpPr>
+          <p:cNvPr id="72" name="文本框 71">
+            <a:extLst>
+              <a:ext uri="{FF2B5EF4-FFF2-40B4-BE49-F238E27FC236}">
+                <a16:creationId xmlns:a16="http://schemas.microsoft.com/office/drawing/2014/main" id="{A6FF76C8-8770-3B47-9E33-D1B72A1AB5B8}"/>
+              </a:ext>
+            </a:extLst>
+          </p:cNvPr>
+          <p:cNvSpPr txBox="1"/>
+          <p:nvPr/>
+        </p:nvSpPr>
+        <p:spPr>
+          <a:xfrm>
+            <a:off x="6618454" y="3403661"/>
+            <a:ext cx="902811" cy="789960"/>
+          </a:xfrm>
+          <a:prstGeom prst="rect">
+            <a:avLst/>
+          </a:prstGeom>
+          <a:noFill/>
+        </p:spPr>
+        <p:txBody>
+          <a:bodyPr wrap="none" rtlCol="0">
+            <a:spAutoFit/>
+          </a:bodyPr>
+          <a:lstStyle/>
+          <a:p>
+            <a:pPr>
+              <a:spcAft>
+                <a:spcPts val="400"/>
+              </a:spcAft>
+            </a:pPr>
+            <a:r>
+              <a:rPr lang="zh-CN" altLang="en-US" sz="1000" dirty="0">
+                <a:latin typeface="+mn-ea"/>
+              </a:rPr>
+              <a:t>排序层</a:t>
+            </a:r>
+            <a:endParaRPr lang="en-US" altLang="zh-CN" sz="1000" dirty="0">
+              <a:latin typeface="+mn-ea"/>
+            </a:endParaRPr>
+          </a:p>
+          <a:p>
+            <a:r>
+              <a:rPr lang="zh-CN" altLang="en-US" sz="800" dirty="0">
+                <a:solidFill>
+                  <a:schemeClr val="bg2">
+                    <a:lumMod val="50000"/>
+                  </a:schemeClr>
+                </a:solidFill>
+                <a:latin typeface="Microsoft YaHei Light" panose="020B0503020204020204" pitchFamily="34" charset="-122"/>
+                <a:ea typeface="Microsoft YaHei Light" panose="020B0503020204020204" pitchFamily="34" charset="-122"/>
+              </a:rPr>
+              <a:t>协同过滤类模型</a:t>
+            </a:r>
+            <a:endParaRPr lang="en-US" altLang="zh-CN" sz="800" dirty="0">
+              <a:solidFill>
+                <a:schemeClr val="bg2">
+                  <a:lumMod val="50000"/>
+                </a:schemeClr>
+              </a:solidFill>
+              <a:latin typeface="Microsoft YaHei Light" panose="020B0503020204020204" pitchFamily="34" charset="-122"/>
+              <a:ea typeface="Microsoft YaHei Light" panose="020B0503020204020204" pitchFamily="34" charset="-122"/>
+            </a:endParaRPr>
+          </a:p>
+          <a:p>
+            <a:r>
+              <a:rPr lang="en-US" altLang="zh-CN" sz="800" dirty="0">
+                <a:solidFill>
+                  <a:schemeClr val="bg2">
+                    <a:lumMod val="50000"/>
+                  </a:schemeClr>
+                </a:solidFill>
+                <a:latin typeface="Microsoft YaHei Light" panose="020B0503020204020204" pitchFamily="34" charset="-122"/>
+                <a:ea typeface="Microsoft YaHei Light" panose="020B0503020204020204" pitchFamily="34" charset="-122"/>
+              </a:rPr>
+              <a:t>LR</a:t>
+            </a:r>
+            <a:r>
+              <a:rPr lang="zh-CN" altLang="en-US" sz="800" dirty="0">
+                <a:solidFill>
+                  <a:schemeClr val="bg2">
+                    <a:lumMod val="50000"/>
+                  </a:schemeClr>
+                </a:solidFill>
+                <a:latin typeface="Microsoft YaHei Light" panose="020B0503020204020204" pitchFamily="34" charset="-122"/>
+                <a:ea typeface="Microsoft YaHei Light" panose="020B0503020204020204" pitchFamily="34" charset="-122"/>
+              </a:rPr>
+              <a:t>、</a:t>
+            </a:r>
+            <a:r>
+              <a:rPr lang="en-US" altLang="zh-CN" sz="800" dirty="0">
+                <a:solidFill>
+                  <a:schemeClr val="bg2">
+                    <a:lumMod val="50000"/>
+                  </a:schemeClr>
+                </a:solidFill>
+                <a:latin typeface="Microsoft YaHei Light" panose="020B0503020204020204" pitchFamily="34" charset="-122"/>
+                <a:ea typeface="Microsoft YaHei Light" panose="020B0503020204020204" pitchFamily="34" charset="-122"/>
+              </a:rPr>
+              <a:t>FM</a:t>
+            </a:r>
+            <a:r>
+              <a:rPr lang="zh-CN" altLang="en-US" sz="800" dirty="0">
+                <a:solidFill>
+                  <a:schemeClr val="bg2">
+                    <a:lumMod val="50000"/>
+                  </a:schemeClr>
+                </a:solidFill>
+                <a:latin typeface="Microsoft YaHei Light" panose="020B0503020204020204" pitchFamily="34" charset="-122"/>
+                <a:ea typeface="Microsoft YaHei Light" panose="020B0503020204020204" pitchFamily="34" charset="-122"/>
+              </a:rPr>
+              <a:t>、</a:t>
+            </a:r>
+            <a:r>
+              <a:rPr lang="en-US" altLang="zh-CN" sz="800" dirty="0">
+                <a:solidFill>
+                  <a:schemeClr val="bg2">
+                    <a:lumMod val="50000"/>
+                  </a:schemeClr>
+                </a:solidFill>
+                <a:latin typeface="Microsoft YaHei Light" panose="020B0503020204020204" pitchFamily="34" charset="-122"/>
+                <a:ea typeface="Microsoft YaHei Light" panose="020B0503020204020204" pitchFamily="34" charset="-122"/>
+              </a:rPr>
+              <a:t>MLR</a:t>
+            </a:r>
+          </a:p>
+          <a:p>
+            <a:r>
+              <a:rPr lang="zh-CN" altLang="en-US" sz="800" dirty="0">
+                <a:solidFill>
+                  <a:schemeClr val="bg2">
+                    <a:lumMod val="50000"/>
+                  </a:schemeClr>
+                </a:solidFill>
+                <a:latin typeface="Microsoft YaHei Light" panose="020B0503020204020204" pitchFamily="34" charset="-122"/>
+                <a:ea typeface="Microsoft YaHei Light" panose="020B0503020204020204" pitchFamily="34" charset="-122"/>
+              </a:rPr>
+              <a:t>组合类模型</a:t>
+            </a:r>
+            <a:endParaRPr lang="en-US" altLang="zh-CN" sz="800" dirty="0">
+              <a:solidFill>
+                <a:schemeClr val="bg2">
+                  <a:lumMod val="50000"/>
+                </a:schemeClr>
+              </a:solidFill>
+              <a:latin typeface="Microsoft YaHei Light" panose="020B0503020204020204" pitchFamily="34" charset="-122"/>
+              <a:ea typeface="Microsoft YaHei Light" panose="020B0503020204020204" pitchFamily="34" charset="-122"/>
+            </a:endParaRPr>
+          </a:p>
+          <a:p>
+            <a:r>
+              <a:rPr lang="zh-CN" altLang="en-US" sz="800" dirty="0">
+                <a:solidFill>
+                  <a:schemeClr val="bg2">
+                    <a:lumMod val="50000"/>
+                  </a:schemeClr>
+                </a:solidFill>
+                <a:latin typeface="Microsoft YaHei Light" panose="020B0503020204020204" pitchFamily="34" charset="-122"/>
+                <a:ea typeface="Microsoft YaHei Light" panose="020B0503020204020204" pitchFamily="34" charset="-122"/>
+              </a:rPr>
+              <a:t>深度学习模型</a:t>
+            </a:r>
+            <a:endParaRPr lang="zh-CN" altLang="en-US" sz="800" dirty="0">
+              <a:latin typeface="+mn-ea"/>
+            </a:endParaRPr>
+          </a:p>
+        </p:txBody>
+      </p:sp>
+      <p:cxnSp>
+        <p:nvCxnSpPr>
+          <p:cNvPr id="50" name="直线箭头连接符 10">
+            <a:extLst>
+              <a:ext uri="{FF2B5EF4-FFF2-40B4-BE49-F238E27FC236}">
+                <a16:creationId xmlns:a16="http://schemas.microsoft.com/office/drawing/2014/main" id="{2BB9CAC2-AC55-9B47-A58E-504C844D112B}"/>
+              </a:ext>
+            </a:extLst>
+          </p:cNvPr>
+          <p:cNvCxnSpPr>
+            <a:cxnSpLocks/>
+            <a:stCxn id="46" idx="3"/>
+            <a:endCxn id="67" idx="0"/>
+          </p:cNvCxnSpPr>
+          <p:nvPr/>
+        </p:nvCxnSpPr>
+        <p:spPr>
+          <a:xfrm>
+            <a:off x="7449865" y="1566244"/>
+            <a:ext cx="0" cy="482738"/>
           </a:xfrm>
           <a:prstGeom prst="straightConnector1">
             <a:avLst/>
@@ -4664,23 +6407,24 @@
       </p:cxnSp>
       <p:cxnSp>
         <p:nvCxnSpPr>
-          <p:cNvPr id="41" name="直线箭头连接符 10">
+          <p:cNvPr id="51" name="直线箭头连接符 10">
             <a:extLst>
               <a:ext uri="{FF2B5EF4-FFF2-40B4-BE49-F238E27FC236}">
-                <a16:creationId xmlns:a16="http://schemas.microsoft.com/office/drawing/2014/main" id="{EF4FC9A7-98AA-4CB7-9818-C23562C483B1}"/>
+                <a16:creationId xmlns:a16="http://schemas.microsoft.com/office/drawing/2014/main" id="{BEA1263F-E25E-614D-B792-3A5DF27F8DA9}"/>
               </a:ext>
             </a:extLst>
           </p:cNvPr>
           <p:cNvCxnSpPr>
             <a:cxnSpLocks/>
-            <a:stCxn id="37" idx="0"/>
+            <a:stCxn id="67" idx="2"/>
+            <a:endCxn id="47" idx="0"/>
           </p:cNvCxnSpPr>
           <p:nvPr/>
         </p:nvCxnSpPr>
         <p:spPr>
-          <a:xfrm flipV="1">
-            <a:off x="8031243" y="3444377"/>
-            <a:ext cx="0" cy="401337"/>
+          <a:xfrm flipH="1">
+            <a:off x="7444656" y="5407064"/>
+            <a:ext cx="5209" cy="558672"/>
           </a:xfrm>
           <a:prstGeom prst="straightConnector1">
             <a:avLst/>
@@ -4707,10 +6451,10 @@
       </p:cxnSp>
       <p:sp>
         <p:nvSpPr>
-          <p:cNvPr id="54" name="矩形 53">
+          <p:cNvPr id="61" name="箭头: 下 44">
             <a:extLst>
               <a:ext uri="{FF2B5EF4-FFF2-40B4-BE49-F238E27FC236}">
-                <a16:creationId xmlns:a16="http://schemas.microsoft.com/office/drawing/2014/main" id="{0229CE6E-56E2-40D6-BEF9-419FA61DECE4}"/>
+                <a16:creationId xmlns:a16="http://schemas.microsoft.com/office/drawing/2014/main" id="{04F2F4C3-2440-C044-BD30-DEDF33666E2F}"/>
               </a:ext>
             </a:extLst>
           </p:cNvPr>
@@ -4718,477 +6462,58 @@
           <p:nvPr/>
         </p:nvSpPr>
         <p:spPr>
-          <a:xfrm>
-            <a:off x="4326004" y="3459086"/>
-            <a:ext cx="1435099" cy="493643"/>
-          </a:xfrm>
-          <a:prstGeom prst="rect">
-            <a:avLst/>
-          </a:prstGeom>
+          <a:xfrm rot="16200000">
+            <a:off x="5135503" y="3321762"/>
+            <a:ext cx="453471" cy="493835"/>
+          </a:xfrm>
+          <a:prstGeom prst="downArrow">
+            <a:avLst>
+              <a:gd name="adj1" fmla="val 46550"/>
+              <a:gd name="adj2" fmla="val 50000"/>
+            </a:avLst>
+          </a:prstGeom>
+          <a:noFill/>
           <a:ln w="9525">
-            <a:noFill/>
+            <a:solidFill>
+              <a:schemeClr val="tx1"/>
+            </a:solidFill>
           </a:ln>
         </p:spPr>
+        <p:style>
+          <a:lnRef idx="2">
+            <a:schemeClr val="accent1">
+              <a:shade val="50000"/>
+            </a:schemeClr>
+          </a:lnRef>
+          <a:fillRef idx="1">
+            <a:schemeClr val="accent1"/>
+          </a:fillRef>
+          <a:effectRef idx="0">
+            <a:schemeClr val="accent1"/>
+          </a:effectRef>
+          <a:fontRef idx="minor">
+            <a:schemeClr val="lt1"/>
+          </a:fontRef>
+        </p:style>
         <p:txBody>
-          <a:bodyPr wrap="square" tIns="72000" bIns="72000">
-            <a:spAutoFit/>
-          </a:bodyPr>
+          <a:bodyPr rtlCol="0" anchor="ctr"/>
           <a:lstStyle/>
           <a:p>
-            <a:pPr>
-              <a:lnSpc>
-                <a:spcPct val="150000"/>
-              </a:lnSpc>
-            </a:pPr>
-            <a:r>
-              <a:rPr lang="zh-CN" altLang="en-US" sz="800">
-                <a:latin typeface="微软雅黑 Light" panose="020B0502040204020203" pitchFamily="34" charset="-122"/>
-                <a:ea typeface="微软雅黑 Light" panose="020B0502040204020203" pitchFamily="34" charset="-122"/>
-              </a:rPr>
-              <a:t>模型上线：自研、</a:t>
-            </a:r>
-            <a:r>
-              <a:rPr lang="en-US" altLang="zh-CN" sz="800">
-                <a:latin typeface="微软雅黑 Light" panose="020B0502040204020203" pitchFamily="34" charset="-122"/>
-                <a:ea typeface="微软雅黑 Light" panose="020B0502040204020203" pitchFamily="34" charset="-122"/>
-              </a:rPr>
-              <a:t>PMML</a:t>
-            </a:r>
-            <a:r>
-              <a:rPr lang="zh-CN" altLang="en-US" sz="800">
-                <a:latin typeface="微软雅黑 Light" panose="020B0502040204020203" pitchFamily="34" charset="-122"/>
-                <a:ea typeface="微软雅黑 Light" panose="020B0502040204020203" pitchFamily="34" charset="-122"/>
-              </a:rPr>
-              <a:t>、</a:t>
-            </a:r>
-            <a:r>
-              <a:rPr lang="en-US" altLang="zh-CN" sz="800">
-                <a:latin typeface="微软雅黑 Light" panose="020B0502040204020203" pitchFamily="34" charset="-122"/>
-                <a:ea typeface="微软雅黑 Light" panose="020B0502040204020203" pitchFamily="34" charset="-122"/>
-              </a:rPr>
-              <a:t>TF Serving</a:t>
-            </a:r>
-            <a:r>
-              <a:rPr lang="zh-CN" altLang="en-US" sz="800">
-                <a:latin typeface="微软雅黑 Light" panose="020B0502040204020203" pitchFamily="34" charset="-122"/>
-                <a:ea typeface="微软雅黑 Light" panose="020B0502040204020203" pitchFamily="34" charset="-122"/>
-              </a:rPr>
-              <a:t>、二次开发</a:t>
-            </a:r>
-            <a:endParaRPr lang="en-US" altLang="zh-CN" sz="800">
+            <a:pPr algn="ctr"/>
+            <a:endParaRPr kumimoji="1" lang="zh-CN" altLang="en-US" sz="800">
               <a:solidFill>
-                <a:schemeClr val="bg2">
-                  <a:lumMod val="50000"/>
-                </a:schemeClr>
-              </a:solidFill>
-              <a:latin typeface="微软雅黑 Light" panose="020B0502040204020203" pitchFamily="34" charset="-122"/>
-              <a:ea typeface="微软雅黑 Light" panose="020B0502040204020203" pitchFamily="34" charset="-122"/>
-            </a:endParaRPr>
-          </a:p>
-        </p:txBody>
-      </p:sp>
-      <p:sp>
-        <p:nvSpPr>
-          <p:cNvPr id="55" name="矩形 54">
-            <a:extLst>
-              <a:ext uri="{FF2B5EF4-FFF2-40B4-BE49-F238E27FC236}">
-                <a16:creationId xmlns:a16="http://schemas.microsoft.com/office/drawing/2014/main" id="{20A46499-0868-438D-8E18-D7682D2DE7A0}"/>
-              </a:ext>
-            </a:extLst>
-          </p:cNvPr>
-          <p:cNvSpPr/>
-          <p:nvPr/>
-        </p:nvSpPr>
-        <p:spPr>
-          <a:xfrm>
-            <a:off x="6297105" y="3449072"/>
-            <a:ext cx="1100478" cy="678501"/>
-          </a:xfrm>
-          <a:prstGeom prst="rect">
-            <a:avLst/>
-          </a:prstGeom>
-          <a:ln w="9525">
-            <a:noFill/>
-          </a:ln>
-        </p:spPr>
-        <p:txBody>
-          <a:bodyPr wrap="square" tIns="72000" bIns="72000">
-            <a:spAutoFit/>
-          </a:bodyPr>
-          <a:lstStyle/>
-          <a:p>
-            <a:pPr>
-              <a:lnSpc>
-                <a:spcPct val="150000"/>
-              </a:lnSpc>
-            </a:pPr>
-            <a:r>
-              <a:rPr lang="zh-CN" altLang="en-US" sz="800" b="1">
-                <a:latin typeface="+mn-ea"/>
-              </a:rPr>
-              <a:t>线上评估</a:t>
-            </a:r>
-            <a:endParaRPr lang="en-US" altLang="zh-CN" sz="800" b="1">
-              <a:latin typeface="+mn-ea"/>
-            </a:endParaRPr>
-          </a:p>
-          <a:p>
-            <a:pPr>
-              <a:lnSpc>
-                <a:spcPct val="150000"/>
-              </a:lnSpc>
-            </a:pPr>
-            <a:r>
-              <a:rPr lang="en-US" altLang="zh-CN" sz="800">
-                <a:solidFill>
-                  <a:schemeClr val="bg2">
-                    <a:lumMod val="50000"/>
-                  </a:schemeClr>
-                </a:solidFill>
-                <a:latin typeface="Microsoft YaHei Light" panose="020B0503020204020204" pitchFamily="34" charset="-122"/>
-                <a:ea typeface="Microsoft YaHei Light" panose="020B0503020204020204" pitchFamily="34" charset="-122"/>
-              </a:rPr>
-              <a:t>Interleaving</a:t>
-            </a:r>
-            <a:r>
-              <a:rPr lang="zh-CN" altLang="en-US" sz="800">
-                <a:solidFill>
-                  <a:schemeClr val="bg2">
-                    <a:lumMod val="50000"/>
-                  </a:schemeClr>
-                </a:solidFill>
-                <a:latin typeface="Microsoft YaHei Light" panose="020B0503020204020204" pitchFamily="34" charset="-122"/>
-                <a:ea typeface="Microsoft YaHei Light" panose="020B0503020204020204" pitchFamily="34" charset="-122"/>
-              </a:rPr>
-              <a:t>测试</a:t>
-            </a:r>
-            <a:endParaRPr lang="en-US" altLang="zh-CN" sz="800">
-              <a:solidFill>
-                <a:schemeClr val="bg2">
-                  <a:lumMod val="50000"/>
-                </a:schemeClr>
+                <a:schemeClr val="tx1"/>
               </a:solidFill>
               <a:latin typeface="Microsoft YaHei Light" panose="020B0503020204020204" pitchFamily="34" charset="-122"/>
               <a:ea typeface="Microsoft YaHei Light" panose="020B0503020204020204" pitchFamily="34" charset="-122"/>
             </a:endParaRPr>
           </a:p>
-          <a:p>
-            <a:pPr>
-              <a:lnSpc>
-                <a:spcPct val="150000"/>
-              </a:lnSpc>
-            </a:pPr>
-            <a:r>
-              <a:rPr lang="zh-CN" altLang="en-US" sz="800">
-                <a:solidFill>
-                  <a:schemeClr val="bg2">
-                    <a:lumMod val="50000"/>
-                  </a:schemeClr>
-                </a:solidFill>
-                <a:latin typeface="Microsoft YaHei Light" panose="020B0503020204020204" pitchFamily="34" charset="-122"/>
-                <a:ea typeface="Microsoft YaHei Light" panose="020B0503020204020204" pitchFamily="34" charset="-122"/>
-              </a:rPr>
-              <a:t>线上</a:t>
-            </a:r>
-            <a:r>
-              <a:rPr lang="en-US" altLang="zh-CN" sz="800">
-                <a:solidFill>
-                  <a:schemeClr val="bg2">
-                    <a:lumMod val="50000"/>
-                  </a:schemeClr>
-                </a:solidFill>
-                <a:latin typeface="Microsoft YaHei Light" panose="020B0503020204020204" pitchFamily="34" charset="-122"/>
-                <a:ea typeface="Microsoft YaHei Light" panose="020B0503020204020204" pitchFamily="34" charset="-122"/>
-              </a:rPr>
-              <a:t>A/B</a:t>
-            </a:r>
-            <a:r>
-              <a:rPr lang="zh-CN" altLang="en-US" sz="800">
-                <a:solidFill>
-                  <a:schemeClr val="bg2">
-                    <a:lumMod val="50000"/>
-                  </a:schemeClr>
-                </a:solidFill>
-                <a:latin typeface="Microsoft YaHei Light" panose="020B0503020204020204" pitchFamily="34" charset="-122"/>
-                <a:ea typeface="Microsoft YaHei Light" panose="020B0503020204020204" pitchFamily="34" charset="-122"/>
-              </a:rPr>
-              <a:t>测试</a:t>
-            </a:r>
-            <a:endParaRPr lang="en-US" altLang="zh-CN" sz="800">
-              <a:solidFill>
-                <a:schemeClr val="bg2">
-                  <a:lumMod val="50000"/>
-                </a:schemeClr>
-              </a:solidFill>
-              <a:latin typeface="Microsoft YaHei Light" panose="020B0503020204020204" pitchFamily="34" charset="-122"/>
-              <a:ea typeface="Microsoft YaHei Light" panose="020B0503020204020204" pitchFamily="34" charset="-122"/>
-            </a:endParaRPr>
-          </a:p>
         </p:txBody>
       </p:sp>
-      <p:sp>
-        <p:nvSpPr>
-          <p:cNvPr id="57" name="矩形 56">
-            <a:extLst>
-              <a:ext uri="{FF2B5EF4-FFF2-40B4-BE49-F238E27FC236}">
-                <a16:creationId xmlns:a16="http://schemas.microsoft.com/office/drawing/2014/main" id="{81DF4F3C-B822-49FB-A9E2-50A0C62C65DF}"/>
-              </a:ext>
-            </a:extLst>
-          </p:cNvPr>
-          <p:cNvSpPr/>
-          <p:nvPr/>
-        </p:nvSpPr>
-        <p:spPr>
-          <a:xfrm>
-            <a:off x="4223529" y="4690463"/>
-            <a:ext cx="2089424" cy="678501"/>
-          </a:xfrm>
-          <a:prstGeom prst="rect">
-            <a:avLst/>
-          </a:prstGeom>
-          <a:ln w="9525">
-            <a:noFill/>
-          </a:ln>
-        </p:spPr>
-        <p:txBody>
-          <a:bodyPr wrap="square" tIns="72000" bIns="72000">
-            <a:spAutoFit/>
-          </a:bodyPr>
-          <a:lstStyle/>
-          <a:p>
-            <a:pPr>
-              <a:lnSpc>
-                <a:spcPct val="150000"/>
-              </a:lnSpc>
-            </a:pPr>
-            <a:r>
-              <a:rPr lang="zh-CN" altLang="en-US" sz="800" b="1">
-                <a:latin typeface="+mn-ea"/>
-              </a:rPr>
-              <a:t>离线评估</a:t>
-            </a:r>
-            <a:endParaRPr lang="en-US" altLang="zh-CN" sz="800" b="1">
-              <a:latin typeface="+mn-ea"/>
-            </a:endParaRPr>
-          </a:p>
-          <a:p>
-            <a:pPr>
-              <a:lnSpc>
-                <a:spcPct val="150000"/>
-              </a:lnSpc>
-            </a:pPr>
-            <a:r>
-              <a:rPr lang="zh-CN" altLang="en-US" sz="800">
-                <a:solidFill>
-                  <a:schemeClr val="bg2">
-                    <a:lumMod val="50000"/>
-                  </a:schemeClr>
-                </a:solidFill>
-                <a:latin typeface="Microsoft YaHei Light" panose="020B0503020204020204" pitchFamily="34" charset="-122"/>
-                <a:ea typeface="Microsoft YaHei Light" panose="020B0503020204020204" pitchFamily="34" charset="-122"/>
-              </a:rPr>
-              <a:t>常规离线评估（</a:t>
-            </a:r>
-            <a:r>
-              <a:rPr lang="en-US" altLang="zh-CN" sz="800">
-                <a:solidFill>
-                  <a:schemeClr val="bg2">
-                    <a:lumMod val="50000"/>
-                  </a:schemeClr>
-                </a:solidFill>
-                <a:latin typeface="Microsoft YaHei Light" panose="020B0503020204020204" pitchFamily="34" charset="-122"/>
-                <a:ea typeface="Microsoft YaHei Light" panose="020B0503020204020204" pitchFamily="34" charset="-122"/>
-              </a:rPr>
-              <a:t>AUC</a:t>
-            </a:r>
-            <a:r>
-              <a:rPr lang="zh-CN" altLang="en-US" sz="800">
-                <a:solidFill>
-                  <a:schemeClr val="bg2">
-                    <a:lumMod val="50000"/>
-                  </a:schemeClr>
-                </a:solidFill>
-                <a:latin typeface="Microsoft YaHei Light" panose="020B0503020204020204" pitchFamily="34" charset="-122"/>
-                <a:ea typeface="Microsoft YaHei Light" panose="020B0503020204020204" pitchFamily="34" charset="-122"/>
-              </a:rPr>
-              <a:t>、</a:t>
-            </a:r>
-            <a:r>
-              <a:rPr lang="en-US" altLang="zh-CN" sz="800">
-                <a:solidFill>
-                  <a:schemeClr val="bg2">
-                    <a:lumMod val="50000"/>
-                  </a:schemeClr>
-                </a:solidFill>
-                <a:latin typeface="Microsoft YaHei Light" panose="020B0503020204020204" pitchFamily="34" charset="-122"/>
-                <a:ea typeface="Microsoft YaHei Light" panose="020B0503020204020204" pitchFamily="34" charset="-122"/>
-              </a:rPr>
-              <a:t>Recall</a:t>
-            </a:r>
-            <a:r>
-              <a:rPr lang="zh-CN" altLang="en-US" sz="800">
-                <a:solidFill>
-                  <a:schemeClr val="bg2">
-                    <a:lumMod val="50000"/>
-                  </a:schemeClr>
-                </a:solidFill>
-                <a:latin typeface="Microsoft YaHei Light" panose="020B0503020204020204" pitchFamily="34" charset="-122"/>
-                <a:ea typeface="Microsoft YaHei Light" panose="020B0503020204020204" pitchFamily="34" charset="-122"/>
-              </a:rPr>
-              <a:t>、</a:t>
-            </a:r>
-            <a:r>
-              <a:rPr lang="en-US" altLang="zh-CN" sz="800">
-                <a:solidFill>
-                  <a:schemeClr val="bg2">
-                    <a:lumMod val="50000"/>
-                  </a:schemeClr>
-                </a:solidFill>
-                <a:latin typeface="Microsoft YaHei Light" panose="020B0503020204020204" pitchFamily="34" charset="-122"/>
-                <a:ea typeface="Microsoft YaHei Light" panose="020B0503020204020204" pitchFamily="34" charset="-122"/>
-              </a:rPr>
-              <a:t>RMSE</a:t>
-            </a:r>
-            <a:r>
-              <a:rPr lang="zh-CN" altLang="en-US" sz="800">
-                <a:solidFill>
-                  <a:schemeClr val="bg2">
-                    <a:lumMod val="50000"/>
-                  </a:schemeClr>
-                </a:solidFill>
-                <a:latin typeface="Microsoft YaHei Light" panose="020B0503020204020204" pitchFamily="34" charset="-122"/>
-                <a:ea typeface="Microsoft YaHei Light" panose="020B0503020204020204" pitchFamily="34" charset="-122"/>
-              </a:rPr>
-              <a:t>）</a:t>
-            </a:r>
-            <a:endParaRPr lang="en-US" altLang="zh-CN" sz="800">
-              <a:solidFill>
-                <a:schemeClr val="bg2">
-                  <a:lumMod val="50000"/>
-                </a:schemeClr>
-              </a:solidFill>
-              <a:latin typeface="Microsoft YaHei Light" panose="020B0503020204020204" pitchFamily="34" charset="-122"/>
-              <a:ea typeface="Microsoft YaHei Light" panose="020B0503020204020204" pitchFamily="34" charset="-122"/>
-            </a:endParaRPr>
-          </a:p>
-          <a:p>
-            <a:pPr>
-              <a:lnSpc>
-                <a:spcPct val="150000"/>
-              </a:lnSpc>
-            </a:pPr>
-            <a:r>
-              <a:rPr lang="en-US" altLang="zh-CN" sz="800">
-                <a:solidFill>
-                  <a:schemeClr val="bg2">
-                    <a:lumMod val="50000"/>
-                  </a:schemeClr>
-                </a:solidFill>
-                <a:latin typeface="Microsoft YaHei Light" panose="020B0503020204020204" pitchFamily="34" charset="-122"/>
-                <a:ea typeface="Microsoft YaHei Light" panose="020B0503020204020204" pitchFamily="34" charset="-122"/>
-              </a:rPr>
-              <a:t>Replay</a:t>
-            </a:r>
-            <a:r>
-              <a:rPr lang="zh-CN" altLang="en-US" sz="800">
-                <a:solidFill>
-                  <a:schemeClr val="bg2">
-                    <a:lumMod val="50000"/>
-                  </a:schemeClr>
-                </a:solidFill>
-                <a:latin typeface="Microsoft YaHei Light" panose="020B0503020204020204" pitchFamily="34" charset="-122"/>
-                <a:ea typeface="Microsoft YaHei Light" panose="020B0503020204020204" pitchFamily="34" charset="-122"/>
-              </a:rPr>
-              <a:t>线下模拟评估</a:t>
-            </a:r>
-            <a:endParaRPr lang="en-US" altLang="zh-CN" sz="800">
-              <a:solidFill>
-                <a:schemeClr val="bg2">
-                  <a:lumMod val="50000"/>
-                </a:schemeClr>
-              </a:solidFill>
-              <a:latin typeface="Microsoft YaHei Light" panose="020B0503020204020204" pitchFamily="34" charset="-122"/>
-              <a:ea typeface="Microsoft YaHei Light" panose="020B0503020204020204" pitchFamily="34" charset="-122"/>
-            </a:endParaRPr>
-          </a:p>
-        </p:txBody>
-      </p:sp>
-      <p:pic>
-        <p:nvPicPr>
-          <p:cNvPr id="16" name="图形 15">
-            <a:extLst>
-              <a:ext uri="{FF2B5EF4-FFF2-40B4-BE49-F238E27FC236}">
-                <a16:creationId xmlns:a16="http://schemas.microsoft.com/office/drawing/2014/main" id="{7DB73D9E-1F02-4CFB-A1CD-FDD7332F374E}"/>
-              </a:ext>
-            </a:extLst>
-          </p:cNvPr>
-          <p:cNvPicPr>
-            <a:picLocks noChangeAspect="1"/>
-          </p:cNvPicPr>
-          <p:nvPr/>
-        </p:nvPicPr>
-        <p:blipFill>
-          <a:blip r:embed="rId2">
-            <a:extLst>
-              <a:ext uri="{96DAC541-7B7A-43D3-8B79-37D633B846F1}">
-                <asvg:svgBlip xmlns:asvg="http://schemas.microsoft.com/office/drawing/2016/SVG/main" r:embed="rId3"/>
-              </a:ext>
-            </a:extLst>
-          </a:blip>
-          <a:stretch>
-            <a:fillRect/>
-          </a:stretch>
-        </p:blipFill>
-        <p:spPr>
-          <a:xfrm rot="5400000">
-            <a:off x="3715683" y="4703684"/>
-            <a:ext cx="507846" cy="507846"/>
-          </a:xfrm>
-          <a:prstGeom prst="rect">
-            <a:avLst/>
-          </a:prstGeom>
-        </p:spPr>
-      </p:pic>
-      <p:pic>
-        <p:nvPicPr>
-          <p:cNvPr id="58" name="图形 57">
-            <a:extLst>
-              <a:ext uri="{FF2B5EF4-FFF2-40B4-BE49-F238E27FC236}">
-                <a16:creationId xmlns:a16="http://schemas.microsoft.com/office/drawing/2014/main" id="{238990F8-6BF3-42B9-8A4F-1CE5446FF451}"/>
-              </a:ext>
-            </a:extLst>
-          </p:cNvPr>
-          <p:cNvPicPr>
-            <a:picLocks noChangeAspect="1"/>
-          </p:cNvPicPr>
-          <p:nvPr/>
-        </p:nvPicPr>
-        <p:blipFill>
-          <a:blip r:embed="rId2">
-            <a:extLst>
-              <a:ext uri="{96DAC541-7B7A-43D3-8B79-37D633B846F1}">
-                <asvg:svgBlip xmlns:asvg="http://schemas.microsoft.com/office/drawing/2016/SVG/main" r:embed="rId3"/>
-              </a:ext>
-            </a:extLst>
-          </a:blip>
-          <a:stretch>
-            <a:fillRect/>
-          </a:stretch>
-        </p:blipFill>
-        <p:spPr>
-          <a:xfrm rot="5400000">
-            <a:off x="5800666" y="3435864"/>
-            <a:ext cx="507846" cy="507846"/>
-          </a:xfrm>
-          <a:prstGeom prst="rect">
-            <a:avLst/>
-          </a:prstGeom>
-        </p:spPr>
-      </p:pic>
     </p:spTree>
     <p:extLst>
       <p:ext uri="{BB962C8B-B14F-4D97-AF65-F5344CB8AC3E}">
-        <p14:creationId xmlns:p14="http://schemas.microsoft.com/office/powerpoint/2010/main" val="4045502357"/>
+        <p14:creationId xmlns:p14="http://schemas.microsoft.com/office/powerpoint/2010/main" val="1677379786"/>
       </p:ext>
     </p:extLst>
   </p:cSld>
